--- a/draft.pptx
+++ b/draft.pptx
@@ -5,7 +5,7 @@
     <p:sldMasterId id="2147483650" r:id="rId1"/>
   </p:sldMasterIdLst>
   <p:notesMasterIdLst>
-    <p:notesMasterId r:id="rId13"/>
+    <p:notesMasterId r:id="rId17"/>
   </p:notesMasterIdLst>
   <p:sldIdLst>
     <p:sldId id="330" r:id="rId2"/>
@@ -17,13 +17,17 @@
     <p:sldId id="434" r:id="rId8"/>
     <p:sldId id="435" r:id="rId9"/>
     <p:sldId id="436" r:id="rId10"/>
-    <p:sldId id="429" r:id="rId11"/>
-    <p:sldId id="282" r:id="rId12"/>
+    <p:sldId id="437" r:id="rId11"/>
+    <p:sldId id="439" r:id="rId12"/>
+    <p:sldId id="440" r:id="rId13"/>
+    <p:sldId id="438" r:id="rId14"/>
+    <p:sldId id="429" r:id="rId15"/>
+    <p:sldId id="282" r:id="rId16"/>
   </p:sldIdLst>
   <p:sldSz cx="9144000" cy="6858000" type="screen4x3"/>
   <p:notesSz cx="6858000" cy="9144000"/>
   <p:custDataLst>
-    <p:tags r:id="rId14"/>
+    <p:tags r:id="rId18"/>
   </p:custDataLst>
   <p:defaultTextStyle>
     <a:defPPr>
@@ -3688,7 +3692,7 @@
           <a:p>
             <a:fld id="{5D13BBE5-0BEA-4494-9BEF-C8C2F48C9E2D}" type="datetimeFigureOut">
               <a:rPr lang="zh-CN" altLang="en-US" smtClean="0"/>
-              <a:t>2023/5/7</a:t>
+              <a:t>2023/5/11</a:t>
             </a:fld>
             <a:endParaRPr lang="zh-CN" altLang="en-US"/>
           </a:p>
@@ -4123,6 +4127,362 @@
     </p:spTree>
     <p:extLst>
       <p:ext uri="{BB962C8B-B14F-4D97-AF65-F5344CB8AC3E}">
+        <p14:creationId xmlns:p14="http://schemas.microsoft.com/office/powerpoint/2010/main" val="2186459365"/>
+      </p:ext>
+    </p:extLst>
+  </p:cSld>
+  <p:clrMapOvr>
+    <a:masterClrMapping/>
+  </p:clrMapOvr>
+</p:notes>
+</file>
+
+<file path=ppt/notesSlides/notesSlide11.xml><?xml version="1.0" encoding="utf-8"?>
+<p:notes xmlns:a="http://schemas.openxmlformats.org/drawingml/2006/main" xmlns:r="http://schemas.openxmlformats.org/officeDocument/2006/relationships" xmlns:p="http://schemas.openxmlformats.org/presentationml/2006/main">
+  <p:cSld>
+    <p:spTree>
+      <p:nvGrpSpPr>
+        <p:cNvPr id="1" name=""/>
+        <p:cNvGrpSpPr/>
+        <p:nvPr/>
+      </p:nvGrpSpPr>
+      <p:grpSpPr>
+        <a:xfrm>
+          <a:off x="0" y="0"/>
+          <a:ext cx="0" cy="0"/>
+          <a:chOff x="0" y="0"/>
+          <a:chExt cx="0" cy="0"/>
+        </a:xfrm>
+      </p:grpSpPr>
+      <p:sp>
+        <p:nvSpPr>
+          <p:cNvPr id="2" name="幻灯片图像占位符 1"/>
+          <p:cNvSpPr>
+            <a:spLocks noGrp="1" noRot="1" noChangeAspect="1"/>
+          </p:cNvSpPr>
+          <p:nvPr>
+            <p:ph type="sldImg"/>
+          </p:nvPr>
+        </p:nvSpPr>
+        <p:spPr>
+          <a:xfrm>
+            <a:off x="1371600" y="1143000"/>
+            <a:ext cx="4114800" cy="3086100"/>
+          </a:xfrm>
+        </p:spPr>
+      </p:sp>
+      <p:sp>
+        <p:nvSpPr>
+          <p:cNvPr id="3" name="备注占位符 2"/>
+          <p:cNvSpPr>
+            <a:spLocks noGrp="1"/>
+          </p:cNvSpPr>
+          <p:nvPr>
+            <p:ph type="body" idx="1"/>
+          </p:nvPr>
+        </p:nvSpPr>
+        <p:spPr/>
+        <p:txBody>
+          <a:bodyPr/>
+          <a:lstStyle/>
+          <a:p>
+            <a:endParaRPr lang="zh-CN" altLang="en-US"/>
+          </a:p>
+        </p:txBody>
+      </p:sp>
+      <p:sp>
+        <p:nvSpPr>
+          <p:cNvPr id="4" name="灯片编号占位符 3"/>
+          <p:cNvSpPr>
+            <a:spLocks noGrp="1"/>
+          </p:cNvSpPr>
+          <p:nvPr>
+            <p:ph type="sldNum" sz="quarter" idx="10"/>
+          </p:nvPr>
+        </p:nvSpPr>
+        <p:spPr/>
+        <p:txBody>
+          <a:bodyPr/>
+          <a:lstStyle/>
+          <a:p>
+            <a:fld id="{F1CB8912-F0BA-4AD8-8415-DA1F26BCB09F}" type="slidenum">
+              <a:rPr lang="zh-CN" altLang="en-US" smtClean="0"/>
+              <a:t>11</a:t>
+            </a:fld>
+            <a:endParaRPr lang="zh-CN" altLang="en-US"/>
+          </a:p>
+        </p:txBody>
+      </p:sp>
+    </p:spTree>
+    <p:extLst>
+      <p:ext uri="{BB962C8B-B14F-4D97-AF65-F5344CB8AC3E}">
+        <p14:creationId xmlns:p14="http://schemas.microsoft.com/office/powerpoint/2010/main" val="1281741648"/>
+      </p:ext>
+    </p:extLst>
+  </p:cSld>
+  <p:clrMapOvr>
+    <a:masterClrMapping/>
+  </p:clrMapOvr>
+</p:notes>
+</file>
+
+<file path=ppt/notesSlides/notesSlide12.xml><?xml version="1.0" encoding="utf-8"?>
+<p:notes xmlns:a="http://schemas.openxmlformats.org/drawingml/2006/main" xmlns:r="http://schemas.openxmlformats.org/officeDocument/2006/relationships" xmlns:p="http://schemas.openxmlformats.org/presentationml/2006/main">
+  <p:cSld>
+    <p:spTree>
+      <p:nvGrpSpPr>
+        <p:cNvPr id="1" name=""/>
+        <p:cNvGrpSpPr/>
+        <p:nvPr/>
+      </p:nvGrpSpPr>
+      <p:grpSpPr>
+        <a:xfrm>
+          <a:off x="0" y="0"/>
+          <a:ext cx="0" cy="0"/>
+          <a:chOff x="0" y="0"/>
+          <a:chExt cx="0" cy="0"/>
+        </a:xfrm>
+      </p:grpSpPr>
+      <p:sp>
+        <p:nvSpPr>
+          <p:cNvPr id="2" name="幻灯片图像占位符 1"/>
+          <p:cNvSpPr>
+            <a:spLocks noGrp="1" noRot="1" noChangeAspect="1"/>
+          </p:cNvSpPr>
+          <p:nvPr>
+            <p:ph type="sldImg"/>
+          </p:nvPr>
+        </p:nvSpPr>
+        <p:spPr>
+          <a:xfrm>
+            <a:off x="1371600" y="1143000"/>
+            <a:ext cx="4114800" cy="3086100"/>
+          </a:xfrm>
+        </p:spPr>
+      </p:sp>
+      <p:sp>
+        <p:nvSpPr>
+          <p:cNvPr id="3" name="备注占位符 2"/>
+          <p:cNvSpPr>
+            <a:spLocks noGrp="1"/>
+          </p:cNvSpPr>
+          <p:nvPr>
+            <p:ph type="body" idx="1"/>
+          </p:nvPr>
+        </p:nvSpPr>
+        <p:spPr/>
+        <p:txBody>
+          <a:bodyPr/>
+          <a:lstStyle/>
+          <a:p>
+            <a:endParaRPr lang="zh-CN" altLang="en-US"/>
+          </a:p>
+        </p:txBody>
+      </p:sp>
+      <p:sp>
+        <p:nvSpPr>
+          <p:cNvPr id="4" name="灯片编号占位符 3"/>
+          <p:cNvSpPr>
+            <a:spLocks noGrp="1"/>
+          </p:cNvSpPr>
+          <p:nvPr>
+            <p:ph type="sldNum" sz="quarter" idx="10"/>
+          </p:nvPr>
+        </p:nvSpPr>
+        <p:spPr/>
+        <p:txBody>
+          <a:bodyPr/>
+          <a:lstStyle/>
+          <a:p>
+            <a:fld id="{F1CB8912-F0BA-4AD8-8415-DA1F26BCB09F}" type="slidenum">
+              <a:rPr lang="zh-CN" altLang="en-US" smtClean="0"/>
+              <a:t>12</a:t>
+            </a:fld>
+            <a:endParaRPr lang="zh-CN" altLang="en-US"/>
+          </a:p>
+        </p:txBody>
+      </p:sp>
+    </p:spTree>
+    <p:extLst>
+      <p:ext uri="{BB962C8B-B14F-4D97-AF65-F5344CB8AC3E}">
+        <p14:creationId xmlns:p14="http://schemas.microsoft.com/office/powerpoint/2010/main" val="934519744"/>
+      </p:ext>
+    </p:extLst>
+  </p:cSld>
+  <p:clrMapOvr>
+    <a:masterClrMapping/>
+  </p:clrMapOvr>
+</p:notes>
+</file>
+
+<file path=ppt/notesSlides/notesSlide13.xml><?xml version="1.0" encoding="utf-8"?>
+<p:notes xmlns:a="http://schemas.openxmlformats.org/drawingml/2006/main" xmlns:r="http://schemas.openxmlformats.org/officeDocument/2006/relationships" xmlns:p="http://schemas.openxmlformats.org/presentationml/2006/main">
+  <p:cSld>
+    <p:spTree>
+      <p:nvGrpSpPr>
+        <p:cNvPr id="1" name=""/>
+        <p:cNvGrpSpPr/>
+        <p:nvPr/>
+      </p:nvGrpSpPr>
+      <p:grpSpPr>
+        <a:xfrm>
+          <a:off x="0" y="0"/>
+          <a:ext cx="0" cy="0"/>
+          <a:chOff x="0" y="0"/>
+          <a:chExt cx="0" cy="0"/>
+        </a:xfrm>
+      </p:grpSpPr>
+      <p:sp>
+        <p:nvSpPr>
+          <p:cNvPr id="2" name="幻灯片图像占位符 1"/>
+          <p:cNvSpPr>
+            <a:spLocks noGrp="1" noRot="1" noChangeAspect="1"/>
+          </p:cNvSpPr>
+          <p:nvPr>
+            <p:ph type="sldImg"/>
+          </p:nvPr>
+        </p:nvSpPr>
+        <p:spPr>
+          <a:xfrm>
+            <a:off x="1371600" y="1143000"/>
+            <a:ext cx="4114800" cy="3086100"/>
+          </a:xfrm>
+        </p:spPr>
+      </p:sp>
+      <p:sp>
+        <p:nvSpPr>
+          <p:cNvPr id="3" name="备注占位符 2"/>
+          <p:cNvSpPr>
+            <a:spLocks noGrp="1"/>
+          </p:cNvSpPr>
+          <p:nvPr>
+            <p:ph type="body" idx="1"/>
+          </p:nvPr>
+        </p:nvSpPr>
+        <p:spPr/>
+        <p:txBody>
+          <a:bodyPr/>
+          <a:lstStyle/>
+          <a:p>
+            <a:endParaRPr lang="zh-CN" altLang="en-US"/>
+          </a:p>
+        </p:txBody>
+      </p:sp>
+      <p:sp>
+        <p:nvSpPr>
+          <p:cNvPr id="4" name="灯片编号占位符 3"/>
+          <p:cNvSpPr>
+            <a:spLocks noGrp="1"/>
+          </p:cNvSpPr>
+          <p:nvPr>
+            <p:ph type="sldNum" sz="quarter" idx="10"/>
+          </p:nvPr>
+        </p:nvSpPr>
+        <p:spPr/>
+        <p:txBody>
+          <a:bodyPr/>
+          <a:lstStyle/>
+          <a:p>
+            <a:fld id="{F1CB8912-F0BA-4AD8-8415-DA1F26BCB09F}" type="slidenum">
+              <a:rPr lang="zh-CN" altLang="en-US" smtClean="0"/>
+              <a:t>13</a:t>
+            </a:fld>
+            <a:endParaRPr lang="zh-CN" altLang="en-US"/>
+          </a:p>
+        </p:txBody>
+      </p:sp>
+    </p:spTree>
+    <p:extLst>
+      <p:ext uri="{BB962C8B-B14F-4D97-AF65-F5344CB8AC3E}">
+        <p14:creationId xmlns:p14="http://schemas.microsoft.com/office/powerpoint/2010/main" val="1865491035"/>
+      </p:ext>
+    </p:extLst>
+  </p:cSld>
+  <p:clrMapOvr>
+    <a:masterClrMapping/>
+  </p:clrMapOvr>
+</p:notes>
+</file>
+
+<file path=ppt/notesSlides/notesSlide14.xml><?xml version="1.0" encoding="utf-8"?>
+<p:notes xmlns:a="http://schemas.openxmlformats.org/drawingml/2006/main" xmlns:r="http://schemas.openxmlformats.org/officeDocument/2006/relationships" xmlns:p="http://schemas.openxmlformats.org/presentationml/2006/main">
+  <p:cSld>
+    <p:spTree>
+      <p:nvGrpSpPr>
+        <p:cNvPr id="1" name=""/>
+        <p:cNvGrpSpPr/>
+        <p:nvPr/>
+      </p:nvGrpSpPr>
+      <p:grpSpPr>
+        <a:xfrm>
+          <a:off x="0" y="0"/>
+          <a:ext cx="0" cy="0"/>
+          <a:chOff x="0" y="0"/>
+          <a:chExt cx="0" cy="0"/>
+        </a:xfrm>
+      </p:grpSpPr>
+      <p:sp>
+        <p:nvSpPr>
+          <p:cNvPr id="2" name="幻灯片图像占位符 1"/>
+          <p:cNvSpPr>
+            <a:spLocks noGrp="1" noRot="1" noChangeAspect="1"/>
+          </p:cNvSpPr>
+          <p:nvPr>
+            <p:ph type="sldImg"/>
+          </p:nvPr>
+        </p:nvSpPr>
+        <p:spPr>
+          <a:xfrm>
+            <a:off x="1371600" y="1143000"/>
+            <a:ext cx="4114800" cy="3086100"/>
+          </a:xfrm>
+        </p:spPr>
+      </p:sp>
+      <p:sp>
+        <p:nvSpPr>
+          <p:cNvPr id="3" name="备注占位符 2"/>
+          <p:cNvSpPr>
+            <a:spLocks noGrp="1"/>
+          </p:cNvSpPr>
+          <p:nvPr>
+            <p:ph type="body" idx="1"/>
+          </p:nvPr>
+        </p:nvSpPr>
+        <p:spPr/>
+        <p:txBody>
+          <a:bodyPr/>
+          <a:lstStyle/>
+          <a:p>
+            <a:endParaRPr lang="zh-CN" altLang="en-US"/>
+          </a:p>
+        </p:txBody>
+      </p:sp>
+      <p:sp>
+        <p:nvSpPr>
+          <p:cNvPr id="4" name="灯片编号占位符 3"/>
+          <p:cNvSpPr>
+            <a:spLocks noGrp="1"/>
+          </p:cNvSpPr>
+          <p:nvPr>
+            <p:ph type="sldNum" sz="quarter" idx="10"/>
+          </p:nvPr>
+        </p:nvSpPr>
+        <p:spPr/>
+        <p:txBody>
+          <a:bodyPr/>
+          <a:lstStyle/>
+          <a:p>
+            <a:fld id="{F1CB8912-F0BA-4AD8-8415-DA1F26BCB09F}" type="slidenum">
+              <a:rPr lang="zh-CN" altLang="en-US" smtClean="0"/>
+              <a:t>14</a:t>
+            </a:fld>
+            <a:endParaRPr lang="zh-CN" altLang="en-US"/>
+          </a:p>
+        </p:txBody>
+      </p:sp>
+    </p:spTree>
+    <p:extLst>
+      <p:ext uri="{BB962C8B-B14F-4D97-AF65-F5344CB8AC3E}">
         <p14:creationId xmlns:p14="http://schemas.microsoft.com/office/powerpoint/2010/main" val="4262529840"/>
       </p:ext>
     </p:extLst>
@@ -4133,7 +4493,7 @@
 </p:notes>
 </file>
 
-<file path=ppt/notesSlides/notesSlide11.xml><?xml version="1.0" encoding="utf-8"?>
+<file path=ppt/notesSlides/notesSlide15.xml><?xml version="1.0" encoding="utf-8"?>
 <p:notes xmlns:a="http://schemas.openxmlformats.org/drawingml/2006/main" xmlns:r="http://schemas.openxmlformats.org/officeDocument/2006/relationships" xmlns:p="http://schemas.openxmlformats.org/presentationml/2006/main">
   <p:cSld>
     <p:spTree>
@@ -4203,7 +4563,7 @@
           <a:p>
             <a:fld id="{F1CB8912-F0BA-4AD8-8415-DA1F26BCB09F}" type="slidenum">
               <a:rPr lang="zh-CN" altLang="en-US" smtClean="0"/>
-              <a:t>11</a:t>
+              <a:t>15</a:t>
             </a:fld>
             <a:endParaRPr lang="zh-CN" altLang="en-US"/>
           </a:p>
@@ -6249,140 +6609,190 @@
           <a:chExt cx="0" cy="0"/>
         </a:xfrm>
       </p:grpSpPr>
+      <p:sp>
+        <p:nvSpPr>
+          <p:cNvPr id="27" name="菱形 26">
+            <a:extLst>
+              <a:ext uri="{FF2B5EF4-FFF2-40B4-BE49-F238E27FC236}">
+                <a16:creationId xmlns:a16="http://schemas.microsoft.com/office/drawing/2014/main" id="{008ECE5A-1254-1AE5-3139-34D05B324E31}"/>
+              </a:ext>
+            </a:extLst>
+          </p:cNvPr>
+          <p:cNvSpPr/>
+          <p:nvPr/>
+        </p:nvSpPr>
+        <p:spPr>
+          <a:xfrm>
+            <a:off x="481758" y="4082849"/>
+            <a:ext cx="360000" cy="360000"/>
+          </a:xfrm>
+          <a:prstGeom prst="diamond">
+            <a:avLst/>
+          </a:prstGeom>
+          <a:ln>
+            <a:noFill/>
+          </a:ln>
+        </p:spPr>
+        <p:style>
+          <a:lnRef idx="2">
+            <a:schemeClr val="accent1">
+              <a:shade val="50000"/>
+            </a:schemeClr>
+          </a:lnRef>
+          <a:fillRef idx="1">
+            <a:schemeClr val="accent1"/>
+          </a:fillRef>
+          <a:effectRef idx="0">
+            <a:schemeClr val="accent1"/>
+          </a:effectRef>
+          <a:fontRef idx="minor">
+            <a:schemeClr val="lt1"/>
+          </a:fontRef>
+        </p:style>
+        <p:txBody>
+          <a:bodyPr rot="0" spcFirstLastPara="0" vert="horz" wrap="square" lIns="91440" tIns="45720" rIns="91440" bIns="45720" numCol="1" spcCol="0" rtlCol="0" fromWordArt="0" anchor="ctr" anchorCtr="0" forceAA="0" compatLnSpc="1">
+            <a:prstTxWarp prst="textNoShape">
+              <a:avLst/>
+            </a:prstTxWarp>
+            <a:noAutofit/>
+          </a:bodyPr>
+          <a:lstStyle>
+            <a:defPPr>
+              <a:defRPr lang="en-US"/>
+            </a:defPPr>
+            <a:lvl1pPr marL="0" algn="l" defTabSz="457200" rtl="0" eaLnBrk="1" latinLnBrk="0" hangingPunct="1">
+              <a:defRPr sz="1800" kern="1200">
+                <a:solidFill>
+                  <a:schemeClr val="lt1"/>
+                </a:solidFill>
+                <a:latin typeface="+mn-lt"/>
+                <a:ea typeface="+mn-ea"/>
+                <a:cs typeface="+mn-cs"/>
+              </a:defRPr>
+            </a:lvl1pPr>
+            <a:lvl2pPr marL="457200" algn="l" defTabSz="457200" rtl="0" eaLnBrk="1" latinLnBrk="0" hangingPunct="1">
+              <a:defRPr sz="1800" kern="1200">
+                <a:solidFill>
+                  <a:schemeClr val="lt1"/>
+                </a:solidFill>
+                <a:latin typeface="+mn-lt"/>
+                <a:ea typeface="+mn-ea"/>
+                <a:cs typeface="+mn-cs"/>
+              </a:defRPr>
+            </a:lvl2pPr>
+            <a:lvl3pPr marL="914400" algn="l" defTabSz="457200" rtl="0" eaLnBrk="1" latinLnBrk="0" hangingPunct="1">
+              <a:defRPr sz="1800" kern="1200">
+                <a:solidFill>
+                  <a:schemeClr val="lt1"/>
+                </a:solidFill>
+                <a:latin typeface="+mn-lt"/>
+                <a:ea typeface="+mn-ea"/>
+                <a:cs typeface="+mn-cs"/>
+              </a:defRPr>
+            </a:lvl3pPr>
+            <a:lvl4pPr marL="1371600" algn="l" defTabSz="457200" rtl="0" eaLnBrk="1" latinLnBrk="0" hangingPunct="1">
+              <a:defRPr sz="1800" kern="1200">
+                <a:solidFill>
+                  <a:schemeClr val="lt1"/>
+                </a:solidFill>
+                <a:latin typeface="+mn-lt"/>
+                <a:ea typeface="+mn-ea"/>
+                <a:cs typeface="+mn-cs"/>
+              </a:defRPr>
+            </a:lvl4pPr>
+            <a:lvl5pPr marL="1828800" algn="l" defTabSz="457200" rtl="0" eaLnBrk="1" latinLnBrk="0" hangingPunct="1">
+              <a:defRPr sz="1800" kern="1200">
+                <a:solidFill>
+                  <a:schemeClr val="lt1"/>
+                </a:solidFill>
+                <a:latin typeface="+mn-lt"/>
+                <a:ea typeface="+mn-ea"/>
+                <a:cs typeface="+mn-cs"/>
+              </a:defRPr>
+            </a:lvl5pPr>
+            <a:lvl6pPr marL="2286000" algn="l" defTabSz="457200" rtl="0" eaLnBrk="1" latinLnBrk="0" hangingPunct="1">
+              <a:defRPr sz="1800" kern="1200">
+                <a:solidFill>
+                  <a:schemeClr val="lt1"/>
+                </a:solidFill>
+                <a:latin typeface="+mn-lt"/>
+                <a:ea typeface="+mn-ea"/>
+                <a:cs typeface="+mn-cs"/>
+              </a:defRPr>
+            </a:lvl6pPr>
+            <a:lvl7pPr marL="2743200" algn="l" defTabSz="457200" rtl="0" eaLnBrk="1" latinLnBrk="0" hangingPunct="1">
+              <a:defRPr sz="1800" kern="1200">
+                <a:solidFill>
+                  <a:schemeClr val="lt1"/>
+                </a:solidFill>
+                <a:latin typeface="+mn-lt"/>
+                <a:ea typeface="+mn-ea"/>
+                <a:cs typeface="+mn-cs"/>
+              </a:defRPr>
+            </a:lvl7pPr>
+            <a:lvl8pPr marL="3200400" algn="l" defTabSz="457200" rtl="0" eaLnBrk="1" latinLnBrk="0" hangingPunct="1">
+              <a:defRPr sz="1800" kern="1200">
+                <a:solidFill>
+                  <a:schemeClr val="lt1"/>
+                </a:solidFill>
+                <a:latin typeface="+mn-lt"/>
+                <a:ea typeface="+mn-ea"/>
+                <a:cs typeface="+mn-cs"/>
+              </a:defRPr>
+            </a:lvl8pPr>
+            <a:lvl9pPr marL="3657600" algn="l" defTabSz="457200" rtl="0" eaLnBrk="1" latinLnBrk="0" hangingPunct="1">
+              <a:defRPr sz="1800" kern="1200">
+                <a:solidFill>
+                  <a:schemeClr val="lt1"/>
+                </a:solidFill>
+                <a:latin typeface="+mn-lt"/>
+                <a:ea typeface="+mn-ea"/>
+                <a:cs typeface="+mn-cs"/>
+              </a:defRPr>
+            </a:lvl9pPr>
+          </a:lstStyle>
+          <a:p>
+            <a:pPr algn="ctr"/>
+            <a:endParaRPr lang="zh-CN" altLang="en-US" dirty="0"/>
+          </a:p>
+        </p:txBody>
+      </p:sp>
       <p:grpSp>
         <p:nvGrpSpPr>
-          <p:cNvPr id="55" name="组合 54"/>
+          <p:cNvPr id="28" name="组合 27">
+            <a:extLst>
+              <a:ext uri="{FF2B5EF4-FFF2-40B4-BE49-F238E27FC236}">
+                <a16:creationId xmlns:a16="http://schemas.microsoft.com/office/drawing/2014/main" id="{C350A280-81F1-C2B7-3CE0-A4B98D9A3F7F}"/>
+              </a:ext>
+            </a:extLst>
+          </p:cNvPr>
           <p:cNvGrpSpPr/>
           <p:nvPr/>
         </p:nvGrpSpPr>
         <p:grpSpPr>
           <a:xfrm>
-            <a:off x="129866" y="265800"/>
-            <a:ext cx="8834508" cy="6487359"/>
-            <a:chOff x="1653864" y="299356"/>
-            <a:chExt cx="10859564" cy="7633190"/>
+            <a:off x="845971" y="4045671"/>
+            <a:ext cx="7508858" cy="1184252"/>
+            <a:chOff x="1541719" y="2318349"/>
+            <a:chExt cx="2133781" cy="1184252"/>
           </a:xfrm>
         </p:grpSpPr>
-        <p:grpSp>
-          <p:nvGrpSpPr>
-            <p:cNvPr id="56" name="组合 55"/>
-            <p:cNvGrpSpPr/>
-            <p:nvPr/>
-          </p:nvGrpSpPr>
-          <p:grpSpPr>
-            <a:xfrm>
-              <a:off x="1653864" y="299356"/>
-              <a:ext cx="1316500" cy="883947"/>
-              <a:chOff x="7436079" y="1279752"/>
-              <a:chExt cx="6401934" cy="4298496"/>
-            </a:xfrm>
-          </p:grpSpPr>
-          <p:sp>
-            <p:nvSpPr>
-              <p:cNvPr id="64" name="菱形 63"/>
-              <p:cNvSpPr/>
-              <p:nvPr/>
-            </p:nvSpPr>
-            <p:spPr>
-              <a:xfrm>
-                <a:off x="7436079" y="2107068"/>
-                <a:ext cx="2643870" cy="2643870"/>
-              </a:xfrm>
-              <a:prstGeom prst="diamond">
-                <a:avLst/>
-              </a:prstGeom>
-              <a:noFill/>
-              <a:ln w="28575">
-                <a:solidFill>
-                  <a:schemeClr val="accent1">
-                    <a:lumMod val="60000"/>
-                    <a:lumOff val="40000"/>
-                  </a:schemeClr>
-                </a:solidFill>
-              </a:ln>
-            </p:spPr>
-            <p:style>
-              <a:lnRef idx="2">
-                <a:schemeClr val="accent1">
-                  <a:shade val="50000"/>
-                </a:schemeClr>
-              </a:lnRef>
-              <a:fillRef idx="1">
-                <a:schemeClr val="accent1"/>
-              </a:fillRef>
-              <a:effectRef idx="0">
-                <a:schemeClr val="accent1"/>
-              </a:effectRef>
-              <a:fontRef idx="minor">
-                <a:schemeClr val="lt1"/>
-              </a:fontRef>
-            </p:style>
-            <p:txBody>
-              <a:bodyPr rtlCol="0" anchor="ctr"/>
-              <a:lstStyle/>
-              <a:p>
-                <a:pPr algn="ctr"/>
-                <a:endParaRPr lang="zh-CN" altLang="en-US"/>
-              </a:p>
-            </p:txBody>
-          </p:sp>
-          <p:sp>
-            <p:nvSpPr>
-              <p:cNvPr id="65" name="菱形 64"/>
-              <p:cNvSpPr/>
-              <p:nvPr/>
-            </p:nvSpPr>
-            <p:spPr>
-              <a:xfrm>
-                <a:off x="9539517" y="1279752"/>
-                <a:ext cx="4298496" cy="4298496"/>
-              </a:xfrm>
-              <a:prstGeom prst="diamond">
-                <a:avLst/>
-              </a:prstGeom>
-              <a:noFill/>
-              <a:ln w="28575">
-                <a:solidFill>
-                  <a:srgbClr val="A72020"/>
-                </a:solidFill>
-              </a:ln>
-            </p:spPr>
-            <p:style>
-              <a:lnRef idx="2">
-                <a:schemeClr val="accent1">
-                  <a:shade val="50000"/>
-                </a:schemeClr>
-              </a:lnRef>
-              <a:fillRef idx="1">
-                <a:schemeClr val="accent1"/>
-              </a:fillRef>
-              <a:effectRef idx="0">
-                <a:schemeClr val="accent1"/>
-              </a:effectRef>
-              <a:fontRef idx="minor">
-                <a:schemeClr val="lt1"/>
-              </a:fontRef>
-            </p:style>
-            <p:txBody>
-              <a:bodyPr rtlCol="0" anchor="ctr"/>
-              <a:lstStyle/>
-              <a:p>
-                <a:pPr algn="ctr"/>
-                <a:endParaRPr lang="zh-CN" altLang="en-US"/>
-              </a:p>
-            </p:txBody>
-          </p:sp>
-        </p:grpSp>
         <p:sp>
           <p:nvSpPr>
-            <p:cNvPr id="57" name="文本框 56"/>
+            <p:cNvPr id="29" name="文本框 28">
+              <a:extLst>
+                <a:ext uri="{FF2B5EF4-FFF2-40B4-BE49-F238E27FC236}">
+                  <a16:creationId xmlns:a16="http://schemas.microsoft.com/office/drawing/2014/main" id="{30C3E120-83F7-C014-90DC-DD5A9D2D70C8}"/>
+                </a:ext>
+              </a:extLst>
+            </p:cNvPr>
             <p:cNvSpPr txBox="1"/>
             <p:nvPr/>
           </p:nvSpPr>
           <p:spPr>
             <a:xfrm>
-              <a:off x="2166981" y="398787"/>
-              <a:ext cx="722816" cy="688061"/>
+              <a:off x="1541719" y="2318349"/>
+              <a:ext cx="2133781" cy="400110"/>
             </a:xfrm>
             <a:prstGeom prst="rect">
               <a:avLst/>
@@ -6400,138 +6810,71 @@
             </a:bodyPr>
             <a:lstStyle/>
             <a:p>
-              <a:pPr algn="ctr"/>
               <a:r>
-                <a:rPr lang="en-US" altLang="zh-CN" sz="3200" dirty="0">
+                <a:rPr lang="en-US" altLang="zh-CN" sz="2000" b="1" dirty="0">
                   <a:solidFill>
-                    <a:schemeClr val="accent1"/>
+                    <a:schemeClr val="tx1">
+                      <a:lumMod val="75000"/>
+                      <a:lumOff val="25000"/>
+                    </a:schemeClr>
                   </a:solidFill>
-                  <a:latin typeface="Agency FB" panose="020B0503020202020204" pitchFamily="34" charset="0"/>
+                  <a:latin typeface="Century Gothic" panose="020B0502020202020204" pitchFamily="34" charset="0"/>
                 </a:rPr>
-                <a:t>05</a:t>
+                <a:t>Training LLMs on demand</a:t>
               </a:r>
-              <a:endParaRPr lang="zh-CN" altLang="en-US" sz="3200" dirty="0">
-                <a:solidFill>
-                  <a:schemeClr val="accent1"/>
-                </a:solidFill>
-                <a:latin typeface="Agency FB" panose="020B0503020202020204" pitchFamily="34" charset="0"/>
+            </a:p>
+          </p:txBody>
+        </p:sp>
+        <p:sp>
+          <p:nvSpPr>
+            <p:cNvPr id="31" name="文本框 30">
+              <a:extLst>
+                <a:ext uri="{FF2B5EF4-FFF2-40B4-BE49-F238E27FC236}">
+                  <a16:creationId xmlns:a16="http://schemas.microsoft.com/office/drawing/2014/main" id="{D0CBDD1C-6A68-E20D-03FC-8B9591D2559C}"/>
+                </a:ext>
+              </a:extLst>
+            </p:cNvPr>
+            <p:cNvSpPr txBox="1"/>
+            <p:nvPr/>
+          </p:nvSpPr>
+          <p:spPr>
+            <a:xfrm>
+              <a:off x="1541719" y="2715526"/>
+              <a:ext cx="2133781" cy="787075"/>
+            </a:xfrm>
+            <a:prstGeom prst="rect">
+              <a:avLst/>
+            </a:prstGeom>
+            <a:noFill/>
+          </p:spPr>
+          <p:txBody>
+            <a:bodyPr wrap="square" rtlCol="0">
+              <a:spAutoFit/>
+              <a:scene3d>
+                <a:camera prst="orthographicFront"/>
+                <a:lightRig rig="threePt" dir="t"/>
+              </a:scene3d>
+              <a:sp3d contourW="12700"/>
+            </a:bodyPr>
+            <a:lstStyle/>
+            <a:p>
+              <a:pPr lvl="1">
+                <a:lnSpc>
+                  <a:spcPct val="150000"/>
+                </a:lnSpc>
+              </a:pPr>
+              <a:r>
+                <a:rPr lang="en-US" altLang="zh-CN" sz="1600" dirty="0">
+                  <a:latin typeface="+mn-ea"/>
+                </a:rPr>
+                <a:t>Large language models generate functional protein sequences across diverse families</a:t>
+              </a:r>
+              <a:endParaRPr lang="en-US" altLang="zh-CN" sz="1600" b="1" dirty="0">
+                <a:latin typeface="+mn-ea"/>
               </a:endParaRPr>
             </a:p>
           </p:txBody>
         </p:sp>
-        <p:grpSp>
-          <p:nvGrpSpPr>
-            <p:cNvPr id="59" name="组合 58"/>
-            <p:cNvGrpSpPr/>
-            <p:nvPr/>
-          </p:nvGrpSpPr>
-          <p:grpSpPr>
-            <a:xfrm>
-              <a:off x="11572872" y="7291431"/>
-              <a:ext cx="940556" cy="641115"/>
-              <a:chOff x="11395287" y="7365982"/>
-              <a:chExt cx="1208633" cy="823842"/>
-            </a:xfrm>
-          </p:grpSpPr>
-          <p:sp>
-            <p:nvSpPr>
-              <p:cNvPr id="60" name="菱形 59"/>
-              <p:cNvSpPr/>
-              <p:nvPr/>
-            </p:nvSpPr>
-            <p:spPr>
-              <a:xfrm>
-                <a:off x="11780079" y="7365982"/>
-                <a:ext cx="823841" cy="823842"/>
-              </a:xfrm>
-              <a:prstGeom prst="diamond">
-                <a:avLst/>
-              </a:prstGeom>
-              <a:noFill/>
-              <a:ln w="28575">
-                <a:solidFill>
-                  <a:schemeClr val="accent1">
-                    <a:lumMod val="60000"/>
-                    <a:lumOff val="40000"/>
-                  </a:schemeClr>
-                </a:solidFill>
-              </a:ln>
-            </p:spPr>
-            <p:style>
-              <a:lnRef idx="2">
-                <a:schemeClr val="accent1">
-                  <a:shade val="50000"/>
-                </a:schemeClr>
-              </a:lnRef>
-              <a:fillRef idx="1">
-                <a:schemeClr val="accent1"/>
-              </a:fillRef>
-              <a:effectRef idx="0">
-                <a:schemeClr val="accent1"/>
-              </a:effectRef>
-              <a:fontRef idx="minor">
-                <a:schemeClr val="lt1"/>
-              </a:fontRef>
-            </p:style>
-            <p:txBody>
-              <a:bodyPr rtlCol="0" anchor="ctr"/>
-              <a:lstStyle/>
-              <a:p>
-                <a:pPr algn="ctr"/>
-                <a:endParaRPr lang="zh-CN" altLang="en-US"/>
-              </a:p>
-            </p:txBody>
-          </p:sp>
-          <p:sp>
-            <p:nvSpPr>
-              <p:cNvPr id="61" name="菱形 60"/>
-              <p:cNvSpPr/>
-              <p:nvPr/>
-            </p:nvSpPr>
-            <p:spPr>
-              <a:xfrm>
-                <a:off x="11395287" y="7489187"/>
-                <a:ext cx="577426" cy="577425"/>
-              </a:xfrm>
-              <a:prstGeom prst="diamond">
-                <a:avLst/>
-              </a:prstGeom>
-              <a:noFill/>
-              <a:ln w="28575">
-                <a:solidFill>
-                  <a:schemeClr val="accent1">
-                    <a:lumMod val="60000"/>
-                    <a:lumOff val="40000"/>
-                  </a:schemeClr>
-                </a:solidFill>
-              </a:ln>
-            </p:spPr>
-            <p:style>
-              <a:lnRef idx="2">
-                <a:schemeClr val="accent1">
-                  <a:shade val="50000"/>
-                </a:schemeClr>
-              </a:lnRef>
-              <a:fillRef idx="1">
-                <a:schemeClr val="accent1"/>
-              </a:fillRef>
-              <a:effectRef idx="0">
-                <a:schemeClr val="accent1"/>
-              </a:effectRef>
-              <a:fontRef idx="minor">
-                <a:schemeClr val="lt1"/>
-              </a:fontRef>
-            </p:style>
-            <p:txBody>
-              <a:bodyPr rtlCol="0" anchor="ctr"/>
-              <a:lstStyle/>
-              <a:p>
-                <a:pPr algn="ctr"/>
-                <a:endParaRPr lang="zh-CN" altLang="en-US"/>
-              </a:p>
-            </p:txBody>
-          </p:sp>
-        </p:grpSp>
       </p:grpSp>
       <p:sp>
         <p:nvSpPr>
@@ -6612,6 +6955,2793 @@
         </p:nvSpPr>
         <p:spPr>
           <a:xfrm>
+            <a:off x="1302265" y="409723"/>
+            <a:ext cx="7294436" cy="523220"/>
+          </a:xfrm>
+          <a:prstGeom prst="rect">
+            <a:avLst/>
+          </a:prstGeom>
+          <a:noFill/>
+        </p:spPr>
+        <p:txBody>
+          <a:bodyPr wrap="square" rtlCol="0">
+            <a:spAutoFit/>
+            <a:scene3d>
+              <a:camera prst="orthographicFront"/>
+              <a:lightRig rig="threePt" dir="t"/>
+            </a:scene3d>
+            <a:sp3d contourW="12700"/>
+          </a:bodyPr>
+          <a:lstStyle/>
+          <a:p>
+            <a:r>
+              <a:rPr lang="en-US" altLang="zh-CN" sz="2800" b="1" dirty="0">
+                <a:solidFill>
+                  <a:schemeClr val="tx1">
+                    <a:lumMod val="75000"/>
+                    <a:lumOff val="25000"/>
+                  </a:schemeClr>
+                </a:solidFill>
+                <a:latin typeface="Century Gothic" panose="020B0502020202020204" pitchFamily="34" charset="0"/>
+              </a:rPr>
+              <a:t>Language Models in Chemistry</a:t>
+            </a:r>
+            <a:endParaRPr lang="zh-CN" altLang="en-US" sz="2800" b="1" dirty="0">
+              <a:solidFill>
+                <a:schemeClr val="tx1">
+                  <a:lumMod val="75000"/>
+                  <a:lumOff val="25000"/>
+                </a:schemeClr>
+              </a:solidFill>
+              <a:latin typeface="Century Gothic" panose="020B0502020202020204" pitchFamily="34" charset="0"/>
+            </a:endParaRPr>
+          </a:p>
+        </p:txBody>
+      </p:sp>
+      <p:grpSp>
+        <p:nvGrpSpPr>
+          <p:cNvPr id="55" name="组合 54"/>
+          <p:cNvGrpSpPr/>
+          <p:nvPr/>
+        </p:nvGrpSpPr>
+        <p:grpSpPr>
+          <a:xfrm>
+            <a:off x="129866" y="265800"/>
+            <a:ext cx="8834508" cy="6487359"/>
+            <a:chOff x="1653864" y="299356"/>
+            <a:chExt cx="10859564" cy="7633190"/>
+          </a:xfrm>
+        </p:grpSpPr>
+        <p:grpSp>
+          <p:nvGrpSpPr>
+            <p:cNvPr id="56" name="组合 55"/>
+            <p:cNvGrpSpPr/>
+            <p:nvPr/>
+          </p:nvGrpSpPr>
+          <p:grpSpPr>
+            <a:xfrm>
+              <a:off x="1653864" y="299356"/>
+              <a:ext cx="1316500" cy="883947"/>
+              <a:chOff x="7436079" y="1279752"/>
+              <a:chExt cx="6401934" cy="4298496"/>
+            </a:xfrm>
+          </p:grpSpPr>
+          <p:sp>
+            <p:nvSpPr>
+              <p:cNvPr id="64" name="菱形 63"/>
+              <p:cNvSpPr/>
+              <p:nvPr/>
+            </p:nvSpPr>
+            <p:spPr>
+              <a:xfrm>
+                <a:off x="7436079" y="2107068"/>
+                <a:ext cx="2643870" cy="2643870"/>
+              </a:xfrm>
+              <a:prstGeom prst="diamond">
+                <a:avLst/>
+              </a:prstGeom>
+              <a:noFill/>
+              <a:ln w="28575">
+                <a:solidFill>
+                  <a:schemeClr val="accent1">
+                    <a:lumMod val="60000"/>
+                    <a:lumOff val="40000"/>
+                  </a:schemeClr>
+                </a:solidFill>
+              </a:ln>
+            </p:spPr>
+            <p:style>
+              <a:lnRef idx="2">
+                <a:schemeClr val="accent1">
+                  <a:shade val="50000"/>
+                </a:schemeClr>
+              </a:lnRef>
+              <a:fillRef idx="1">
+                <a:schemeClr val="accent1"/>
+              </a:fillRef>
+              <a:effectRef idx="0">
+                <a:schemeClr val="accent1"/>
+              </a:effectRef>
+              <a:fontRef idx="minor">
+                <a:schemeClr val="lt1"/>
+              </a:fontRef>
+            </p:style>
+            <p:txBody>
+              <a:bodyPr rtlCol="0" anchor="ctr"/>
+              <a:lstStyle/>
+              <a:p>
+                <a:pPr algn="ctr"/>
+                <a:endParaRPr lang="zh-CN" altLang="en-US"/>
+              </a:p>
+            </p:txBody>
+          </p:sp>
+          <p:sp>
+            <p:nvSpPr>
+              <p:cNvPr id="65" name="菱形 64"/>
+              <p:cNvSpPr/>
+              <p:nvPr/>
+            </p:nvSpPr>
+            <p:spPr>
+              <a:xfrm>
+                <a:off x="9539517" y="1279752"/>
+                <a:ext cx="4298496" cy="4298496"/>
+              </a:xfrm>
+              <a:prstGeom prst="diamond">
+                <a:avLst/>
+              </a:prstGeom>
+              <a:noFill/>
+              <a:ln w="28575">
+                <a:solidFill>
+                  <a:srgbClr val="A72020"/>
+                </a:solidFill>
+              </a:ln>
+            </p:spPr>
+            <p:style>
+              <a:lnRef idx="2">
+                <a:schemeClr val="accent1">
+                  <a:shade val="50000"/>
+                </a:schemeClr>
+              </a:lnRef>
+              <a:fillRef idx="1">
+                <a:schemeClr val="accent1"/>
+              </a:fillRef>
+              <a:effectRef idx="0">
+                <a:schemeClr val="accent1"/>
+              </a:effectRef>
+              <a:fontRef idx="minor">
+                <a:schemeClr val="lt1"/>
+              </a:fontRef>
+            </p:style>
+            <p:txBody>
+              <a:bodyPr rtlCol="0" anchor="ctr"/>
+              <a:lstStyle/>
+              <a:p>
+                <a:pPr algn="ctr"/>
+                <a:endParaRPr lang="zh-CN" altLang="en-US"/>
+              </a:p>
+            </p:txBody>
+          </p:sp>
+        </p:grpSp>
+        <p:sp>
+          <p:nvSpPr>
+            <p:cNvPr id="57" name="文本框 56"/>
+            <p:cNvSpPr txBox="1"/>
+            <p:nvPr/>
+          </p:nvSpPr>
+          <p:spPr>
+            <a:xfrm>
+              <a:off x="2166981" y="398787"/>
+              <a:ext cx="722816" cy="688061"/>
+            </a:xfrm>
+            <a:prstGeom prst="rect">
+              <a:avLst/>
+            </a:prstGeom>
+            <a:noFill/>
+          </p:spPr>
+          <p:txBody>
+            <a:bodyPr wrap="square" rtlCol="0">
+              <a:spAutoFit/>
+              <a:scene3d>
+                <a:camera prst="orthographicFront"/>
+                <a:lightRig rig="threePt" dir="t"/>
+              </a:scene3d>
+              <a:sp3d contourW="12700"/>
+            </a:bodyPr>
+            <a:lstStyle/>
+            <a:p>
+              <a:pPr algn="ctr"/>
+              <a:r>
+                <a:rPr lang="en-US" altLang="zh-CN" sz="3200" dirty="0">
+                  <a:solidFill>
+                    <a:schemeClr val="accent1"/>
+                  </a:solidFill>
+                  <a:latin typeface="Agency FB" panose="020B0503020202020204" pitchFamily="34" charset="0"/>
+                </a:rPr>
+                <a:t>03</a:t>
+              </a:r>
+              <a:endParaRPr lang="zh-CN" altLang="en-US" sz="3200" dirty="0">
+                <a:solidFill>
+                  <a:schemeClr val="accent1"/>
+                </a:solidFill>
+                <a:latin typeface="Agency FB" panose="020B0503020202020204" pitchFamily="34" charset="0"/>
+              </a:endParaRPr>
+            </a:p>
+          </p:txBody>
+        </p:sp>
+        <p:grpSp>
+          <p:nvGrpSpPr>
+            <p:cNvPr id="59" name="组合 58"/>
+            <p:cNvGrpSpPr/>
+            <p:nvPr/>
+          </p:nvGrpSpPr>
+          <p:grpSpPr>
+            <a:xfrm>
+              <a:off x="11572872" y="7291431"/>
+              <a:ext cx="940556" cy="641115"/>
+              <a:chOff x="11395287" y="7365982"/>
+              <a:chExt cx="1208633" cy="823842"/>
+            </a:xfrm>
+          </p:grpSpPr>
+          <p:sp>
+            <p:nvSpPr>
+              <p:cNvPr id="60" name="菱形 59"/>
+              <p:cNvSpPr/>
+              <p:nvPr/>
+            </p:nvSpPr>
+            <p:spPr>
+              <a:xfrm>
+                <a:off x="11780079" y="7365982"/>
+                <a:ext cx="823841" cy="823842"/>
+              </a:xfrm>
+              <a:prstGeom prst="diamond">
+                <a:avLst/>
+              </a:prstGeom>
+              <a:noFill/>
+              <a:ln w="28575">
+                <a:solidFill>
+                  <a:schemeClr val="accent1">
+                    <a:lumMod val="60000"/>
+                    <a:lumOff val="40000"/>
+                  </a:schemeClr>
+                </a:solidFill>
+              </a:ln>
+            </p:spPr>
+            <p:style>
+              <a:lnRef idx="2">
+                <a:schemeClr val="accent1">
+                  <a:shade val="50000"/>
+                </a:schemeClr>
+              </a:lnRef>
+              <a:fillRef idx="1">
+                <a:schemeClr val="accent1"/>
+              </a:fillRef>
+              <a:effectRef idx="0">
+                <a:schemeClr val="accent1"/>
+              </a:effectRef>
+              <a:fontRef idx="minor">
+                <a:schemeClr val="lt1"/>
+              </a:fontRef>
+            </p:style>
+            <p:txBody>
+              <a:bodyPr rtlCol="0" anchor="ctr"/>
+              <a:lstStyle/>
+              <a:p>
+                <a:pPr algn="ctr"/>
+                <a:endParaRPr lang="zh-CN" altLang="en-US"/>
+              </a:p>
+            </p:txBody>
+          </p:sp>
+          <p:sp>
+            <p:nvSpPr>
+              <p:cNvPr id="61" name="菱形 60"/>
+              <p:cNvSpPr/>
+              <p:nvPr/>
+            </p:nvSpPr>
+            <p:spPr>
+              <a:xfrm>
+                <a:off x="11395287" y="7489187"/>
+                <a:ext cx="577426" cy="577425"/>
+              </a:xfrm>
+              <a:prstGeom prst="diamond">
+                <a:avLst/>
+              </a:prstGeom>
+              <a:noFill/>
+              <a:ln w="28575">
+                <a:solidFill>
+                  <a:schemeClr val="accent1">
+                    <a:lumMod val="60000"/>
+                    <a:lumOff val="40000"/>
+                  </a:schemeClr>
+                </a:solidFill>
+              </a:ln>
+            </p:spPr>
+            <p:style>
+              <a:lnRef idx="2">
+                <a:schemeClr val="accent1">
+                  <a:shade val="50000"/>
+                </a:schemeClr>
+              </a:lnRef>
+              <a:fillRef idx="1">
+                <a:schemeClr val="accent1"/>
+              </a:fillRef>
+              <a:effectRef idx="0">
+                <a:schemeClr val="accent1"/>
+              </a:effectRef>
+              <a:fontRef idx="minor">
+                <a:schemeClr val="lt1"/>
+              </a:fontRef>
+            </p:style>
+            <p:txBody>
+              <a:bodyPr rtlCol="0" anchor="ctr"/>
+              <a:lstStyle/>
+              <a:p>
+                <a:pPr algn="ctr"/>
+                <a:endParaRPr lang="zh-CN" altLang="en-US"/>
+              </a:p>
+            </p:txBody>
+          </p:sp>
+        </p:grpSp>
+      </p:grpSp>
+      <p:sp>
+        <p:nvSpPr>
+          <p:cNvPr id="18" name="菱形 17">
+            <a:extLst>
+              <a:ext uri="{FF2B5EF4-FFF2-40B4-BE49-F238E27FC236}">
+                <a16:creationId xmlns:a16="http://schemas.microsoft.com/office/drawing/2014/main" id="{80F87BE6-6616-21B8-76A1-24AE39D9BA08}"/>
+              </a:ext>
+            </a:extLst>
+          </p:cNvPr>
+          <p:cNvSpPr/>
+          <p:nvPr/>
+        </p:nvSpPr>
+        <p:spPr>
+          <a:xfrm>
+            <a:off x="453358" y="1242376"/>
+            <a:ext cx="360000" cy="360000"/>
+          </a:xfrm>
+          <a:prstGeom prst="diamond">
+            <a:avLst/>
+          </a:prstGeom>
+          <a:ln>
+            <a:noFill/>
+          </a:ln>
+        </p:spPr>
+        <p:style>
+          <a:lnRef idx="2">
+            <a:schemeClr val="accent1">
+              <a:shade val="50000"/>
+            </a:schemeClr>
+          </a:lnRef>
+          <a:fillRef idx="1">
+            <a:schemeClr val="accent1"/>
+          </a:fillRef>
+          <a:effectRef idx="0">
+            <a:schemeClr val="accent1"/>
+          </a:effectRef>
+          <a:fontRef idx="minor">
+            <a:schemeClr val="lt1"/>
+          </a:fontRef>
+        </p:style>
+        <p:txBody>
+          <a:bodyPr rot="0" spcFirstLastPara="0" vert="horz" wrap="square" lIns="91440" tIns="45720" rIns="91440" bIns="45720" numCol="1" spcCol="0" rtlCol="0" fromWordArt="0" anchor="ctr" anchorCtr="0" forceAA="0" compatLnSpc="1">
+            <a:prstTxWarp prst="textNoShape">
+              <a:avLst/>
+            </a:prstTxWarp>
+            <a:noAutofit/>
+          </a:bodyPr>
+          <a:lstStyle>
+            <a:defPPr>
+              <a:defRPr lang="en-US"/>
+            </a:defPPr>
+            <a:lvl1pPr marL="0" algn="l" defTabSz="457200" rtl="0" eaLnBrk="1" latinLnBrk="0" hangingPunct="1">
+              <a:defRPr sz="1800" kern="1200">
+                <a:solidFill>
+                  <a:schemeClr val="lt1"/>
+                </a:solidFill>
+                <a:latin typeface="+mn-lt"/>
+                <a:ea typeface="+mn-ea"/>
+                <a:cs typeface="+mn-cs"/>
+              </a:defRPr>
+            </a:lvl1pPr>
+            <a:lvl2pPr marL="457200" algn="l" defTabSz="457200" rtl="0" eaLnBrk="1" latinLnBrk="0" hangingPunct="1">
+              <a:defRPr sz="1800" kern="1200">
+                <a:solidFill>
+                  <a:schemeClr val="lt1"/>
+                </a:solidFill>
+                <a:latin typeface="+mn-lt"/>
+                <a:ea typeface="+mn-ea"/>
+                <a:cs typeface="+mn-cs"/>
+              </a:defRPr>
+            </a:lvl2pPr>
+            <a:lvl3pPr marL="914400" algn="l" defTabSz="457200" rtl="0" eaLnBrk="1" latinLnBrk="0" hangingPunct="1">
+              <a:defRPr sz="1800" kern="1200">
+                <a:solidFill>
+                  <a:schemeClr val="lt1"/>
+                </a:solidFill>
+                <a:latin typeface="+mn-lt"/>
+                <a:ea typeface="+mn-ea"/>
+                <a:cs typeface="+mn-cs"/>
+              </a:defRPr>
+            </a:lvl3pPr>
+            <a:lvl4pPr marL="1371600" algn="l" defTabSz="457200" rtl="0" eaLnBrk="1" latinLnBrk="0" hangingPunct="1">
+              <a:defRPr sz="1800" kern="1200">
+                <a:solidFill>
+                  <a:schemeClr val="lt1"/>
+                </a:solidFill>
+                <a:latin typeface="+mn-lt"/>
+                <a:ea typeface="+mn-ea"/>
+                <a:cs typeface="+mn-cs"/>
+              </a:defRPr>
+            </a:lvl4pPr>
+            <a:lvl5pPr marL="1828800" algn="l" defTabSz="457200" rtl="0" eaLnBrk="1" latinLnBrk="0" hangingPunct="1">
+              <a:defRPr sz="1800" kern="1200">
+                <a:solidFill>
+                  <a:schemeClr val="lt1"/>
+                </a:solidFill>
+                <a:latin typeface="+mn-lt"/>
+                <a:ea typeface="+mn-ea"/>
+                <a:cs typeface="+mn-cs"/>
+              </a:defRPr>
+            </a:lvl5pPr>
+            <a:lvl6pPr marL="2286000" algn="l" defTabSz="457200" rtl="0" eaLnBrk="1" latinLnBrk="0" hangingPunct="1">
+              <a:defRPr sz="1800" kern="1200">
+                <a:solidFill>
+                  <a:schemeClr val="lt1"/>
+                </a:solidFill>
+                <a:latin typeface="+mn-lt"/>
+                <a:ea typeface="+mn-ea"/>
+                <a:cs typeface="+mn-cs"/>
+              </a:defRPr>
+            </a:lvl6pPr>
+            <a:lvl7pPr marL="2743200" algn="l" defTabSz="457200" rtl="0" eaLnBrk="1" latinLnBrk="0" hangingPunct="1">
+              <a:defRPr sz="1800" kern="1200">
+                <a:solidFill>
+                  <a:schemeClr val="lt1"/>
+                </a:solidFill>
+                <a:latin typeface="+mn-lt"/>
+                <a:ea typeface="+mn-ea"/>
+                <a:cs typeface="+mn-cs"/>
+              </a:defRPr>
+            </a:lvl7pPr>
+            <a:lvl8pPr marL="3200400" algn="l" defTabSz="457200" rtl="0" eaLnBrk="1" latinLnBrk="0" hangingPunct="1">
+              <a:defRPr sz="1800" kern="1200">
+                <a:solidFill>
+                  <a:schemeClr val="lt1"/>
+                </a:solidFill>
+                <a:latin typeface="+mn-lt"/>
+                <a:ea typeface="+mn-ea"/>
+                <a:cs typeface="+mn-cs"/>
+              </a:defRPr>
+            </a:lvl8pPr>
+            <a:lvl9pPr marL="3657600" algn="l" defTabSz="457200" rtl="0" eaLnBrk="1" latinLnBrk="0" hangingPunct="1">
+              <a:defRPr sz="1800" kern="1200">
+                <a:solidFill>
+                  <a:schemeClr val="lt1"/>
+                </a:solidFill>
+                <a:latin typeface="+mn-lt"/>
+                <a:ea typeface="+mn-ea"/>
+                <a:cs typeface="+mn-cs"/>
+              </a:defRPr>
+            </a:lvl9pPr>
+          </a:lstStyle>
+          <a:p>
+            <a:pPr algn="ctr"/>
+            <a:endParaRPr lang="zh-CN" altLang="en-US" dirty="0"/>
+          </a:p>
+        </p:txBody>
+      </p:sp>
+      <p:grpSp>
+        <p:nvGrpSpPr>
+          <p:cNvPr id="19" name="组合 18">
+            <a:extLst>
+              <a:ext uri="{FF2B5EF4-FFF2-40B4-BE49-F238E27FC236}">
+                <a16:creationId xmlns:a16="http://schemas.microsoft.com/office/drawing/2014/main" id="{3A4DB629-6329-8B73-1039-1FFBC4281234}"/>
+              </a:ext>
+            </a:extLst>
+          </p:cNvPr>
+          <p:cNvGrpSpPr/>
+          <p:nvPr/>
+        </p:nvGrpSpPr>
+        <p:grpSpPr>
+          <a:xfrm>
+            <a:off x="817571" y="1205198"/>
+            <a:ext cx="7508858" cy="815368"/>
+            <a:chOff x="1541719" y="2318349"/>
+            <a:chExt cx="2133781" cy="815368"/>
+          </a:xfrm>
+        </p:grpSpPr>
+        <p:sp>
+          <p:nvSpPr>
+            <p:cNvPr id="20" name="文本框 19">
+              <a:extLst>
+                <a:ext uri="{FF2B5EF4-FFF2-40B4-BE49-F238E27FC236}">
+                  <a16:creationId xmlns:a16="http://schemas.microsoft.com/office/drawing/2014/main" id="{FC0F0CB3-F88A-DF5D-DA0B-297DE98AEDDA}"/>
+                </a:ext>
+              </a:extLst>
+            </p:cNvPr>
+            <p:cNvSpPr txBox="1"/>
+            <p:nvPr/>
+          </p:nvSpPr>
+          <p:spPr>
+            <a:xfrm>
+              <a:off x="1541719" y="2318349"/>
+              <a:ext cx="2133781" cy="400110"/>
+            </a:xfrm>
+            <a:prstGeom prst="rect">
+              <a:avLst/>
+            </a:prstGeom>
+            <a:noFill/>
+          </p:spPr>
+          <p:txBody>
+            <a:bodyPr wrap="square" rtlCol="0">
+              <a:spAutoFit/>
+              <a:scene3d>
+                <a:camera prst="orthographicFront"/>
+                <a:lightRig rig="threePt" dir="t"/>
+              </a:scene3d>
+              <a:sp3d contourW="12700"/>
+            </a:bodyPr>
+            <a:lstStyle/>
+            <a:p>
+              <a:r>
+                <a:rPr lang="en-US" altLang="zh-CN" sz="2000" b="1" dirty="0">
+                  <a:solidFill>
+                    <a:schemeClr val="tx1">
+                      <a:lumMod val="75000"/>
+                      <a:lumOff val="25000"/>
+                    </a:schemeClr>
+                  </a:solidFill>
+                  <a:latin typeface="Century Gothic" panose="020B0502020202020204" pitchFamily="34" charset="0"/>
+                </a:rPr>
+                <a:t>Leveraging General LLMs</a:t>
+              </a:r>
+            </a:p>
+          </p:txBody>
+        </p:sp>
+        <p:sp>
+          <p:nvSpPr>
+            <p:cNvPr id="21" name="文本框 20">
+              <a:extLst>
+                <a:ext uri="{FF2B5EF4-FFF2-40B4-BE49-F238E27FC236}">
+                  <a16:creationId xmlns:a16="http://schemas.microsoft.com/office/drawing/2014/main" id="{92208375-B85B-6EF4-6F4A-E7ADF33AF93D}"/>
+                </a:ext>
+              </a:extLst>
+            </p:cNvPr>
+            <p:cNvSpPr txBox="1"/>
+            <p:nvPr/>
+          </p:nvSpPr>
+          <p:spPr>
+            <a:xfrm>
+              <a:off x="1541719" y="2715526"/>
+              <a:ext cx="2133781" cy="418191"/>
+            </a:xfrm>
+            <a:prstGeom prst="rect">
+              <a:avLst/>
+            </a:prstGeom>
+            <a:noFill/>
+          </p:spPr>
+          <p:txBody>
+            <a:bodyPr wrap="square" rtlCol="0">
+              <a:spAutoFit/>
+              <a:scene3d>
+                <a:camera prst="orthographicFront"/>
+                <a:lightRig rig="threePt" dir="t"/>
+              </a:scene3d>
+              <a:sp3d contourW="12700"/>
+            </a:bodyPr>
+            <a:lstStyle/>
+            <a:p>
+              <a:pPr lvl="1">
+                <a:lnSpc>
+                  <a:spcPct val="150000"/>
+                </a:lnSpc>
+              </a:pPr>
+              <a:r>
+                <a:rPr lang="en-US" altLang="zh-CN" sz="1600" dirty="0" err="1">
+                  <a:latin typeface="+mn-ea"/>
+                </a:rPr>
+                <a:t>ChemCrow</a:t>
+              </a:r>
+              <a:r>
+                <a:rPr lang="en-US" altLang="zh-CN" sz="1600" dirty="0">
+                  <a:latin typeface="+mn-ea"/>
+                </a:rPr>
+                <a:t>: Augmenting large-language models with chemistry tools</a:t>
+              </a:r>
+              <a:endParaRPr lang="en-US" altLang="zh-CN" sz="1600" b="1" dirty="0">
+                <a:latin typeface="+mn-ea"/>
+              </a:endParaRPr>
+            </a:p>
+          </p:txBody>
+        </p:sp>
+      </p:grpSp>
+      <p:sp>
+        <p:nvSpPr>
+          <p:cNvPr id="22" name="菱形 21">
+            <a:extLst>
+              <a:ext uri="{FF2B5EF4-FFF2-40B4-BE49-F238E27FC236}">
+                <a16:creationId xmlns:a16="http://schemas.microsoft.com/office/drawing/2014/main" id="{EAE93AE0-2FEA-B0F2-26E2-2DD183ADF32A}"/>
+              </a:ext>
+            </a:extLst>
+          </p:cNvPr>
+          <p:cNvSpPr/>
+          <p:nvPr/>
+        </p:nvSpPr>
+        <p:spPr>
+          <a:xfrm>
+            <a:off x="449145" y="2538598"/>
+            <a:ext cx="360000" cy="360000"/>
+          </a:xfrm>
+          <a:prstGeom prst="diamond">
+            <a:avLst/>
+          </a:prstGeom>
+          <a:ln>
+            <a:noFill/>
+          </a:ln>
+        </p:spPr>
+        <p:style>
+          <a:lnRef idx="2">
+            <a:schemeClr val="accent1">
+              <a:shade val="50000"/>
+            </a:schemeClr>
+          </a:lnRef>
+          <a:fillRef idx="1">
+            <a:schemeClr val="accent1"/>
+          </a:fillRef>
+          <a:effectRef idx="0">
+            <a:schemeClr val="accent1"/>
+          </a:effectRef>
+          <a:fontRef idx="minor">
+            <a:schemeClr val="lt1"/>
+          </a:fontRef>
+        </p:style>
+        <p:txBody>
+          <a:bodyPr rot="0" spcFirstLastPara="0" vert="horz" wrap="square" lIns="91440" tIns="45720" rIns="91440" bIns="45720" numCol="1" spcCol="0" rtlCol="0" fromWordArt="0" anchor="ctr" anchorCtr="0" forceAA="0" compatLnSpc="1">
+            <a:prstTxWarp prst="textNoShape">
+              <a:avLst/>
+            </a:prstTxWarp>
+            <a:noAutofit/>
+          </a:bodyPr>
+          <a:lstStyle>
+            <a:defPPr>
+              <a:defRPr lang="en-US"/>
+            </a:defPPr>
+            <a:lvl1pPr marL="0" algn="l" defTabSz="457200" rtl="0" eaLnBrk="1" latinLnBrk="0" hangingPunct="1">
+              <a:defRPr sz="1800" kern="1200">
+                <a:solidFill>
+                  <a:schemeClr val="lt1"/>
+                </a:solidFill>
+                <a:latin typeface="+mn-lt"/>
+                <a:ea typeface="+mn-ea"/>
+                <a:cs typeface="+mn-cs"/>
+              </a:defRPr>
+            </a:lvl1pPr>
+            <a:lvl2pPr marL="457200" algn="l" defTabSz="457200" rtl="0" eaLnBrk="1" latinLnBrk="0" hangingPunct="1">
+              <a:defRPr sz="1800" kern="1200">
+                <a:solidFill>
+                  <a:schemeClr val="lt1"/>
+                </a:solidFill>
+                <a:latin typeface="+mn-lt"/>
+                <a:ea typeface="+mn-ea"/>
+                <a:cs typeface="+mn-cs"/>
+              </a:defRPr>
+            </a:lvl2pPr>
+            <a:lvl3pPr marL="914400" algn="l" defTabSz="457200" rtl="0" eaLnBrk="1" latinLnBrk="0" hangingPunct="1">
+              <a:defRPr sz="1800" kern="1200">
+                <a:solidFill>
+                  <a:schemeClr val="lt1"/>
+                </a:solidFill>
+                <a:latin typeface="+mn-lt"/>
+                <a:ea typeface="+mn-ea"/>
+                <a:cs typeface="+mn-cs"/>
+              </a:defRPr>
+            </a:lvl3pPr>
+            <a:lvl4pPr marL="1371600" algn="l" defTabSz="457200" rtl="0" eaLnBrk="1" latinLnBrk="0" hangingPunct="1">
+              <a:defRPr sz="1800" kern="1200">
+                <a:solidFill>
+                  <a:schemeClr val="lt1"/>
+                </a:solidFill>
+                <a:latin typeface="+mn-lt"/>
+                <a:ea typeface="+mn-ea"/>
+                <a:cs typeface="+mn-cs"/>
+              </a:defRPr>
+            </a:lvl4pPr>
+            <a:lvl5pPr marL="1828800" algn="l" defTabSz="457200" rtl="0" eaLnBrk="1" latinLnBrk="0" hangingPunct="1">
+              <a:defRPr sz="1800" kern="1200">
+                <a:solidFill>
+                  <a:schemeClr val="lt1"/>
+                </a:solidFill>
+                <a:latin typeface="+mn-lt"/>
+                <a:ea typeface="+mn-ea"/>
+                <a:cs typeface="+mn-cs"/>
+              </a:defRPr>
+            </a:lvl5pPr>
+            <a:lvl6pPr marL="2286000" algn="l" defTabSz="457200" rtl="0" eaLnBrk="1" latinLnBrk="0" hangingPunct="1">
+              <a:defRPr sz="1800" kern="1200">
+                <a:solidFill>
+                  <a:schemeClr val="lt1"/>
+                </a:solidFill>
+                <a:latin typeface="+mn-lt"/>
+                <a:ea typeface="+mn-ea"/>
+                <a:cs typeface="+mn-cs"/>
+              </a:defRPr>
+            </a:lvl6pPr>
+            <a:lvl7pPr marL="2743200" algn="l" defTabSz="457200" rtl="0" eaLnBrk="1" latinLnBrk="0" hangingPunct="1">
+              <a:defRPr sz="1800" kern="1200">
+                <a:solidFill>
+                  <a:schemeClr val="lt1"/>
+                </a:solidFill>
+                <a:latin typeface="+mn-lt"/>
+                <a:ea typeface="+mn-ea"/>
+                <a:cs typeface="+mn-cs"/>
+              </a:defRPr>
+            </a:lvl7pPr>
+            <a:lvl8pPr marL="3200400" algn="l" defTabSz="457200" rtl="0" eaLnBrk="1" latinLnBrk="0" hangingPunct="1">
+              <a:defRPr sz="1800" kern="1200">
+                <a:solidFill>
+                  <a:schemeClr val="lt1"/>
+                </a:solidFill>
+                <a:latin typeface="+mn-lt"/>
+                <a:ea typeface="+mn-ea"/>
+                <a:cs typeface="+mn-cs"/>
+              </a:defRPr>
+            </a:lvl8pPr>
+            <a:lvl9pPr marL="3657600" algn="l" defTabSz="457200" rtl="0" eaLnBrk="1" latinLnBrk="0" hangingPunct="1">
+              <a:defRPr sz="1800" kern="1200">
+                <a:solidFill>
+                  <a:schemeClr val="lt1"/>
+                </a:solidFill>
+                <a:latin typeface="+mn-lt"/>
+                <a:ea typeface="+mn-ea"/>
+                <a:cs typeface="+mn-cs"/>
+              </a:defRPr>
+            </a:lvl9pPr>
+          </a:lstStyle>
+          <a:p>
+            <a:pPr algn="ctr"/>
+            <a:endParaRPr lang="zh-CN" altLang="en-US" dirty="0"/>
+          </a:p>
+        </p:txBody>
+      </p:sp>
+      <p:grpSp>
+        <p:nvGrpSpPr>
+          <p:cNvPr id="23" name="组合 22">
+            <a:extLst>
+              <a:ext uri="{FF2B5EF4-FFF2-40B4-BE49-F238E27FC236}">
+                <a16:creationId xmlns:a16="http://schemas.microsoft.com/office/drawing/2014/main" id="{6BF1A20A-37A6-A0A4-74CC-04A99446F0B0}"/>
+              </a:ext>
+            </a:extLst>
+          </p:cNvPr>
+          <p:cNvGrpSpPr/>
+          <p:nvPr/>
+        </p:nvGrpSpPr>
+        <p:grpSpPr>
+          <a:xfrm>
+            <a:off x="813358" y="2501420"/>
+            <a:ext cx="7508858" cy="1184252"/>
+            <a:chOff x="1541719" y="2318349"/>
+            <a:chExt cx="2133781" cy="1184252"/>
+          </a:xfrm>
+        </p:grpSpPr>
+        <p:sp>
+          <p:nvSpPr>
+            <p:cNvPr id="24" name="文本框 23">
+              <a:extLst>
+                <a:ext uri="{FF2B5EF4-FFF2-40B4-BE49-F238E27FC236}">
+                  <a16:creationId xmlns:a16="http://schemas.microsoft.com/office/drawing/2014/main" id="{6A2102F2-24AB-165F-AD51-CA4611344590}"/>
+                </a:ext>
+              </a:extLst>
+            </p:cNvPr>
+            <p:cNvSpPr txBox="1"/>
+            <p:nvPr/>
+          </p:nvSpPr>
+          <p:spPr>
+            <a:xfrm>
+              <a:off x="1541719" y="2318349"/>
+              <a:ext cx="2133781" cy="400110"/>
+            </a:xfrm>
+            <a:prstGeom prst="rect">
+              <a:avLst/>
+            </a:prstGeom>
+            <a:noFill/>
+          </p:spPr>
+          <p:txBody>
+            <a:bodyPr wrap="square" rtlCol="0">
+              <a:spAutoFit/>
+              <a:scene3d>
+                <a:camera prst="orthographicFront"/>
+                <a:lightRig rig="threePt" dir="t"/>
+              </a:scene3d>
+              <a:sp3d contourW="12700"/>
+            </a:bodyPr>
+            <a:lstStyle/>
+            <a:p>
+              <a:r>
+                <a:rPr lang="en-US" altLang="zh-CN" sz="2000" b="1" dirty="0">
+                  <a:solidFill>
+                    <a:schemeClr val="tx1">
+                      <a:lumMod val="75000"/>
+                      <a:lumOff val="25000"/>
+                    </a:schemeClr>
+                  </a:solidFill>
+                  <a:latin typeface="Century Gothic" panose="020B0502020202020204" pitchFamily="34" charset="0"/>
+                </a:rPr>
+                <a:t>Optimizing LLMs on specific tasks</a:t>
+              </a:r>
+            </a:p>
+          </p:txBody>
+        </p:sp>
+        <p:sp>
+          <p:nvSpPr>
+            <p:cNvPr id="26" name="文本框 25">
+              <a:extLst>
+                <a:ext uri="{FF2B5EF4-FFF2-40B4-BE49-F238E27FC236}">
+                  <a16:creationId xmlns:a16="http://schemas.microsoft.com/office/drawing/2014/main" id="{2A5F225E-3A9E-EBE5-CE63-5AAA740DC60C}"/>
+                </a:ext>
+              </a:extLst>
+            </p:cNvPr>
+            <p:cNvSpPr txBox="1"/>
+            <p:nvPr/>
+          </p:nvSpPr>
+          <p:spPr>
+            <a:xfrm>
+              <a:off x="1541719" y="2715526"/>
+              <a:ext cx="2133781" cy="787075"/>
+            </a:xfrm>
+            <a:prstGeom prst="rect">
+              <a:avLst/>
+            </a:prstGeom>
+            <a:noFill/>
+          </p:spPr>
+          <p:txBody>
+            <a:bodyPr wrap="square" rtlCol="0">
+              <a:spAutoFit/>
+              <a:scene3d>
+                <a:camera prst="orthographicFront"/>
+                <a:lightRig rig="threePt" dir="t"/>
+              </a:scene3d>
+              <a:sp3d contourW="12700"/>
+            </a:bodyPr>
+            <a:lstStyle/>
+            <a:p>
+              <a:pPr lvl="1">
+                <a:lnSpc>
+                  <a:spcPct val="150000"/>
+                </a:lnSpc>
+              </a:pPr>
+              <a:r>
+                <a:rPr lang="en-US" altLang="zh-CN" sz="1600" dirty="0">
+                  <a:latin typeface="+mn-ea"/>
+                </a:rPr>
+                <a:t>Large Language Models as Master Key: Unlocking the Secrets of Materials Science with GPT</a:t>
+              </a:r>
+              <a:endParaRPr lang="en-US" altLang="zh-CN" sz="1600" b="1" dirty="0">
+                <a:latin typeface="+mn-ea"/>
+              </a:endParaRPr>
+            </a:p>
+          </p:txBody>
+        </p:sp>
+      </p:grpSp>
+    </p:spTree>
+    <p:extLst>
+      <p:ext uri="{BB962C8B-B14F-4D97-AF65-F5344CB8AC3E}">
+        <p14:creationId xmlns:p14="http://schemas.microsoft.com/office/powerpoint/2010/main" val="4140304951"/>
+      </p:ext>
+    </p:extLst>
+  </p:cSld>
+  <p:clrMapOvr>
+    <a:masterClrMapping/>
+  </p:clrMapOvr>
+</p:sld>
+</file>
+
+<file path=ppt/slides/slide11.xml><?xml version="1.0" encoding="utf-8"?>
+<p:sld xmlns:a="http://schemas.openxmlformats.org/drawingml/2006/main" xmlns:r="http://schemas.openxmlformats.org/officeDocument/2006/relationships" xmlns:p="http://schemas.openxmlformats.org/presentationml/2006/main">
+  <p:cSld>
+    <p:spTree>
+      <p:nvGrpSpPr>
+        <p:cNvPr id="1" name=""/>
+        <p:cNvGrpSpPr/>
+        <p:nvPr/>
+      </p:nvGrpSpPr>
+      <p:grpSpPr>
+        <a:xfrm>
+          <a:off x="0" y="0"/>
+          <a:ext cx="0" cy="0"/>
+          <a:chOff x="0" y="0"/>
+          <a:chExt cx="0" cy="0"/>
+        </a:xfrm>
+      </p:grpSpPr>
+      <p:sp>
+        <p:nvSpPr>
+          <p:cNvPr id="2" name="灯片编号占位符 1"/>
+          <p:cNvSpPr>
+            <a:spLocks noGrp="1"/>
+          </p:cNvSpPr>
+          <p:nvPr>
+            <p:ph type="sldNum" sz="quarter" idx="4294967295"/>
+          </p:nvPr>
+        </p:nvSpPr>
+        <p:spPr>
+          <a:xfrm>
+            <a:off x="6801374" y="6308973"/>
+            <a:ext cx="2057400" cy="365125"/>
+          </a:xfrm>
+        </p:spPr>
+        <p:txBody>
+          <a:bodyPr/>
+          <a:lstStyle/>
+          <a:p>
+            <a:fld id="{2EC5D418-970F-4C7F-9452-AEC5956F87CE}" type="slidenum">
+              <a:rPr lang="zh-CN" altLang="en-US" smtClean="0"/>
+              <a:pPr/>
+              <a:t>11</a:t>
+            </a:fld>
+            <a:endParaRPr lang="zh-CN" altLang="en-US" dirty="0"/>
+          </a:p>
+        </p:txBody>
+      </p:sp>
+      <p:pic>
+        <p:nvPicPr>
+          <p:cNvPr id="30" name="图片 29">
+            <a:extLst>
+              <a:ext uri="{FF2B5EF4-FFF2-40B4-BE49-F238E27FC236}">
+                <a16:creationId xmlns:a16="http://schemas.microsoft.com/office/drawing/2014/main" id="{0DE557CF-93C1-4CD2-BEDB-F6ED9B73877B}"/>
+              </a:ext>
+            </a:extLst>
+          </p:cNvPr>
+          <p:cNvPicPr>
+            <a:picLocks noChangeAspect="1"/>
+          </p:cNvPicPr>
+          <p:nvPr/>
+        </p:nvPicPr>
+        <p:blipFill>
+          <a:blip r:embed="rId3" cstate="print">
+            <a:extLst>
+              <a:ext uri="{28A0092B-C50C-407E-A947-70E740481C1C}">
+                <a14:useLocalDpi xmlns:a14="http://schemas.microsoft.com/office/drawing/2010/main" val="0"/>
+              </a:ext>
+            </a:extLst>
+          </a:blip>
+          <a:stretch>
+            <a:fillRect/>
+          </a:stretch>
+        </p:blipFill>
+        <p:spPr>
+          <a:xfrm>
+            <a:off x="7604209" y="6241384"/>
+            <a:ext cx="521560" cy="521560"/>
+          </a:xfrm>
+          <a:prstGeom prst="rect">
+            <a:avLst/>
+          </a:prstGeom>
+        </p:spPr>
+      </p:pic>
+      <p:sp>
+        <p:nvSpPr>
+          <p:cNvPr id="25" name="文本框 24">
+            <a:extLst>
+              <a:ext uri="{FF2B5EF4-FFF2-40B4-BE49-F238E27FC236}">
+                <a16:creationId xmlns:a16="http://schemas.microsoft.com/office/drawing/2014/main" id="{4096B1CC-1349-4E99-9A39-A7B4A3646208}"/>
+              </a:ext>
+            </a:extLst>
+          </p:cNvPr>
+          <p:cNvSpPr txBox="1"/>
+          <p:nvPr/>
+        </p:nvSpPr>
+        <p:spPr>
+          <a:xfrm>
+            <a:off x="1302265" y="409723"/>
+            <a:ext cx="7294436" cy="523220"/>
+          </a:xfrm>
+          <a:prstGeom prst="rect">
+            <a:avLst/>
+          </a:prstGeom>
+          <a:noFill/>
+        </p:spPr>
+        <p:txBody>
+          <a:bodyPr wrap="square" rtlCol="0">
+            <a:spAutoFit/>
+            <a:scene3d>
+              <a:camera prst="orthographicFront"/>
+              <a:lightRig rig="threePt" dir="t"/>
+            </a:scene3d>
+            <a:sp3d contourW="12700"/>
+          </a:bodyPr>
+          <a:lstStyle/>
+          <a:p>
+            <a:r>
+              <a:rPr lang="en-US" altLang="zh-CN" sz="2800" b="1" dirty="0" err="1">
+                <a:solidFill>
+                  <a:schemeClr val="tx1">
+                    <a:lumMod val="75000"/>
+                    <a:lumOff val="25000"/>
+                  </a:schemeClr>
+                </a:solidFill>
+                <a:latin typeface="Century Gothic" panose="020B0502020202020204" pitchFamily="34" charset="0"/>
+              </a:rPr>
+              <a:t>ChemCrow</a:t>
+            </a:r>
+            <a:r>
+              <a:rPr lang="en-US" altLang="zh-CN" sz="2800" b="1" dirty="0">
+                <a:solidFill>
+                  <a:schemeClr val="tx1">
+                    <a:lumMod val="75000"/>
+                    <a:lumOff val="25000"/>
+                  </a:schemeClr>
+                </a:solidFill>
+                <a:latin typeface="Century Gothic" panose="020B0502020202020204" pitchFamily="34" charset="0"/>
+              </a:rPr>
+              <a:t>: Adding Chemistry Tools</a:t>
+            </a:r>
+          </a:p>
+        </p:txBody>
+      </p:sp>
+      <p:grpSp>
+        <p:nvGrpSpPr>
+          <p:cNvPr id="55" name="组合 54"/>
+          <p:cNvGrpSpPr/>
+          <p:nvPr/>
+        </p:nvGrpSpPr>
+        <p:grpSpPr>
+          <a:xfrm>
+            <a:off x="129866" y="265800"/>
+            <a:ext cx="8834508" cy="6487359"/>
+            <a:chOff x="1653864" y="299356"/>
+            <a:chExt cx="10859564" cy="7633190"/>
+          </a:xfrm>
+        </p:grpSpPr>
+        <p:grpSp>
+          <p:nvGrpSpPr>
+            <p:cNvPr id="56" name="组合 55"/>
+            <p:cNvGrpSpPr/>
+            <p:nvPr/>
+          </p:nvGrpSpPr>
+          <p:grpSpPr>
+            <a:xfrm>
+              <a:off x="1653864" y="299356"/>
+              <a:ext cx="1316500" cy="883947"/>
+              <a:chOff x="7436079" y="1279752"/>
+              <a:chExt cx="6401934" cy="4298496"/>
+            </a:xfrm>
+          </p:grpSpPr>
+          <p:sp>
+            <p:nvSpPr>
+              <p:cNvPr id="64" name="菱形 63"/>
+              <p:cNvSpPr/>
+              <p:nvPr/>
+            </p:nvSpPr>
+            <p:spPr>
+              <a:xfrm>
+                <a:off x="7436079" y="2107068"/>
+                <a:ext cx="2643870" cy="2643870"/>
+              </a:xfrm>
+              <a:prstGeom prst="diamond">
+                <a:avLst/>
+              </a:prstGeom>
+              <a:noFill/>
+              <a:ln w="28575">
+                <a:solidFill>
+                  <a:schemeClr val="accent1">
+                    <a:lumMod val="60000"/>
+                    <a:lumOff val="40000"/>
+                  </a:schemeClr>
+                </a:solidFill>
+              </a:ln>
+            </p:spPr>
+            <p:style>
+              <a:lnRef idx="2">
+                <a:schemeClr val="accent1">
+                  <a:shade val="50000"/>
+                </a:schemeClr>
+              </a:lnRef>
+              <a:fillRef idx="1">
+                <a:schemeClr val="accent1"/>
+              </a:fillRef>
+              <a:effectRef idx="0">
+                <a:schemeClr val="accent1"/>
+              </a:effectRef>
+              <a:fontRef idx="minor">
+                <a:schemeClr val="lt1"/>
+              </a:fontRef>
+            </p:style>
+            <p:txBody>
+              <a:bodyPr rtlCol="0" anchor="ctr"/>
+              <a:lstStyle/>
+              <a:p>
+                <a:pPr algn="ctr"/>
+                <a:endParaRPr lang="zh-CN" altLang="en-US"/>
+              </a:p>
+            </p:txBody>
+          </p:sp>
+          <p:sp>
+            <p:nvSpPr>
+              <p:cNvPr id="65" name="菱形 64"/>
+              <p:cNvSpPr/>
+              <p:nvPr/>
+            </p:nvSpPr>
+            <p:spPr>
+              <a:xfrm>
+                <a:off x="9539517" y="1279752"/>
+                <a:ext cx="4298496" cy="4298496"/>
+              </a:xfrm>
+              <a:prstGeom prst="diamond">
+                <a:avLst/>
+              </a:prstGeom>
+              <a:noFill/>
+              <a:ln w="28575">
+                <a:solidFill>
+                  <a:srgbClr val="A72020"/>
+                </a:solidFill>
+              </a:ln>
+            </p:spPr>
+            <p:style>
+              <a:lnRef idx="2">
+                <a:schemeClr val="accent1">
+                  <a:shade val="50000"/>
+                </a:schemeClr>
+              </a:lnRef>
+              <a:fillRef idx="1">
+                <a:schemeClr val="accent1"/>
+              </a:fillRef>
+              <a:effectRef idx="0">
+                <a:schemeClr val="accent1"/>
+              </a:effectRef>
+              <a:fontRef idx="minor">
+                <a:schemeClr val="lt1"/>
+              </a:fontRef>
+            </p:style>
+            <p:txBody>
+              <a:bodyPr rtlCol="0" anchor="ctr"/>
+              <a:lstStyle/>
+              <a:p>
+                <a:pPr algn="ctr"/>
+                <a:endParaRPr lang="zh-CN" altLang="en-US"/>
+              </a:p>
+            </p:txBody>
+          </p:sp>
+        </p:grpSp>
+        <p:sp>
+          <p:nvSpPr>
+            <p:cNvPr id="57" name="文本框 56"/>
+            <p:cNvSpPr txBox="1"/>
+            <p:nvPr/>
+          </p:nvSpPr>
+          <p:spPr>
+            <a:xfrm>
+              <a:off x="2166981" y="398787"/>
+              <a:ext cx="722816" cy="688061"/>
+            </a:xfrm>
+            <a:prstGeom prst="rect">
+              <a:avLst/>
+            </a:prstGeom>
+            <a:noFill/>
+          </p:spPr>
+          <p:txBody>
+            <a:bodyPr wrap="square" rtlCol="0">
+              <a:spAutoFit/>
+              <a:scene3d>
+                <a:camera prst="orthographicFront"/>
+                <a:lightRig rig="threePt" dir="t"/>
+              </a:scene3d>
+              <a:sp3d contourW="12700"/>
+            </a:bodyPr>
+            <a:lstStyle/>
+            <a:p>
+              <a:pPr algn="ctr"/>
+              <a:r>
+                <a:rPr lang="en-US" altLang="zh-CN" sz="3200" dirty="0">
+                  <a:solidFill>
+                    <a:schemeClr val="accent1"/>
+                  </a:solidFill>
+                  <a:latin typeface="Agency FB" panose="020B0503020202020204" pitchFamily="34" charset="0"/>
+                </a:rPr>
+                <a:t>04</a:t>
+              </a:r>
+              <a:endParaRPr lang="zh-CN" altLang="en-US" sz="3200" dirty="0">
+                <a:solidFill>
+                  <a:schemeClr val="accent1"/>
+                </a:solidFill>
+                <a:latin typeface="Agency FB" panose="020B0503020202020204" pitchFamily="34" charset="0"/>
+              </a:endParaRPr>
+            </a:p>
+          </p:txBody>
+        </p:sp>
+        <p:grpSp>
+          <p:nvGrpSpPr>
+            <p:cNvPr id="59" name="组合 58"/>
+            <p:cNvGrpSpPr/>
+            <p:nvPr/>
+          </p:nvGrpSpPr>
+          <p:grpSpPr>
+            <a:xfrm>
+              <a:off x="11572872" y="7291431"/>
+              <a:ext cx="940556" cy="641115"/>
+              <a:chOff x="11395287" y="7365982"/>
+              <a:chExt cx="1208633" cy="823842"/>
+            </a:xfrm>
+          </p:grpSpPr>
+          <p:sp>
+            <p:nvSpPr>
+              <p:cNvPr id="60" name="菱形 59"/>
+              <p:cNvSpPr/>
+              <p:nvPr/>
+            </p:nvSpPr>
+            <p:spPr>
+              <a:xfrm>
+                <a:off x="11780079" y="7365982"/>
+                <a:ext cx="823841" cy="823842"/>
+              </a:xfrm>
+              <a:prstGeom prst="diamond">
+                <a:avLst/>
+              </a:prstGeom>
+              <a:noFill/>
+              <a:ln w="28575">
+                <a:solidFill>
+                  <a:schemeClr val="accent1">
+                    <a:lumMod val="60000"/>
+                    <a:lumOff val="40000"/>
+                  </a:schemeClr>
+                </a:solidFill>
+              </a:ln>
+            </p:spPr>
+            <p:style>
+              <a:lnRef idx="2">
+                <a:schemeClr val="accent1">
+                  <a:shade val="50000"/>
+                </a:schemeClr>
+              </a:lnRef>
+              <a:fillRef idx="1">
+                <a:schemeClr val="accent1"/>
+              </a:fillRef>
+              <a:effectRef idx="0">
+                <a:schemeClr val="accent1"/>
+              </a:effectRef>
+              <a:fontRef idx="minor">
+                <a:schemeClr val="lt1"/>
+              </a:fontRef>
+            </p:style>
+            <p:txBody>
+              <a:bodyPr rtlCol="0" anchor="ctr"/>
+              <a:lstStyle/>
+              <a:p>
+                <a:pPr algn="ctr"/>
+                <a:endParaRPr lang="zh-CN" altLang="en-US"/>
+              </a:p>
+            </p:txBody>
+          </p:sp>
+          <p:sp>
+            <p:nvSpPr>
+              <p:cNvPr id="61" name="菱形 60"/>
+              <p:cNvSpPr/>
+              <p:nvPr/>
+            </p:nvSpPr>
+            <p:spPr>
+              <a:xfrm>
+                <a:off x="11395287" y="7489187"/>
+                <a:ext cx="577426" cy="577425"/>
+              </a:xfrm>
+              <a:prstGeom prst="diamond">
+                <a:avLst/>
+              </a:prstGeom>
+              <a:noFill/>
+              <a:ln w="28575">
+                <a:solidFill>
+                  <a:schemeClr val="accent1">
+                    <a:lumMod val="60000"/>
+                    <a:lumOff val="40000"/>
+                  </a:schemeClr>
+                </a:solidFill>
+              </a:ln>
+            </p:spPr>
+            <p:style>
+              <a:lnRef idx="2">
+                <a:schemeClr val="accent1">
+                  <a:shade val="50000"/>
+                </a:schemeClr>
+              </a:lnRef>
+              <a:fillRef idx="1">
+                <a:schemeClr val="accent1"/>
+              </a:fillRef>
+              <a:effectRef idx="0">
+                <a:schemeClr val="accent1"/>
+              </a:effectRef>
+              <a:fontRef idx="minor">
+                <a:schemeClr val="lt1"/>
+              </a:fontRef>
+            </p:style>
+            <p:txBody>
+              <a:bodyPr rtlCol="0" anchor="ctr"/>
+              <a:lstStyle/>
+              <a:p>
+                <a:pPr algn="ctr"/>
+                <a:endParaRPr lang="zh-CN" altLang="en-US"/>
+              </a:p>
+            </p:txBody>
+          </p:sp>
+        </p:grpSp>
+      </p:grpSp>
+      <p:sp>
+        <p:nvSpPr>
+          <p:cNvPr id="18" name="菱形 17">
+            <a:extLst>
+              <a:ext uri="{FF2B5EF4-FFF2-40B4-BE49-F238E27FC236}">
+                <a16:creationId xmlns:a16="http://schemas.microsoft.com/office/drawing/2014/main" id="{80F87BE6-6616-21B8-76A1-24AE39D9BA08}"/>
+              </a:ext>
+            </a:extLst>
+          </p:cNvPr>
+          <p:cNvSpPr/>
+          <p:nvPr/>
+        </p:nvSpPr>
+        <p:spPr>
+          <a:xfrm>
+            <a:off x="453358" y="1242376"/>
+            <a:ext cx="360000" cy="360000"/>
+          </a:xfrm>
+          <a:prstGeom prst="diamond">
+            <a:avLst/>
+          </a:prstGeom>
+          <a:ln>
+            <a:noFill/>
+          </a:ln>
+        </p:spPr>
+        <p:style>
+          <a:lnRef idx="2">
+            <a:schemeClr val="accent1">
+              <a:shade val="50000"/>
+            </a:schemeClr>
+          </a:lnRef>
+          <a:fillRef idx="1">
+            <a:schemeClr val="accent1"/>
+          </a:fillRef>
+          <a:effectRef idx="0">
+            <a:schemeClr val="accent1"/>
+          </a:effectRef>
+          <a:fontRef idx="minor">
+            <a:schemeClr val="lt1"/>
+          </a:fontRef>
+        </p:style>
+        <p:txBody>
+          <a:bodyPr rot="0" spcFirstLastPara="0" vert="horz" wrap="square" lIns="91440" tIns="45720" rIns="91440" bIns="45720" numCol="1" spcCol="0" rtlCol="0" fromWordArt="0" anchor="ctr" anchorCtr="0" forceAA="0" compatLnSpc="1">
+            <a:prstTxWarp prst="textNoShape">
+              <a:avLst/>
+            </a:prstTxWarp>
+            <a:noAutofit/>
+          </a:bodyPr>
+          <a:lstStyle>
+            <a:defPPr>
+              <a:defRPr lang="en-US"/>
+            </a:defPPr>
+            <a:lvl1pPr marL="0" algn="l" defTabSz="457200" rtl="0" eaLnBrk="1" latinLnBrk="0" hangingPunct="1">
+              <a:defRPr sz="1800" kern="1200">
+                <a:solidFill>
+                  <a:schemeClr val="lt1"/>
+                </a:solidFill>
+                <a:latin typeface="+mn-lt"/>
+                <a:ea typeface="+mn-ea"/>
+                <a:cs typeface="+mn-cs"/>
+              </a:defRPr>
+            </a:lvl1pPr>
+            <a:lvl2pPr marL="457200" algn="l" defTabSz="457200" rtl="0" eaLnBrk="1" latinLnBrk="0" hangingPunct="1">
+              <a:defRPr sz="1800" kern="1200">
+                <a:solidFill>
+                  <a:schemeClr val="lt1"/>
+                </a:solidFill>
+                <a:latin typeface="+mn-lt"/>
+                <a:ea typeface="+mn-ea"/>
+                <a:cs typeface="+mn-cs"/>
+              </a:defRPr>
+            </a:lvl2pPr>
+            <a:lvl3pPr marL="914400" algn="l" defTabSz="457200" rtl="0" eaLnBrk="1" latinLnBrk="0" hangingPunct="1">
+              <a:defRPr sz="1800" kern="1200">
+                <a:solidFill>
+                  <a:schemeClr val="lt1"/>
+                </a:solidFill>
+                <a:latin typeface="+mn-lt"/>
+                <a:ea typeface="+mn-ea"/>
+                <a:cs typeface="+mn-cs"/>
+              </a:defRPr>
+            </a:lvl3pPr>
+            <a:lvl4pPr marL="1371600" algn="l" defTabSz="457200" rtl="0" eaLnBrk="1" latinLnBrk="0" hangingPunct="1">
+              <a:defRPr sz="1800" kern="1200">
+                <a:solidFill>
+                  <a:schemeClr val="lt1"/>
+                </a:solidFill>
+                <a:latin typeface="+mn-lt"/>
+                <a:ea typeface="+mn-ea"/>
+                <a:cs typeface="+mn-cs"/>
+              </a:defRPr>
+            </a:lvl4pPr>
+            <a:lvl5pPr marL="1828800" algn="l" defTabSz="457200" rtl="0" eaLnBrk="1" latinLnBrk="0" hangingPunct="1">
+              <a:defRPr sz="1800" kern="1200">
+                <a:solidFill>
+                  <a:schemeClr val="lt1"/>
+                </a:solidFill>
+                <a:latin typeface="+mn-lt"/>
+                <a:ea typeface="+mn-ea"/>
+                <a:cs typeface="+mn-cs"/>
+              </a:defRPr>
+            </a:lvl5pPr>
+            <a:lvl6pPr marL="2286000" algn="l" defTabSz="457200" rtl="0" eaLnBrk="1" latinLnBrk="0" hangingPunct="1">
+              <a:defRPr sz="1800" kern="1200">
+                <a:solidFill>
+                  <a:schemeClr val="lt1"/>
+                </a:solidFill>
+                <a:latin typeface="+mn-lt"/>
+                <a:ea typeface="+mn-ea"/>
+                <a:cs typeface="+mn-cs"/>
+              </a:defRPr>
+            </a:lvl6pPr>
+            <a:lvl7pPr marL="2743200" algn="l" defTabSz="457200" rtl="0" eaLnBrk="1" latinLnBrk="0" hangingPunct="1">
+              <a:defRPr sz="1800" kern="1200">
+                <a:solidFill>
+                  <a:schemeClr val="lt1"/>
+                </a:solidFill>
+                <a:latin typeface="+mn-lt"/>
+                <a:ea typeface="+mn-ea"/>
+                <a:cs typeface="+mn-cs"/>
+              </a:defRPr>
+            </a:lvl7pPr>
+            <a:lvl8pPr marL="3200400" algn="l" defTabSz="457200" rtl="0" eaLnBrk="1" latinLnBrk="0" hangingPunct="1">
+              <a:defRPr sz="1800" kern="1200">
+                <a:solidFill>
+                  <a:schemeClr val="lt1"/>
+                </a:solidFill>
+                <a:latin typeface="+mn-lt"/>
+                <a:ea typeface="+mn-ea"/>
+                <a:cs typeface="+mn-cs"/>
+              </a:defRPr>
+            </a:lvl8pPr>
+            <a:lvl9pPr marL="3657600" algn="l" defTabSz="457200" rtl="0" eaLnBrk="1" latinLnBrk="0" hangingPunct="1">
+              <a:defRPr sz="1800" kern="1200">
+                <a:solidFill>
+                  <a:schemeClr val="lt1"/>
+                </a:solidFill>
+                <a:latin typeface="+mn-lt"/>
+                <a:ea typeface="+mn-ea"/>
+                <a:cs typeface="+mn-cs"/>
+              </a:defRPr>
+            </a:lvl9pPr>
+          </a:lstStyle>
+          <a:p>
+            <a:pPr algn="ctr"/>
+            <a:endParaRPr lang="zh-CN" altLang="en-US" dirty="0"/>
+          </a:p>
+        </p:txBody>
+      </p:sp>
+      <p:grpSp>
+        <p:nvGrpSpPr>
+          <p:cNvPr id="19" name="组合 18">
+            <a:extLst>
+              <a:ext uri="{FF2B5EF4-FFF2-40B4-BE49-F238E27FC236}">
+                <a16:creationId xmlns:a16="http://schemas.microsoft.com/office/drawing/2014/main" id="{3A4DB629-6329-8B73-1039-1FFBC4281234}"/>
+              </a:ext>
+            </a:extLst>
+          </p:cNvPr>
+          <p:cNvGrpSpPr/>
+          <p:nvPr/>
+        </p:nvGrpSpPr>
+        <p:grpSpPr>
+          <a:xfrm>
+            <a:off x="817571" y="1205198"/>
+            <a:ext cx="7508858" cy="815368"/>
+            <a:chOff x="1541719" y="2318349"/>
+            <a:chExt cx="2133781" cy="815368"/>
+          </a:xfrm>
+        </p:grpSpPr>
+        <p:sp>
+          <p:nvSpPr>
+            <p:cNvPr id="20" name="文本框 19">
+              <a:extLst>
+                <a:ext uri="{FF2B5EF4-FFF2-40B4-BE49-F238E27FC236}">
+                  <a16:creationId xmlns:a16="http://schemas.microsoft.com/office/drawing/2014/main" id="{FC0F0CB3-F88A-DF5D-DA0B-297DE98AEDDA}"/>
+                </a:ext>
+              </a:extLst>
+            </p:cNvPr>
+            <p:cNvSpPr txBox="1"/>
+            <p:nvPr/>
+          </p:nvSpPr>
+          <p:spPr>
+            <a:xfrm>
+              <a:off x="1541719" y="2318349"/>
+              <a:ext cx="2133781" cy="400110"/>
+            </a:xfrm>
+            <a:prstGeom prst="rect">
+              <a:avLst/>
+            </a:prstGeom>
+            <a:noFill/>
+          </p:spPr>
+          <p:txBody>
+            <a:bodyPr wrap="square" rtlCol="0">
+              <a:spAutoFit/>
+              <a:scene3d>
+                <a:camera prst="orthographicFront"/>
+                <a:lightRig rig="threePt" dir="t"/>
+              </a:scene3d>
+              <a:sp3d contourW="12700"/>
+            </a:bodyPr>
+            <a:lstStyle/>
+            <a:p>
+              <a:r>
+                <a:rPr lang="en-US" altLang="zh-CN" sz="2000" b="1" dirty="0">
+                  <a:solidFill>
+                    <a:schemeClr val="tx1">
+                      <a:lumMod val="75000"/>
+                      <a:lumOff val="25000"/>
+                    </a:schemeClr>
+                  </a:solidFill>
+                  <a:latin typeface="Century Gothic" panose="020B0502020202020204" pitchFamily="34" charset="0"/>
+                </a:rPr>
+                <a:t>Leveraging General LLMs</a:t>
+              </a:r>
+            </a:p>
+          </p:txBody>
+        </p:sp>
+        <p:sp>
+          <p:nvSpPr>
+            <p:cNvPr id="21" name="文本框 20">
+              <a:extLst>
+                <a:ext uri="{FF2B5EF4-FFF2-40B4-BE49-F238E27FC236}">
+                  <a16:creationId xmlns:a16="http://schemas.microsoft.com/office/drawing/2014/main" id="{92208375-B85B-6EF4-6F4A-E7ADF33AF93D}"/>
+                </a:ext>
+              </a:extLst>
+            </p:cNvPr>
+            <p:cNvSpPr txBox="1"/>
+            <p:nvPr/>
+          </p:nvSpPr>
+          <p:spPr>
+            <a:xfrm>
+              <a:off x="1541719" y="2715526"/>
+              <a:ext cx="2133781" cy="418191"/>
+            </a:xfrm>
+            <a:prstGeom prst="rect">
+              <a:avLst/>
+            </a:prstGeom>
+            <a:noFill/>
+          </p:spPr>
+          <p:txBody>
+            <a:bodyPr wrap="square" rtlCol="0">
+              <a:spAutoFit/>
+              <a:scene3d>
+                <a:camera prst="orthographicFront"/>
+                <a:lightRig rig="threePt" dir="t"/>
+              </a:scene3d>
+              <a:sp3d contourW="12700"/>
+            </a:bodyPr>
+            <a:lstStyle/>
+            <a:p>
+              <a:pPr lvl="1">
+                <a:lnSpc>
+                  <a:spcPct val="150000"/>
+                </a:lnSpc>
+              </a:pPr>
+              <a:r>
+                <a:rPr lang="en-US" altLang="zh-CN" sz="1600" dirty="0" err="1">
+                  <a:latin typeface="+mn-ea"/>
+                </a:rPr>
+                <a:t>ChemCrow</a:t>
+              </a:r>
+              <a:r>
+                <a:rPr lang="en-US" altLang="zh-CN" sz="1600" dirty="0">
+                  <a:latin typeface="+mn-ea"/>
+                </a:rPr>
+                <a:t>: Augmenting large-language models with chemistry tools</a:t>
+              </a:r>
+              <a:endParaRPr lang="en-US" altLang="zh-CN" sz="1600" b="1" dirty="0">
+                <a:latin typeface="+mn-ea"/>
+              </a:endParaRPr>
+            </a:p>
+          </p:txBody>
+        </p:sp>
+      </p:grpSp>
+    </p:spTree>
+    <p:extLst>
+      <p:ext uri="{BB962C8B-B14F-4D97-AF65-F5344CB8AC3E}">
+        <p14:creationId xmlns:p14="http://schemas.microsoft.com/office/powerpoint/2010/main" val="3475606104"/>
+      </p:ext>
+    </p:extLst>
+  </p:cSld>
+  <p:clrMapOvr>
+    <a:masterClrMapping/>
+  </p:clrMapOvr>
+</p:sld>
+</file>
+
+<file path=ppt/slides/slide12.xml><?xml version="1.0" encoding="utf-8"?>
+<p:sld xmlns:a="http://schemas.openxmlformats.org/drawingml/2006/main" xmlns:r="http://schemas.openxmlformats.org/officeDocument/2006/relationships" xmlns:p="http://schemas.openxmlformats.org/presentationml/2006/main">
+  <p:cSld>
+    <p:spTree>
+      <p:nvGrpSpPr>
+        <p:cNvPr id="1" name=""/>
+        <p:cNvGrpSpPr/>
+        <p:nvPr/>
+      </p:nvGrpSpPr>
+      <p:grpSpPr>
+        <a:xfrm>
+          <a:off x="0" y="0"/>
+          <a:ext cx="0" cy="0"/>
+          <a:chOff x="0" y="0"/>
+          <a:chExt cx="0" cy="0"/>
+        </a:xfrm>
+      </p:grpSpPr>
+      <p:sp>
+        <p:nvSpPr>
+          <p:cNvPr id="2" name="灯片编号占位符 1"/>
+          <p:cNvSpPr>
+            <a:spLocks noGrp="1"/>
+          </p:cNvSpPr>
+          <p:nvPr>
+            <p:ph type="sldNum" sz="quarter" idx="4294967295"/>
+          </p:nvPr>
+        </p:nvSpPr>
+        <p:spPr>
+          <a:xfrm>
+            <a:off x="6801374" y="6308973"/>
+            <a:ext cx="2057400" cy="365125"/>
+          </a:xfrm>
+        </p:spPr>
+        <p:txBody>
+          <a:bodyPr/>
+          <a:lstStyle/>
+          <a:p>
+            <a:fld id="{2EC5D418-970F-4C7F-9452-AEC5956F87CE}" type="slidenum">
+              <a:rPr lang="zh-CN" altLang="en-US" smtClean="0"/>
+              <a:pPr/>
+              <a:t>12</a:t>
+            </a:fld>
+            <a:endParaRPr lang="zh-CN" altLang="en-US" dirty="0"/>
+          </a:p>
+        </p:txBody>
+      </p:sp>
+      <p:pic>
+        <p:nvPicPr>
+          <p:cNvPr id="30" name="图片 29">
+            <a:extLst>
+              <a:ext uri="{FF2B5EF4-FFF2-40B4-BE49-F238E27FC236}">
+                <a16:creationId xmlns:a16="http://schemas.microsoft.com/office/drawing/2014/main" id="{0DE557CF-93C1-4CD2-BEDB-F6ED9B73877B}"/>
+              </a:ext>
+            </a:extLst>
+          </p:cNvPr>
+          <p:cNvPicPr>
+            <a:picLocks noChangeAspect="1"/>
+          </p:cNvPicPr>
+          <p:nvPr/>
+        </p:nvPicPr>
+        <p:blipFill>
+          <a:blip r:embed="rId3" cstate="print">
+            <a:extLst>
+              <a:ext uri="{28A0092B-C50C-407E-A947-70E740481C1C}">
+                <a14:useLocalDpi xmlns:a14="http://schemas.microsoft.com/office/drawing/2010/main" val="0"/>
+              </a:ext>
+            </a:extLst>
+          </a:blip>
+          <a:stretch>
+            <a:fillRect/>
+          </a:stretch>
+        </p:blipFill>
+        <p:spPr>
+          <a:xfrm>
+            <a:off x="7604209" y="6241384"/>
+            <a:ext cx="521560" cy="521560"/>
+          </a:xfrm>
+          <a:prstGeom prst="rect">
+            <a:avLst/>
+          </a:prstGeom>
+        </p:spPr>
+      </p:pic>
+      <p:grpSp>
+        <p:nvGrpSpPr>
+          <p:cNvPr id="55" name="组合 54"/>
+          <p:cNvGrpSpPr/>
+          <p:nvPr/>
+        </p:nvGrpSpPr>
+        <p:grpSpPr>
+          <a:xfrm>
+            <a:off x="129866" y="265800"/>
+            <a:ext cx="8834508" cy="6487359"/>
+            <a:chOff x="1653864" y="299356"/>
+            <a:chExt cx="10859564" cy="7633190"/>
+          </a:xfrm>
+        </p:grpSpPr>
+        <p:grpSp>
+          <p:nvGrpSpPr>
+            <p:cNvPr id="56" name="组合 55"/>
+            <p:cNvGrpSpPr/>
+            <p:nvPr/>
+          </p:nvGrpSpPr>
+          <p:grpSpPr>
+            <a:xfrm>
+              <a:off x="1653864" y="299356"/>
+              <a:ext cx="1316500" cy="883947"/>
+              <a:chOff x="7436079" y="1279752"/>
+              <a:chExt cx="6401934" cy="4298496"/>
+            </a:xfrm>
+          </p:grpSpPr>
+          <p:sp>
+            <p:nvSpPr>
+              <p:cNvPr id="64" name="菱形 63"/>
+              <p:cNvSpPr/>
+              <p:nvPr/>
+            </p:nvSpPr>
+            <p:spPr>
+              <a:xfrm>
+                <a:off x="7436079" y="2107068"/>
+                <a:ext cx="2643870" cy="2643870"/>
+              </a:xfrm>
+              <a:prstGeom prst="diamond">
+                <a:avLst/>
+              </a:prstGeom>
+              <a:noFill/>
+              <a:ln w="28575">
+                <a:solidFill>
+                  <a:schemeClr val="accent1">
+                    <a:lumMod val="60000"/>
+                    <a:lumOff val="40000"/>
+                  </a:schemeClr>
+                </a:solidFill>
+              </a:ln>
+            </p:spPr>
+            <p:style>
+              <a:lnRef idx="2">
+                <a:schemeClr val="accent1">
+                  <a:shade val="50000"/>
+                </a:schemeClr>
+              </a:lnRef>
+              <a:fillRef idx="1">
+                <a:schemeClr val="accent1"/>
+              </a:fillRef>
+              <a:effectRef idx="0">
+                <a:schemeClr val="accent1"/>
+              </a:effectRef>
+              <a:fontRef idx="minor">
+                <a:schemeClr val="lt1"/>
+              </a:fontRef>
+            </p:style>
+            <p:txBody>
+              <a:bodyPr rtlCol="0" anchor="ctr"/>
+              <a:lstStyle/>
+              <a:p>
+                <a:pPr algn="ctr"/>
+                <a:endParaRPr lang="zh-CN" altLang="en-US"/>
+              </a:p>
+            </p:txBody>
+          </p:sp>
+          <p:sp>
+            <p:nvSpPr>
+              <p:cNvPr id="65" name="菱形 64"/>
+              <p:cNvSpPr/>
+              <p:nvPr/>
+            </p:nvSpPr>
+            <p:spPr>
+              <a:xfrm>
+                <a:off x="9539517" y="1279752"/>
+                <a:ext cx="4298496" cy="4298496"/>
+              </a:xfrm>
+              <a:prstGeom prst="diamond">
+                <a:avLst/>
+              </a:prstGeom>
+              <a:noFill/>
+              <a:ln w="28575">
+                <a:solidFill>
+                  <a:srgbClr val="A72020"/>
+                </a:solidFill>
+              </a:ln>
+            </p:spPr>
+            <p:style>
+              <a:lnRef idx="2">
+                <a:schemeClr val="accent1">
+                  <a:shade val="50000"/>
+                </a:schemeClr>
+              </a:lnRef>
+              <a:fillRef idx="1">
+                <a:schemeClr val="accent1"/>
+              </a:fillRef>
+              <a:effectRef idx="0">
+                <a:schemeClr val="accent1"/>
+              </a:effectRef>
+              <a:fontRef idx="minor">
+                <a:schemeClr val="lt1"/>
+              </a:fontRef>
+            </p:style>
+            <p:txBody>
+              <a:bodyPr rtlCol="0" anchor="ctr"/>
+              <a:lstStyle/>
+              <a:p>
+                <a:pPr algn="ctr"/>
+                <a:endParaRPr lang="zh-CN" altLang="en-US"/>
+              </a:p>
+            </p:txBody>
+          </p:sp>
+        </p:grpSp>
+        <p:sp>
+          <p:nvSpPr>
+            <p:cNvPr id="57" name="文本框 56"/>
+            <p:cNvSpPr txBox="1"/>
+            <p:nvPr/>
+          </p:nvSpPr>
+          <p:spPr>
+            <a:xfrm>
+              <a:off x="2166981" y="398787"/>
+              <a:ext cx="722816" cy="688061"/>
+            </a:xfrm>
+            <a:prstGeom prst="rect">
+              <a:avLst/>
+            </a:prstGeom>
+            <a:noFill/>
+          </p:spPr>
+          <p:txBody>
+            <a:bodyPr wrap="square" rtlCol="0">
+              <a:spAutoFit/>
+              <a:scene3d>
+                <a:camera prst="orthographicFront"/>
+                <a:lightRig rig="threePt" dir="t"/>
+              </a:scene3d>
+              <a:sp3d contourW="12700"/>
+            </a:bodyPr>
+            <a:lstStyle/>
+            <a:p>
+              <a:pPr algn="ctr"/>
+              <a:r>
+                <a:rPr lang="en-US" altLang="zh-CN" sz="3200" dirty="0">
+                  <a:solidFill>
+                    <a:schemeClr val="accent1"/>
+                  </a:solidFill>
+                  <a:latin typeface="Agency FB" panose="020B0503020202020204" pitchFamily="34" charset="0"/>
+                </a:rPr>
+                <a:t>05</a:t>
+              </a:r>
+              <a:endParaRPr lang="zh-CN" altLang="en-US" sz="3200" dirty="0">
+                <a:solidFill>
+                  <a:schemeClr val="accent1"/>
+                </a:solidFill>
+                <a:latin typeface="Agency FB" panose="020B0503020202020204" pitchFamily="34" charset="0"/>
+              </a:endParaRPr>
+            </a:p>
+          </p:txBody>
+        </p:sp>
+        <p:grpSp>
+          <p:nvGrpSpPr>
+            <p:cNvPr id="59" name="组合 58"/>
+            <p:cNvGrpSpPr/>
+            <p:nvPr/>
+          </p:nvGrpSpPr>
+          <p:grpSpPr>
+            <a:xfrm>
+              <a:off x="11572872" y="7291431"/>
+              <a:ext cx="940556" cy="641115"/>
+              <a:chOff x="11395287" y="7365982"/>
+              <a:chExt cx="1208633" cy="823842"/>
+            </a:xfrm>
+          </p:grpSpPr>
+          <p:sp>
+            <p:nvSpPr>
+              <p:cNvPr id="60" name="菱形 59"/>
+              <p:cNvSpPr/>
+              <p:nvPr/>
+            </p:nvSpPr>
+            <p:spPr>
+              <a:xfrm>
+                <a:off x="11780079" y="7365982"/>
+                <a:ext cx="823841" cy="823842"/>
+              </a:xfrm>
+              <a:prstGeom prst="diamond">
+                <a:avLst/>
+              </a:prstGeom>
+              <a:noFill/>
+              <a:ln w="28575">
+                <a:solidFill>
+                  <a:schemeClr val="accent1">
+                    <a:lumMod val="60000"/>
+                    <a:lumOff val="40000"/>
+                  </a:schemeClr>
+                </a:solidFill>
+              </a:ln>
+            </p:spPr>
+            <p:style>
+              <a:lnRef idx="2">
+                <a:schemeClr val="accent1">
+                  <a:shade val="50000"/>
+                </a:schemeClr>
+              </a:lnRef>
+              <a:fillRef idx="1">
+                <a:schemeClr val="accent1"/>
+              </a:fillRef>
+              <a:effectRef idx="0">
+                <a:schemeClr val="accent1"/>
+              </a:effectRef>
+              <a:fontRef idx="minor">
+                <a:schemeClr val="lt1"/>
+              </a:fontRef>
+            </p:style>
+            <p:txBody>
+              <a:bodyPr rtlCol="0" anchor="ctr"/>
+              <a:lstStyle/>
+              <a:p>
+                <a:pPr algn="ctr"/>
+                <a:endParaRPr lang="zh-CN" altLang="en-US"/>
+              </a:p>
+            </p:txBody>
+          </p:sp>
+          <p:sp>
+            <p:nvSpPr>
+              <p:cNvPr id="61" name="菱形 60"/>
+              <p:cNvSpPr/>
+              <p:nvPr/>
+            </p:nvSpPr>
+            <p:spPr>
+              <a:xfrm>
+                <a:off x="11395287" y="7489187"/>
+                <a:ext cx="577426" cy="577425"/>
+              </a:xfrm>
+              <a:prstGeom prst="diamond">
+                <a:avLst/>
+              </a:prstGeom>
+              <a:noFill/>
+              <a:ln w="28575">
+                <a:solidFill>
+                  <a:schemeClr val="accent1">
+                    <a:lumMod val="60000"/>
+                    <a:lumOff val="40000"/>
+                  </a:schemeClr>
+                </a:solidFill>
+              </a:ln>
+            </p:spPr>
+            <p:style>
+              <a:lnRef idx="2">
+                <a:schemeClr val="accent1">
+                  <a:shade val="50000"/>
+                </a:schemeClr>
+              </a:lnRef>
+              <a:fillRef idx="1">
+                <a:schemeClr val="accent1"/>
+              </a:fillRef>
+              <a:effectRef idx="0">
+                <a:schemeClr val="accent1"/>
+              </a:effectRef>
+              <a:fontRef idx="minor">
+                <a:schemeClr val="lt1"/>
+              </a:fontRef>
+            </p:style>
+            <p:txBody>
+              <a:bodyPr rtlCol="0" anchor="ctr"/>
+              <a:lstStyle/>
+              <a:p>
+                <a:pPr algn="ctr"/>
+                <a:endParaRPr lang="zh-CN" altLang="en-US"/>
+              </a:p>
+            </p:txBody>
+          </p:sp>
+        </p:grpSp>
+      </p:grpSp>
+    </p:spTree>
+    <p:extLst>
+      <p:ext uri="{BB962C8B-B14F-4D97-AF65-F5344CB8AC3E}">
+        <p14:creationId xmlns:p14="http://schemas.microsoft.com/office/powerpoint/2010/main" val="3714992197"/>
+      </p:ext>
+    </p:extLst>
+  </p:cSld>
+  <p:clrMapOvr>
+    <a:masterClrMapping/>
+  </p:clrMapOvr>
+</p:sld>
+</file>
+
+<file path=ppt/slides/slide13.xml><?xml version="1.0" encoding="utf-8"?>
+<p:sld xmlns:a="http://schemas.openxmlformats.org/drawingml/2006/main" xmlns:r="http://schemas.openxmlformats.org/officeDocument/2006/relationships" xmlns:p="http://schemas.openxmlformats.org/presentationml/2006/main">
+  <p:cSld>
+    <p:spTree>
+      <p:nvGrpSpPr>
+        <p:cNvPr id="1" name=""/>
+        <p:cNvGrpSpPr/>
+        <p:nvPr/>
+      </p:nvGrpSpPr>
+      <p:grpSpPr>
+        <a:xfrm>
+          <a:off x="0" y="0"/>
+          <a:ext cx="0" cy="0"/>
+          <a:chOff x="0" y="0"/>
+          <a:chExt cx="0" cy="0"/>
+        </a:xfrm>
+      </p:grpSpPr>
+      <p:sp>
+        <p:nvSpPr>
+          <p:cNvPr id="2" name="灯片编号占位符 1"/>
+          <p:cNvSpPr>
+            <a:spLocks noGrp="1"/>
+          </p:cNvSpPr>
+          <p:nvPr>
+            <p:ph type="sldNum" sz="quarter" idx="4294967295"/>
+          </p:nvPr>
+        </p:nvSpPr>
+        <p:spPr>
+          <a:xfrm>
+            <a:off x="6801374" y="6308973"/>
+            <a:ext cx="2057400" cy="365125"/>
+          </a:xfrm>
+        </p:spPr>
+        <p:txBody>
+          <a:bodyPr/>
+          <a:lstStyle/>
+          <a:p>
+            <a:fld id="{2EC5D418-970F-4C7F-9452-AEC5956F87CE}" type="slidenum">
+              <a:rPr lang="zh-CN" altLang="en-US" smtClean="0"/>
+              <a:pPr/>
+              <a:t>13</a:t>
+            </a:fld>
+            <a:endParaRPr lang="zh-CN" altLang="en-US" dirty="0"/>
+          </a:p>
+        </p:txBody>
+      </p:sp>
+      <p:pic>
+        <p:nvPicPr>
+          <p:cNvPr id="30" name="图片 29">
+            <a:extLst>
+              <a:ext uri="{FF2B5EF4-FFF2-40B4-BE49-F238E27FC236}">
+                <a16:creationId xmlns:a16="http://schemas.microsoft.com/office/drawing/2014/main" id="{0DE557CF-93C1-4CD2-BEDB-F6ED9B73877B}"/>
+              </a:ext>
+            </a:extLst>
+          </p:cNvPr>
+          <p:cNvPicPr>
+            <a:picLocks noChangeAspect="1"/>
+          </p:cNvPicPr>
+          <p:nvPr/>
+        </p:nvPicPr>
+        <p:blipFill>
+          <a:blip r:embed="rId3" cstate="print">
+            <a:extLst>
+              <a:ext uri="{28A0092B-C50C-407E-A947-70E740481C1C}">
+                <a14:useLocalDpi xmlns:a14="http://schemas.microsoft.com/office/drawing/2010/main" val="0"/>
+              </a:ext>
+            </a:extLst>
+          </a:blip>
+          <a:stretch>
+            <a:fillRect/>
+          </a:stretch>
+        </p:blipFill>
+        <p:spPr>
+          <a:xfrm>
+            <a:off x="7604209" y="6241384"/>
+            <a:ext cx="521560" cy="521560"/>
+          </a:xfrm>
+          <a:prstGeom prst="rect">
+            <a:avLst/>
+          </a:prstGeom>
+        </p:spPr>
+      </p:pic>
+      <p:sp>
+        <p:nvSpPr>
+          <p:cNvPr id="25" name="文本框 24">
+            <a:extLst>
+              <a:ext uri="{FF2B5EF4-FFF2-40B4-BE49-F238E27FC236}">
+                <a16:creationId xmlns:a16="http://schemas.microsoft.com/office/drawing/2014/main" id="{4096B1CC-1349-4E99-9A39-A7B4A3646208}"/>
+              </a:ext>
+            </a:extLst>
+          </p:cNvPr>
+          <p:cNvSpPr txBox="1"/>
+          <p:nvPr/>
+        </p:nvSpPr>
+        <p:spPr>
+          <a:xfrm>
+            <a:off x="1302265" y="409723"/>
+            <a:ext cx="7294436" cy="523220"/>
+          </a:xfrm>
+          <a:prstGeom prst="rect">
+            <a:avLst/>
+          </a:prstGeom>
+          <a:noFill/>
+        </p:spPr>
+        <p:txBody>
+          <a:bodyPr wrap="square" rtlCol="0">
+            <a:spAutoFit/>
+            <a:scene3d>
+              <a:camera prst="orthographicFront"/>
+              <a:lightRig rig="threePt" dir="t"/>
+            </a:scene3d>
+            <a:sp3d contourW="12700"/>
+          </a:bodyPr>
+          <a:lstStyle/>
+          <a:p>
+            <a:r>
+              <a:rPr lang="en-US" altLang="zh-CN" sz="2800" b="1" dirty="0">
+                <a:solidFill>
+                  <a:schemeClr val="tx1">
+                    <a:lumMod val="75000"/>
+                    <a:lumOff val="25000"/>
+                  </a:schemeClr>
+                </a:solidFill>
+                <a:latin typeface="Century Gothic" panose="020B0502020202020204" pitchFamily="34" charset="0"/>
+              </a:rPr>
+              <a:t>PROGEN: Designing Proteins</a:t>
+            </a:r>
+            <a:endParaRPr lang="zh-CN" altLang="en-US" sz="2800" b="1" dirty="0">
+              <a:solidFill>
+                <a:schemeClr val="tx1">
+                  <a:lumMod val="75000"/>
+                  <a:lumOff val="25000"/>
+                </a:schemeClr>
+              </a:solidFill>
+              <a:latin typeface="Century Gothic" panose="020B0502020202020204" pitchFamily="34" charset="0"/>
+            </a:endParaRPr>
+          </a:p>
+        </p:txBody>
+      </p:sp>
+      <p:grpSp>
+        <p:nvGrpSpPr>
+          <p:cNvPr id="55" name="组合 54"/>
+          <p:cNvGrpSpPr/>
+          <p:nvPr/>
+        </p:nvGrpSpPr>
+        <p:grpSpPr>
+          <a:xfrm>
+            <a:off x="129866" y="265800"/>
+            <a:ext cx="8834508" cy="6487359"/>
+            <a:chOff x="1653864" y="299356"/>
+            <a:chExt cx="10859564" cy="7633190"/>
+          </a:xfrm>
+        </p:grpSpPr>
+        <p:grpSp>
+          <p:nvGrpSpPr>
+            <p:cNvPr id="56" name="组合 55"/>
+            <p:cNvGrpSpPr/>
+            <p:nvPr/>
+          </p:nvGrpSpPr>
+          <p:grpSpPr>
+            <a:xfrm>
+              <a:off x="1653864" y="299356"/>
+              <a:ext cx="1316500" cy="883947"/>
+              <a:chOff x="7436079" y="1279752"/>
+              <a:chExt cx="6401934" cy="4298496"/>
+            </a:xfrm>
+          </p:grpSpPr>
+          <p:sp>
+            <p:nvSpPr>
+              <p:cNvPr id="64" name="菱形 63"/>
+              <p:cNvSpPr/>
+              <p:nvPr/>
+            </p:nvSpPr>
+            <p:spPr>
+              <a:xfrm>
+                <a:off x="7436079" y="2107068"/>
+                <a:ext cx="2643870" cy="2643870"/>
+              </a:xfrm>
+              <a:prstGeom prst="diamond">
+                <a:avLst/>
+              </a:prstGeom>
+              <a:noFill/>
+              <a:ln w="28575">
+                <a:solidFill>
+                  <a:schemeClr val="accent1">
+                    <a:lumMod val="60000"/>
+                    <a:lumOff val="40000"/>
+                  </a:schemeClr>
+                </a:solidFill>
+              </a:ln>
+            </p:spPr>
+            <p:style>
+              <a:lnRef idx="2">
+                <a:schemeClr val="accent1">
+                  <a:shade val="50000"/>
+                </a:schemeClr>
+              </a:lnRef>
+              <a:fillRef idx="1">
+                <a:schemeClr val="accent1"/>
+              </a:fillRef>
+              <a:effectRef idx="0">
+                <a:schemeClr val="accent1"/>
+              </a:effectRef>
+              <a:fontRef idx="minor">
+                <a:schemeClr val="lt1"/>
+              </a:fontRef>
+            </p:style>
+            <p:txBody>
+              <a:bodyPr rtlCol="0" anchor="ctr"/>
+              <a:lstStyle/>
+              <a:p>
+                <a:pPr algn="ctr"/>
+                <a:endParaRPr lang="zh-CN" altLang="en-US"/>
+              </a:p>
+            </p:txBody>
+          </p:sp>
+          <p:sp>
+            <p:nvSpPr>
+              <p:cNvPr id="65" name="菱形 64"/>
+              <p:cNvSpPr/>
+              <p:nvPr/>
+            </p:nvSpPr>
+            <p:spPr>
+              <a:xfrm>
+                <a:off x="9539517" y="1279752"/>
+                <a:ext cx="4298496" cy="4298496"/>
+              </a:xfrm>
+              <a:prstGeom prst="diamond">
+                <a:avLst/>
+              </a:prstGeom>
+              <a:noFill/>
+              <a:ln w="28575">
+                <a:solidFill>
+                  <a:srgbClr val="A72020"/>
+                </a:solidFill>
+              </a:ln>
+            </p:spPr>
+            <p:style>
+              <a:lnRef idx="2">
+                <a:schemeClr val="accent1">
+                  <a:shade val="50000"/>
+                </a:schemeClr>
+              </a:lnRef>
+              <a:fillRef idx="1">
+                <a:schemeClr val="accent1"/>
+              </a:fillRef>
+              <a:effectRef idx="0">
+                <a:schemeClr val="accent1"/>
+              </a:effectRef>
+              <a:fontRef idx="minor">
+                <a:schemeClr val="lt1"/>
+              </a:fontRef>
+            </p:style>
+            <p:txBody>
+              <a:bodyPr rtlCol="0" anchor="ctr"/>
+              <a:lstStyle/>
+              <a:p>
+                <a:pPr algn="ctr"/>
+                <a:endParaRPr lang="zh-CN" altLang="en-US"/>
+              </a:p>
+            </p:txBody>
+          </p:sp>
+        </p:grpSp>
+        <p:sp>
+          <p:nvSpPr>
+            <p:cNvPr id="57" name="文本框 56"/>
+            <p:cNvSpPr txBox="1"/>
+            <p:nvPr/>
+          </p:nvSpPr>
+          <p:spPr>
+            <a:xfrm>
+              <a:off x="2166981" y="398787"/>
+              <a:ext cx="722816" cy="688061"/>
+            </a:xfrm>
+            <a:prstGeom prst="rect">
+              <a:avLst/>
+            </a:prstGeom>
+            <a:noFill/>
+          </p:spPr>
+          <p:txBody>
+            <a:bodyPr wrap="square" rtlCol="0">
+              <a:spAutoFit/>
+              <a:scene3d>
+                <a:camera prst="orthographicFront"/>
+                <a:lightRig rig="threePt" dir="t"/>
+              </a:scene3d>
+              <a:sp3d contourW="12700"/>
+            </a:bodyPr>
+            <a:lstStyle/>
+            <a:p>
+              <a:pPr algn="ctr"/>
+              <a:r>
+                <a:rPr lang="en-US" altLang="zh-CN" sz="3200" dirty="0">
+                  <a:solidFill>
+                    <a:schemeClr val="accent1"/>
+                  </a:solidFill>
+                  <a:latin typeface="Agency FB" panose="020B0503020202020204" pitchFamily="34" charset="0"/>
+                </a:rPr>
+                <a:t>06</a:t>
+              </a:r>
+              <a:endParaRPr lang="zh-CN" altLang="en-US" sz="3200" dirty="0">
+                <a:solidFill>
+                  <a:schemeClr val="accent1"/>
+                </a:solidFill>
+                <a:latin typeface="Agency FB" panose="020B0503020202020204" pitchFamily="34" charset="0"/>
+              </a:endParaRPr>
+            </a:p>
+          </p:txBody>
+        </p:sp>
+        <p:grpSp>
+          <p:nvGrpSpPr>
+            <p:cNvPr id="59" name="组合 58"/>
+            <p:cNvGrpSpPr/>
+            <p:nvPr/>
+          </p:nvGrpSpPr>
+          <p:grpSpPr>
+            <a:xfrm>
+              <a:off x="11572872" y="7291431"/>
+              <a:ext cx="940556" cy="641115"/>
+              <a:chOff x="11395287" y="7365982"/>
+              <a:chExt cx="1208633" cy="823842"/>
+            </a:xfrm>
+          </p:grpSpPr>
+          <p:sp>
+            <p:nvSpPr>
+              <p:cNvPr id="60" name="菱形 59"/>
+              <p:cNvSpPr/>
+              <p:nvPr/>
+            </p:nvSpPr>
+            <p:spPr>
+              <a:xfrm>
+                <a:off x="11780079" y="7365982"/>
+                <a:ext cx="823841" cy="823842"/>
+              </a:xfrm>
+              <a:prstGeom prst="diamond">
+                <a:avLst/>
+              </a:prstGeom>
+              <a:noFill/>
+              <a:ln w="28575">
+                <a:solidFill>
+                  <a:schemeClr val="accent1">
+                    <a:lumMod val="60000"/>
+                    <a:lumOff val="40000"/>
+                  </a:schemeClr>
+                </a:solidFill>
+              </a:ln>
+            </p:spPr>
+            <p:style>
+              <a:lnRef idx="2">
+                <a:schemeClr val="accent1">
+                  <a:shade val="50000"/>
+                </a:schemeClr>
+              </a:lnRef>
+              <a:fillRef idx="1">
+                <a:schemeClr val="accent1"/>
+              </a:fillRef>
+              <a:effectRef idx="0">
+                <a:schemeClr val="accent1"/>
+              </a:effectRef>
+              <a:fontRef idx="minor">
+                <a:schemeClr val="lt1"/>
+              </a:fontRef>
+            </p:style>
+            <p:txBody>
+              <a:bodyPr rtlCol="0" anchor="ctr"/>
+              <a:lstStyle/>
+              <a:p>
+                <a:pPr algn="ctr"/>
+                <a:endParaRPr lang="zh-CN" altLang="en-US"/>
+              </a:p>
+            </p:txBody>
+          </p:sp>
+          <p:sp>
+            <p:nvSpPr>
+              <p:cNvPr id="61" name="菱形 60"/>
+              <p:cNvSpPr/>
+              <p:nvPr/>
+            </p:nvSpPr>
+            <p:spPr>
+              <a:xfrm>
+                <a:off x="11395287" y="7489187"/>
+                <a:ext cx="577426" cy="577425"/>
+              </a:xfrm>
+              <a:prstGeom prst="diamond">
+                <a:avLst/>
+              </a:prstGeom>
+              <a:noFill/>
+              <a:ln w="28575">
+                <a:solidFill>
+                  <a:schemeClr val="accent1">
+                    <a:lumMod val="60000"/>
+                    <a:lumOff val="40000"/>
+                  </a:schemeClr>
+                </a:solidFill>
+              </a:ln>
+            </p:spPr>
+            <p:style>
+              <a:lnRef idx="2">
+                <a:schemeClr val="accent1">
+                  <a:shade val="50000"/>
+                </a:schemeClr>
+              </a:lnRef>
+              <a:fillRef idx="1">
+                <a:schemeClr val="accent1"/>
+              </a:fillRef>
+              <a:effectRef idx="0">
+                <a:schemeClr val="accent1"/>
+              </a:effectRef>
+              <a:fontRef idx="minor">
+                <a:schemeClr val="lt1"/>
+              </a:fontRef>
+            </p:style>
+            <p:txBody>
+              <a:bodyPr rtlCol="0" anchor="ctr"/>
+              <a:lstStyle/>
+              <a:p>
+                <a:pPr algn="ctr"/>
+                <a:endParaRPr lang="zh-CN" altLang="en-US"/>
+              </a:p>
+            </p:txBody>
+          </p:sp>
+        </p:grpSp>
+      </p:grpSp>
+    </p:spTree>
+    <p:extLst>
+      <p:ext uri="{BB962C8B-B14F-4D97-AF65-F5344CB8AC3E}">
+        <p14:creationId xmlns:p14="http://schemas.microsoft.com/office/powerpoint/2010/main" val="3380355621"/>
+      </p:ext>
+    </p:extLst>
+  </p:cSld>
+  <p:clrMapOvr>
+    <a:masterClrMapping/>
+  </p:clrMapOvr>
+</p:sld>
+</file>
+
+<file path=ppt/slides/slide14.xml><?xml version="1.0" encoding="utf-8"?>
+<p:sld xmlns:a="http://schemas.openxmlformats.org/drawingml/2006/main" xmlns:r="http://schemas.openxmlformats.org/officeDocument/2006/relationships" xmlns:p="http://schemas.openxmlformats.org/presentationml/2006/main">
+  <p:cSld>
+    <p:spTree>
+      <p:nvGrpSpPr>
+        <p:cNvPr id="1" name=""/>
+        <p:cNvGrpSpPr/>
+        <p:nvPr/>
+      </p:nvGrpSpPr>
+      <p:grpSpPr>
+        <a:xfrm>
+          <a:off x="0" y="0"/>
+          <a:ext cx="0" cy="0"/>
+          <a:chOff x="0" y="0"/>
+          <a:chExt cx="0" cy="0"/>
+        </a:xfrm>
+      </p:grpSpPr>
+      <p:grpSp>
+        <p:nvGrpSpPr>
+          <p:cNvPr id="55" name="组合 54"/>
+          <p:cNvGrpSpPr/>
+          <p:nvPr/>
+        </p:nvGrpSpPr>
+        <p:grpSpPr>
+          <a:xfrm>
+            <a:off x="129866" y="265800"/>
+            <a:ext cx="8834508" cy="6487359"/>
+            <a:chOff x="1653864" y="299356"/>
+            <a:chExt cx="10859564" cy="7633190"/>
+          </a:xfrm>
+        </p:grpSpPr>
+        <p:grpSp>
+          <p:nvGrpSpPr>
+            <p:cNvPr id="56" name="组合 55"/>
+            <p:cNvGrpSpPr/>
+            <p:nvPr/>
+          </p:nvGrpSpPr>
+          <p:grpSpPr>
+            <a:xfrm>
+              <a:off x="1653864" y="299356"/>
+              <a:ext cx="1316500" cy="883947"/>
+              <a:chOff x="7436079" y="1279752"/>
+              <a:chExt cx="6401934" cy="4298496"/>
+            </a:xfrm>
+          </p:grpSpPr>
+          <p:sp>
+            <p:nvSpPr>
+              <p:cNvPr id="64" name="菱形 63"/>
+              <p:cNvSpPr/>
+              <p:nvPr/>
+            </p:nvSpPr>
+            <p:spPr>
+              <a:xfrm>
+                <a:off x="7436079" y="2107068"/>
+                <a:ext cx="2643870" cy="2643870"/>
+              </a:xfrm>
+              <a:prstGeom prst="diamond">
+                <a:avLst/>
+              </a:prstGeom>
+              <a:noFill/>
+              <a:ln w="28575">
+                <a:solidFill>
+                  <a:schemeClr val="accent1">
+                    <a:lumMod val="60000"/>
+                    <a:lumOff val="40000"/>
+                  </a:schemeClr>
+                </a:solidFill>
+              </a:ln>
+            </p:spPr>
+            <p:style>
+              <a:lnRef idx="2">
+                <a:schemeClr val="accent1">
+                  <a:shade val="50000"/>
+                </a:schemeClr>
+              </a:lnRef>
+              <a:fillRef idx="1">
+                <a:schemeClr val="accent1"/>
+              </a:fillRef>
+              <a:effectRef idx="0">
+                <a:schemeClr val="accent1"/>
+              </a:effectRef>
+              <a:fontRef idx="minor">
+                <a:schemeClr val="lt1"/>
+              </a:fontRef>
+            </p:style>
+            <p:txBody>
+              <a:bodyPr rtlCol="0" anchor="ctr"/>
+              <a:lstStyle/>
+              <a:p>
+                <a:pPr algn="ctr"/>
+                <a:endParaRPr lang="zh-CN" altLang="en-US"/>
+              </a:p>
+            </p:txBody>
+          </p:sp>
+          <p:sp>
+            <p:nvSpPr>
+              <p:cNvPr id="65" name="菱形 64"/>
+              <p:cNvSpPr/>
+              <p:nvPr/>
+            </p:nvSpPr>
+            <p:spPr>
+              <a:xfrm>
+                <a:off x="9539517" y="1279752"/>
+                <a:ext cx="4298496" cy="4298496"/>
+              </a:xfrm>
+              <a:prstGeom prst="diamond">
+                <a:avLst/>
+              </a:prstGeom>
+              <a:noFill/>
+              <a:ln w="28575">
+                <a:solidFill>
+                  <a:srgbClr val="A72020"/>
+                </a:solidFill>
+              </a:ln>
+            </p:spPr>
+            <p:style>
+              <a:lnRef idx="2">
+                <a:schemeClr val="accent1">
+                  <a:shade val="50000"/>
+                </a:schemeClr>
+              </a:lnRef>
+              <a:fillRef idx="1">
+                <a:schemeClr val="accent1"/>
+              </a:fillRef>
+              <a:effectRef idx="0">
+                <a:schemeClr val="accent1"/>
+              </a:effectRef>
+              <a:fontRef idx="minor">
+                <a:schemeClr val="lt1"/>
+              </a:fontRef>
+            </p:style>
+            <p:txBody>
+              <a:bodyPr rtlCol="0" anchor="ctr"/>
+              <a:lstStyle/>
+              <a:p>
+                <a:pPr algn="ctr"/>
+                <a:endParaRPr lang="zh-CN" altLang="en-US"/>
+              </a:p>
+            </p:txBody>
+          </p:sp>
+        </p:grpSp>
+        <p:sp>
+          <p:nvSpPr>
+            <p:cNvPr id="57" name="文本框 56"/>
+            <p:cNvSpPr txBox="1"/>
+            <p:nvPr/>
+          </p:nvSpPr>
+          <p:spPr>
+            <a:xfrm>
+              <a:off x="2166981" y="398787"/>
+              <a:ext cx="722816" cy="688061"/>
+            </a:xfrm>
+            <a:prstGeom prst="rect">
+              <a:avLst/>
+            </a:prstGeom>
+            <a:noFill/>
+          </p:spPr>
+          <p:txBody>
+            <a:bodyPr wrap="square" rtlCol="0">
+              <a:spAutoFit/>
+              <a:scene3d>
+                <a:camera prst="orthographicFront"/>
+                <a:lightRig rig="threePt" dir="t"/>
+              </a:scene3d>
+              <a:sp3d contourW="12700"/>
+            </a:bodyPr>
+            <a:lstStyle/>
+            <a:p>
+              <a:pPr algn="ctr"/>
+              <a:r>
+                <a:rPr lang="en-US" altLang="zh-CN" sz="3200" dirty="0">
+                  <a:solidFill>
+                    <a:schemeClr val="accent1"/>
+                  </a:solidFill>
+                  <a:latin typeface="Agency FB" panose="020B0503020202020204" pitchFamily="34" charset="0"/>
+                </a:rPr>
+                <a:t>05</a:t>
+              </a:r>
+              <a:endParaRPr lang="zh-CN" altLang="en-US" sz="3200" dirty="0">
+                <a:solidFill>
+                  <a:schemeClr val="accent1"/>
+                </a:solidFill>
+                <a:latin typeface="Agency FB" panose="020B0503020202020204" pitchFamily="34" charset="0"/>
+              </a:endParaRPr>
+            </a:p>
+          </p:txBody>
+        </p:sp>
+        <p:grpSp>
+          <p:nvGrpSpPr>
+            <p:cNvPr id="59" name="组合 58"/>
+            <p:cNvGrpSpPr/>
+            <p:nvPr/>
+          </p:nvGrpSpPr>
+          <p:grpSpPr>
+            <a:xfrm>
+              <a:off x="11572872" y="7291431"/>
+              <a:ext cx="940556" cy="641115"/>
+              <a:chOff x="11395287" y="7365982"/>
+              <a:chExt cx="1208633" cy="823842"/>
+            </a:xfrm>
+          </p:grpSpPr>
+          <p:sp>
+            <p:nvSpPr>
+              <p:cNvPr id="60" name="菱形 59"/>
+              <p:cNvSpPr/>
+              <p:nvPr/>
+            </p:nvSpPr>
+            <p:spPr>
+              <a:xfrm>
+                <a:off x="11780079" y="7365982"/>
+                <a:ext cx="823841" cy="823842"/>
+              </a:xfrm>
+              <a:prstGeom prst="diamond">
+                <a:avLst/>
+              </a:prstGeom>
+              <a:noFill/>
+              <a:ln w="28575">
+                <a:solidFill>
+                  <a:schemeClr val="accent1">
+                    <a:lumMod val="60000"/>
+                    <a:lumOff val="40000"/>
+                  </a:schemeClr>
+                </a:solidFill>
+              </a:ln>
+            </p:spPr>
+            <p:style>
+              <a:lnRef idx="2">
+                <a:schemeClr val="accent1">
+                  <a:shade val="50000"/>
+                </a:schemeClr>
+              </a:lnRef>
+              <a:fillRef idx="1">
+                <a:schemeClr val="accent1"/>
+              </a:fillRef>
+              <a:effectRef idx="0">
+                <a:schemeClr val="accent1"/>
+              </a:effectRef>
+              <a:fontRef idx="minor">
+                <a:schemeClr val="lt1"/>
+              </a:fontRef>
+            </p:style>
+            <p:txBody>
+              <a:bodyPr rtlCol="0" anchor="ctr"/>
+              <a:lstStyle/>
+              <a:p>
+                <a:pPr algn="ctr"/>
+                <a:endParaRPr lang="zh-CN" altLang="en-US"/>
+              </a:p>
+            </p:txBody>
+          </p:sp>
+          <p:sp>
+            <p:nvSpPr>
+              <p:cNvPr id="61" name="菱形 60"/>
+              <p:cNvSpPr/>
+              <p:nvPr/>
+            </p:nvSpPr>
+            <p:spPr>
+              <a:xfrm>
+                <a:off x="11395287" y="7489187"/>
+                <a:ext cx="577426" cy="577425"/>
+              </a:xfrm>
+              <a:prstGeom prst="diamond">
+                <a:avLst/>
+              </a:prstGeom>
+              <a:noFill/>
+              <a:ln w="28575">
+                <a:solidFill>
+                  <a:schemeClr val="accent1">
+                    <a:lumMod val="60000"/>
+                    <a:lumOff val="40000"/>
+                  </a:schemeClr>
+                </a:solidFill>
+              </a:ln>
+            </p:spPr>
+            <p:style>
+              <a:lnRef idx="2">
+                <a:schemeClr val="accent1">
+                  <a:shade val="50000"/>
+                </a:schemeClr>
+              </a:lnRef>
+              <a:fillRef idx="1">
+                <a:schemeClr val="accent1"/>
+              </a:fillRef>
+              <a:effectRef idx="0">
+                <a:schemeClr val="accent1"/>
+              </a:effectRef>
+              <a:fontRef idx="minor">
+                <a:schemeClr val="lt1"/>
+              </a:fontRef>
+            </p:style>
+            <p:txBody>
+              <a:bodyPr rtlCol="0" anchor="ctr"/>
+              <a:lstStyle/>
+              <a:p>
+                <a:pPr algn="ctr"/>
+                <a:endParaRPr lang="zh-CN" altLang="en-US"/>
+              </a:p>
+            </p:txBody>
+          </p:sp>
+        </p:grpSp>
+      </p:grpSp>
+      <p:sp>
+        <p:nvSpPr>
+          <p:cNvPr id="2" name="灯片编号占位符 1"/>
+          <p:cNvSpPr>
+            <a:spLocks noGrp="1"/>
+          </p:cNvSpPr>
+          <p:nvPr>
+            <p:ph type="sldNum" sz="quarter" idx="4294967295"/>
+          </p:nvPr>
+        </p:nvSpPr>
+        <p:spPr>
+          <a:xfrm>
+            <a:off x="6801374" y="6308973"/>
+            <a:ext cx="2057400" cy="365125"/>
+          </a:xfrm>
+        </p:spPr>
+        <p:txBody>
+          <a:bodyPr/>
+          <a:lstStyle/>
+          <a:p>
+            <a:fld id="{2EC5D418-970F-4C7F-9452-AEC5956F87CE}" type="slidenum">
+              <a:rPr lang="zh-CN" altLang="en-US" smtClean="0"/>
+              <a:pPr/>
+              <a:t>14</a:t>
+            </a:fld>
+            <a:endParaRPr lang="zh-CN" altLang="en-US" dirty="0"/>
+          </a:p>
+        </p:txBody>
+      </p:sp>
+      <p:pic>
+        <p:nvPicPr>
+          <p:cNvPr id="30" name="图片 29">
+            <a:extLst>
+              <a:ext uri="{FF2B5EF4-FFF2-40B4-BE49-F238E27FC236}">
+                <a16:creationId xmlns:a16="http://schemas.microsoft.com/office/drawing/2014/main" id="{0DE557CF-93C1-4CD2-BEDB-F6ED9B73877B}"/>
+              </a:ext>
+            </a:extLst>
+          </p:cNvPr>
+          <p:cNvPicPr>
+            <a:picLocks noChangeAspect="1"/>
+          </p:cNvPicPr>
+          <p:nvPr/>
+        </p:nvPicPr>
+        <p:blipFill>
+          <a:blip r:embed="rId3" cstate="print">
+            <a:extLst>
+              <a:ext uri="{28A0092B-C50C-407E-A947-70E740481C1C}">
+                <a14:useLocalDpi xmlns:a14="http://schemas.microsoft.com/office/drawing/2010/main" val="0"/>
+              </a:ext>
+            </a:extLst>
+          </a:blip>
+          <a:stretch>
+            <a:fillRect/>
+          </a:stretch>
+        </p:blipFill>
+        <p:spPr>
+          <a:xfrm>
+            <a:off x="7604209" y="6241384"/>
+            <a:ext cx="521560" cy="521560"/>
+          </a:xfrm>
+          <a:prstGeom prst="rect">
+            <a:avLst/>
+          </a:prstGeom>
+        </p:spPr>
+      </p:pic>
+      <p:sp>
+        <p:nvSpPr>
+          <p:cNvPr id="25" name="文本框 24">
+            <a:extLst>
+              <a:ext uri="{FF2B5EF4-FFF2-40B4-BE49-F238E27FC236}">
+                <a16:creationId xmlns:a16="http://schemas.microsoft.com/office/drawing/2014/main" id="{4096B1CC-1349-4E99-9A39-A7B4A3646208}"/>
+              </a:ext>
+            </a:extLst>
+          </p:cNvPr>
+          <p:cNvSpPr txBox="1"/>
+          <p:nvPr/>
+        </p:nvSpPr>
+        <p:spPr>
+          <a:xfrm>
             <a:off x="1302264" y="409723"/>
             <a:ext cx="7262503" cy="523220"/>
           </a:xfrm>
@@ -6668,7 +9798,7 @@
 </p:sld>
 </file>
 
-<file path=ppt/slides/slide11.xml><?xml version="1.0" encoding="utf-8"?>
+<file path=ppt/slides/slide15.xml><?xml version="1.0" encoding="utf-8"?>
 <p:sld xmlns:a="http://schemas.openxmlformats.org/drawingml/2006/main" xmlns:r="http://schemas.openxmlformats.org/officeDocument/2006/relationships" xmlns:p="http://schemas.openxmlformats.org/presentationml/2006/main">
   <p:cSld>
     <p:spTree>
@@ -6992,7 +10122,7 @@
             <a:fld id="{2EC5D418-970F-4C7F-9452-AEC5956F87CE}" type="slidenum">
               <a:rPr lang="zh-CN" altLang="en-US" smtClean="0"/>
               <a:pPr/>
-              <a:t>11</a:t>
+              <a:t>15</a:t>
             </a:fld>
             <a:endParaRPr lang="zh-CN" altLang="en-US" dirty="0"/>
           </a:p>

--- a/draft.pptx
+++ b/draft.pptx
@@ -5,7 +5,7 @@
     <p:sldMasterId id="2147483650" r:id="rId1"/>
   </p:sldMasterIdLst>
   <p:notesMasterIdLst>
-    <p:notesMasterId r:id="rId17"/>
+    <p:notesMasterId r:id="rId24"/>
   </p:notesMasterIdLst>
   <p:sldIdLst>
     <p:sldId id="330" r:id="rId2"/>
@@ -19,15 +19,22 @@
     <p:sldId id="436" r:id="rId10"/>
     <p:sldId id="437" r:id="rId11"/>
     <p:sldId id="439" r:id="rId12"/>
-    <p:sldId id="440" r:id="rId13"/>
-    <p:sldId id="438" r:id="rId14"/>
-    <p:sldId id="429" r:id="rId15"/>
-    <p:sldId id="282" r:id="rId16"/>
+    <p:sldId id="441" r:id="rId13"/>
+    <p:sldId id="443" r:id="rId14"/>
+    <p:sldId id="442" r:id="rId15"/>
+    <p:sldId id="440" r:id="rId16"/>
+    <p:sldId id="438" r:id="rId17"/>
+    <p:sldId id="444" r:id="rId18"/>
+    <p:sldId id="445" r:id="rId19"/>
+    <p:sldId id="446" r:id="rId20"/>
+    <p:sldId id="429" r:id="rId21"/>
+    <p:sldId id="447" r:id="rId22"/>
+    <p:sldId id="282" r:id="rId23"/>
   </p:sldIdLst>
   <p:sldSz cx="9144000" cy="6858000" type="screen4x3"/>
   <p:notesSz cx="6858000" cy="9144000"/>
   <p:custDataLst>
-    <p:tags r:id="rId18"/>
+    <p:tags r:id="rId25"/>
   </p:custDataLst>
   <p:defaultTextStyle>
     <a:defPPr>
@@ -4305,7 +4312,7 @@
     </p:spTree>
     <p:extLst>
       <p:ext uri="{BB962C8B-B14F-4D97-AF65-F5344CB8AC3E}">
-        <p14:creationId xmlns:p14="http://schemas.microsoft.com/office/powerpoint/2010/main" val="934519744"/>
+        <p14:creationId xmlns:p14="http://schemas.microsoft.com/office/powerpoint/2010/main" val="4014657815"/>
       </p:ext>
     </p:extLst>
   </p:cSld>
@@ -4394,7 +4401,7 @@
     </p:spTree>
     <p:extLst>
       <p:ext uri="{BB962C8B-B14F-4D97-AF65-F5344CB8AC3E}">
-        <p14:creationId xmlns:p14="http://schemas.microsoft.com/office/powerpoint/2010/main" val="1865491035"/>
+        <p14:creationId xmlns:p14="http://schemas.microsoft.com/office/powerpoint/2010/main" val="1402101905"/>
       </p:ext>
     </p:extLst>
   </p:cSld>
@@ -4483,7 +4490,7 @@
     </p:spTree>
     <p:extLst>
       <p:ext uri="{BB962C8B-B14F-4D97-AF65-F5344CB8AC3E}">
-        <p14:creationId xmlns:p14="http://schemas.microsoft.com/office/powerpoint/2010/main" val="4262529840"/>
+        <p14:creationId xmlns:p14="http://schemas.microsoft.com/office/powerpoint/2010/main" val="3192212371"/>
       </p:ext>
     </p:extLst>
   </p:cSld>
@@ -4542,7 +4549,7 @@
           <a:bodyPr/>
           <a:lstStyle/>
           <a:p>
-            <a:endParaRPr lang="zh-CN" altLang="en-US" dirty="0"/>
+            <a:endParaRPr lang="zh-CN" altLang="en-US"/>
           </a:p>
         </p:txBody>
       </p:sp>
@@ -4572,7 +4579,363 @@
     </p:spTree>
     <p:extLst>
       <p:ext uri="{BB962C8B-B14F-4D97-AF65-F5344CB8AC3E}">
-        <p14:creationId xmlns:p14="http://schemas.microsoft.com/office/powerpoint/2010/main" val="1654278368"/>
+        <p14:creationId xmlns:p14="http://schemas.microsoft.com/office/powerpoint/2010/main" val="934519744"/>
+      </p:ext>
+    </p:extLst>
+  </p:cSld>
+  <p:clrMapOvr>
+    <a:masterClrMapping/>
+  </p:clrMapOvr>
+</p:notes>
+</file>
+
+<file path=ppt/notesSlides/notesSlide16.xml><?xml version="1.0" encoding="utf-8"?>
+<p:notes xmlns:a="http://schemas.openxmlformats.org/drawingml/2006/main" xmlns:r="http://schemas.openxmlformats.org/officeDocument/2006/relationships" xmlns:p="http://schemas.openxmlformats.org/presentationml/2006/main">
+  <p:cSld>
+    <p:spTree>
+      <p:nvGrpSpPr>
+        <p:cNvPr id="1" name=""/>
+        <p:cNvGrpSpPr/>
+        <p:nvPr/>
+      </p:nvGrpSpPr>
+      <p:grpSpPr>
+        <a:xfrm>
+          <a:off x="0" y="0"/>
+          <a:ext cx="0" cy="0"/>
+          <a:chOff x="0" y="0"/>
+          <a:chExt cx="0" cy="0"/>
+        </a:xfrm>
+      </p:grpSpPr>
+      <p:sp>
+        <p:nvSpPr>
+          <p:cNvPr id="2" name="幻灯片图像占位符 1"/>
+          <p:cNvSpPr>
+            <a:spLocks noGrp="1" noRot="1" noChangeAspect="1"/>
+          </p:cNvSpPr>
+          <p:nvPr>
+            <p:ph type="sldImg"/>
+          </p:nvPr>
+        </p:nvSpPr>
+        <p:spPr>
+          <a:xfrm>
+            <a:off x="1371600" y="1143000"/>
+            <a:ext cx="4114800" cy="3086100"/>
+          </a:xfrm>
+        </p:spPr>
+      </p:sp>
+      <p:sp>
+        <p:nvSpPr>
+          <p:cNvPr id="3" name="备注占位符 2"/>
+          <p:cNvSpPr>
+            <a:spLocks noGrp="1"/>
+          </p:cNvSpPr>
+          <p:nvPr>
+            <p:ph type="body" idx="1"/>
+          </p:nvPr>
+        </p:nvSpPr>
+        <p:spPr/>
+        <p:txBody>
+          <a:bodyPr/>
+          <a:lstStyle/>
+          <a:p>
+            <a:endParaRPr lang="zh-CN" altLang="en-US"/>
+          </a:p>
+        </p:txBody>
+      </p:sp>
+      <p:sp>
+        <p:nvSpPr>
+          <p:cNvPr id="4" name="灯片编号占位符 3"/>
+          <p:cNvSpPr>
+            <a:spLocks noGrp="1"/>
+          </p:cNvSpPr>
+          <p:nvPr>
+            <p:ph type="sldNum" sz="quarter" idx="10"/>
+          </p:nvPr>
+        </p:nvSpPr>
+        <p:spPr/>
+        <p:txBody>
+          <a:bodyPr/>
+          <a:lstStyle/>
+          <a:p>
+            <a:fld id="{F1CB8912-F0BA-4AD8-8415-DA1F26BCB09F}" type="slidenum">
+              <a:rPr lang="zh-CN" altLang="en-US" smtClean="0"/>
+              <a:t>16</a:t>
+            </a:fld>
+            <a:endParaRPr lang="zh-CN" altLang="en-US"/>
+          </a:p>
+        </p:txBody>
+      </p:sp>
+    </p:spTree>
+    <p:extLst>
+      <p:ext uri="{BB962C8B-B14F-4D97-AF65-F5344CB8AC3E}">
+        <p14:creationId xmlns:p14="http://schemas.microsoft.com/office/powerpoint/2010/main" val="1865491035"/>
+      </p:ext>
+    </p:extLst>
+  </p:cSld>
+  <p:clrMapOvr>
+    <a:masterClrMapping/>
+  </p:clrMapOvr>
+</p:notes>
+</file>
+
+<file path=ppt/notesSlides/notesSlide17.xml><?xml version="1.0" encoding="utf-8"?>
+<p:notes xmlns:a="http://schemas.openxmlformats.org/drawingml/2006/main" xmlns:r="http://schemas.openxmlformats.org/officeDocument/2006/relationships" xmlns:p="http://schemas.openxmlformats.org/presentationml/2006/main">
+  <p:cSld>
+    <p:spTree>
+      <p:nvGrpSpPr>
+        <p:cNvPr id="1" name=""/>
+        <p:cNvGrpSpPr/>
+        <p:nvPr/>
+      </p:nvGrpSpPr>
+      <p:grpSpPr>
+        <a:xfrm>
+          <a:off x="0" y="0"/>
+          <a:ext cx="0" cy="0"/>
+          <a:chOff x="0" y="0"/>
+          <a:chExt cx="0" cy="0"/>
+        </a:xfrm>
+      </p:grpSpPr>
+      <p:sp>
+        <p:nvSpPr>
+          <p:cNvPr id="2" name="幻灯片图像占位符 1"/>
+          <p:cNvSpPr>
+            <a:spLocks noGrp="1" noRot="1" noChangeAspect="1"/>
+          </p:cNvSpPr>
+          <p:nvPr>
+            <p:ph type="sldImg"/>
+          </p:nvPr>
+        </p:nvSpPr>
+        <p:spPr>
+          <a:xfrm>
+            <a:off x="1371600" y="1143000"/>
+            <a:ext cx="4114800" cy="3086100"/>
+          </a:xfrm>
+        </p:spPr>
+      </p:sp>
+      <p:sp>
+        <p:nvSpPr>
+          <p:cNvPr id="3" name="备注占位符 2"/>
+          <p:cNvSpPr>
+            <a:spLocks noGrp="1"/>
+          </p:cNvSpPr>
+          <p:nvPr>
+            <p:ph type="body" idx="1"/>
+          </p:nvPr>
+        </p:nvSpPr>
+        <p:spPr/>
+        <p:txBody>
+          <a:bodyPr/>
+          <a:lstStyle/>
+          <a:p>
+            <a:endParaRPr lang="zh-CN" altLang="en-US"/>
+          </a:p>
+        </p:txBody>
+      </p:sp>
+      <p:sp>
+        <p:nvSpPr>
+          <p:cNvPr id="4" name="灯片编号占位符 3"/>
+          <p:cNvSpPr>
+            <a:spLocks noGrp="1"/>
+          </p:cNvSpPr>
+          <p:nvPr>
+            <p:ph type="sldNum" sz="quarter" idx="10"/>
+          </p:nvPr>
+        </p:nvSpPr>
+        <p:spPr/>
+        <p:txBody>
+          <a:bodyPr/>
+          <a:lstStyle/>
+          <a:p>
+            <a:fld id="{F1CB8912-F0BA-4AD8-8415-DA1F26BCB09F}" type="slidenum">
+              <a:rPr lang="zh-CN" altLang="en-US" smtClean="0"/>
+              <a:t>17</a:t>
+            </a:fld>
+            <a:endParaRPr lang="zh-CN" altLang="en-US"/>
+          </a:p>
+        </p:txBody>
+      </p:sp>
+    </p:spTree>
+    <p:extLst>
+      <p:ext uri="{BB962C8B-B14F-4D97-AF65-F5344CB8AC3E}">
+        <p14:creationId xmlns:p14="http://schemas.microsoft.com/office/powerpoint/2010/main" val="2444086503"/>
+      </p:ext>
+    </p:extLst>
+  </p:cSld>
+  <p:clrMapOvr>
+    <a:masterClrMapping/>
+  </p:clrMapOvr>
+</p:notes>
+</file>
+
+<file path=ppt/notesSlides/notesSlide18.xml><?xml version="1.0" encoding="utf-8"?>
+<p:notes xmlns:a="http://schemas.openxmlformats.org/drawingml/2006/main" xmlns:r="http://schemas.openxmlformats.org/officeDocument/2006/relationships" xmlns:p="http://schemas.openxmlformats.org/presentationml/2006/main">
+  <p:cSld>
+    <p:spTree>
+      <p:nvGrpSpPr>
+        <p:cNvPr id="1" name=""/>
+        <p:cNvGrpSpPr/>
+        <p:nvPr/>
+      </p:nvGrpSpPr>
+      <p:grpSpPr>
+        <a:xfrm>
+          <a:off x="0" y="0"/>
+          <a:ext cx="0" cy="0"/>
+          <a:chOff x="0" y="0"/>
+          <a:chExt cx="0" cy="0"/>
+        </a:xfrm>
+      </p:grpSpPr>
+      <p:sp>
+        <p:nvSpPr>
+          <p:cNvPr id="2" name="幻灯片图像占位符 1"/>
+          <p:cNvSpPr>
+            <a:spLocks noGrp="1" noRot="1" noChangeAspect="1"/>
+          </p:cNvSpPr>
+          <p:nvPr>
+            <p:ph type="sldImg"/>
+          </p:nvPr>
+        </p:nvSpPr>
+        <p:spPr>
+          <a:xfrm>
+            <a:off x="1371600" y="1143000"/>
+            <a:ext cx="4114800" cy="3086100"/>
+          </a:xfrm>
+        </p:spPr>
+      </p:sp>
+      <p:sp>
+        <p:nvSpPr>
+          <p:cNvPr id="3" name="备注占位符 2"/>
+          <p:cNvSpPr>
+            <a:spLocks noGrp="1"/>
+          </p:cNvSpPr>
+          <p:nvPr>
+            <p:ph type="body" idx="1"/>
+          </p:nvPr>
+        </p:nvSpPr>
+        <p:spPr/>
+        <p:txBody>
+          <a:bodyPr/>
+          <a:lstStyle/>
+          <a:p>
+            <a:endParaRPr lang="zh-CN" altLang="en-US"/>
+          </a:p>
+        </p:txBody>
+      </p:sp>
+      <p:sp>
+        <p:nvSpPr>
+          <p:cNvPr id="4" name="灯片编号占位符 3"/>
+          <p:cNvSpPr>
+            <a:spLocks noGrp="1"/>
+          </p:cNvSpPr>
+          <p:nvPr>
+            <p:ph type="sldNum" sz="quarter" idx="10"/>
+          </p:nvPr>
+        </p:nvSpPr>
+        <p:spPr/>
+        <p:txBody>
+          <a:bodyPr/>
+          <a:lstStyle/>
+          <a:p>
+            <a:fld id="{F1CB8912-F0BA-4AD8-8415-DA1F26BCB09F}" type="slidenum">
+              <a:rPr lang="zh-CN" altLang="en-US" smtClean="0"/>
+              <a:t>18</a:t>
+            </a:fld>
+            <a:endParaRPr lang="zh-CN" altLang="en-US"/>
+          </a:p>
+        </p:txBody>
+      </p:sp>
+    </p:spTree>
+    <p:extLst>
+      <p:ext uri="{BB962C8B-B14F-4D97-AF65-F5344CB8AC3E}">
+        <p14:creationId xmlns:p14="http://schemas.microsoft.com/office/powerpoint/2010/main" val="2309717417"/>
+      </p:ext>
+    </p:extLst>
+  </p:cSld>
+  <p:clrMapOvr>
+    <a:masterClrMapping/>
+  </p:clrMapOvr>
+</p:notes>
+</file>
+
+<file path=ppt/notesSlides/notesSlide19.xml><?xml version="1.0" encoding="utf-8"?>
+<p:notes xmlns:a="http://schemas.openxmlformats.org/drawingml/2006/main" xmlns:r="http://schemas.openxmlformats.org/officeDocument/2006/relationships" xmlns:p="http://schemas.openxmlformats.org/presentationml/2006/main">
+  <p:cSld>
+    <p:spTree>
+      <p:nvGrpSpPr>
+        <p:cNvPr id="1" name=""/>
+        <p:cNvGrpSpPr/>
+        <p:nvPr/>
+      </p:nvGrpSpPr>
+      <p:grpSpPr>
+        <a:xfrm>
+          <a:off x="0" y="0"/>
+          <a:ext cx="0" cy="0"/>
+          <a:chOff x="0" y="0"/>
+          <a:chExt cx="0" cy="0"/>
+        </a:xfrm>
+      </p:grpSpPr>
+      <p:sp>
+        <p:nvSpPr>
+          <p:cNvPr id="2" name="幻灯片图像占位符 1"/>
+          <p:cNvSpPr>
+            <a:spLocks noGrp="1" noRot="1" noChangeAspect="1"/>
+          </p:cNvSpPr>
+          <p:nvPr>
+            <p:ph type="sldImg"/>
+          </p:nvPr>
+        </p:nvSpPr>
+        <p:spPr>
+          <a:xfrm>
+            <a:off x="1371600" y="1143000"/>
+            <a:ext cx="4114800" cy="3086100"/>
+          </a:xfrm>
+        </p:spPr>
+      </p:sp>
+      <p:sp>
+        <p:nvSpPr>
+          <p:cNvPr id="3" name="备注占位符 2"/>
+          <p:cNvSpPr>
+            <a:spLocks noGrp="1"/>
+          </p:cNvSpPr>
+          <p:nvPr>
+            <p:ph type="body" idx="1"/>
+          </p:nvPr>
+        </p:nvSpPr>
+        <p:spPr/>
+        <p:txBody>
+          <a:bodyPr/>
+          <a:lstStyle/>
+          <a:p>
+            <a:endParaRPr lang="zh-CN" altLang="en-US"/>
+          </a:p>
+        </p:txBody>
+      </p:sp>
+      <p:sp>
+        <p:nvSpPr>
+          <p:cNvPr id="4" name="灯片编号占位符 3"/>
+          <p:cNvSpPr>
+            <a:spLocks noGrp="1"/>
+          </p:cNvSpPr>
+          <p:nvPr>
+            <p:ph type="sldNum" sz="quarter" idx="10"/>
+          </p:nvPr>
+        </p:nvSpPr>
+        <p:spPr/>
+        <p:txBody>
+          <a:bodyPr/>
+          <a:lstStyle/>
+          <a:p>
+            <a:fld id="{F1CB8912-F0BA-4AD8-8415-DA1F26BCB09F}" type="slidenum">
+              <a:rPr lang="zh-CN" altLang="en-US" smtClean="0"/>
+              <a:t>19</a:t>
+            </a:fld>
+            <a:endParaRPr lang="zh-CN" altLang="en-US"/>
+          </a:p>
+        </p:txBody>
+      </p:sp>
+    </p:spTree>
+    <p:extLst>
+      <p:ext uri="{BB962C8B-B14F-4D97-AF65-F5344CB8AC3E}">
+        <p14:creationId xmlns:p14="http://schemas.microsoft.com/office/powerpoint/2010/main" val="1449362581"/>
       </p:ext>
     </p:extLst>
   </p:cSld>
@@ -4662,6 +5025,273 @@
     <p:extLst>
       <p:ext uri="{BB962C8B-B14F-4D97-AF65-F5344CB8AC3E}">
         <p14:creationId xmlns:p14="http://schemas.microsoft.com/office/powerpoint/2010/main" val="275405801"/>
+      </p:ext>
+    </p:extLst>
+  </p:cSld>
+  <p:clrMapOvr>
+    <a:masterClrMapping/>
+  </p:clrMapOvr>
+</p:notes>
+</file>
+
+<file path=ppt/notesSlides/notesSlide20.xml><?xml version="1.0" encoding="utf-8"?>
+<p:notes xmlns:a="http://schemas.openxmlformats.org/drawingml/2006/main" xmlns:r="http://schemas.openxmlformats.org/officeDocument/2006/relationships" xmlns:p="http://schemas.openxmlformats.org/presentationml/2006/main">
+  <p:cSld>
+    <p:spTree>
+      <p:nvGrpSpPr>
+        <p:cNvPr id="1" name=""/>
+        <p:cNvGrpSpPr/>
+        <p:nvPr/>
+      </p:nvGrpSpPr>
+      <p:grpSpPr>
+        <a:xfrm>
+          <a:off x="0" y="0"/>
+          <a:ext cx="0" cy="0"/>
+          <a:chOff x="0" y="0"/>
+          <a:chExt cx="0" cy="0"/>
+        </a:xfrm>
+      </p:grpSpPr>
+      <p:sp>
+        <p:nvSpPr>
+          <p:cNvPr id="2" name="幻灯片图像占位符 1"/>
+          <p:cNvSpPr>
+            <a:spLocks noGrp="1" noRot="1" noChangeAspect="1"/>
+          </p:cNvSpPr>
+          <p:nvPr>
+            <p:ph type="sldImg"/>
+          </p:nvPr>
+        </p:nvSpPr>
+        <p:spPr>
+          <a:xfrm>
+            <a:off x="1371600" y="1143000"/>
+            <a:ext cx="4114800" cy="3086100"/>
+          </a:xfrm>
+        </p:spPr>
+      </p:sp>
+      <p:sp>
+        <p:nvSpPr>
+          <p:cNvPr id="3" name="备注占位符 2"/>
+          <p:cNvSpPr>
+            <a:spLocks noGrp="1"/>
+          </p:cNvSpPr>
+          <p:nvPr>
+            <p:ph type="body" idx="1"/>
+          </p:nvPr>
+        </p:nvSpPr>
+        <p:spPr/>
+        <p:txBody>
+          <a:bodyPr/>
+          <a:lstStyle/>
+          <a:p>
+            <a:endParaRPr lang="zh-CN" altLang="en-US"/>
+          </a:p>
+        </p:txBody>
+      </p:sp>
+      <p:sp>
+        <p:nvSpPr>
+          <p:cNvPr id="4" name="灯片编号占位符 3"/>
+          <p:cNvSpPr>
+            <a:spLocks noGrp="1"/>
+          </p:cNvSpPr>
+          <p:nvPr>
+            <p:ph type="sldNum" sz="quarter" idx="10"/>
+          </p:nvPr>
+        </p:nvSpPr>
+        <p:spPr/>
+        <p:txBody>
+          <a:bodyPr/>
+          <a:lstStyle/>
+          <a:p>
+            <a:fld id="{F1CB8912-F0BA-4AD8-8415-DA1F26BCB09F}" type="slidenum">
+              <a:rPr lang="zh-CN" altLang="en-US" smtClean="0"/>
+              <a:t>20</a:t>
+            </a:fld>
+            <a:endParaRPr lang="zh-CN" altLang="en-US"/>
+          </a:p>
+        </p:txBody>
+      </p:sp>
+    </p:spTree>
+    <p:extLst>
+      <p:ext uri="{BB962C8B-B14F-4D97-AF65-F5344CB8AC3E}">
+        <p14:creationId xmlns:p14="http://schemas.microsoft.com/office/powerpoint/2010/main" val="4262529840"/>
+      </p:ext>
+    </p:extLst>
+  </p:cSld>
+  <p:clrMapOvr>
+    <a:masterClrMapping/>
+  </p:clrMapOvr>
+</p:notes>
+</file>
+
+<file path=ppt/notesSlides/notesSlide21.xml><?xml version="1.0" encoding="utf-8"?>
+<p:notes xmlns:a="http://schemas.openxmlformats.org/drawingml/2006/main" xmlns:r="http://schemas.openxmlformats.org/officeDocument/2006/relationships" xmlns:p="http://schemas.openxmlformats.org/presentationml/2006/main">
+  <p:cSld>
+    <p:spTree>
+      <p:nvGrpSpPr>
+        <p:cNvPr id="1" name=""/>
+        <p:cNvGrpSpPr/>
+        <p:nvPr/>
+      </p:nvGrpSpPr>
+      <p:grpSpPr>
+        <a:xfrm>
+          <a:off x="0" y="0"/>
+          <a:ext cx="0" cy="0"/>
+          <a:chOff x="0" y="0"/>
+          <a:chExt cx="0" cy="0"/>
+        </a:xfrm>
+      </p:grpSpPr>
+      <p:sp>
+        <p:nvSpPr>
+          <p:cNvPr id="2" name="幻灯片图像占位符 1"/>
+          <p:cNvSpPr>
+            <a:spLocks noGrp="1" noRot="1" noChangeAspect="1"/>
+          </p:cNvSpPr>
+          <p:nvPr>
+            <p:ph type="sldImg"/>
+          </p:nvPr>
+        </p:nvSpPr>
+        <p:spPr>
+          <a:xfrm>
+            <a:off x="1371600" y="1143000"/>
+            <a:ext cx="4114800" cy="3086100"/>
+          </a:xfrm>
+        </p:spPr>
+      </p:sp>
+      <p:sp>
+        <p:nvSpPr>
+          <p:cNvPr id="3" name="备注占位符 2"/>
+          <p:cNvSpPr>
+            <a:spLocks noGrp="1"/>
+          </p:cNvSpPr>
+          <p:nvPr>
+            <p:ph type="body" idx="1"/>
+          </p:nvPr>
+        </p:nvSpPr>
+        <p:spPr/>
+        <p:txBody>
+          <a:bodyPr/>
+          <a:lstStyle/>
+          <a:p>
+            <a:endParaRPr lang="zh-CN" altLang="en-US"/>
+          </a:p>
+        </p:txBody>
+      </p:sp>
+      <p:sp>
+        <p:nvSpPr>
+          <p:cNvPr id="4" name="灯片编号占位符 3"/>
+          <p:cNvSpPr>
+            <a:spLocks noGrp="1"/>
+          </p:cNvSpPr>
+          <p:nvPr>
+            <p:ph type="sldNum" sz="quarter" idx="10"/>
+          </p:nvPr>
+        </p:nvSpPr>
+        <p:spPr/>
+        <p:txBody>
+          <a:bodyPr/>
+          <a:lstStyle/>
+          <a:p>
+            <a:fld id="{F1CB8912-F0BA-4AD8-8415-DA1F26BCB09F}" type="slidenum">
+              <a:rPr lang="zh-CN" altLang="en-US" smtClean="0"/>
+              <a:t>21</a:t>
+            </a:fld>
+            <a:endParaRPr lang="zh-CN" altLang="en-US"/>
+          </a:p>
+        </p:txBody>
+      </p:sp>
+    </p:spTree>
+    <p:extLst>
+      <p:ext uri="{BB962C8B-B14F-4D97-AF65-F5344CB8AC3E}">
+        <p14:creationId xmlns:p14="http://schemas.microsoft.com/office/powerpoint/2010/main" val="3974357938"/>
+      </p:ext>
+    </p:extLst>
+  </p:cSld>
+  <p:clrMapOvr>
+    <a:masterClrMapping/>
+  </p:clrMapOvr>
+</p:notes>
+</file>
+
+<file path=ppt/notesSlides/notesSlide22.xml><?xml version="1.0" encoding="utf-8"?>
+<p:notes xmlns:a="http://schemas.openxmlformats.org/drawingml/2006/main" xmlns:r="http://schemas.openxmlformats.org/officeDocument/2006/relationships" xmlns:p="http://schemas.openxmlformats.org/presentationml/2006/main">
+  <p:cSld>
+    <p:spTree>
+      <p:nvGrpSpPr>
+        <p:cNvPr id="1" name=""/>
+        <p:cNvGrpSpPr/>
+        <p:nvPr/>
+      </p:nvGrpSpPr>
+      <p:grpSpPr>
+        <a:xfrm>
+          <a:off x="0" y="0"/>
+          <a:ext cx="0" cy="0"/>
+          <a:chOff x="0" y="0"/>
+          <a:chExt cx="0" cy="0"/>
+        </a:xfrm>
+      </p:grpSpPr>
+      <p:sp>
+        <p:nvSpPr>
+          <p:cNvPr id="2" name="幻灯片图像占位符 1"/>
+          <p:cNvSpPr>
+            <a:spLocks noGrp="1" noRot="1" noChangeAspect="1"/>
+          </p:cNvSpPr>
+          <p:nvPr>
+            <p:ph type="sldImg"/>
+          </p:nvPr>
+        </p:nvSpPr>
+        <p:spPr>
+          <a:xfrm>
+            <a:off x="1371600" y="1143000"/>
+            <a:ext cx="4114800" cy="3086100"/>
+          </a:xfrm>
+        </p:spPr>
+      </p:sp>
+      <p:sp>
+        <p:nvSpPr>
+          <p:cNvPr id="3" name="备注占位符 2"/>
+          <p:cNvSpPr>
+            <a:spLocks noGrp="1"/>
+          </p:cNvSpPr>
+          <p:nvPr>
+            <p:ph type="body" idx="1"/>
+          </p:nvPr>
+        </p:nvSpPr>
+        <p:spPr/>
+        <p:txBody>
+          <a:bodyPr/>
+          <a:lstStyle/>
+          <a:p>
+            <a:endParaRPr lang="zh-CN" altLang="en-US" dirty="0"/>
+          </a:p>
+        </p:txBody>
+      </p:sp>
+      <p:sp>
+        <p:nvSpPr>
+          <p:cNvPr id="4" name="灯片编号占位符 3"/>
+          <p:cNvSpPr>
+            <a:spLocks noGrp="1"/>
+          </p:cNvSpPr>
+          <p:nvPr>
+            <p:ph type="sldNum" sz="quarter" idx="10"/>
+          </p:nvPr>
+        </p:nvSpPr>
+        <p:spPr/>
+        <p:txBody>
+          <a:bodyPr/>
+          <a:lstStyle/>
+          <a:p>
+            <a:fld id="{F1CB8912-F0BA-4AD8-8415-DA1F26BCB09F}" type="slidenum">
+              <a:rPr lang="zh-CN" altLang="en-US" smtClean="0"/>
+              <a:t>22</a:t>
+            </a:fld>
+            <a:endParaRPr lang="zh-CN" altLang="en-US"/>
+          </a:p>
+        </p:txBody>
+      </p:sp>
+    </p:spTree>
+    <p:extLst>
+      <p:ext uri="{BB962C8B-B14F-4D97-AF65-F5344CB8AC3E}">
+        <p14:creationId xmlns:p14="http://schemas.microsoft.com/office/powerpoint/2010/main" val="1654278368"/>
       </p:ext>
     </p:extLst>
   </p:cSld>
@@ -6623,7 +7253,7 @@
         </p:nvSpPr>
         <p:spPr>
           <a:xfrm>
-            <a:off x="481758" y="4082849"/>
+            <a:off x="481758" y="4083034"/>
             <a:ext cx="360000" cy="360000"/>
           </a:xfrm>
           <a:prstGeom prst="diamond">
@@ -7296,7 +7926,7 @@
         </p:nvSpPr>
         <p:spPr>
           <a:xfrm>
-            <a:off x="453358" y="1242376"/>
+            <a:off x="453358" y="1242561"/>
             <a:ext cx="360000" cy="360000"/>
           </a:xfrm>
           <a:prstGeom prst="diamond">
@@ -7444,7 +8074,7 @@
         </p:nvGrpSpPr>
         <p:grpSpPr>
           <a:xfrm>
-            <a:off x="817571" y="1205198"/>
+            <a:off x="817571" y="1205383"/>
             <a:ext cx="7508858" cy="815368"/>
             <a:chOff x="1541719" y="2318349"/>
             <a:chExt cx="2133781" cy="815368"/>
@@ -7569,7 +8199,7 @@
         </p:nvSpPr>
         <p:spPr>
           <a:xfrm>
-            <a:off x="449145" y="2538598"/>
+            <a:off x="449145" y="2538783"/>
             <a:ext cx="360000" cy="360000"/>
           </a:xfrm>
           <a:prstGeom prst="diamond">
@@ -7717,7 +8347,7 @@
         </p:nvGrpSpPr>
         <p:grpSpPr>
           <a:xfrm>
-            <a:off x="813358" y="2501420"/>
+            <a:off x="813358" y="2501605"/>
             <a:ext cx="7508858" cy="1184252"/>
             <a:chOff x="1541719" y="2318349"/>
             <a:chExt cx="2133781" cy="1184252"/>
@@ -8261,279 +8891,236 @@
           </p:sp>
         </p:grpSp>
       </p:grpSp>
-      <p:sp>
-        <p:nvSpPr>
-          <p:cNvPr id="18" name="菱形 17">
+      <p:pic>
+        <p:nvPicPr>
+          <p:cNvPr id="4" name="图片 3">
             <a:extLst>
               <a:ext uri="{FF2B5EF4-FFF2-40B4-BE49-F238E27FC236}">
-                <a16:creationId xmlns:a16="http://schemas.microsoft.com/office/drawing/2014/main" id="{80F87BE6-6616-21B8-76A1-24AE39D9BA08}"/>
+                <a16:creationId xmlns:a16="http://schemas.microsoft.com/office/drawing/2014/main" id="{E86D1D2F-A66E-D125-D6DD-8DB6E082C241}"/>
               </a:ext>
             </a:extLst>
           </p:cNvPr>
-          <p:cNvSpPr/>
+          <p:cNvPicPr>
+            <a:picLocks noChangeAspect="1"/>
+          </p:cNvPicPr>
+          <p:nvPr/>
+        </p:nvPicPr>
+        <p:blipFill>
+          <a:blip r:embed="rId4"/>
+          <a:stretch>
+            <a:fillRect/>
+          </a:stretch>
+        </p:blipFill>
+        <p:spPr>
+          <a:xfrm>
+            <a:off x="872894" y="1442906"/>
+            <a:ext cx="7398211" cy="2565762"/>
+          </a:xfrm>
+          <a:prstGeom prst="rect">
+            <a:avLst/>
+          </a:prstGeom>
+        </p:spPr>
+      </p:pic>
+      <p:sp>
+        <p:nvSpPr>
+          <p:cNvPr id="5" name="文本框 4">
+            <a:extLst>
+              <a:ext uri="{FF2B5EF4-FFF2-40B4-BE49-F238E27FC236}">
+                <a16:creationId xmlns:a16="http://schemas.microsoft.com/office/drawing/2014/main" id="{475E21BA-280F-1BCD-9CF3-8976825F7808}"/>
+              </a:ext>
+            </a:extLst>
+          </p:cNvPr>
+          <p:cNvSpPr txBox="1"/>
           <p:nvPr/>
         </p:nvSpPr>
         <p:spPr>
           <a:xfrm>
-            <a:off x="453358" y="1242376"/>
-            <a:ext cx="360000" cy="360000"/>
+            <a:off x="3118614" y="4008668"/>
+            <a:ext cx="2906769" cy="307777"/>
           </a:xfrm>
-          <a:prstGeom prst="diamond">
+          <a:prstGeom prst="rect">
             <a:avLst/>
           </a:prstGeom>
-          <a:ln>
-            <a:noFill/>
-          </a:ln>
+          <a:noFill/>
         </p:spPr>
-        <p:style>
-          <a:lnRef idx="2">
-            <a:schemeClr val="accent1">
-              <a:shade val="50000"/>
-            </a:schemeClr>
-          </a:lnRef>
-          <a:fillRef idx="1">
-            <a:schemeClr val="accent1"/>
-          </a:fillRef>
-          <a:effectRef idx="0">
-            <a:schemeClr val="accent1"/>
-          </a:effectRef>
-          <a:fontRef idx="minor">
-            <a:schemeClr val="lt1"/>
-          </a:fontRef>
-        </p:style>
         <p:txBody>
-          <a:bodyPr rot="0" spcFirstLastPara="0" vert="horz" wrap="square" lIns="91440" tIns="45720" rIns="91440" bIns="45720" numCol="1" spcCol="0" rtlCol="0" fromWordArt="0" anchor="ctr" anchorCtr="0" forceAA="0" compatLnSpc="1">
-            <a:prstTxWarp prst="textNoShape">
-              <a:avLst/>
-            </a:prstTxWarp>
-            <a:noAutofit/>
+          <a:bodyPr wrap="square" rtlCol="0">
+            <a:spAutoFit/>
           </a:bodyPr>
-          <a:lstStyle>
-            <a:defPPr>
-              <a:defRPr lang="en-US"/>
-            </a:defPPr>
-            <a:lvl1pPr marL="0" algn="l" defTabSz="457200" rtl="0" eaLnBrk="1" latinLnBrk="0" hangingPunct="1">
-              <a:defRPr sz="1800" kern="1200">
-                <a:solidFill>
-                  <a:schemeClr val="lt1"/>
-                </a:solidFill>
-                <a:latin typeface="+mn-lt"/>
-                <a:ea typeface="+mn-ea"/>
-                <a:cs typeface="+mn-cs"/>
-              </a:defRPr>
-            </a:lvl1pPr>
-            <a:lvl2pPr marL="457200" algn="l" defTabSz="457200" rtl="0" eaLnBrk="1" latinLnBrk="0" hangingPunct="1">
-              <a:defRPr sz="1800" kern="1200">
-                <a:solidFill>
-                  <a:schemeClr val="lt1"/>
-                </a:solidFill>
-                <a:latin typeface="+mn-lt"/>
-                <a:ea typeface="+mn-ea"/>
-                <a:cs typeface="+mn-cs"/>
-              </a:defRPr>
-            </a:lvl2pPr>
-            <a:lvl3pPr marL="914400" algn="l" defTabSz="457200" rtl="0" eaLnBrk="1" latinLnBrk="0" hangingPunct="1">
-              <a:defRPr sz="1800" kern="1200">
-                <a:solidFill>
-                  <a:schemeClr val="lt1"/>
-                </a:solidFill>
-                <a:latin typeface="+mn-lt"/>
-                <a:ea typeface="+mn-ea"/>
-                <a:cs typeface="+mn-cs"/>
-              </a:defRPr>
-            </a:lvl3pPr>
-            <a:lvl4pPr marL="1371600" algn="l" defTabSz="457200" rtl="0" eaLnBrk="1" latinLnBrk="0" hangingPunct="1">
-              <a:defRPr sz="1800" kern="1200">
-                <a:solidFill>
-                  <a:schemeClr val="lt1"/>
-                </a:solidFill>
-                <a:latin typeface="+mn-lt"/>
-                <a:ea typeface="+mn-ea"/>
-                <a:cs typeface="+mn-cs"/>
-              </a:defRPr>
-            </a:lvl4pPr>
-            <a:lvl5pPr marL="1828800" algn="l" defTabSz="457200" rtl="0" eaLnBrk="1" latinLnBrk="0" hangingPunct="1">
-              <a:defRPr sz="1800" kern="1200">
-                <a:solidFill>
-                  <a:schemeClr val="lt1"/>
-                </a:solidFill>
-                <a:latin typeface="+mn-lt"/>
-                <a:ea typeface="+mn-ea"/>
-                <a:cs typeface="+mn-cs"/>
-              </a:defRPr>
-            </a:lvl5pPr>
-            <a:lvl6pPr marL="2286000" algn="l" defTabSz="457200" rtl="0" eaLnBrk="1" latinLnBrk="0" hangingPunct="1">
-              <a:defRPr sz="1800" kern="1200">
-                <a:solidFill>
-                  <a:schemeClr val="lt1"/>
-                </a:solidFill>
-                <a:latin typeface="+mn-lt"/>
-                <a:ea typeface="+mn-ea"/>
-                <a:cs typeface="+mn-cs"/>
-              </a:defRPr>
-            </a:lvl6pPr>
-            <a:lvl7pPr marL="2743200" algn="l" defTabSz="457200" rtl="0" eaLnBrk="1" latinLnBrk="0" hangingPunct="1">
-              <a:defRPr sz="1800" kern="1200">
-                <a:solidFill>
-                  <a:schemeClr val="lt1"/>
-                </a:solidFill>
-                <a:latin typeface="+mn-lt"/>
-                <a:ea typeface="+mn-ea"/>
-                <a:cs typeface="+mn-cs"/>
-              </a:defRPr>
-            </a:lvl7pPr>
-            <a:lvl8pPr marL="3200400" algn="l" defTabSz="457200" rtl="0" eaLnBrk="1" latinLnBrk="0" hangingPunct="1">
-              <a:defRPr sz="1800" kern="1200">
-                <a:solidFill>
-                  <a:schemeClr val="lt1"/>
-                </a:solidFill>
-                <a:latin typeface="+mn-lt"/>
-                <a:ea typeface="+mn-ea"/>
-                <a:cs typeface="+mn-cs"/>
-              </a:defRPr>
-            </a:lvl8pPr>
-            <a:lvl9pPr marL="3657600" algn="l" defTabSz="457200" rtl="0" eaLnBrk="1" latinLnBrk="0" hangingPunct="1">
-              <a:defRPr sz="1800" kern="1200">
-                <a:solidFill>
-                  <a:schemeClr val="lt1"/>
-                </a:solidFill>
-                <a:latin typeface="+mn-lt"/>
-                <a:ea typeface="+mn-ea"/>
-                <a:cs typeface="+mn-cs"/>
-              </a:defRPr>
-            </a:lvl9pPr>
-          </a:lstStyle>
+          <a:lstStyle/>
           <a:p>
             <a:pPr algn="ctr"/>
-            <a:endParaRPr lang="zh-CN" altLang="en-US" dirty="0"/>
+            <a:r>
+              <a:rPr lang="en-US" altLang="zh-CN" sz="1400" dirty="0"/>
+              <a:t>Overview of </a:t>
+            </a:r>
+            <a:r>
+              <a:rPr lang="en-US" altLang="zh-CN" sz="1400" dirty="0" err="1"/>
+              <a:t>ChemCrow</a:t>
+            </a:r>
+            <a:endParaRPr lang="zh-CN" altLang="en-US" sz="1400" dirty="0"/>
           </a:p>
         </p:txBody>
       </p:sp>
-      <p:grpSp>
-        <p:nvGrpSpPr>
-          <p:cNvPr id="19" name="组合 18">
+      <p:pic>
+        <p:nvPicPr>
+          <p:cNvPr id="7" name="图形 6" descr="羽毛 纯色填充">
             <a:extLst>
               <a:ext uri="{FF2B5EF4-FFF2-40B4-BE49-F238E27FC236}">
-                <a16:creationId xmlns:a16="http://schemas.microsoft.com/office/drawing/2014/main" id="{3A4DB629-6329-8B73-1039-1FFBC4281234}"/>
+                <a16:creationId xmlns:a16="http://schemas.microsoft.com/office/drawing/2014/main" id="{464FC6B5-5469-BC1F-B150-2BCD639D5CA0}"/>
               </a:ext>
             </a:extLst>
           </p:cNvPr>
-          <p:cNvGrpSpPr/>
+          <p:cNvPicPr>
+            <a:picLocks noChangeAspect="1"/>
+          </p:cNvPicPr>
           <p:nvPr/>
-        </p:nvGrpSpPr>
-        <p:grpSpPr>
+        </p:nvPicPr>
+        <p:blipFill>
+          <a:blip r:embed="rId5">
+            <a:extLst>
+              <a:ext uri="{28A0092B-C50C-407E-A947-70E740481C1C}">
+                <a14:useLocalDpi xmlns:a14="http://schemas.microsoft.com/office/drawing/2010/main" val="0"/>
+              </a:ext>
+              <a:ext uri="{96DAC541-7B7A-43D3-8B79-37D633B846F1}">
+                <asvg:svgBlip xmlns:asvg="http://schemas.microsoft.com/office/drawing/2016/SVG/main" r:embed="rId6"/>
+              </a:ext>
+            </a:extLst>
+          </a:blip>
+          <a:stretch>
+            <a:fillRect/>
+          </a:stretch>
+        </p:blipFill>
+        <p:spPr>
           <a:xfrm>
-            <a:off x="817571" y="1205198"/>
-            <a:ext cx="7508858" cy="815368"/>
-            <a:chOff x="1541719" y="2318349"/>
-            <a:chExt cx="2133781" cy="815368"/>
+            <a:off x="5264092" y="4957894"/>
+            <a:ext cx="914400" cy="914400"/>
           </a:xfrm>
-        </p:grpSpPr>
-        <p:sp>
-          <p:nvSpPr>
-            <p:cNvPr id="20" name="文本框 19">
-              <a:extLst>
-                <a:ext uri="{FF2B5EF4-FFF2-40B4-BE49-F238E27FC236}">
-                  <a16:creationId xmlns:a16="http://schemas.microsoft.com/office/drawing/2014/main" id="{FC0F0CB3-F88A-DF5D-DA0B-297DE98AEDDA}"/>
-                </a:ext>
-              </a:extLst>
-            </p:cNvPr>
-            <p:cNvSpPr txBox="1"/>
-            <p:nvPr/>
-          </p:nvSpPr>
-          <p:spPr>
-            <a:xfrm>
-              <a:off x="1541719" y="2318349"/>
-              <a:ext cx="2133781" cy="400110"/>
-            </a:xfrm>
-            <a:prstGeom prst="rect">
-              <a:avLst/>
-            </a:prstGeom>
-            <a:noFill/>
-          </p:spPr>
-          <p:txBody>
-            <a:bodyPr wrap="square" rtlCol="0">
-              <a:spAutoFit/>
-              <a:scene3d>
-                <a:camera prst="orthographicFront"/>
-                <a:lightRig rig="threePt" dir="t"/>
-              </a:scene3d>
-              <a:sp3d contourW="12700"/>
-            </a:bodyPr>
-            <a:lstStyle/>
-            <a:p>
-              <a:r>
-                <a:rPr lang="en-US" altLang="zh-CN" sz="2000" b="1" dirty="0">
-                  <a:solidFill>
-                    <a:schemeClr val="tx1">
-                      <a:lumMod val="75000"/>
-                      <a:lumOff val="25000"/>
-                    </a:schemeClr>
-                  </a:solidFill>
-                  <a:latin typeface="Century Gothic" panose="020B0502020202020204" pitchFamily="34" charset="0"/>
-                </a:rPr>
-                <a:t>Leveraging General LLMs</a:t>
-              </a:r>
-            </a:p>
-          </p:txBody>
-        </p:sp>
-        <p:sp>
-          <p:nvSpPr>
-            <p:cNvPr id="21" name="文本框 20">
-              <a:extLst>
-                <a:ext uri="{FF2B5EF4-FFF2-40B4-BE49-F238E27FC236}">
-                  <a16:creationId xmlns:a16="http://schemas.microsoft.com/office/drawing/2014/main" id="{92208375-B85B-6EF4-6F4A-E7ADF33AF93D}"/>
-                </a:ext>
-              </a:extLst>
-            </p:cNvPr>
-            <p:cNvSpPr txBox="1"/>
-            <p:nvPr/>
-          </p:nvSpPr>
-          <p:spPr>
-            <a:xfrm>
-              <a:off x="1541719" y="2715526"/>
-              <a:ext cx="2133781" cy="418191"/>
-            </a:xfrm>
-            <a:prstGeom prst="rect">
-              <a:avLst/>
-            </a:prstGeom>
-            <a:noFill/>
-          </p:spPr>
-          <p:txBody>
-            <a:bodyPr wrap="square" rtlCol="0">
-              <a:spAutoFit/>
-              <a:scene3d>
-                <a:camera prst="orthographicFront"/>
-                <a:lightRig rig="threePt" dir="t"/>
-              </a:scene3d>
-              <a:sp3d contourW="12700"/>
-            </a:bodyPr>
-            <a:lstStyle/>
-            <a:p>
-              <a:pPr lvl="1">
-                <a:lnSpc>
-                  <a:spcPct val="150000"/>
-                </a:lnSpc>
-              </a:pPr>
-              <a:r>
-                <a:rPr lang="en-US" altLang="zh-CN" sz="1600" dirty="0" err="1">
-                  <a:latin typeface="+mn-ea"/>
-                </a:rPr>
-                <a:t>ChemCrow</a:t>
-              </a:r>
-              <a:r>
-                <a:rPr lang="en-US" altLang="zh-CN" sz="1600" dirty="0">
-                  <a:latin typeface="+mn-ea"/>
-                </a:rPr>
-                <a:t>: Augmenting large-language models with chemistry tools</a:t>
-              </a:r>
-              <a:endParaRPr lang="en-US" altLang="zh-CN" sz="1600" b="1" dirty="0">
-                <a:latin typeface="+mn-ea"/>
-              </a:endParaRPr>
-            </a:p>
-          </p:txBody>
-        </p:sp>
-      </p:grpSp>
+          <a:prstGeom prst="rect">
+            <a:avLst/>
+          </a:prstGeom>
+        </p:spPr>
+      </p:pic>
+      <p:pic>
+        <p:nvPicPr>
+          <p:cNvPr id="8" name="图形 7" descr="羽毛 纯色填充">
+            <a:extLst>
+              <a:ext uri="{FF2B5EF4-FFF2-40B4-BE49-F238E27FC236}">
+                <a16:creationId xmlns:a16="http://schemas.microsoft.com/office/drawing/2014/main" id="{4CAA6B35-A534-5803-8AF4-E08D23896255}"/>
+              </a:ext>
+            </a:extLst>
+          </p:cNvPr>
+          <p:cNvPicPr>
+            <a:picLocks noChangeAspect="1"/>
+          </p:cNvPicPr>
+          <p:nvPr/>
+        </p:nvPicPr>
+        <p:blipFill>
+          <a:blip r:embed="rId5">
+            <a:extLst>
+              <a:ext uri="{28A0092B-C50C-407E-A947-70E740481C1C}">
+                <a14:useLocalDpi xmlns:a14="http://schemas.microsoft.com/office/drawing/2010/main" val="0"/>
+              </a:ext>
+              <a:ext uri="{96DAC541-7B7A-43D3-8B79-37D633B846F1}">
+                <asvg:svgBlip xmlns:asvg="http://schemas.microsoft.com/office/drawing/2016/SVG/main" r:embed="rId6"/>
+              </a:ext>
+            </a:extLst>
+          </a:blip>
+          <a:stretch>
+            <a:fillRect/>
+          </a:stretch>
+        </p:blipFill>
+        <p:spPr>
+          <a:xfrm flipH="1">
+            <a:off x="2965509" y="4931510"/>
+            <a:ext cx="914400" cy="914400"/>
+          </a:xfrm>
+          <a:prstGeom prst="rect">
+            <a:avLst/>
+          </a:prstGeom>
+        </p:spPr>
+      </p:pic>
+      <p:sp>
+        <p:nvSpPr>
+          <p:cNvPr id="9" name="文本框 8">
+            <a:extLst>
+              <a:ext uri="{FF2B5EF4-FFF2-40B4-BE49-F238E27FC236}">
+                <a16:creationId xmlns:a16="http://schemas.microsoft.com/office/drawing/2014/main" id="{BA988FBF-34A0-D840-34F2-42601C475A2A}"/>
+              </a:ext>
+            </a:extLst>
+          </p:cNvPr>
+          <p:cNvSpPr txBox="1"/>
+          <p:nvPr/>
+        </p:nvSpPr>
+        <p:spPr>
+          <a:xfrm>
+            <a:off x="3118613" y="5343969"/>
+            <a:ext cx="2906769" cy="461665"/>
+          </a:xfrm>
+          <a:prstGeom prst="rect">
+            <a:avLst/>
+          </a:prstGeom>
+          <a:noFill/>
+        </p:spPr>
+        <p:txBody>
+          <a:bodyPr wrap="square" rtlCol="0">
+            <a:spAutoFit/>
+          </a:bodyPr>
+          <a:lstStyle/>
+          <a:p>
+            <a:pPr algn="ctr"/>
+            <a:r>
+              <a:rPr lang="en-US" altLang="zh-CN" sz="2400" b="1" dirty="0"/>
+              <a:t>GPT-4</a:t>
+            </a:r>
+            <a:endParaRPr lang="zh-CN" altLang="en-US" sz="2400" b="1" dirty="0"/>
+          </a:p>
+        </p:txBody>
+      </p:sp>
+      <p:sp>
+        <p:nvSpPr>
+          <p:cNvPr id="10" name="文本框 9">
+            <a:extLst>
+              <a:ext uri="{FF2B5EF4-FFF2-40B4-BE49-F238E27FC236}">
+                <a16:creationId xmlns:a16="http://schemas.microsoft.com/office/drawing/2014/main" id="{3EB8C2CC-82E7-27EA-BC09-588BBE340A06}"/>
+              </a:ext>
+            </a:extLst>
+          </p:cNvPr>
+          <p:cNvSpPr txBox="1"/>
+          <p:nvPr/>
+        </p:nvSpPr>
+        <p:spPr>
+          <a:xfrm>
+            <a:off x="0" y="6458418"/>
+            <a:ext cx="7068539" cy="307777"/>
+          </a:xfrm>
+          <a:prstGeom prst="rect">
+            <a:avLst/>
+          </a:prstGeom>
+          <a:noFill/>
+        </p:spPr>
+        <p:txBody>
+          <a:bodyPr wrap="square" rtlCol="0">
+            <a:spAutoFit/>
+          </a:bodyPr>
+          <a:lstStyle/>
+          <a:p>
+            <a:r>
+              <a:rPr lang="en-US" altLang="zh-CN" sz="1400" dirty="0" err="1"/>
+              <a:t>A.Bran</a:t>
+            </a:r>
+            <a:r>
+              <a:rPr lang="en-US" altLang="zh-CN" sz="1400" dirty="0"/>
+              <a:t> et al., </a:t>
+            </a:r>
+            <a:r>
+              <a:rPr lang="nl-NL" altLang="zh-CN" sz="1400" dirty="0"/>
+              <a:t>https://arxiv.org/pdf/2304.05376.pdf</a:t>
+            </a:r>
+            <a:endParaRPr lang="zh-CN" altLang="en-US" sz="1400" dirty="0"/>
+          </a:p>
+        </p:txBody>
+      </p:sp>
     </p:spTree>
     <p:extLst>
       <p:ext uri="{BB962C8B-B14F-4D97-AF65-F5344CB8AC3E}">
@@ -8629,6 +9216,66 @@
           </a:prstGeom>
         </p:spPr>
       </p:pic>
+      <p:sp>
+        <p:nvSpPr>
+          <p:cNvPr id="25" name="文本框 24">
+            <a:extLst>
+              <a:ext uri="{FF2B5EF4-FFF2-40B4-BE49-F238E27FC236}">
+                <a16:creationId xmlns:a16="http://schemas.microsoft.com/office/drawing/2014/main" id="{4096B1CC-1349-4E99-9A39-A7B4A3646208}"/>
+              </a:ext>
+            </a:extLst>
+          </p:cNvPr>
+          <p:cNvSpPr txBox="1"/>
+          <p:nvPr/>
+        </p:nvSpPr>
+        <p:spPr>
+          <a:xfrm>
+            <a:off x="1302265" y="409723"/>
+            <a:ext cx="7294436" cy="523220"/>
+          </a:xfrm>
+          <a:prstGeom prst="rect">
+            <a:avLst/>
+          </a:prstGeom>
+          <a:noFill/>
+        </p:spPr>
+        <p:txBody>
+          <a:bodyPr wrap="square" rtlCol="0">
+            <a:spAutoFit/>
+            <a:scene3d>
+              <a:camera prst="orthographicFront"/>
+              <a:lightRig rig="threePt" dir="t"/>
+            </a:scene3d>
+            <a:sp3d contourW="12700"/>
+          </a:bodyPr>
+          <a:lstStyle/>
+          <a:p>
+            <a:r>
+              <a:rPr lang="en-US" altLang="zh-CN" sz="2800" b="1" dirty="0" err="1">
+                <a:solidFill>
+                  <a:schemeClr val="tx1">
+                    <a:lumMod val="75000"/>
+                    <a:lumOff val="25000"/>
+                  </a:schemeClr>
+                </a:solidFill>
+                <a:latin typeface="Century Gothic" panose="020B0502020202020204" pitchFamily="34" charset="0"/>
+              </a:rPr>
+              <a:t>ChemCrow</a:t>
+            </a:r>
+            <a:r>
+              <a:rPr lang="en-US" altLang="zh-CN" sz="2800" b="1" dirty="0">
+                <a:solidFill>
+                  <a:schemeClr val="tx1">
+                    <a:lumMod val="75000"/>
+                    <a:lumOff val="25000"/>
+                  </a:schemeClr>
+                </a:solidFill>
+                <a:latin typeface="Century Gothic" panose="020B0502020202020204" pitchFamily="34" charset="0"/>
+              </a:rPr>
+              <a:t>: Tools &amp; Performance</a:t>
+            </a:r>
+          </a:p>
+        </p:txBody>
+      </p:sp>
       <p:grpSp>
         <p:nvGrpSpPr>
           <p:cNvPr id="55" name="组合 54"/>
@@ -8788,7 +9435,7 @@
                   </a:solidFill>
                   <a:latin typeface="Agency FB" panose="020B0503020202020204" pitchFamily="34" charset="0"/>
                 </a:rPr>
-                <a:t>05</a:t>
+                <a:t>04</a:t>
               </a:r>
               <a:endParaRPr lang="zh-CN" altLang="en-US" sz="3200" dirty="0">
                 <a:solidFill>
@@ -8913,10 +9560,192 @@
           </p:sp>
         </p:grpSp>
       </p:grpSp>
+      <p:pic>
+        <p:nvPicPr>
+          <p:cNvPr id="11" name="图片 10">
+            <a:extLst>
+              <a:ext uri="{FF2B5EF4-FFF2-40B4-BE49-F238E27FC236}">
+                <a16:creationId xmlns:a16="http://schemas.microsoft.com/office/drawing/2014/main" id="{EC75E3C9-C737-0A8E-56E5-4B6BB6A4BE3F}"/>
+              </a:ext>
+            </a:extLst>
+          </p:cNvPr>
+          <p:cNvPicPr>
+            <a:picLocks noChangeAspect="1"/>
+          </p:cNvPicPr>
+          <p:nvPr/>
+        </p:nvPicPr>
+        <p:blipFill>
+          <a:blip r:embed="rId4"/>
+          <a:stretch>
+            <a:fillRect/>
+          </a:stretch>
+        </p:blipFill>
+        <p:spPr>
+          <a:xfrm>
+            <a:off x="1202874" y="1228069"/>
+            <a:ext cx="6738252" cy="2616614"/>
+          </a:xfrm>
+          <a:prstGeom prst="rect">
+            <a:avLst/>
+          </a:prstGeom>
+        </p:spPr>
+      </p:pic>
+      <p:sp>
+        <p:nvSpPr>
+          <p:cNvPr id="13" name="文本框 12">
+            <a:extLst>
+              <a:ext uri="{FF2B5EF4-FFF2-40B4-BE49-F238E27FC236}">
+                <a16:creationId xmlns:a16="http://schemas.microsoft.com/office/drawing/2014/main" id="{1449C5BA-D561-2D16-ED08-6A22E37DCCFA}"/>
+              </a:ext>
+            </a:extLst>
+          </p:cNvPr>
+          <p:cNvSpPr txBox="1"/>
+          <p:nvPr/>
+        </p:nvSpPr>
+        <p:spPr>
+          <a:xfrm>
+            <a:off x="3429000" y="3799384"/>
+            <a:ext cx="2286000" cy="307777"/>
+          </a:xfrm>
+          <a:prstGeom prst="rect">
+            <a:avLst/>
+          </a:prstGeom>
+          <a:noFill/>
+        </p:spPr>
+        <p:txBody>
+          <a:bodyPr wrap="square">
+            <a:spAutoFit/>
+          </a:bodyPr>
+          <a:lstStyle/>
+          <a:p>
+            <a:pPr algn="ctr"/>
+            <a:r>
+              <a:rPr lang="en-US" altLang="zh-CN" sz="1400" dirty="0" err="1"/>
+              <a:t>ChemCrow’s</a:t>
+            </a:r>
+            <a:r>
+              <a:rPr lang="en-US" altLang="zh-CN" sz="1400" dirty="0"/>
+              <a:t> tool set</a:t>
+            </a:r>
+            <a:endParaRPr lang="zh-CN" altLang="en-US" sz="1400" dirty="0"/>
+          </a:p>
+        </p:txBody>
+      </p:sp>
+      <p:pic>
+        <p:nvPicPr>
+          <p:cNvPr id="15" name="图片 14">
+            <a:extLst>
+              <a:ext uri="{FF2B5EF4-FFF2-40B4-BE49-F238E27FC236}">
+                <a16:creationId xmlns:a16="http://schemas.microsoft.com/office/drawing/2014/main" id="{603B42D5-7EA1-AF44-74ED-C035AA6EE367}"/>
+              </a:ext>
+            </a:extLst>
+          </p:cNvPr>
+          <p:cNvPicPr>
+            <a:picLocks noChangeAspect="1"/>
+          </p:cNvPicPr>
+          <p:nvPr/>
+        </p:nvPicPr>
+        <p:blipFill>
+          <a:blip r:embed="rId5"/>
+          <a:stretch>
+            <a:fillRect/>
+          </a:stretch>
+        </p:blipFill>
+        <p:spPr>
+          <a:xfrm>
+            <a:off x="1244345" y="4107161"/>
+            <a:ext cx="6660859" cy="2031606"/>
+          </a:xfrm>
+          <a:prstGeom prst="rect">
+            <a:avLst/>
+          </a:prstGeom>
+        </p:spPr>
+      </p:pic>
+      <p:sp>
+        <p:nvSpPr>
+          <p:cNvPr id="16" name="文本框 15">
+            <a:extLst>
+              <a:ext uri="{FF2B5EF4-FFF2-40B4-BE49-F238E27FC236}">
+                <a16:creationId xmlns:a16="http://schemas.microsoft.com/office/drawing/2014/main" id="{6EB6EF2D-D281-1721-B6BD-D6F7D7431D61}"/>
+              </a:ext>
+            </a:extLst>
+          </p:cNvPr>
+          <p:cNvSpPr txBox="1"/>
+          <p:nvPr/>
+        </p:nvSpPr>
+        <p:spPr>
+          <a:xfrm>
+            <a:off x="3429000" y="6241384"/>
+            <a:ext cx="2286000" cy="307777"/>
+          </a:xfrm>
+          <a:prstGeom prst="rect">
+            <a:avLst/>
+          </a:prstGeom>
+          <a:noFill/>
+        </p:spPr>
+        <p:txBody>
+          <a:bodyPr wrap="square">
+            <a:spAutoFit/>
+          </a:bodyPr>
+          <a:lstStyle/>
+          <a:p>
+            <a:pPr algn="ctr"/>
+            <a:r>
+              <a:rPr lang="en-US" altLang="zh-CN" sz="1400" dirty="0"/>
+              <a:t>A sample task</a:t>
+            </a:r>
+            <a:endParaRPr lang="zh-CN" altLang="en-US" sz="1400" dirty="0"/>
+          </a:p>
+        </p:txBody>
+      </p:sp>
+      <p:sp>
+        <p:nvSpPr>
+          <p:cNvPr id="20" name="文本框 19">
+            <a:extLst>
+              <a:ext uri="{FF2B5EF4-FFF2-40B4-BE49-F238E27FC236}">
+                <a16:creationId xmlns:a16="http://schemas.microsoft.com/office/drawing/2014/main" id="{66D6A252-9777-B4A6-B977-B0A168A154FD}"/>
+              </a:ext>
+            </a:extLst>
+          </p:cNvPr>
+          <p:cNvSpPr txBox="1"/>
+          <p:nvPr/>
+        </p:nvSpPr>
+        <p:spPr>
+          <a:xfrm>
+            <a:off x="0" y="6458418"/>
+            <a:ext cx="7068539" cy="307777"/>
+          </a:xfrm>
+          <a:prstGeom prst="rect">
+            <a:avLst/>
+          </a:prstGeom>
+          <a:noFill/>
+        </p:spPr>
+        <p:txBody>
+          <a:bodyPr wrap="square" rtlCol="0">
+            <a:spAutoFit/>
+          </a:bodyPr>
+          <a:lstStyle/>
+          <a:p>
+            <a:r>
+              <a:rPr lang="en-US" altLang="zh-CN" sz="1400" dirty="0" err="1"/>
+              <a:t>A.Bran</a:t>
+            </a:r>
+            <a:r>
+              <a:rPr lang="en-US" altLang="zh-CN" sz="1400" dirty="0"/>
+              <a:t> et al., </a:t>
+            </a:r>
+            <a:r>
+              <a:rPr lang="nl-NL" altLang="zh-CN" sz="1400" dirty="0"/>
+              <a:t>https://arxiv.org/pdf/2304.05376.pdf</a:t>
+            </a:r>
+            <a:endParaRPr lang="zh-CN" altLang="en-US" sz="1400" dirty="0"/>
+          </a:p>
+        </p:txBody>
+      </p:sp>
     </p:spTree>
     <p:extLst>
       <p:ext uri="{BB962C8B-B14F-4D97-AF65-F5344CB8AC3E}">
-        <p14:creationId xmlns:p14="http://schemas.microsoft.com/office/powerpoint/2010/main" val="3714992197"/>
+        <p14:creationId xmlns:p14="http://schemas.microsoft.com/office/powerpoint/2010/main" val="1820600741"/>
       </p:ext>
     </p:extLst>
   </p:cSld>
@@ -9042,7 +9871,7 @@
           <a:lstStyle/>
           <a:p>
             <a:r>
-              <a:rPr lang="en-US" altLang="zh-CN" sz="2800" b="1" dirty="0">
+              <a:rPr lang="en-US" altLang="zh-CN" sz="2800" b="1" dirty="0" err="1">
                 <a:solidFill>
                   <a:schemeClr val="tx1">
                     <a:lumMod val="75000"/>
@@ -9051,17 +9880,20 @@
                 </a:solidFill>
                 <a:latin typeface="Century Gothic" panose="020B0502020202020204" pitchFamily="34" charset="0"/>
               </a:rPr>
-              <a:t>PROGEN: Designing Proteins</a:t>
+              <a:t>ChemCrow</a:t>
             </a:r>
-            <a:endParaRPr lang="zh-CN" altLang="en-US" sz="2800" b="1" dirty="0">
-              <a:solidFill>
-                <a:schemeClr val="tx1">
-                  <a:lumMod val="75000"/>
-                  <a:lumOff val="25000"/>
-                </a:schemeClr>
-              </a:solidFill>
-              <a:latin typeface="Century Gothic" panose="020B0502020202020204" pitchFamily="34" charset="0"/>
-            </a:endParaRPr>
+            <a:r>
+              <a:rPr lang="en-US" altLang="zh-CN" sz="2800" b="1" dirty="0">
+                <a:solidFill>
+                  <a:schemeClr val="tx1">
+                    <a:lumMod val="75000"/>
+                    <a:lumOff val="25000"/>
+                  </a:schemeClr>
+                </a:solidFill>
+                <a:latin typeface="Century Gothic" panose="020B0502020202020204" pitchFamily="34" charset="0"/>
+              </a:rPr>
+              <a:t>: Retrosynthesis</a:t>
+            </a:r>
           </a:p>
         </p:txBody>
       </p:sp>
@@ -9224,7 +10056,7 @@
                   </a:solidFill>
                   <a:latin typeface="Agency FB" panose="020B0503020202020204" pitchFamily="34" charset="0"/>
                 </a:rPr>
-                <a:t>06</a:t>
+                <a:t>04</a:t>
               </a:r>
               <a:endParaRPr lang="zh-CN" altLang="en-US" sz="3200" dirty="0">
                 <a:solidFill>
@@ -9349,10 +10181,165 @@
           </p:sp>
         </p:grpSp>
       </p:grpSp>
+      <p:pic>
+        <p:nvPicPr>
+          <p:cNvPr id="3" name="图片 2">
+            <a:extLst>
+              <a:ext uri="{FF2B5EF4-FFF2-40B4-BE49-F238E27FC236}">
+                <a16:creationId xmlns:a16="http://schemas.microsoft.com/office/drawing/2014/main" id="{D6F13A94-7A80-DEEA-D930-0590BB58090D}"/>
+              </a:ext>
+            </a:extLst>
+          </p:cNvPr>
+          <p:cNvPicPr>
+            <a:picLocks noChangeAspect="1"/>
+          </p:cNvPicPr>
+          <p:nvPr/>
+        </p:nvPicPr>
+        <p:blipFill>
+          <a:blip r:embed="rId4"/>
+          <a:stretch>
+            <a:fillRect/>
+          </a:stretch>
+        </p:blipFill>
+        <p:spPr>
+          <a:xfrm>
+            <a:off x="6706505" y="70347"/>
+            <a:ext cx="1853360" cy="1371600"/>
+          </a:xfrm>
+          <a:prstGeom prst="rect">
+            <a:avLst/>
+          </a:prstGeom>
+        </p:spPr>
+      </p:pic>
+      <p:grpSp>
+        <p:nvGrpSpPr>
+          <p:cNvPr id="8" name="组合 7">
+            <a:extLst>
+              <a:ext uri="{FF2B5EF4-FFF2-40B4-BE49-F238E27FC236}">
+                <a16:creationId xmlns:a16="http://schemas.microsoft.com/office/drawing/2014/main" id="{555039D9-83C6-0527-A2DC-1F827DFD6A77}"/>
+              </a:ext>
+            </a:extLst>
+          </p:cNvPr>
+          <p:cNvGrpSpPr/>
+          <p:nvPr/>
+        </p:nvGrpSpPr>
+        <p:grpSpPr>
+          <a:xfrm>
+            <a:off x="1122626" y="1539115"/>
+            <a:ext cx="6898748" cy="4572000"/>
+            <a:chOff x="1158467" y="1540717"/>
+            <a:chExt cx="6898748" cy="4572000"/>
+          </a:xfrm>
+        </p:grpSpPr>
+        <p:pic>
+          <p:nvPicPr>
+            <p:cNvPr id="5" name="图片 4">
+              <a:extLst>
+                <a:ext uri="{FF2B5EF4-FFF2-40B4-BE49-F238E27FC236}">
+                  <a16:creationId xmlns:a16="http://schemas.microsoft.com/office/drawing/2014/main" id="{82E65406-8077-C62E-A693-CC24DBE6872F}"/>
+                </a:ext>
+              </a:extLst>
+            </p:cNvPr>
+            <p:cNvPicPr>
+              <a:picLocks noChangeAspect="1"/>
+            </p:cNvPicPr>
+            <p:nvPr/>
+          </p:nvPicPr>
+          <p:blipFill>
+            <a:blip r:embed="rId5"/>
+            <a:stretch>
+              <a:fillRect/>
+            </a:stretch>
+          </p:blipFill>
+          <p:spPr>
+            <a:xfrm>
+              <a:off x="1158467" y="1540717"/>
+              <a:ext cx="3840015" cy="4572000"/>
+            </a:xfrm>
+            <a:prstGeom prst="rect">
+              <a:avLst/>
+            </a:prstGeom>
+          </p:spPr>
+        </p:pic>
+        <p:pic>
+          <p:nvPicPr>
+            <p:cNvPr id="7" name="图片 6">
+              <a:extLst>
+                <a:ext uri="{FF2B5EF4-FFF2-40B4-BE49-F238E27FC236}">
+                  <a16:creationId xmlns:a16="http://schemas.microsoft.com/office/drawing/2014/main" id="{528C9BB2-A78B-B989-9BDF-6D5A76DC8AAE}"/>
+                </a:ext>
+              </a:extLst>
+            </p:cNvPr>
+            <p:cNvPicPr>
+              <a:picLocks noChangeAspect="1"/>
+            </p:cNvPicPr>
+            <p:nvPr/>
+          </p:nvPicPr>
+          <p:blipFill>
+            <a:blip r:embed="rId6"/>
+            <a:stretch>
+              <a:fillRect/>
+            </a:stretch>
+          </p:blipFill>
+          <p:spPr>
+            <a:xfrm>
+              <a:off x="4998482" y="1540717"/>
+              <a:ext cx="3058733" cy="4572000"/>
+            </a:xfrm>
+            <a:prstGeom prst="rect">
+              <a:avLst/>
+            </a:prstGeom>
+          </p:spPr>
+        </p:pic>
+      </p:grpSp>
+      <p:sp>
+        <p:nvSpPr>
+          <p:cNvPr id="4" name="文本框 3">
+            <a:extLst>
+              <a:ext uri="{FF2B5EF4-FFF2-40B4-BE49-F238E27FC236}">
+                <a16:creationId xmlns:a16="http://schemas.microsoft.com/office/drawing/2014/main" id="{34805167-6D93-6C91-48B8-9F4F05A78236}"/>
+              </a:ext>
+            </a:extLst>
+          </p:cNvPr>
+          <p:cNvSpPr txBox="1"/>
+          <p:nvPr/>
+        </p:nvSpPr>
+        <p:spPr>
+          <a:xfrm>
+            <a:off x="0" y="6458418"/>
+            <a:ext cx="7068539" cy="307777"/>
+          </a:xfrm>
+          <a:prstGeom prst="rect">
+            <a:avLst/>
+          </a:prstGeom>
+          <a:noFill/>
+        </p:spPr>
+        <p:txBody>
+          <a:bodyPr wrap="square" rtlCol="0">
+            <a:spAutoFit/>
+          </a:bodyPr>
+          <a:lstStyle/>
+          <a:p>
+            <a:r>
+              <a:rPr lang="en-US" altLang="zh-CN" sz="1400" dirty="0" err="1"/>
+              <a:t>A.Bran</a:t>
+            </a:r>
+            <a:r>
+              <a:rPr lang="en-US" altLang="zh-CN" sz="1400" dirty="0"/>
+              <a:t> et al., </a:t>
+            </a:r>
+            <a:r>
+              <a:rPr lang="nl-NL" altLang="zh-CN" sz="1400" dirty="0"/>
+              <a:t>https://arxiv.org/pdf/2304.05376.pdf</a:t>
+            </a:r>
+            <a:endParaRPr lang="zh-CN" altLang="en-US" sz="1400" dirty="0"/>
+          </a:p>
+        </p:txBody>
+      </p:sp>
     </p:spTree>
     <p:extLst>
       <p:ext uri="{BB962C8B-B14F-4D97-AF65-F5344CB8AC3E}">
-        <p14:creationId xmlns:p14="http://schemas.microsoft.com/office/powerpoint/2010/main" val="3380355621"/>
+        <p14:creationId xmlns:p14="http://schemas.microsoft.com/office/powerpoint/2010/main" val="4278456573"/>
       </p:ext>
     </p:extLst>
   </p:cSld>
@@ -9379,290 +10366,6 @@
           <a:chExt cx="0" cy="0"/>
         </a:xfrm>
       </p:grpSpPr>
-      <p:grpSp>
-        <p:nvGrpSpPr>
-          <p:cNvPr id="55" name="组合 54"/>
-          <p:cNvGrpSpPr/>
-          <p:nvPr/>
-        </p:nvGrpSpPr>
-        <p:grpSpPr>
-          <a:xfrm>
-            <a:off x="129866" y="265800"/>
-            <a:ext cx="8834508" cy="6487359"/>
-            <a:chOff x="1653864" y="299356"/>
-            <a:chExt cx="10859564" cy="7633190"/>
-          </a:xfrm>
-        </p:grpSpPr>
-        <p:grpSp>
-          <p:nvGrpSpPr>
-            <p:cNvPr id="56" name="组合 55"/>
-            <p:cNvGrpSpPr/>
-            <p:nvPr/>
-          </p:nvGrpSpPr>
-          <p:grpSpPr>
-            <a:xfrm>
-              <a:off x="1653864" y="299356"/>
-              <a:ext cx="1316500" cy="883947"/>
-              <a:chOff x="7436079" y="1279752"/>
-              <a:chExt cx="6401934" cy="4298496"/>
-            </a:xfrm>
-          </p:grpSpPr>
-          <p:sp>
-            <p:nvSpPr>
-              <p:cNvPr id="64" name="菱形 63"/>
-              <p:cNvSpPr/>
-              <p:nvPr/>
-            </p:nvSpPr>
-            <p:spPr>
-              <a:xfrm>
-                <a:off x="7436079" y="2107068"/>
-                <a:ext cx="2643870" cy="2643870"/>
-              </a:xfrm>
-              <a:prstGeom prst="diamond">
-                <a:avLst/>
-              </a:prstGeom>
-              <a:noFill/>
-              <a:ln w="28575">
-                <a:solidFill>
-                  <a:schemeClr val="accent1">
-                    <a:lumMod val="60000"/>
-                    <a:lumOff val="40000"/>
-                  </a:schemeClr>
-                </a:solidFill>
-              </a:ln>
-            </p:spPr>
-            <p:style>
-              <a:lnRef idx="2">
-                <a:schemeClr val="accent1">
-                  <a:shade val="50000"/>
-                </a:schemeClr>
-              </a:lnRef>
-              <a:fillRef idx="1">
-                <a:schemeClr val="accent1"/>
-              </a:fillRef>
-              <a:effectRef idx="0">
-                <a:schemeClr val="accent1"/>
-              </a:effectRef>
-              <a:fontRef idx="minor">
-                <a:schemeClr val="lt1"/>
-              </a:fontRef>
-            </p:style>
-            <p:txBody>
-              <a:bodyPr rtlCol="0" anchor="ctr"/>
-              <a:lstStyle/>
-              <a:p>
-                <a:pPr algn="ctr"/>
-                <a:endParaRPr lang="zh-CN" altLang="en-US"/>
-              </a:p>
-            </p:txBody>
-          </p:sp>
-          <p:sp>
-            <p:nvSpPr>
-              <p:cNvPr id="65" name="菱形 64"/>
-              <p:cNvSpPr/>
-              <p:nvPr/>
-            </p:nvSpPr>
-            <p:spPr>
-              <a:xfrm>
-                <a:off x="9539517" y="1279752"/>
-                <a:ext cx="4298496" cy="4298496"/>
-              </a:xfrm>
-              <a:prstGeom prst="diamond">
-                <a:avLst/>
-              </a:prstGeom>
-              <a:noFill/>
-              <a:ln w="28575">
-                <a:solidFill>
-                  <a:srgbClr val="A72020"/>
-                </a:solidFill>
-              </a:ln>
-            </p:spPr>
-            <p:style>
-              <a:lnRef idx="2">
-                <a:schemeClr val="accent1">
-                  <a:shade val="50000"/>
-                </a:schemeClr>
-              </a:lnRef>
-              <a:fillRef idx="1">
-                <a:schemeClr val="accent1"/>
-              </a:fillRef>
-              <a:effectRef idx="0">
-                <a:schemeClr val="accent1"/>
-              </a:effectRef>
-              <a:fontRef idx="minor">
-                <a:schemeClr val="lt1"/>
-              </a:fontRef>
-            </p:style>
-            <p:txBody>
-              <a:bodyPr rtlCol="0" anchor="ctr"/>
-              <a:lstStyle/>
-              <a:p>
-                <a:pPr algn="ctr"/>
-                <a:endParaRPr lang="zh-CN" altLang="en-US"/>
-              </a:p>
-            </p:txBody>
-          </p:sp>
-        </p:grpSp>
-        <p:sp>
-          <p:nvSpPr>
-            <p:cNvPr id="57" name="文本框 56"/>
-            <p:cNvSpPr txBox="1"/>
-            <p:nvPr/>
-          </p:nvSpPr>
-          <p:spPr>
-            <a:xfrm>
-              <a:off x="2166981" y="398787"/>
-              <a:ext cx="722816" cy="688061"/>
-            </a:xfrm>
-            <a:prstGeom prst="rect">
-              <a:avLst/>
-            </a:prstGeom>
-            <a:noFill/>
-          </p:spPr>
-          <p:txBody>
-            <a:bodyPr wrap="square" rtlCol="0">
-              <a:spAutoFit/>
-              <a:scene3d>
-                <a:camera prst="orthographicFront"/>
-                <a:lightRig rig="threePt" dir="t"/>
-              </a:scene3d>
-              <a:sp3d contourW="12700"/>
-            </a:bodyPr>
-            <a:lstStyle/>
-            <a:p>
-              <a:pPr algn="ctr"/>
-              <a:r>
-                <a:rPr lang="en-US" altLang="zh-CN" sz="3200" dirty="0">
-                  <a:solidFill>
-                    <a:schemeClr val="accent1"/>
-                  </a:solidFill>
-                  <a:latin typeface="Agency FB" panose="020B0503020202020204" pitchFamily="34" charset="0"/>
-                </a:rPr>
-                <a:t>05</a:t>
-              </a:r>
-              <a:endParaRPr lang="zh-CN" altLang="en-US" sz="3200" dirty="0">
-                <a:solidFill>
-                  <a:schemeClr val="accent1"/>
-                </a:solidFill>
-                <a:latin typeface="Agency FB" panose="020B0503020202020204" pitchFamily="34" charset="0"/>
-              </a:endParaRPr>
-            </a:p>
-          </p:txBody>
-        </p:sp>
-        <p:grpSp>
-          <p:nvGrpSpPr>
-            <p:cNvPr id="59" name="组合 58"/>
-            <p:cNvGrpSpPr/>
-            <p:nvPr/>
-          </p:nvGrpSpPr>
-          <p:grpSpPr>
-            <a:xfrm>
-              <a:off x="11572872" y="7291431"/>
-              <a:ext cx="940556" cy="641115"/>
-              <a:chOff x="11395287" y="7365982"/>
-              <a:chExt cx="1208633" cy="823842"/>
-            </a:xfrm>
-          </p:grpSpPr>
-          <p:sp>
-            <p:nvSpPr>
-              <p:cNvPr id="60" name="菱形 59"/>
-              <p:cNvSpPr/>
-              <p:nvPr/>
-            </p:nvSpPr>
-            <p:spPr>
-              <a:xfrm>
-                <a:off x="11780079" y="7365982"/>
-                <a:ext cx="823841" cy="823842"/>
-              </a:xfrm>
-              <a:prstGeom prst="diamond">
-                <a:avLst/>
-              </a:prstGeom>
-              <a:noFill/>
-              <a:ln w="28575">
-                <a:solidFill>
-                  <a:schemeClr val="accent1">
-                    <a:lumMod val="60000"/>
-                    <a:lumOff val="40000"/>
-                  </a:schemeClr>
-                </a:solidFill>
-              </a:ln>
-            </p:spPr>
-            <p:style>
-              <a:lnRef idx="2">
-                <a:schemeClr val="accent1">
-                  <a:shade val="50000"/>
-                </a:schemeClr>
-              </a:lnRef>
-              <a:fillRef idx="1">
-                <a:schemeClr val="accent1"/>
-              </a:fillRef>
-              <a:effectRef idx="0">
-                <a:schemeClr val="accent1"/>
-              </a:effectRef>
-              <a:fontRef idx="minor">
-                <a:schemeClr val="lt1"/>
-              </a:fontRef>
-            </p:style>
-            <p:txBody>
-              <a:bodyPr rtlCol="0" anchor="ctr"/>
-              <a:lstStyle/>
-              <a:p>
-                <a:pPr algn="ctr"/>
-                <a:endParaRPr lang="zh-CN" altLang="en-US"/>
-              </a:p>
-            </p:txBody>
-          </p:sp>
-          <p:sp>
-            <p:nvSpPr>
-              <p:cNvPr id="61" name="菱形 60"/>
-              <p:cNvSpPr/>
-              <p:nvPr/>
-            </p:nvSpPr>
-            <p:spPr>
-              <a:xfrm>
-                <a:off x="11395287" y="7489187"/>
-                <a:ext cx="577426" cy="577425"/>
-              </a:xfrm>
-              <a:prstGeom prst="diamond">
-                <a:avLst/>
-              </a:prstGeom>
-              <a:noFill/>
-              <a:ln w="28575">
-                <a:solidFill>
-                  <a:schemeClr val="accent1">
-                    <a:lumMod val="60000"/>
-                    <a:lumOff val="40000"/>
-                  </a:schemeClr>
-                </a:solidFill>
-              </a:ln>
-            </p:spPr>
-            <p:style>
-              <a:lnRef idx="2">
-                <a:schemeClr val="accent1">
-                  <a:shade val="50000"/>
-                </a:schemeClr>
-              </a:lnRef>
-              <a:fillRef idx="1">
-                <a:schemeClr val="accent1"/>
-              </a:fillRef>
-              <a:effectRef idx="0">
-                <a:schemeClr val="accent1"/>
-              </a:effectRef>
-              <a:fontRef idx="minor">
-                <a:schemeClr val="lt1"/>
-              </a:fontRef>
-            </p:style>
-            <p:txBody>
-              <a:bodyPr rtlCol="0" anchor="ctr"/>
-              <a:lstStyle/>
-              <a:p>
-                <a:pPr algn="ctr"/>
-                <a:endParaRPr lang="zh-CN" altLang="en-US"/>
-              </a:p>
-            </p:txBody>
-          </p:sp>
-        </p:grpSp>
-      </p:grpSp>
       <p:sp>
         <p:nvSpPr>
           <p:cNvPr id="2" name="灯片编号占位符 1"/>
@@ -9742,8 +10445,8 @@
         </p:nvSpPr>
         <p:spPr>
           <a:xfrm>
-            <a:off x="1302264" y="409723"/>
-            <a:ext cx="7262503" cy="523220"/>
+            <a:off x="1302265" y="409723"/>
+            <a:ext cx="7294436" cy="523220"/>
           </a:xfrm>
           <a:prstGeom prst="rect">
             <a:avLst/>
@@ -9762,7 +10465,7 @@
           <a:lstStyle/>
           <a:p>
             <a:r>
-              <a:rPr lang="en-US" altLang="zh-CN" sz="2800" b="1" dirty="0">
+              <a:rPr lang="en-US" altLang="zh-CN" sz="2800" b="1" dirty="0" err="1">
                 <a:solidFill>
                   <a:schemeClr val="tx1">
                     <a:lumMod val="75000"/>
@@ -9771,50 +10474,23 @@
                 </a:solidFill>
                 <a:latin typeface="Century Gothic" panose="020B0502020202020204" pitchFamily="34" charset="0"/>
               </a:rPr>
-              <a:t>Conclusion and Future</a:t>
+              <a:t>ChemCrow</a:t>
             </a:r>
-            <a:endParaRPr lang="zh-CN" altLang="en-US" sz="2800" b="1" dirty="0">
-              <a:solidFill>
-                <a:schemeClr val="tx1">
-                  <a:lumMod val="75000"/>
-                  <a:lumOff val="25000"/>
-                </a:schemeClr>
-              </a:solidFill>
-              <a:latin typeface="Century Gothic" panose="020B0502020202020204" pitchFamily="34" charset="0"/>
-            </a:endParaRPr>
+            <a:r>
+              <a:rPr lang="en-US" altLang="zh-CN" sz="2800" b="1" dirty="0">
+                <a:solidFill>
+                  <a:schemeClr val="tx1">
+                    <a:lumMod val="75000"/>
+                    <a:lumOff val="25000"/>
+                  </a:schemeClr>
+                </a:solidFill>
+                <a:latin typeface="Century Gothic" panose="020B0502020202020204" pitchFamily="34" charset="0"/>
+              </a:rPr>
+              <a:t>: Limitations &amp; Risks</a:t>
+            </a:r>
           </a:p>
         </p:txBody>
       </p:sp>
-    </p:spTree>
-    <p:extLst>
-      <p:ext uri="{BB962C8B-B14F-4D97-AF65-F5344CB8AC3E}">
-        <p14:creationId xmlns:p14="http://schemas.microsoft.com/office/powerpoint/2010/main" val="1614246395"/>
-      </p:ext>
-    </p:extLst>
-  </p:cSld>
-  <p:clrMapOvr>
-    <a:masterClrMapping/>
-  </p:clrMapOvr>
-</p:sld>
-</file>
-
-<file path=ppt/slides/slide15.xml><?xml version="1.0" encoding="utf-8"?>
-<p:sld xmlns:a="http://schemas.openxmlformats.org/drawingml/2006/main" xmlns:r="http://schemas.openxmlformats.org/officeDocument/2006/relationships" xmlns:p="http://schemas.openxmlformats.org/presentationml/2006/main">
-  <p:cSld>
-    <p:spTree>
-      <p:nvGrpSpPr>
-        <p:cNvPr id="1" name=""/>
-        <p:cNvGrpSpPr/>
-        <p:nvPr/>
-      </p:nvGrpSpPr>
-      <p:grpSpPr>
-        <a:xfrm>
-          <a:off x="0" y="0"/>
-          <a:ext cx="0" cy="0"/>
-          <a:chOff x="0" y="0"/>
-          <a:chExt cx="0" cy="0"/>
-        </a:xfrm>
-      </p:grpSpPr>
       <p:grpSp>
         <p:nvGrpSpPr>
           <p:cNvPr id="55" name="组合 54"/>
@@ -9888,7 +10564,7 @@
               <a:lstStyle/>
               <a:p>
                 <a:pPr algn="ctr"/>
-                <a:endParaRPr lang="zh-CN" altLang="en-US" b="1"/>
+                <a:endParaRPr lang="zh-CN" altLang="en-US"/>
               </a:p>
             </p:txBody>
           </p:sp>
@@ -9934,7 +10610,7 @@
               <a:lstStyle/>
               <a:p>
                 <a:pPr algn="ctr"/>
-                <a:endParaRPr lang="zh-CN" altLang="en-US" b="1"/>
+                <a:endParaRPr lang="zh-CN" altLang="en-US"/>
               </a:p>
             </p:txBody>
           </p:sp>
@@ -9974,7 +10650,7 @@
                   </a:solidFill>
                   <a:latin typeface="Agency FB" panose="020B0503020202020204" pitchFamily="34" charset="0"/>
                 </a:rPr>
-                <a:t>06</a:t>
+                <a:t>04</a:t>
               </a:r>
               <a:endParaRPr lang="zh-CN" altLang="en-US" sz="3200" dirty="0">
                 <a:solidFill>
@@ -10044,7 +10720,7 @@
               <a:lstStyle/>
               <a:p>
                 <a:pPr algn="ctr"/>
-                <a:endParaRPr lang="zh-CN" altLang="en-US" b="1"/>
+                <a:endParaRPr lang="zh-CN" altLang="en-US"/>
               </a:p>
             </p:txBody>
           </p:sp>
@@ -10093,12 +10769,596 @@
               <a:lstStyle/>
               <a:p>
                 <a:pPr algn="ctr"/>
-                <a:endParaRPr lang="zh-CN" altLang="en-US" b="1"/>
+                <a:endParaRPr lang="zh-CN" altLang="en-US"/>
               </a:p>
             </p:txBody>
           </p:sp>
         </p:grpSp>
       </p:grpSp>
+      <p:sp>
+        <p:nvSpPr>
+          <p:cNvPr id="12" name="菱形 11">
+            <a:extLst>
+              <a:ext uri="{FF2B5EF4-FFF2-40B4-BE49-F238E27FC236}">
+                <a16:creationId xmlns:a16="http://schemas.microsoft.com/office/drawing/2014/main" id="{F04BAE8D-5392-8D2D-5383-44E01CE8C0AC}"/>
+              </a:ext>
+            </a:extLst>
+          </p:cNvPr>
+          <p:cNvSpPr/>
+          <p:nvPr/>
+        </p:nvSpPr>
+        <p:spPr>
+          <a:xfrm>
+            <a:off x="453358" y="1242561"/>
+            <a:ext cx="360000" cy="360000"/>
+          </a:xfrm>
+          <a:prstGeom prst="diamond">
+            <a:avLst/>
+          </a:prstGeom>
+          <a:ln>
+            <a:noFill/>
+          </a:ln>
+        </p:spPr>
+        <p:style>
+          <a:lnRef idx="2">
+            <a:schemeClr val="accent1">
+              <a:shade val="50000"/>
+            </a:schemeClr>
+          </a:lnRef>
+          <a:fillRef idx="1">
+            <a:schemeClr val="accent1"/>
+          </a:fillRef>
+          <a:effectRef idx="0">
+            <a:schemeClr val="accent1"/>
+          </a:effectRef>
+          <a:fontRef idx="minor">
+            <a:schemeClr val="lt1"/>
+          </a:fontRef>
+        </p:style>
+        <p:txBody>
+          <a:bodyPr rot="0" spcFirstLastPara="0" vert="horz" wrap="square" lIns="91440" tIns="45720" rIns="91440" bIns="45720" numCol="1" spcCol="0" rtlCol="0" fromWordArt="0" anchor="ctr" anchorCtr="0" forceAA="0" compatLnSpc="1">
+            <a:prstTxWarp prst="textNoShape">
+              <a:avLst/>
+            </a:prstTxWarp>
+            <a:noAutofit/>
+          </a:bodyPr>
+          <a:lstStyle>
+            <a:defPPr>
+              <a:defRPr lang="en-US"/>
+            </a:defPPr>
+            <a:lvl1pPr marL="0" algn="l" defTabSz="457200" rtl="0" eaLnBrk="1" latinLnBrk="0" hangingPunct="1">
+              <a:defRPr sz="1800" kern="1200">
+                <a:solidFill>
+                  <a:schemeClr val="lt1"/>
+                </a:solidFill>
+                <a:latin typeface="+mn-lt"/>
+                <a:ea typeface="+mn-ea"/>
+                <a:cs typeface="+mn-cs"/>
+              </a:defRPr>
+            </a:lvl1pPr>
+            <a:lvl2pPr marL="457200" algn="l" defTabSz="457200" rtl="0" eaLnBrk="1" latinLnBrk="0" hangingPunct="1">
+              <a:defRPr sz="1800" kern="1200">
+                <a:solidFill>
+                  <a:schemeClr val="lt1"/>
+                </a:solidFill>
+                <a:latin typeface="+mn-lt"/>
+                <a:ea typeface="+mn-ea"/>
+                <a:cs typeface="+mn-cs"/>
+              </a:defRPr>
+            </a:lvl2pPr>
+            <a:lvl3pPr marL="914400" algn="l" defTabSz="457200" rtl="0" eaLnBrk="1" latinLnBrk="0" hangingPunct="1">
+              <a:defRPr sz="1800" kern="1200">
+                <a:solidFill>
+                  <a:schemeClr val="lt1"/>
+                </a:solidFill>
+                <a:latin typeface="+mn-lt"/>
+                <a:ea typeface="+mn-ea"/>
+                <a:cs typeface="+mn-cs"/>
+              </a:defRPr>
+            </a:lvl3pPr>
+            <a:lvl4pPr marL="1371600" algn="l" defTabSz="457200" rtl="0" eaLnBrk="1" latinLnBrk="0" hangingPunct="1">
+              <a:defRPr sz="1800" kern="1200">
+                <a:solidFill>
+                  <a:schemeClr val="lt1"/>
+                </a:solidFill>
+                <a:latin typeface="+mn-lt"/>
+                <a:ea typeface="+mn-ea"/>
+                <a:cs typeface="+mn-cs"/>
+              </a:defRPr>
+            </a:lvl4pPr>
+            <a:lvl5pPr marL="1828800" algn="l" defTabSz="457200" rtl="0" eaLnBrk="1" latinLnBrk="0" hangingPunct="1">
+              <a:defRPr sz="1800" kern="1200">
+                <a:solidFill>
+                  <a:schemeClr val="lt1"/>
+                </a:solidFill>
+                <a:latin typeface="+mn-lt"/>
+                <a:ea typeface="+mn-ea"/>
+                <a:cs typeface="+mn-cs"/>
+              </a:defRPr>
+            </a:lvl5pPr>
+            <a:lvl6pPr marL="2286000" algn="l" defTabSz="457200" rtl="0" eaLnBrk="1" latinLnBrk="0" hangingPunct="1">
+              <a:defRPr sz="1800" kern="1200">
+                <a:solidFill>
+                  <a:schemeClr val="lt1"/>
+                </a:solidFill>
+                <a:latin typeface="+mn-lt"/>
+                <a:ea typeface="+mn-ea"/>
+                <a:cs typeface="+mn-cs"/>
+              </a:defRPr>
+            </a:lvl6pPr>
+            <a:lvl7pPr marL="2743200" algn="l" defTabSz="457200" rtl="0" eaLnBrk="1" latinLnBrk="0" hangingPunct="1">
+              <a:defRPr sz="1800" kern="1200">
+                <a:solidFill>
+                  <a:schemeClr val="lt1"/>
+                </a:solidFill>
+                <a:latin typeface="+mn-lt"/>
+                <a:ea typeface="+mn-ea"/>
+                <a:cs typeface="+mn-cs"/>
+              </a:defRPr>
+            </a:lvl7pPr>
+            <a:lvl8pPr marL="3200400" algn="l" defTabSz="457200" rtl="0" eaLnBrk="1" latinLnBrk="0" hangingPunct="1">
+              <a:defRPr sz="1800" kern="1200">
+                <a:solidFill>
+                  <a:schemeClr val="lt1"/>
+                </a:solidFill>
+                <a:latin typeface="+mn-lt"/>
+                <a:ea typeface="+mn-ea"/>
+                <a:cs typeface="+mn-cs"/>
+              </a:defRPr>
+            </a:lvl8pPr>
+            <a:lvl9pPr marL="3657600" algn="l" defTabSz="457200" rtl="0" eaLnBrk="1" latinLnBrk="0" hangingPunct="1">
+              <a:defRPr sz="1800" kern="1200">
+                <a:solidFill>
+                  <a:schemeClr val="lt1"/>
+                </a:solidFill>
+                <a:latin typeface="+mn-lt"/>
+                <a:ea typeface="+mn-ea"/>
+                <a:cs typeface="+mn-cs"/>
+              </a:defRPr>
+            </a:lvl9pPr>
+          </a:lstStyle>
+          <a:p>
+            <a:pPr algn="ctr"/>
+            <a:endParaRPr lang="zh-CN" altLang="en-US" dirty="0"/>
+          </a:p>
+        </p:txBody>
+      </p:sp>
+      <p:grpSp>
+        <p:nvGrpSpPr>
+          <p:cNvPr id="14" name="组合 13">
+            <a:extLst>
+              <a:ext uri="{FF2B5EF4-FFF2-40B4-BE49-F238E27FC236}">
+                <a16:creationId xmlns:a16="http://schemas.microsoft.com/office/drawing/2014/main" id="{BA4B7F8D-3FC7-8812-7AF0-3557E5B99959}"/>
+              </a:ext>
+            </a:extLst>
+          </p:cNvPr>
+          <p:cNvGrpSpPr/>
+          <p:nvPr/>
+        </p:nvGrpSpPr>
+        <p:grpSpPr>
+          <a:xfrm>
+            <a:off x="817571" y="1205383"/>
+            <a:ext cx="7508858" cy="1184700"/>
+            <a:chOff x="1541719" y="2318349"/>
+            <a:chExt cx="2133781" cy="1184700"/>
+          </a:xfrm>
+        </p:grpSpPr>
+        <p:sp>
+          <p:nvSpPr>
+            <p:cNvPr id="17" name="文本框 16">
+              <a:extLst>
+                <a:ext uri="{FF2B5EF4-FFF2-40B4-BE49-F238E27FC236}">
+                  <a16:creationId xmlns:a16="http://schemas.microsoft.com/office/drawing/2014/main" id="{684AACF5-5868-4291-2362-219A0435C70A}"/>
+                </a:ext>
+              </a:extLst>
+            </p:cNvPr>
+            <p:cNvSpPr txBox="1"/>
+            <p:nvPr/>
+          </p:nvSpPr>
+          <p:spPr>
+            <a:xfrm>
+              <a:off x="1541719" y="2318349"/>
+              <a:ext cx="2133781" cy="400110"/>
+            </a:xfrm>
+            <a:prstGeom prst="rect">
+              <a:avLst/>
+            </a:prstGeom>
+            <a:noFill/>
+          </p:spPr>
+          <p:txBody>
+            <a:bodyPr wrap="square" rtlCol="0">
+              <a:spAutoFit/>
+              <a:scene3d>
+                <a:camera prst="orthographicFront"/>
+                <a:lightRig rig="threePt" dir="t"/>
+              </a:scene3d>
+              <a:sp3d contourW="12700"/>
+            </a:bodyPr>
+            <a:lstStyle/>
+            <a:p>
+              <a:r>
+                <a:rPr lang="en-US" altLang="zh-CN" sz="2000" b="1" dirty="0">
+                  <a:solidFill>
+                    <a:schemeClr val="tx1">
+                      <a:lumMod val="75000"/>
+                      <a:lumOff val="25000"/>
+                    </a:schemeClr>
+                  </a:solidFill>
+                  <a:latin typeface="Century Gothic" panose="020B0502020202020204" pitchFamily="34" charset="0"/>
+                </a:rPr>
+                <a:t>True or False?</a:t>
+              </a:r>
+            </a:p>
+          </p:txBody>
+        </p:sp>
+        <p:sp>
+          <p:nvSpPr>
+            <p:cNvPr id="19" name="文本框 18">
+              <a:extLst>
+                <a:ext uri="{FF2B5EF4-FFF2-40B4-BE49-F238E27FC236}">
+                  <a16:creationId xmlns:a16="http://schemas.microsoft.com/office/drawing/2014/main" id="{F6076764-15C9-1B2D-806B-C812286214C3}"/>
+                </a:ext>
+              </a:extLst>
+            </p:cNvPr>
+            <p:cNvSpPr txBox="1"/>
+            <p:nvPr/>
+          </p:nvSpPr>
+          <p:spPr>
+            <a:xfrm>
+              <a:off x="1541719" y="2715526"/>
+              <a:ext cx="2133781" cy="787523"/>
+            </a:xfrm>
+            <a:prstGeom prst="rect">
+              <a:avLst/>
+            </a:prstGeom>
+            <a:noFill/>
+          </p:spPr>
+          <p:txBody>
+            <a:bodyPr wrap="square" rtlCol="0">
+              <a:spAutoFit/>
+              <a:scene3d>
+                <a:camera prst="orthographicFront"/>
+                <a:lightRig rig="threePt" dir="t"/>
+              </a:scene3d>
+              <a:sp3d contourW="12700"/>
+            </a:bodyPr>
+            <a:lstStyle/>
+            <a:p>
+              <a:pPr lvl="1">
+                <a:lnSpc>
+                  <a:spcPct val="150000"/>
+                </a:lnSpc>
+              </a:pPr>
+              <a:r>
+                <a:rPr lang="en-US" altLang="zh-CN" sz="1600" dirty="0">
+                  <a:latin typeface="+mn-ea"/>
+                </a:rPr>
+                <a:t>Language model is not capable of discriminating false contents</a:t>
+              </a:r>
+            </a:p>
+            <a:p>
+              <a:pPr lvl="1">
+                <a:lnSpc>
+                  <a:spcPct val="150000"/>
+                </a:lnSpc>
+              </a:pPr>
+              <a:r>
+                <a:rPr lang="en-US" altLang="zh-CN" sz="1600" dirty="0">
+                  <a:latin typeface="+mn-ea"/>
+                </a:rPr>
+                <a:t>Model generates answers for any input</a:t>
+              </a:r>
+            </a:p>
+          </p:txBody>
+        </p:sp>
+      </p:grpSp>
+      <p:sp>
+        <p:nvSpPr>
+          <p:cNvPr id="20" name="菱形 19">
+            <a:extLst>
+              <a:ext uri="{FF2B5EF4-FFF2-40B4-BE49-F238E27FC236}">
+                <a16:creationId xmlns:a16="http://schemas.microsoft.com/office/drawing/2014/main" id="{77DB9E98-FB91-C03A-54E8-033926BAAC43}"/>
+              </a:ext>
+            </a:extLst>
+          </p:cNvPr>
+          <p:cNvSpPr/>
+          <p:nvPr/>
+        </p:nvSpPr>
+        <p:spPr>
+          <a:xfrm>
+            <a:off x="449145" y="2698174"/>
+            <a:ext cx="360000" cy="360000"/>
+          </a:xfrm>
+          <a:prstGeom prst="diamond">
+            <a:avLst/>
+          </a:prstGeom>
+          <a:ln>
+            <a:noFill/>
+          </a:ln>
+        </p:spPr>
+        <p:style>
+          <a:lnRef idx="2">
+            <a:schemeClr val="accent1">
+              <a:shade val="50000"/>
+            </a:schemeClr>
+          </a:lnRef>
+          <a:fillRef idx="1">
+            <a:schemeClr val="accent1"/>
+          </a:fillRef>
+          <a:effectRef idx="0">
+            <a:schemeClr val="accent1"/>
+          </a:effectRef>
+          <a:fontRef idx="minor">
+            <a:schemeClr val="lt1"/>
+          </a:fontRef>
+        </p:style>
+        <p:txBody>
+          <a:bodyPr rot="0" spcFirstLastPara="0" vert="horz" wrap="square" lIns="91440" tIns="45720" rIns="91440" bIns="45720" numCol="1" spcCol="0" rtlCol="0" fromWordArt="0" anchor="ctr" anchorCtr="0" forceAA="0" compatLnSpc="1">
+            <a:prstTxWarp prst="textNoShape">
+              <a:avLst/>
+            </a:prstTxWarp>
+            <a:noAutofit/>
+          </a:bodyPr>
+          <a:lstStyle>
+            <a:defPPr>
+              <a:defRPr lang="en-US"/>
+            </a:defPPr>
+            <a:lvl1pPr marL="0" algn="l" defTabSz="457200" rtl="0" eaLnBrk="1" latinLnBrk="0" hangingPunct="1">
+              <a:defRPr sz="1800" kern="1200">
+                <a:solidFill>
+                  <a:schemeClr val="lt1"/>
+                </a:solidFill>
+                <a:latin typeface="+mn-lt"/>
+                <a:ea typeface="+mn-ea"/>
+                <a:cs typeface="+mn-cs"/>
+              </a:defRPr>
+            </a:lvl1pPr>
+            <a:lvl2pPr marL="457200" algn="l" defTabSz="457200" rtl="0" eaLnBrk="1" latinLnBrk="0" hangingPunct="1">
+              <a:defRPr sz="1800" kern="1200">
+                <a:solidFill>
+                  <a:schemeClr val="lt1"/>
+                </a:solidFill>
+                <a:latin typeface="+mn-lt"/>
+                <a:ea typeface="+mn-ea"/>
+                <a:cs typeface="+mn-cs"/>
+              </a:defRPr>
+            </a:lvl2pPr>
+            <a:lvl3pPr marL="914400" algn="l" defTabSz="457200" rtl="0" eaLnBrk="1" latinLnBrk="0" hangingPunct="1">
+              <a:defRPr sz="1800" kern="1200">
+                <a:solidFill>
+                  <a:schemeClr val="lt1"/>
+                </a:solidFill>
+                <a:latin typeface="+mn-lt"/>
+                <a:ea typeface="+mn-ea"/>
+                <a:cs typeface="+mn-cs"/>
+              </a:defRPr>
+            </a:lvl3pPr>
+            <a:lvl4pPr marL="1371600" algn="l" defTabSz="457200" rtl="0" eaLnBrk="1" latinLnBrk="0" hangingPunct="1">
+              <a:defRPr sz="1800" kern="1200">
+                <a:solidFill>
+                  <a:schemeClr val="lt1"/>
+                </a:solidFill>
+                <a:latin typeface="+mn-lt"/>
+                <a:ea typeface="+mn-ea"/>
+                <a:cs typeface="+mn-cs"/>
+              </a:defRPr>
+            </a:lvl4pPr>
+            <a:lvl5pPr marL="1828800" algn="l" defTabSz="457200" rtl="0" eaLnBrk="1" latinLnBrk="0" hangingPunct="1">
+              <a:defRPr sz="1800" kern="1200">
+                <a:solidFill>
+                  <a:schemeClr val="lt1"/>
+                </a:solidFill>
+                <a:latin typeface="+mn-lt"/>
+                <a:ea typeface="+mn-ea"/>
+                <a:cs typeface="+mn-cs"/>
+              </a:defRPr>
+            </a:lvl5pPr>
+            <a:lvl6pPr marL="2286000" algn="l" defTabSz="457200" rtl="0" eaLnBrk="1" latinLnBrk="0" hangingPunct="1">
+              <a:defRPr sz="1800" kern="1200">
+                <a:solidFill>
+                  <a:schemeClr val="lt1"/>
+                </a:solidFill>
+                <a:latin typeface="+mn-lt"/>
+                <a:ea typeface="+mn-ea"/>
+                <a:cs typeface="+mn-cs"/>
+              </a:defRPr>
+            </a:lvl6pPr>
+            <a:lvl7pPr marL="2743200" algn="l" defTabSz="457200" rtl="0" eaLnBrk="1" latinLnBrk="0" hangingPunct="1">
+              <a:defRPr sz="1800" kern="1200">
+                <a:solidFill>
+                  <a:schemeClr val="lt1"/>
+                </a:solidFill>
+                <a:latin typeface="+mn-lt"/>
+                <a:ea typeface="+mn-ea"/>
+                <a:cs typeface="+mn-cs"/>
+              </a:defRPr>
+            </a:lvl7pPr>
+            <a:lvl8pPr marL="3200400" algn="l" defTabSz="457200" rtl="0" eaLnBrk="1" latinLnBrk="0" hangingPunct="1">
+              <a:defRPr sz="1800" kern="1200">
+                <a:solidFill>
+                  <a:schemeClr val="lt1"/>
+                </a:solidFill>
+                <a:latin typeface="+mn-lt"/>
+                <a:ea typeface="+mn-ea"/>
+                <a:cs typeface="+mn-cs"/>
+              </a:defRPr>
+            </a:lvl8pPr>
+            <a:lvl9pPr marL="3657600" algn="l" defTabSz="457200" rtl="0" eaLnBrk="1" latinLnBrk="0" hangingPunct="1">
+              <a:defRPr sz="1800" kern="1200">
+                <a:solidFill>
+                  <a:schemeClr val="lt1"/>
+                </a:solidFill>
+                <a:latin typeface="+mn-lt"/>
+                <a:ea typeface="+mn-ea"/>
+                <a:cs typeface="+mn-cs"/>
+              </a:defRPr>
+            </a:lvl9pPr>
+          </a:lstStyle>
+          <a:p>
+            <a:pPr algn="ctr"/>
+            <a:endParaRPr lang="zh-CN" altLang="en-US" dirty="0"/>
+          </a:p>
+        </p:txBody>
+      </p:sp>
+      <p:grpSp>
+        <p:nvGrpSpPr>
+          <p:cNvPr id="21" name="组合 20">
+            <a:extLst>
+              <a:ext uri="{FF2B5EF4-FFF2-40B4-BE49-F238E27FC236}">
+                <a16:creationId xmlns:a16="http://schemas.microsoft.com/office/drawing/2014/main" id="{31331F7B-609B-F405-A096-88055E688619}"/>
+              </a:ext>
+            </a:extLst>
+          </p:cNvPr>
+          <p:cNvGrpSpPr/>
+          <p:nvPr/>
+        </p:nvGrpSpPr>
+        <p:grpSpPr>
+          <a:xfrm>
+            <a:off x="813358" y="2660996"/>
+            <a:ext cx="7508858" cy="1184700"/>
+            <a:chOff x="1541719" y="2318349"/>
+            <a:chExt cx="2133781" cy="1184700"/>
+          </a:xfrm>
+        </p:grpSpPr>
+        <p:sp>
+          <p:nvSpPr>
+            <p:cNvPr id="22" name="文本框 21">
+              <a:extLst>
+                <a:ext uri="{FF2B5EF4-FFF2-40B4-BE49-F238E27FC236}">
+                  <a16:creationId xmlns:a16="http://schemas.microsoft.com/office/drawing/2014/main" id="{E46C3812-9A62-DCAD-B8E3-245A678C389C}"/>
+                </a:ext>
+              </a:extLst>
+            </p:cNvPr>
+            <p:cNvSpPr txBox="1"/>
+            <p:nvPr/>
+          </p:nvSpPr>
+          <p:spPr>
+            <a:xfrm>
+              <a:off x="1541719" y="2318349"/>
+              <a:ext cx="2133781" cy="400110"/>
+            </a:xfrm>
+            <a:prstGeom prst="rect">
+              <a:avLst/>
+            </a:prstGeom>
+            <a:noFill/>
+          </p:spPr>
+          <p:txBody>
+            <a:bodyPr wrap="square" rtlCol="0">
+              <a:spAutoFit/>
+              <a:scene3d>
+                <a:camera prst="orthographicFront"/>
+                <a:lightRig rig="threePt" dir="t"/>
+              </a:scene3d>
+              <a:sp3d contourW="12700"/>
+            </a:bodyPr>
+            <a:lstStyle/>
+            <a:p>
+              <a:r>
+                <a:rPr lang="en-US" altLang="zh-CN" sz="2000" b="1" dirty="0">
+                  <a:solidFill>
+                    <a:schemeClr val="tx1">
+                      <a:lumMod val="75000"/>
+                      <a:lumOff val="25000"/>
+                    </a:schemeClr>
+                  </a:solidFill>
+                  <a:latin typeface="Century Gothic" panose="020B0502020202020204" pitchFamily="34" charset="0"/>
+                </a:rPr>
+                <a:t>Risk</a:t>
+              </a:r>
+            </a:p>
+          </p:txBody>
+        </p:sp>
+        <p:sp>
+          <p:nvSpPr>
+            <p:cNvPr id="23" name="文本框 22">
+              <a:extLst>
+                <a:ext uri="{FF2B5EF4-FFF2-40B4-BE49-F238E27FC236}">
+                  <a16:creationId xmlns:a16="http://schemas.microsoft.com/office/drawing/2014/main" id="{983AEAA9-FFB9-4AF8-F3B0-120E69A54EE4}"/>
+                </a:ext>
+              </a:extLst>
+            </p:cNvPr>
+            <p:cNvSpPr txBox="1"/>
+            <p:nvPr/>
+          </p:nvSpPr>
+          <p:spPr>
+            <a:xfrm>
+              <a:off x="1541719" y="2715526"/>
+              <a:ext cx="2133781" cy="787523"/>
+            </a:xfrm>
+            <a:prstGeom prst="rect">
+              <a:avLst/>
+            </a:prstGeom>
+            <a:noFill/>
+          </p:spPr>
+          <p:txBody>
+            <a:bodyPr wrap="square" rtlCol="0">
+              <a:spAutoFit/>
+              <a:scene3d>
+                <a:camera prst="orthographicFront"/>
+                <a:lightRig rig="threePt" dir="t"/>
+              </a:scene3d>
+              <a:sp3d contourW="12700"/>
+            </a:bodyPr>
+            <a:lstStyle/>
+            <a:p>
+              <a:pPr lvl="1">
+                <a:lnSpc>
+                  <a:spcPct val="150000"/>
+                </a:lnSpc>
+              </a:pPr>
+              <a:r>
+                <a:rPr lang="en-US" altLang="zh-CN" sz="1600" dirty="0">
+                  <a:latin typeface="+mn-ea"/>
+                </a:rPr>
+                <a:t>Safety concerns in laboratory, especially for non-experts</a:t>
+              </a:r>
+            </a:p>
+            <a:p>
+              <a:pPr lvl="1">
+                <a:lnSpc>
+                  <a:spcPct val="150000"/>
+                </a:lnSpc>
+              </a:pPr>
+              <a:r>
+                <a:rPr lang="en-US" altLang="zh-CN" sz="1600" dirty="0">
+                  <a:latin typeface="+mn-ea"/>
+                </a:rPr>
+                <a:t>Potential risks for chemical weapons / illicit drugs</a:t>
+              </a:r>
+            </a:p>
+          </p:txBody>
+        </p:sp>
+      </p:grpSp>
+    </p:spTree>
+    <p:extLst>
+      <p:ext uri="{BB962C8B-B14F-4D97-AF65-F5344CB8AC3E}">
+        <p14:creationId xmlns:p14="http://schemas.microsoft.com/office/powerpoint/2010/main" val="4098097700"/>
+      </p:ext>
+    </p:extLst>
+  </p:cSld>
+  <p:clrMapOvr>
+    <a:masterClrMapping/>
+  </p:clrMapOvr>
+</p:sld>
+</file>
+
+<file path=ppt/slides/slide15.xml><?xml version="1.0" encoding="utf-8"?>
+<p:sld xmlns:a="http://schemas.openxmlformats.org/drawingml/2006/main" xmlns:r="http://schemas.openxmlformats.org/officeDocument/2006/relationships" xmlns:p="http://schemas.openxmlformats.org/presentationml/2006/main">
+  <p:cSld>
+    <p:spTree>
+      <p:nvGrpSpPr>
+        <p:cNvPr id="1" name=""/>
+        <p:cNvGrpSpPr/>
+        <p:nvPr/>
+      </p:nvGrpSpPr>
+      <p:grpSpPr>
+        <a:xfrm>
+          <a:off x="0" y="0"/>
+          <a:ext cx="0" cy="0"/>
+          <a:chOff x="0" y="0"/>
+          <a:chExt cx="0" cy="0"/>
+        </a:xfrm>
+      </p:grpSpPr>
       <p:sp>
         <p:nvSpPr>
           <p:cNvPr id="2" name="灯片编号占位符 1"/>
@@ -10111,7 +11371,7 @@
         </p:nvSpPr>
         <p:spPr>
           <a:xfrm>
-            <a:off x="6853067" y="6281380"/>
+            <a:off x="6801374" y="6308973"/>
             <a:ext cx="2057400" cy="365125"/>
           </a:xfrm>
         </p:spPr>
@@ -10123,6 +11383,385 @@
               <a:rPr lang="zh-CN" altLang="en-US" smtClean="0"/>
               <a:pPr/>
               <a:t>15</a:t>
+            </a:fld>
+            <a:endParaRPr lang="zh-CN" altLang="en-US" dirty="0"/>
+          </a:p>
+        </p:txBody>
+      </p:sp>
+      <p:pic>
+        <p:nvPicPr>
+          <p:cNvPr id="30" name="图片 29">
+            <a:extLst>
+              <a:ext uri="{FF2B5EF4-FFF2-40B4-BE49-F238E27FC236}">
+                <a16:creationId xmlns:a16="http://schemas.microsoft.com/office/drawing/2014/main" id="{0DE557CF-93C1-4CD2-BEDB-F6ED9B73877B}"/>
+              </a:ext>
+            </a:extLst>
+          </p:cNvPr>
+          <p:cNvPicPr>
+            <a:picLocks noChangeAspect="1"/>
+          </p:cNvPicPr>
+          <p:nvPr/>
+        </p:nvPicPr>
+        <p:blipFill>
+          <a:blip r:embed="rId3" cstate="print">
+            <a:extLst>
+              <a:ext uri="{28A0092B-C50C-407E-A947-70E740481C1C}">
+                <a14:useLocalDpi xmlns:a14="http://schemas.microsoft.com/office/drawing/2010/main" val="0"/>
+              </a:ext>
+            </a:extLst>
+          </a:blip>
+          <a:stretch>
+            <a:fillRect/>
+          </a:stretch>
+        </p:blipFill>
+        <p:spPr>
+          <a:xfrm>
+            <a:off x="7604209" y="6241384"/>
+            <a:ext cx="521560" cy="521560"/>
+          </a:xfrm>
+          <a:prstGeom prst="rect">
+            <a:avLst/>
+          </a:prstGeom>
+        </p:spPr>
+      </p:pic>
+      <p:grpSp>
+        <p:nvGrpSpPr>
+          <p:cNvPr id="55" name="组合 54"/>
+          <p:cNvGrpSpPr/>
+          <p:nvPr/>
+        </p:nvGrpSpPr>
+        <p:grpSpPr>
+          <a:xfrm>
+            <a:off x="129866" y="265800"/>
+            <a:ext cx="8834508" cy="6487359"/>
+            <a:chOff x="1653864" y="299356"/>
+            <a:chExt cx="10859564" cy="7633190"/>
+          </a:xfrm>
+        </p:grpSpPr>
+        <p:grpSp>
+          <p:nvGrpSpPr>
+            <p:cNvPr id="56" name="组合 55"/>
+            <p:cNvGrpSpPr/>
+            <p:nvPr/>
+          </p:nvGrpSpPr>
+          <p:grpSpPr>
+            <a:xfrm>
+              <a:off x="1653864" y="299356"/>
+              <a:ext cx="1316500" cy="883947"/>
+              <a:chOff x="7436079" y="1279752"/>
+              <a:chExt cx="6401934" cy="4298496"/>
+            </a:xfrm>
+          </p:grpSpPr>
+          <p:sp>
+            <p:nvSpPr>
+              <p:cNvPr id="64" name="菱形 63"/>
+              <p:cNvSpPr/>
+              <p:nvPr/>
+            </p:nvSpPr>
+            <p:spPr>
+              <a:xfrm>
+                <a:off x="7436079" y="2107068"/>
+                <a:ext cx="2643870" cy="2643870"/>
+              </a:xfrm>
+              <a:prstGeom prst="diamond">
+                <a:avLst/>
+              </a:prstGeom>
+              <a:noFill/>
+              <a:ln w="28575">
+                <a:solidFill>
+                  <a:schemeClr val="accent1">
+                    <a:lumMod val="60000"/>
+                    <a:lumOff val="40000"/>
+                  </a:schemeClr>
+                </a:solidFill>
+              </a:ln>
+            </p:spPr>
+            <p:style>
+              <a:lnRef idx="2">
+                <a:schemeClr val="accent1">
+                  <a:shade val="50000"/>
+                </a:schemeClr>
+              </a:lnRef>
+              <a:fillRef idx="1">
+                <a:schemeClr val="accent1"/>
+              </a:fillRef>
+              <a:effectRef idx="0">
+                <a:schemeClr val="accent1"/>
+              </a:effectRef>
+              <a:fontRef idx="minor">
+                <a:schemeClr val="lt1"/>
+              </a:fontRef>
+            </p:style>
+            <p:txBody>
+              <a:bodyPr rtlCol="0" anchor="ctr"/>
+              <a:lstStyle/>
+              <a:p>
+                <a:pPr algn="ctr"/>
+                <a:endParaRPr lang="zh-CN" altLang="en-US"/>
+              </a:p>
+            </p:txBody>
+          </p:sp>
+          <p:sp>
+            <p:nvSpPr>
+              <p:cNvPr id="65" name="菱形 64"/>
+              <p:cNvSpPr/>
+              <p:nvPr/>
+            </p:nvSpPr>
+            <p:spPr>
+              <a:xfrm>
+                <a:off x="9539517" y="1279752"/>
+                <a:ext cx="4298496" cy="4298496"/>
+              </a:xfrm>
+              <a:prstGeom prst="diamond">
+                <a:avLst/>
+              </a:prstGeom>
+              <a:noFill/>
+              <a:ln w="28575">
+                <a:solidFill>
+                  <a:srgbClr val="A72020"/>
+                </a:solidFill>
+              </a:ln>
+            </p:spPr>
+            <p:style>
+              <a:lnRef idx="2">
+                <a:schemeClr val="accent1">
+                  <a:shade val="50000"/>
+                </a:schemeClr>
+              </a:lnRef>
+              <a:fillRef idx="1">
+                <a:schemeClr val="accent1"/>
+              </a:fillRef>
+              <a:effectRef idx="0">
+                <a:schemeClr val="accent1"/>
+              </a:effectRef>
+              <a:fontRef idx="minor">
+                <a:schemeClr val="lt1"/>
+              </a:fontRef>
+            </p:style>
+            <p:txBody>
+              <a:bodyPr rtlCol="0" anchor="ctr"/>
+              <a:lstStyle/>
+              <a:p>
+                <a:pPr algn="ctr"/>
+                <a:endParaRPr lang="zh-CN" altLang="en-US"/>
+              </a:p>
+            </p:txBody>
+          </p:sp>
+        </p:grpSp>
+        <p:sp>
+          <p:nvSpPr>
+            <p:cNvPr id="57" name="文本框 56"/>
+            <p:cNvSpPr txBox="1"/>
+            <p:nvPr/>
+          </p:nvSpPr>
+          <p:spPr>
+            <a:xfrm>
+              <a:off x="2166981" y="398787"/>
+              <a:ext cx="722816" cy="688061"/>
+            </a:xfrm>
+            <a:prstGeom prst="rect">
+              <a:avLst/>
+            </a:prstGeom>
+            <a:noFill/>
+          </p:spPr>
+          <p:txBody>
+            <a:bodyPr wrap="square" rtlCol="0">
+              <a:spAutoFit/>
+              <a:scene3d>
+                <a:camera prst="orthographicFront"/>
+                <a:lightRig rig="threePt" dir="t"/>
+              </a:scene3d>
+              <a:sp3d contourW="12700"/>
+            </a:bodyPr>
+            <a:lstStyle/>
+            <a:p>
+              <a:pPr algn="ctr"/>
+              <a:r>
+                <a:rPr lang="en-US" altLang="zh-CN" sz="3200" dirty="0">
+                  <a:solidFill>
+                    <a:schemeClr val="accent1"/>
+                  </a:solidFill>
+                  <a:latin typeface="Agency FB" panose="020B0503020202020204" pitchFamily="34" charset="0"/>
+                </a:rPr>
+                <a:t>05</a:t>
+              </a:r>
+              <a:endParaRPr lang="zh-CN" altLang="en-US" sz="3200" dirty="0">
+                <a:solidFill>
+                  <a:schemeClr val="accent1"/>
+                </a:solidFill>
+                <a:latin typeface="Agency FB" panose="020B0503020202020204" pitchFamily="34" charset="0"/>
+              </a:endParaRPr>
+            </a:p>
+          </p:txBody>
+        </p:sp>
+        <p:grpSp>
+          <p:nvGrpSpPr>
+            <p:cNvPr id="59" name="组合 58"/>
+            <p:cNvGrpSpPr/>
+            <p:nvPr/>
+          </p:nvGrpSpPr>
+          <p:grpSpPr>
+            <a:xfrm>
+              <a:off x="11572872" y="7291431"/>
+              <a:ext cx="940556" cy="641115"/>
+              <a:chOff x="11395287" y="7365982"/>
+              <a:chExt cx="1208633" cy="823842"/>
+            </a:xfrm>
+          </p:grpSpPr>
+          <p:sp>
+            <p:nvSpPr>
+              <p:cNvPr id="60" name="菱形 59"/>
+              <p:cNvSpPr/>
+              <p:nvPr/>
+            </p:nvSpPr>
+            <p:spPr>
+              <a:xfrm>
+                <a:off x="11780079" y="7365982"/>
+                <a:ext cx="823841" cy="823842"/>
+              </a:xfrm>
+              <a:prstGeom prst="diamond">
+                <a:avLst/>
+              </a:prstGeom>
+              <a:noFill/>
+              <a:ln w="28575">
+                <a:solidFill>
+                  <a:schemeClr val="accent1">
+                    <a:lumMod val="60000"/>
+                    <a:lumOff val="40000"/>
+                  </a:schemeClr>
+                </a:solidFill>
+              </a:ln>
+            </p:spPr>
+            <p:style>
+              <a:lnRef idx="2">
+                <a:schemeClr val="accent1">
+                  <a:shade val="50000"/>
+                </a:schemeClr>
+              </a:lnRef>
+              <a:fillRef idx="1">
+                <a:schemeClr val="accent1"/>
+              </a:fillRef>
+              <a:effectRef idx="0">
+                <a:schemeClr val="accent1"/>
+              </a:effectRef>
+              <a:fontRef idx="minor">
+                <a:schemeClr val="lt1"/>
+              </a:fontRef>
+            </p:style>
+            <p:txBody>
+              <a:bodyPr rtlCol="0" anchor="ctr"/>
+              <a:lstStyle/>
+              <a:p>
+                <a:pPr algn="ctr"/>
+                <a:endParaRPr lang="zh-CN" altLang="en-US"/>
+              </a:p>
+            </p:txBody>
+          </p:sp>
+          <p:sp>
+            <p:nvSpPr>
+              <p:cNvPr id="61" name="菱形 60"/>
+              <p:cNvSpPr/>
+              <p:nvPr/>
+            </p:nvSpPr>
+            <p:spPr>
+              <a:xfrm>
+                <a:off x="11395287" y="7489187"/>
+                <a:ext cx="577426" cy="577425"/>
+              </a:xfrm>
+              <a:prstGeom prst="diamond">
+                <a:avLst/>
+              </a:prstGeom>
+              <a:noFill/>
+              <a:ln w="28575">
+                <a:solidFill>
+                  <a:schemeClr val="accent1">
+                    <a:lumMod val="60000"/>
+                    <a:lumOff val="40000"/>
+                  </a:schemeClr>
+                </a:solidFill>
+              </a:ln>
+            </p:spPr>
+            <p:style>
+              <a:lnRef idx="2">
+                <a:schemeClr val="accent1">
+                  <a:shade val="50000"/>
+                </a:schemeClr>
+              </a:lnRef>
+              <a:fillRef idx="1">
+                <a:schemeClr val="accent1"/>
+              </a:fillRef>
+              <a:effectRef idx="0">
+                <a:schemeClr val="accent1"/>
+              </a:effectRef>
+              <a:fontRef idx="minor">
+                <a:schemeClr val="lt1"/>
+              </a:fontRef>
+            </p:style>
+            <p:txBody>
+              <a:bodyPr rtlCol="0" anchor="ctr"/>
+              <a:lstStyle/>
+              <a:p>
+                <a:pPr algn="ctr"/>
+                <a:endParaRPr lang="zh-CN" altLang="en-US"/>
+              </a:p>
+            </p:txBody>
+          </p:sp>
+        </p:grpSp>
+      </p:grpSp>
+    </p:spTree>
+    <p:extLst>
+      <p:ext uri="{BB962C8B-B14F-4D97-AF65-F5344CB8AC3E}">
+        <p14:creationId xmlns:p14="http://schemas.microsoft.com/office/powerpoint/2010/main" val="3714992197"/>
+      </p:ext>
+    </p:extLst>
+  </p:cSld>
+  <p:clrMapOvr>
+    <a:masterClrMapping/>
+  </p:clrMapOvr>
+</p:sld>
+</file>
+
+<file path=ppt/slides/slide16.xml><?xml version="1.0" encoding="utf-8"?>
+<p:sld xmlns:a="http://schemas.openxmlformats.org/drawingml/2006/main" xmlns:r="http://schemas.openxmlformats.org/officeDocument/2006/relationships" xmlns:p="http://schemas.openxmlformats.org/presentationml/2006/main">
+  <p:cSld>
+    <p:spTree>
+      <p:nvGrpSpPr>
+        <p:cNvPr id="1" name=""/>
+        <p:cNvGrpSpPr/>
+        <p:nvPr/>
+      </p:nvGrpSpPr>
+      <p:grpSpPr>
+        <a:xfrm>
+          <a:off x="0" y="0"/>
+          <a:ext cx="0" cy="0"/>
+          <a:chOff x="0" y="0"/>
+          <a:chExt cx="0" cy="0"/>
+        </a:xfrm>
+      </p:grpSpPr>
+      <p:sp>
+        <p:nvSpPr>
+          <p:cNvPr id="2" name="灯片编号占位符 1"/>
+          <p:cNvSpPr>
+            <a:spLocks noGrp="1"/>
+          </p:cNvSpPr>
+          <p:nvPr>
+            <p:ph type="sldNum" sz="quarter" idx="4294967295"/>
+          </p:nvPr>
+        </p:nvSpPr>
+        <p:spPr>
+          <a:xfrm>
+            <a:off x="6801374" y="6308973"/>
+            <a:ext cx="2057400" cy="365125"/>
+          </a:xfrm>
+        </p:spPr>
+        <p:txBody>
+          <a:bodyPr/>
+          <a:lstStyle/>
+          <a:p>
+            <a:fld id="{2EC5D418-970F-4C7F-9452-AEC5956F87CE}" type="slidenum">
+              <a:rPr lang="zh-CN" altLang="en-US" smtClean="0"/>
+              <a:pPr/>
+              <a:t>16</a:t>
             </a:fld>
             <a:endParaRPr lang="zh-CN" altLang="en-US" dirty="0"/>
           </a:p>
@@ -10179,7 +11818,7 @@
         <p:spPr>
           <a:xfrm>
             <a:off x="1302265" y="409723"/>
-            <a:ext cx="4198105" cy="523220"/>
+            <a:ext cx="7294436" cy="523220"/>
           </a:xfrm>
           <a:prstGeom prst="rect">
             <a:avLst/>
@@ -10207,7 +11846,7 @@
                 </a:solidFill>
                 <a:latin typeface="Century Gothic" panose="020B0502020202020204" pitchFamily="34" charset="0"/>
               </a:rPr>
-              <a:t>Acknowledgement</a:t>
+              <a:t>PROGEN: Designing Proteins</a:t>
             </a:r>
             <a:endParaRPr lang="zh-CN" altLang="en-US" sz="2800" b="1" dirty="0">
               <a:solidFill>
@@ -10221,10 +11860,2501 @@
           </a:p>
         </p:txBody>
       </p:sp>
+      <p:grpSp>
+        <p:nvGrpSpPr>
+          <p:cNvPr id="55" name="组合 54"/>
+          <p:cNvGrpSpPr/>
+          <p:nvPr/>
+        </p:nvGrpSpPr>
+        <p:grpSpPr>
+          <a:xfrm>
+            <a:off x="129866" y="265800"/>
+            <a:ext cx="8834508" cy="6487359"/>
+            <a:chOff x="1653864" y="299356"/>
+            <a:chExt cx="10859564" cy="7633190"/>
+          </a:xfrm>
+        </p:grpSpPr>
+        <p:grpSp>
+          <p:nvGrpSpPr>
+            <p:cNvPr id="56" name="组合 55"/>
+            <p:cNvGrpSpPr/>
+            <p:nvPr/>
+          </p:nvGrpSpPr>
+          <p:grpSpPr>
+            <a:xfrm>
+              <a:off x="1653864" y="299356"/>
+              <a:ext cx="1316500" cy="883947"/>
+              <a:chOff x="7436079" y="1279752"/>
+              <a:chExt cx="6401934" cy="4298496"/>
+            </a:xfrm>
+          </p:grpSpPr>
+          <p:sp>
+            <p:nvSpPr>
+              <p:cNvPr id="64" name="菱形 63"/>
+              <p:cNvSpPr/>
+              <p:nvPr/>
+            </p:nvSpPr>
+            <p:spPr>
+              <a:xfrm>
+                <a:off x="7436079" y="2107068"/>
+                <a:ext cx="2643870" cy="2643870"/>
+              </a:xfrm>
+              <a:prstGeom prst="diamond">
+                <a:avLst/>
+              </a:prstGeom>
+              <a:noFill/>
+              <a:ln w="28575">
+                <a:solidFill>
+                  <a:schemeClr val="accent1">
+                    <a:lumMod val="60000"/>
+                    <a:lumOff val="40000"/>
+                  </a:schemeClr>
+                </a:solidFill>
+              </a:ln>
+            </p:spPr>
+            <p:style>
+              <a:lnRef idx="2">
+                <a:schemeClr val="accent1">
+                  <a:shade val="50000"/>
+                </a:schemeClr>
+              </a:lnRef>
+              <a:fillRef idx="1">
+                <a:schemeClr val="accent1"/>
+              </a:fillRef>
+              <a:effectRef idx="0">
+                <a:schemeClr val="accent1"/>
+              </a:effectRef>
+              <a:fontRef idx="minor">
+                <a:schemeClr val="lt1"/>
+              </a:fontRef>
+            </p:style>
+            <p:txBody>
+              <a:bodyPr rtlCol="0" anchor="ctr"/>
+              <a:lstStyle/>
+              <a:p>
+                <a:pPr algn="ctr"/>
+                <a:endParaRPr lang="zh-CN" altLang="en-US"/>
+              </a:p>
+            </p:txBody>
+          </p:sp>
+          <p:sp>
+            <p:nvSpPr>
+              <p:cNvPr id="65" name="菱形 64"/>
+              <p:cNvSpPr/>
+              <p:nvPr/>
+            </p:nvSpPr>
+            <p:spPr>
+              <a:xfrm>
+                <a:off x="9539517" y="1279752"/>
+                <a:ext cx="4298496" cy="4298496"/>
+              </a:xfrm>
+              <a:prstGeom prst="diamond">
+                <a:avLst/>
+              </a:prstGeom>
+              <a:noFill/>
+              <a:ln w="28575">
+                <a:solidFill>
+                  <a:srgbClr val="A72020"/>
+                </a:solidFill>
+              </a:ln>
+            </p:spPr>
+            <p:style>
+              <a:lnRef idx="2">
+                <a:schemeClr val="accent1">
+                  <a:shade val="50000"/>
+                </a:schemeClr>
+              </a:lnRef>
+              <a:fillRef idx="1">
+                <a:schemeClr val="accent1"/>
+              </a:fillRef>
+              <a:effectRef idx="0">
+                <a:schemeClr val="accent1"/>
+              </a:effectRef>
+              <a:fontRef idx="minor">
+                <a:schemeClr val="lt1"/>
+              </a:fontRef>
+            </p:style>
+            <p:txBody>
+              <a:bodyPr rtlCol="0" anchor="ctr"/>
+              <a:lstStyle/>
+              <a:p>
+                <a:pPr algn="ctr"/>
+                <a:endParaRPr lang="zh-CN" altLang="en-US"/>
+              </a:p>
+            </p:txBody>
+          </p:sp>
+        </p:grpSp>
+        <p:sp>
+          <p:nvSpPr>
+            <p:cNvPr id="57" name="文本框 56"/>
+            <p:cNvSpPr txBox="1"/>
+            <p:nvPr/>
+          </p:nvSpPr>
+          <p:spPr>
+            <a:xfrm>
+              <a:off x="2166981" y="398787"/>
+              <a:ext cx="722816" cy="688061"/>
+            </a:xfrm>
+            <a:prstGeom prst="rect">
+              <a:avLst/>
+            </a:prstGeom>
+            <a:noFill/>
+          </p:spPr>
+          <p:txBody>
+            <a:bodyPr wrap="square" rtlCol="0">
+              <a:spAutoFit/>
+              <a:scene3d>
+                <a:camera prst="orthographicFront"/>
+                <a:lightRig rig="threePt" dir="t"/>
+              </a:scene3d>
+              <a:sp3d contourW="12700"/>
+            </a:bodyPr>
+            <a:lstStyle/>
+            <a:p>
+              <a:pPr algn="ctr"/>
+              <a:r>
+                <a:rPr lang="en-US" altLang="zh-CN" sz="3200" dirty="0">
+                  <a:solidFill>
+                    <a:schemeClr val="accent1"/>
+                  </a:solidFill>
+                  <a:latin typeface="Agency FB" panose="020B0503020202020204" pitchFamily="34" charset="0"/>
+                </a:rPr>
+                <a:t>06</a:t>
+              </a:r>
+              <a:endParaRPr lang="zh-CN" altLang="en-US" sz="3200" dirty="0">
+                <a:solidFill>
+                  <a:schemeClr val="accent1"/>
+                </a:solidFill>
+                <a:latin typeface="Agency FB" panose="020B0503020202020204" pitchFamily="34" charset="0"/>
+              </a:endParaRPr>
+            </a:p>
+          </p:txBody>
+        </p:sp>
+        <p:grpSp>
+          <p:nvGrpSpPr>
+            <p:cNvPr id="59" name="组合 58"/>
+            <p:cNvGrpSpPr/>
+            <p:nvPr/>
+          </p:nvGrpSpPr>
+          <p:grpSpPr>
+            <a:xfrm>
+              <a:off x="11572872" y="7291431"/>
+              <a:ext cx="940556" cy="641115"/>
+              <a:chOff x="11395287" y="7365982"/>
+              <a:chExt cx="1208633" cy="823842"/>
+            </a:xfrm>
+          </p:grpSpPr>
+          <p:sp>
+            <p:nvSpPr>
+              <p:cNvPr id="60" name="菱形 59"/>
+              <p:cNvSpPr/>
+              <p:nvPr/>
+            </p:nvSpPr>
+            <p:spPr>
+              <a:xfrm>
+                <a:off x="11780079" y="7365982"/>
+                <a:ext cx="823841" cy="823842"/>
+              </a:xfrm>
+              <a:prstGeom prst="diamond">
+                <a:avLst/>
+              </a:prstGeom>
+              <a:noFill/>
+              <a:ln w="28575">
+                <a:solidFill>
+                  <a:schemeClr val="accent1">
+                    <a:lumMod val="60000"/>
+                    <a:lumOff val="40000"/>
+                  </a:schemeClr>
+                </a:solidFill>
+              </a:ln>
+            </p:spPr>
+            <p:style>
+              <a:lnRef idx="2">
+                <a:schemeClr val="accent1">
+                  <a:shade val="50000"/>
+                </a:schemeClr>
+              </a:lnRef>
+              <a:fillRef idx="1">
+                <a:schemeClr val="accent1"/>
+              </a:fillRef>
+              <a:effectRef idx="0">
+                <a:schemeClr val="accent1"/>
+              </a:effectRef>
+              <a:fontRef idx="minor">
+                <a:schemeClr val="lt1"/>
+              </a:fontRef>
+            </p:style>
+            <p:txBody>
+              <a:bodyPr rtlCol="0" anchor="ctr"/>
+              <a:lstStyle/>
+              <a:p>
+                <a:pPr algn="ctr"/>
+                <a:endParaRPr lang="zh-CN" altLang="en-US"/>
+              </a:p>
+            </p:txBody>
+          </p:sp>
+          <p:sp>
+            <p:nvSpPr>
+              <p:cNvPr id="61" name="菱形 60"/>
+              <p:cNvSpPr/>
+              <p:nvPr/>
+            </p:nvSpPr>
+            <p:spPr>
+              <a:xfrm>
+                <a:off x="11395287" y="7489187"/>
+                <a:ext cx="577426" cy="577425"/>
+              </a:xfrm>
+              <a:prstGeom prst="diamond">
+                <a:avLst/>
+              </a:prstGeom>
+              <a:noFill/>
+              <a:ln w="28575">
+                <a:solidFill>
+                  <a:schemeClr val="accent1">
+                    <a:lumMod val="60000"/>
+                    <a:lumOff val="40000"/>
+                  </a:schemeClr>
+                </a:solidFill>
+              </a:ln>
+            </p:spPr>
+            <p:style>
+              <a:lnRef idx="2">
+                <a:schemeClr val="accent1">
+                  <a:shade val="50000"/>
+                </a:schemeClr>
+              </a:lnRef>
+              <a:fillRef idx="1">
+                <a:schemeClr val="accent1"/>
+              </a:fillRef>
+              <a:effectRef idx="0">
+                <a:schemeClr val="accent1"/>
+              </a:effectRef>
+              <a:fontRef idx="minor">
+                <a:schemeClr val="lt1"/>
+              </a:fontRef>
+            </p:style>
+            <p:txBody>
+              <a:bodyPr rtlCol="0" anchor="ctr"/>
+              <a:lstStyle/>
+              <a:p>
+                <a:pPr algn="ctr"/>
+                <a:endParaRPr lang="zh-CN" altLang="en-US"/>
+              </a:p>
+            </p:txBody>
+          </p:sp>
+        </p:grpSp>
+      </p:grpSp>
+      <p:pic>
+        <p:nvPicPr>
+          <p:cNvPr id="1028" name="Picture 4" descr="Fig. 1">
+            <a:extLst>
+              <a:ext uri="{FF2B5EF4-FFF2-40B4-BE49-F238E27FC236}">
+                <a16:creationId xmlns:a16="http://schemas.microsoft.com/office/drawing/2014/main" id="{7A634D21-27E7-2CC6-0C06-6C4FD78CB2CD}"/>
+              </a:ext>
+            </a:extLst>
+          </p:cNvPr>
+          <p:cNvPicPr>
+            <a:picLocks noChangeAspect="1" noChangeArrowheads="1"/>
+          </p:cNvPicPr>
+          <p:nvPr/>
+        </p:nvPicPr>
+        <p:blipFill>
+          <a:blip r:embed="rId4" cstate="print">
+            <a:extLst>
+              <a:ext uri="{28A0092B-C50C-407E-A947-70E740481C1C}">
+                <a14:useLocalDpi xmlns:a14="http://schemas.microsoft.com/office/drawing/2010/main" val="0"/>
+              </a:ext>
+            </a:extLst>
+          </a:blip>
+          <a:srcRect/>
+          <a:stretch>
+            <a:fillRect/>
+          </a:stretch>
+        </p:blipFill>
+        <p:spPr bwMode="auto">
+          <a:xfrm>
+            <a:off x="794506" y="1462867"/>
+            <a:ext cx="7554987" cy="3932266"/>
+          </a:xfrm>
+          <a:prstGeom prst="rect">
+            <a:avLst/>
+          </a:prstGeom>
+          <a:noFill/>
+          <a:extLst>
+            <a:ext uri="{909E8E84-426E-40DD-AFC4-6F175D3DCCD1}">
+              <a14:hiddenFill xmlns:a14="http://schemas.microsoft.com/office/drawing/2010/main">
+                <a:solidFill>
+                  <a:srgbClr val="FFFFFF"/>
+                </a:solidFill>
+              </a14:hiddenFill>
+            </a:ext>
+          </a:extLst>
+        </p:spPr>
+      </p:pic>
+      <p:sp>
+        <p:nvSpPr>
+          <p:cNvPr id="3" name="文本框 2">
+            <a:extLst>
+              <a:ext uri="{FF2B5EF4-FFF2-40B4-BE49-F238E27FC236}">
+                <a16:creationId xmlns:a16="http://schemas.microsoft.com/office/drawing/2014/main" id="{C3B0C8CB-56B2-3337-B033-6F7C63534FF7}"/>
+              </a:ext>
+            </a:extLst>
+          </p:cNvPr>
+          <p:cNvSpPr txBox="1"/>
+          <p:nvPr/>
+        </p:nvSpPr>
+        <p:spPr>
+          <a:xfrm>
+            <a:off x="2750539" y="5395133"/>
+            <a:ext cx="3642919" cy="307777"/>
+          </a:xfrm>
+          <a:prstGeom prst="rect">
+            <a:avLst/>
+          </a:prstGeom>
+          <a:noFill/>
+        </p:spPr>
+        <p:txBody>
+          <a:bodyPr wrap="square">
+            <a:spAutoFit/>
+          </a:bodyPr>
+          <a:lstStyle/>
+          <a:p>
+            <a:pPr algn="ctr"/>
+            <a:r>
+              <a:rPr lang="en-US" altLang="zh-CN" sz="1400" dirty="0"/>
+              <a:t>Protein sequence is just another language</a:t>
+            </a:r>
+            <a:endParaRPr lang="zh-CN" altLang="en-US" sz="1400" dirty="0"/>
+          </a:p>
+        </p:txBody>
+      </p:sp>
+      <p:sp>
+        <p:nvSpPr>
+          <p:cNvPr id="4" name="文本框 3">
+            <a:extLst>
+              <a:ext uri="{FF2B5EF4-FFF2-40B4-BE49-F238E27FC236}">
+                <a16:creationId xmlns:a16="http://schemas.microsoft.com/office/drawing/2014/main" id="{4A81A66D-4425-90E4-5E6F-E98B9E8DA04A}"/>
+              </a:ext>
+            </a:extLst>
+          </p:cNvPr>
+          <p:cNvSpPr txBox="1"/>
+          <p:nvPr/>
+        </p:nvSpPr>
+        <p:spPr>
+          <a:xfrm>
+            <a:off x="11768" y="6458418"/>
+            <a:ext cx="7068539" cy="307777"/>
+          </a:xfrm>
+          <a:prstGeom prst="rect">
+            <a:avLst/>
+          </a:prstGeom>
+          <a:noFill/>
+        </p:spPr>
+        <p:txBody>
+          <a:bodyPr wrap="square" rtlCol="0">
+            <a:spAutoFit/>
+          </a:bodyPr>
+          <a:lstStyle/>
+          <a:p>
+            <a:r>
+              <a:rPr lang="en-US" altLang="zh-CN" sz="1400" dirty="0" err="1"/>
+              <a:t>A.Madani</a:t>
+            </a:r>
+            <a:r>
+              <a:rPr lang="en-US" altLang="zh-CN" sz="1400" dirty="0"/>
+              <a:t> et al., </a:t>
+            </a:r>
+            <a:r>
+              <a:rPr lang="nl-NL" altLang="zh-CN" sz="1400" i="1" dirty="0"/>
+              <a:t>Nat Biotechnol </a:t>
+            </a:r>
+            <a:r>
+              <a:rPr lang="nl-NL" altLang="zh-CN" sz="1400" dirty="0"/>
+              <a:t>(2023). https://doi.org/10.1038/s41587-022-01618-2</a:t>
+            </a:r>
+            <a:endParaRPr lang="zh-CN" altLang="en-US" sz="1400" dirty="0"/>
+          </a:p>
+        </p:txBody>
+      </p:sp>
+      <p:sp>
+        <p:nvSpPr>
+          <p:cNvPr id="5" name="文本框 4">
+            <a:extLst>
+              <a:ext uri="{FF2B5EF4-FFF2-40B4-BE49-F238E27FC236}">
+                <a16:creationId xmlns:a16="http://schemas.microsoft.com/office/drawing/2014/main" id="{EDC490FC-0D3D-1958-1B4F-2B8EC5C61A05}"/>
+              </a:ext>
+            </a:extLst>
+          </p:cNvPr>
+          <p:cNvSpPr txBox="1"/>
+          <p:nvPr/>
+        </p:nvSpPr>
+        <p:spPr>
+          <a:xfrm>
+            <a:off x="0" y="6458418"/>
+            <a:ext cx="7068539" cy="307777"/>
+          </a:xfrm>
+          <a:prstGeom prst="rect">
+            <a:avLst/>
+          </a:prstGeom>
+          <a:noFill/>
+        </p:spPr>
+        <p:txBody>
+          <a:bodyPr wrap="square" rtlCol="0">
+            <a:spAutoFit/>
+          </a:bodyPr>
+          <a:lstStyle/>
+          <a:p>
+            <a:r>
+              <a:rPr lang="en-US" altLang="zh-CN" sz="1400" dirty="0" err="1"/>
+              <a:t>A.Madani</a:t>
+            </a:r>
+            <a:r>
+              <a:rPr lang="en-US" altLang="zh-CN" sz="1400" dirty="0"/>
+              <a:t> et al., </a:t>
+            </a:r>
+            <a:r>
+              <a:rPr lang="nl-NL" altLang="zh-CN" sz="1400" i="1" dirty="0"/>
+              <a:t>Nat Biotechnol </a:t>
+            </a:r>
+            <a:r>
+              <a:rPr lang="nl-NL" altLang="zh-CN" sz="1400" dirty="0"/>
+              <a:t>(2023). https://doi.org/10.1038/s41587-022-01618-2</a:t>
+            </a:r>
+            <a:endParaRPr lang="zh-CN" altLang="en-US" sz="1400" dirty="0"/>
+          </a:p>
+        </p:txBody>
+      </p:sp>
     </p:spTree>
     <p:extLst>
       <p:ext uri="{BB962C8B-B14F-4D97-AF65-F5344CB8AC3E}">
-        <p14:creationId xmlns:p14="http://schemas.microsoft.com/office/powerpoint/2010/main" val="1776902710"/>
+        <p14:creationId xmlns:p14="http://schemas.microsoft.com/office/powerpoint/2010/main" val="3380355621"/>
+      </p:ext>
+    </p:extLst>
+  </p:cSld>
+  <p:clrMapOvr>
+    <a:masterClrMapping/>
+  </p:clrMapOvr>
+</p:sld>
+</file>
+
+<file path=ppt/slides/slide17.xml><?xml version="1.0" encoding="utf-8"?>
+<p:sld xmlns:a="http://schemas.openxmlformats.org/drawingml/2006/main" xmlns:r="http://schemas.openxmlformats.org/officeDocument/2006/relationships" xmlns:p="http://schemas.openxmlformats.org/presentationml/2006/main">
+  <p:cSld>
+    <p:spTree>
+      <p:nvGrpSpPr>
+        <p:cNvPr id="1" name=""/>
+        <p:cNvGrpSpPr/>
+        <p:nvPr/>
+      </p:nvGrpSpPr>
+      <p:grpSpPr>
+        <a:xfrm>
+          <a:off x="0" y="0"/>
+          <a:ext cx="0" cy="0"/>
+          <a:chOff x="0" y="0"/>
+          <a:chExt cx="0" cy="0"/>
+        </a:xfrm>
+      </p:grpSpPr>
+      <p:sp>
+        <p:nvSpPr>
+          <p:cNvPr id="2" name="灯片编号占位符 1"/>
+          <p:cNvSpPr>
+            <a:spLocks noGrp="1"/>
+          </p:cNvSpPr>
+          <p:nvPr>
+            <p:ph type="sldNum" sz="quarter" idx="4294967295"/>
+          </p:nvPr>
+        </p:nvSpPr>
+        <p:spPr>
+          <a:xfrm>
+            <a:off x="6801374" y="6308973"/>
+            <a:ext cx="2057400" cy="365125"/>
+          </a:xfrm>
+        </p:spPr>
+        <p:txBody>
+          <a:bodyPr/>
+          <a:lstStyle/>
+          <a:p>
+            <a:fld id="{2EC5D418-970F-4C7F-9452-AEC5956F87CE}" type="slidenum">
+              <a:rPr lang="zh-CN" altLang="en-US" smtClean="0"/>
+              <a:pPr/>
+              <a:t>17</a:t>
+            </a:fld>
+            <a:endParaRPr lang="zh-CN" altLang="en-US" dirty="0"/>
+          </a:p>
+        </p:txBody>
+      </p:sp>
+      <p:pic>
+        <p:nvPicPr>
+          <p:cNvPr id="30" name="图片 29">
+            <a:extLst>
+              <a:ext uri="{FF2B5EF4-FFF2-40B4-BE49-F238E27FC236}">
+                <a16:creationId xmlns:a16="http://schemas.microsoft.com/office/drawing/2014/main" id="{0DE557CF-93C1-4CD2-BEDB-F6ED9B73877B}"/>
+              </a:ext>
+            </a:extLst>
+          </p:cNvPr>
+          <p:cNvPicPr>
+            <a:picLocks noChangeAspect="1"/>
+          </p:cNvPicPr>
+          <p:nvPr/>
+        </p:nvPicPr>
+        <p:blipFill>
+          <a:blip r:embed="rId3" cstate="print">
+            <a:extLst>
+              <a:ext uri="{28A0092B-C50C-407E-A947-70E740481C1C}">
+                <a14:useLocalDpi xmlns:a14="http://schemas.microsoft.com/office/drawing/2010/main" val="0"/>
+              </a:ext>
+            </a:extLst>
+          </a:blip>
+          <a:stretch>
+            <a:fillRect/>
+          </a:stretch>
+        </p:blipFill>
+        <p:spPr>
+          <a:xfrm>
+            <a:off x="7604209" y="6241384"/>
+            <a:ext cx="521560" cy="521560"/>
+          </a:xfrm>
+          <a:prstGeom prst="rect">
+            <a:avLst/>
+          </a:prstGeom>
+        </p:spPr>
+      </p:pic>
+      <p:sp>
+        <p:nvSpPr>
+          <p:cNvPr id="25" name="文本框 24">
+            <a:extLst>
+              <a:ext uri="{FF2B5EF4-FFF2-40B4-BE49-F238E27FC236}">
+                <a16:creationId xmlns:a16="http://schemas.microsoft.com/office/drawing/2014/main" id="{4096B1CC-1349-4E99-9A39-A7B4A3646208}"/>
+              </a:ext>
+            </a:extLst>
+          </p:cNvPr>
+          <p:cNvSpPr txBox="1"/>
+          <p:nvPr/>
+        </p:nvSpPr>
+        <p:spPr>
+          <a:xfrm>
+            <a:off x="1302265" y="409723"/>
+            <a:ext cx="7294436" cy="523220"/>
+          </a:xfrm>
+          <a:prstGeom prst="rect">
+            <a:avLst/>
+          </a:prstGeom>
+          <a:noFill/>
+        </p:spPr>
+        <p:txBody>
+          <a:bodyPr wrap="square" rtlCol="0">
+            <a:spAutoFit/>
+            <a:scene3d>
+              <a:camera prst="orthographicFront"/>
+              <a:lightRig rig="threePt" dir="t"/>
+            </a:scene3d>
+            <a:sp3d contourW="12700"/>
+          </a:bodyPr>
+          <a:lstStyle/>
+          <a:p>
+            <a:r>
+              <a:rPr lang="en-US" altLang="zh-CN" sz="2800" b="1" dirty="0">
+                <a:solidFill>
+                  <a:schemeClr val="tx1">
+                    <a:lumMod val="75000"/>
+                    <a:lumOff val="25000"/>
+                  </a:schemeClr>
+                </a:solidFill>
+                <a:latin typeface="Century Gothic" panose="020B0502020202020204" pitchFamily="34" charset="0"/>
+              </a:rPr>
+              <a:t>PROGEN: Designing Proteins</a:t>
+            </a:r>
+            <a:endParaRPr lang="zh-CN" altLang="en-US" sz="2800" b="1" dirty="0">
+              <a:solidFill>
+                <a:schemeClr val="tx1">
+                  <a:lumMod val="75000"/>
+                  <a:lumOff val="25000"/>
+                </a:schemeClr>
+              </a:solidFill>
+              <a:latin typeface="Century Gothic" panose="020B0502020202020204" pitchFamily="34" charset="0"/>
+            </a:endParaRPr>
+          </a:p>
+        </p:txBody>
+      </p:sp>
+      <p:grpSp>
+        <p:nvGrpSpPr>
+          <p:cNvPr id="55" name="组合 54"/>
+          <p:cNvGrpSpPr/>
+          <p:nvPr/>
+        </p:nvGrpSpPr>
+        <p:grpSpPr>
+          <a:xfrm>
+            <a:off x="129866" y="265800"/>
+            <a:ext cx="8834508" cy="6487359"/>
+            <a:chOff x="1653864" y="299356"/>
+            <a:chExt cx="10859564" cy="7633190"/>
+          </a:xfrm>
+        </p:grpSpPr>
+        <p:grpSp>
+          <p:nvGrpSpPr>
+            <p:cNvPr id="56" name="组合 55"/>
+            <p:cNvGrpSpPr/>
+            <p:nvPr/>
+          </p:nvGrpSpPr>
+          <p:grpSpPr>
+            <a:xfrm>
+              <a:off x="1653864" y="299356"/>
+              <a:ext cx="1316500" cy="883947"/>
+              <a:chOff x="7436079" y="1279752"/>
+              <a:chExt cx="6401934" cy="4298496"/>
+            </a:xfrm>
+          </p:grpSpPr>
+          <p:sp>
+            <p:nvSpPr>
+              <p:cNvPr id="64" name="菱形 63"/>
+              <p:cNvSpPr/>
+              <p:nvPr/>
+            </p:nvSpPr>
+            <p:spPr>
+              <a:xfrm>
+                <a:off x="7436079" y="2107068"/>
+                <a:ext cx="2643870" cy="2643870"/>
+              </a:xfrm>
+              <a:prstGeom prst="diamond">
+                <a:avLst/>
+              </a:prstGeom>
+              <a:noFill/>
+              <a:ln w="28575">
+                <a:solidFill>
+                  <a:schemeClr val="accent1">
+                    <a:lumMod val="60000"/>
+                    <a:lumOff val="40000"/>
+                  </a:schemeClr>
+                </a:solidFill>
+              </a:ln>
+            </p:spPr>
+            <p:style>
+              <a:lnRef idx="2">
+                <a:schemeClr val="accent1">
+                  <a:shade val="50000"/>
+                </a:schemeClr>
+              </a:lnRef>
+              <a:fillRef idx="1">
+                <a:schemeClr val="accent1"/>
+              </a:fillRef>
+              <a:effectRef idx="0">
+                <a:schemeClr val="accent1"/>
+              </a:effectRef>
+              <a:fontRef idx="minor">
+                <a:schemeClr val="lt1"/>
+              </a:fontRef>
+            </p:style>
+            <p:txBody>
+              <a:bodyPr rtlCol="0" anchor="ctr"/>
+              <a:lstStyle/>
+              <a:p>
+                <a:pPr algn="ctr"/>
+                <a:endParaRPr lang="zh-CN" altLang="en-US"/>
+              </a:p>
+            </p:txBody>
+          </p:sp>
+          <p:sp>
+            <p:nvSpPr>
+              <p:cNvPr id="65" name="菱形 64"/>
+              <p:cNvSpPr/>
+              <p:nvPr/>
+            </p:nvSpPr>
+            <p:spPr>
+              <a:xfrm>
+                <a:off x="9539517" y="1279752"/>
+                <a:ext cx="4298496" cy="4298496"/>
+              </a:xfrm>
+              <a:prstGeom prst="diamond">
+                <a:avLst/>
+              </a:prstGeom>
+              <a:noFill/>
+              <a:ln w="28575">
+                <a:solidFill>
+                  <a:srgbClr val="A72020"/>
+                </a:solidFill>
+              </a:ln>
+            </p:spPr>
+            <p:style>
+              <a:lnRef idx="2">
+                <a:schemeClr val="accent1">
+                  <a:shade val="50000"/>
+                </a:schemeClr>
+              </a:lnRef>
+              <a:fillRef idx="1">
+                <a:schemeClr val="accent1"/>
+              </a:fillRef>
+              <a:effectRef idx="0">
+                <a:schemeClr val="accent1"/>
+              </a:effectRef>
+              <a:fontRef idx="minor">
+                <a:schemeClr val="lt1"/>
+              </a:fontRef>
+            </p:style>
+            <p:txBody>
+              <a:bodyPr rtlCol="0" anchor="ctr"/>
+              <a:lstStyle/>
+              <a:p>
+                <a:pPr algn="ctr"/>
+                <a:endParaRPr lang="zh-CN" altLang="en-US"/>
+              </a:p>
+            </p:txBody>
+          </p:sp>
+        </p:grpSp>
+        <p:sp>
+          <p:nvSpPr>
+            <p:cNvPr id="57" name="文本框 56"/>
+            <p:cNvSpPr txBox="1"/>
+            <p:nvPr/>
+          </p:nvSpPr>
+          <p:spPr>
+            <a:xfrm>
+              <a:off x="2166981" y="398787"/>
+              <a:ext cx="722816" cy="688061"/>
+            </a:xfrm>
+            <a:prstGeom prst="rect">
+              <a:avLst/>
+            </a:prstGeom>
+            <a:noFill/>
+          </p:spPr>
+          <p:txBody>
+            <a:bodyPr wrap="square" rtlCol="0">
+              <a:spAutoFit/>
+              <a:scene3d>
+                <a:camera prst="orthographicFront"/>
+                <a:lightRig rig="threePt" dir="t"/>
+              </a:scene3d>
+              <a:sp3d contourW="12700"/>
+            </a:bodyPr>
+            <a:lstStyle/>
+            <a:p>
+              <a:pPr algn="ctr"/>
+              <a:r>
+                <a:rPr lang="en-US" altLang="zh-CN" sz="3200" dirty="0">
+                  <a:solidFill>
+                    <a:schemeClr val="accent1"/>
+                  </a:solidFill>
+                  <a:latin typeface="Agency FB" panose="020B0503020202020204" pitchFamily="34" charset="0"/>
+                </a:rPr>
+                <a:t>06</a:t>
+              </a:r>
+              <a:endParaRPr lang="zh-CN" altLang="en-US" sz="3200" dirty="0">
+                <a:solidFill>
+                  <a:schemeClr val="accent1"/>
+                </a:solidFill>
+                <a:latin typeface="Agency FB" panose="020B0503020202020204" pitchFamily="34" charset="0"/>
+              </a:endParaRPr>
+            </a:p>
+          </p:txBody>
+        </p:sp>
+        <p:grpSp>
+          <p:nvGrpSpPr>
+            <p:cNvPr id="59" name="组合 58"/>
+            <p:cNvGrpSpPr/>
+            <p:nvPr/>
+          </p:nvGrpSpPr>
+          <p:grpSpPr>
+            <a:xfrm>
+              <a:off x="11572872" y="7291431"/>
+              <a:ext cx="940556" cy="641115"/>
+              <a:chOff x="11395287" y="7365982"/>
+              <a:chExt cx="1208633" cy="823842"/>
+            </a:xfrm>
+          </p:grpSpPr>
+          <p:sp>
+            <p:nvSpPr>
+              <p:cNvPr id="60" name="菱形 59"/>
+              <p:cNvSpPr/>
+              <p:nvPr/>
+            </p:nvSpPr>
+            <p:spPr>
+              <a:xfrm>
+                <a:off x="11780079" y="7365982"/>
+                <a:ext cx="823841" cy="823842"/>
+              </a:xfrm>
+              <a:prstGeom prst="diamond">
+                <a:avLst/>
+              </a:prstGeom>
+              <a:noFill/>
+              <a:ln w="28575">
+                <a:solidFill>
+                  <a:schemeClr val="accent1">
+                    <a:lumMod val="60000"/>
+                    <a:lumOff val="40000"/>
+                  </a:schemeClr>
+                </a:solidFill>
+              </a:ln>
+            </p:spPr>
+            <p:style>
+              <a:lnRef idx="2">
+                <a:schemeClr val="accent1">
+                  <a:shade val="50000"/>
+                </a:schemeClr>
+              </a:lnRef>
+              <a:fillRef idx="1">
+                <a:schemeClr val="accent1"/>
+              </a:fillRef>
+              <a:effectRef idx="0">
+                <a:schemeClr val="accent1"/>
+              </a:effectRef>
+              <a:fontRef idx="minor">
+                <a:schemeClr val="lt1"/>
+              </a:fontRef>
+            </p:style>
+            <p:txBody>
+              <a:bodyPr rtlCol="0" anchor="ctr"/>
+              <a:lstStyle/>
+              <a:p>
+                <a:pPr algn="ctr"/>
+                <a:endParaRPr lang="zh-CN" altLang="en-US"/>
+              </a:p>
+            </p:txBody>
+          </p:sp>
+          <p:sp>
+            <p:nvSpPr>
+              <p:cNvPr id="61" name="菱形 60"/>
+              <p:cNvSpPr/>
+              <p:nvPr/>
+            </p:nvSpPr>
+            <p:spPr>
+              <a:xfrm>
+                <a:off x="11395287" y="7489187"/>
+                <a:ext cx="577426" cy="577425"/>
+              </a:xfrm>
+              <a:prstGeom prst="diamond">
+                <a:avLst/>
+              </a:prstGeom>
+              <a:noFill/>
+              <a:ln w="28575">
+                <a:solidFill>
+                  <a:schemeClr val="accent1">
+                    <a:lumMod val="60000"/>
+                    <a:lumOff val="40000"/>
+                  </a:schemeClr>
+                </a:solidFill>
+              </a:ln>
+            </p:spPr>
+            <p:style>
+              <a:lnRef idx="2">
+                <a:schemeClr val="accent1">
+                  <a:shade val="50000"/>
+                </a:schemeClr>
+              </a:lnRef>
+              <a:fillRef idx="1">
+                <a:schemeClr val="accent1"/>
+              </a:fillRef>
+              <a:effectRef idx="0">
+                <a:schemeClr val="accent1"/>
+              </a:effectRef>
+              <a:fontRef idx="minor">
+                <a:schemeClr val="lt1"/>
+              </a:fontRef>
+            </p:style>
+            <p:txBody>
+              <a:bodyPr rtlCol="0" anchor="ctr"/>
+              <a:lstStyle/>
+              <a:p>
+                <a:pPr algn="ctr"/>
+                <a:endParaRPr lang="zh-CN" altLang="en-US"/>
+              </a:p>
+            </p:txBody>
+          </p:sp>
+        </p:grpSp>
+      </p:grpSp>
+      <p:pic>
+        <p:nvPicPr>
+          <p:cNvPr id="2050" name="Picture 2" descr="Fig. 2">
+            <a:extLst>
+              <a:ext uri="{FF2B5EF4-FFF2-40B4-BE49-F238E27FC236}">
+                <a16:creationId xmlns:a16="http://schemas.microsoft.com/office/drawing/2014/main" id="{9867532B-1BBF-E8D0-B8A8-F9B6D1E8ADDB}"/>
+              </a:ext>
+            </a:extLst>
+          </p:cNvPr>
+          <p:cNvPicPr>
+            <a:picLocks noChangeAspect="1" noChangeArrowheads="1"/>
+          </p:cNvPicPr>
+          <p:nvPr/>
+        </p:nvPicPr>
+        <p:blipFill>
+          <a:blip r:embed="rId4" cstate="print">
+            <a:extLst>
+              <a:ext uri="{28A0092B-C50C-407E-A947-70E740481C1C}">
+                <a14:useLocalDpi xmlns:a14="http://schemas.microsoft.com/office/drawing/2010/main" val="0"/>
+              </a:ext>
+            </a:extLst>
+          </a:blip>
+          <a:srcRect/>
+          <a:stretch>
+            <a:fillRect/>
+          </a:stretch>
+        </p:blipFill>
+        <p:spPr bwMode="auto">
+          <a:xfrm>
+            <a:off x="1751762" y="1352002"/>
+            <a:ext cx="6395441" cy="4717747"/>
+          </a:xfrm>
+          <a:prstGeom prst="rect">
+            <a:avLst/>
+          </a:prstGeom>
+          <a:noFill/>
+          <a:extLst>
+            <a:ext uri="{909E8E84-426E-40DD-AFC4-6F175D3DCCD1}">
+              <a14:hiddenFill xmlns:a14="http://schemas.microsoft.com/office/drawing/2010/main">
+                <a:solidFill>
+                  <a:srgbClr val="FFFFFF"/>
+                </a:solidFill>
+              </a14:hiddenFill>
+            </a:ext>
+          </a:extLst>
+        </p:spPr>
+      </p:pic>
+      <p:sp>
+        <p:nvSpPr>
+          <p:cNvPr id="7" name="文本框 6">
+            <a:extLst>
+              <a:ext uri="{FF2B5EF4-FFF2-40B4-BE49-F238E27FC236}">
+                <a16:creationId xmlns:a16="http://schemas.microsoft.com/office/drawing/2014/main" id="{F9594EC0-F047-86B0-15C6-9D05347ACBDF}"/>
+              </a:ext>
+            </a:extLst>
+          </p:cNvPr>
+          <p:cNvSpPr txBox="1"/>
+          <p:nvPr/>
+        </p:nvSpPr>
+        <p:spPr>
+          <a:xfrm>
+            <a:off x="604" y="2071972"/>
+            <a:ext cx="1791050" cy="646331"/>
+          </a:xfrm>
+          <a:prstGeom prst="rect">
+            <a:avLst/>
+          </a:prstGeom>
+          <a:noFill/>
+        </p:spPr>
+        <p:txBody>
+          <a:bodyPr wrap="square">
+            <a:spAutoFit/>
+          </a:bodyPr>
+          <a:lstStyle/>
+          <a:p>
+            <a:pPr algn="ctr"/>
+            <a:r>
+              <a:rPr lang="en-US" altLang="zh-CN" sz="1800" dirty="0"/>
+              <a:t>Distribution in protein space</a:t>
+            </a:r>
+            <a:endParaRPr lang="zh-CN" altLang="en-US" dirty="0"/>
+          </a:p>
+        </p:txBody>
+      </p:sp>
+      <p:sp>
+        <p:nvSpPr>
+          <p:cNvPr id="8" name="文本框 7">
+            <a:extLst>
+              <a:ext uri="{FF2B5EF4-FFF2-40B4-BE49-F238E27FC236}">
+                <a16:creationId xmlns:a16="http://schemas.microsoft.com/office/drawing/2014/main" id="{3109E8D5-3BE3-61E9-FD9F-016CD334FDBE}"/>
+              </a:ext>
+            </a:extLst>
+          </p:cNvPr>
+          <p:cNvSpPr txBox="1"/>
+          <p:nvPr/>
+        </p:nvSpPr>
+        <p:spPr>
+          <a:xfrm>
+            <a:off x="101272" y="4850126"/>
+            <a:ext cx="1791050" cy="369332"/>
+          </a:xfrm>
+          <a:prstGeom prst="rect">
+            <a:avLst/>
+          </a:prstGeom>
+          <a:noFill/>
+        </p:spPr>
+        <p:txBody>
+          <a:bodyPr wrap="square">
+            <a:spAutoFit/>
+          </a:bodyPr>
+          <a:lstStyle/>
+          <a:p>
+            <a:pPr algn="ctr"/>
+            <a:r>
+              <a:rPr lang="en-US" altLang="zh-CN" sz="1800" dirty="0"/>
+              <a:t>Expression</a:t>
+            </a:r>
+            <a:endParaRPr lang="zh-CN" altLang="en-US" dirty="0"/>
+          </a:p>
+        </p:txBody>
+      </p:sp>
+      <p:sp>
+        <p:nvSpPr>
+          <p:cNvPr id="9" name="文本框 8">
+            <a:extLst>
+              <a:ext uri="{FF2B5EF4-FFF2-40B4-BE49-F238E27FC236}">
+                <a16:creationId xmlns:a16="http://schemas.microsoft.com/office/drawing/2014/main" id="{FC0DE01E-F465-BADD-C2BB-1927E83AA74B}"/>
+              </a:ext>
+            </a:extLst>
+          </p:cNvPr>
+          <p:cNvSpPr txBox="1"/>
+          <p:nvPr/>
+        </p:nvSpPr>
+        <p:spPr>
+          <a:xfrm>
+            <a:off x="3818993" y="1016344"/>
+            <a:ext cx="1791050" cy="646331"/>
+          </a:xfrm>
+          <a:prstGeom prst="rect">
+            <a:avLst/>
+          </a:prstGeom>
+          <a:noFill/>
+        </p:spPr>
+        <p:txBody>
+          <a:bodyPr wrap="square">
+            <a:spAutoFit/>
+          </a:bodyPr>
+          <a:lstStyle/>
+          <a:p>
+            <a:pPr algn="ctr"/>
+            <a:r>
+              <a:rPr lang="en-US" altLang="zh-CN" sz="1800" dirty="0"/>
+              <a:t>Similarity with known proteins</a:t>
+            </a:r>
+            <a:endParaRPr lang="zh-CN" altLang="en-US" dirty="0"/>
+          </a:p>
+        </p:txBody>
+      </p:sp>
+      <p:sp>
+        <p:nvSpPr>
+          <p:cNvPr id="10" name="文本框 9">
+            <a:extLst>
+              <a:ext uri="{FF2B5EF4-FFF2-40B4-BE49-F238E27FC236}">
+                <a16:creationId xmlns:a16="http://schemas.microsoft.com/office/drawing/2014/main" id="{D6364C4C-D1A5-DF98-757D-159FF17D73F0}"/>
+              </a:ext>
+            </a:extLst>
+          </p:cNvPr>
+          <p:cNvSpPr txBox="1"/>
+          <p:nvPr/>
+        </p:nvSpPr>
+        <p:spPr>
+          <a:xfrm>
+            <a:off x="0" y="6466807"/>
+            <a:ext cx="7068539" cy="307777"/>
+          </a:xfrm>
+          <a:prstGeom prst="rect">
+            <a:avLst/>
+          </a:prstGeom>
+          <a:noFill/>
+        </p:spPr>
+        <p:txBody>
+          <a:bodyPr wrap="square" rtlCol="0">
+            <a:spAutoFit/>
+          </a:bodyPr>
+          <a:lstStyle/>
+          <a:p>
+            <a:r>
+              <a:rPr lang="en-US" altLang="zh-CN" sz="1400" dirty="0" err="1"/>
+              <a:t>A.Madani</a:t>
+            </a:r>
+            <a:r>
+              <a:rPr lang="en-US" altLang="zh-CN" sz="1400" dirty="0"/>
+              <a:t> et al., </a:t>
+            </a:r>
+            <a:r>
+              <a:rPr lang="nl-NL" altLang="zh-CN" sz="1400" i="1" dirty="0"/>
+              <a:t>Nat Biotechnol </a:t>
+            </a:r>
+            <a:r>
+              <a:rPr lang="nl-NL" altLang="zh-CN" sz="1400" dirty="0"/>
+              <a:t>(2023). https://doi.org/10.1038/s41587-022-01618-2</a:t>
+            </a:r>
+            <a:endParaRPr lang="zh-CN" altLang="en-US" sz="1400" dirty="0"/>
+          </a:p>
+        </p:txBody>
+      </p:sp>
+    </p:spTree>
+    <p:extLst>
+      <p:ext uri="{BB962C8B-B14F-4D97-AF65-F5344CB8AC3E}">
+        <p14:creationId xmlns:p14="http://schemas.microsoft.com/office/powerpoint/2010/main" val="1494141127"/>
+      </p:ext>
+    </p:extLst>
+  </p:cSld>
+  <p:clrMapOvr>
+    <a:masterClrMapping/>
+  </p:clrMapOvr>
+</p:sld>
+</file>
+
+<file path=ppt/slides/slide18.xml><?xml version="1.0" encoding="utf-8"?>
+<p:sld xmlns:a="http://schemas.openxmlformats.org/drawingml/2006/main" xmlns:r="http://schemas.openxmlformats.org/officeDocument/2006/relationships" xmlns:p="http://schemas.openxmlformats.org/presentationml/2006/main">
+  <p:cSld>
+    <p:spTree>
+      <p:nvGrpSpPr>
+        <p:cNvPr id="1" name=""/>
+        <p:cNvGrpSpPr/>
+        <p:nvPr/>
+      </p:nvGrpSpPr>
+      <p:grpSpPr>
+        <a:xfrm>
+          <a:off x="0" y="0"/>
+          <a:ext cx="0" cy="0"/>
+          <a:chOff x="0" y="0"/>
+          <a:chExt cx="0" cy="0"/>
+        </a:xfrm>
+      </p:grpSpPr>
+      <p:sp>
+        <p:nvSpPr>
+          <p:cNvPr id="2" name="灯片编号占位符 1"/>
+          <p:cNvSpPr>
+            <a:spLocks noGrp="1"/>
+          </p:cNvSpPr>
+          <p:nvPr>
+            <p:ph type="sldNum" sz="quarter" idx="4294967295"/>
+          </p:nvPr>
+        </p:nvSpPr>
+        <p:spPr>
+          <a:xfrm>
+            <a:off x="6801374" y="6308973"/>
+            <a:ext cx="2057400" cy="365125"/>
+          </a:xfrm>
+        </p:spPr>
+        <p:txBody>
+          <a:bodyPr/>
+          <a:lstStyle/>
+          <a:p>
+            <a:fld id="{2EC5D418-970F-4C7F-9452-AEC5956F87CE}" type="slidenum">
+              <a:rPr lang="zh-CN" altLang="en-US" smtClean="0"/>
+              <a:pPr/>
+              <a:t>18</a:t>
+            </a:fld>
+            <a:endParaRPr lang="zh-CN" altLang="en-US" dirty="0"/>
+          </a:p>
+        </p:txBody>
+      </p:sp>
+      <p:pic>
+        <p:nvPicPr>
+          <p:cNvPr id="30" name="图片 29">
+            <a:extLst>
+              <a:ext uri="{FF2B5EF4-FFF2-40B4-BE49-F238E27FC236}">
+                <a16:creationId xmlns:a16="http://schemas.microsoft.com/office/drawing/2014/main" id="{0DE557CF-93C1-4CD2-BEDB-F6ED9B73877B}"/>
+              </a:ext>
+            </a:extLst>
+          </p:cNvPr>
+          <p:cNvPicPr>
+            <a:picLocks noChangeAspect="1"/>
+          </p:cNvPicPr>
+          <p:nvPr/>
+        </p:nvPicPr>
+        <p:blipFill>
+          <a:blip r:embed="rId3" cstate="print">
+            <a:extLst>
+              <a:ext uri="{28A0092B-C50C-407E-A947-70E740481C1C}">
+                <a14:useLocalDpi xmlns:a14="http://schemas.microsoft.com/office/drawing/2010/main" val="0"/>
+              </a:ext>
+            </a:extLst>
+          </a:blip>
+          <a:stretch>
+            <a:fillRect/>
+          </a:stretch>
+        </p:blipFill>
+        <p:spPr>
+          <a:xfrm>
+            <a:off x="7604209" y="6241384"/>
+            <a:ext cx="521560" cy="521560"/>
+          </a:xfrm>
+          <a:prstGeom prst="rect">
+            <a:avLst/>
+          </a:prstGeom>
+        </p:spPr>
+      </p:pic>
+      <p:sp>
+        <p:nvSpPr>
+          <p:cNvPr id="25" name="文本框 24">
+            <a:extLst>
+              <a:ext uri="{FF2B5EF4-FFF2-40B4-BE49-F238E27FC236}">
+                <a16:creationId xmlns:a16="http://schemas.microsoft.com/office/drawing/2014/main" id="{4096B1CC-1349-4E99-9A39-A7B4A3646208}"/>
+              </a:ext>
+            </a:extLst>
+          </p:cNvPr>
+          <p:cNvSpPr txBox="1"/>
+          <p:nvPr/>
+        </p:nvSpPr>
+        <p:spPr>
+          <a:xfrm>
+            <a:off x="1302265" y="409723"/>
+            <a:ext cx="7294436" cy="523220"/>
+          </a:xfrm>
+          <a:prstGeom prst="rect">
+            <a:avLst/>
+          </a:prstGeom>
+          <a:noFill/>
+        </p:spPr>
+        <p:txBody>
+          <a:bodyPr wrap="square" rtlCol="0">
+            <a:spAutoFit/>
+            <a:scene3d>
+              <a:camera prst="orthographicFront"/>
+              <a:lightRig rig="threePt" dir="t"/>
+            </a:scene3d>
+            <a:sp3d contourW="12700"/>
+          </a:bodyPr>
+          <a:lstStyle/>
+          <a:p>
+            <a:r>
+              <a:rPr lang="en-US" altLang="zh-CN" sz="2800" b="1" dirty="0">
+                <a:solidFill>
+                  <a:schemeClr val="tx1">
+                    <a:lumMod val="75000"/>
+                    <a:lumOff val="25000"/>
+                  </a:schemeClr>
+                </a:solidFill>
+                <a:latin typeface="Century Gothic" panose="020B0502020202020204" pitchFamily="34" charset="0"/>
+              </a:rPr>
+              <a:t>PROGEN: Designing Proteins</a:t>
+            </a:r>
+            <a:endParaRPr lang="zh-CN" altLang="en-US" sz="2800" b="1" dirty="0">
+              <a:solidFill>
+                <a:schemeClr val="tx1">
+                  <a:lumMod val="75000"/>
+                  <a:lumOff val="25000"/>
+                </a:schemeClr>
+              </a:solidFill>
+              <a:latin typeface="Century Gothic" panose="020B0502020202020204" pitchFamily="34" charset="0"/>
+            </a:endParaRPr>
+          </a:p>
+        </p:txBody>
+      </p:sp>
+      <p:grpSp>
+        <p:nvGrpSpPr>
+          <p:cNvPr id="55" name="组合 54"/>
+          <p:cNvGrpSpPr/>
+          <p:nvPr/>
+        </p:nvGrpSpPr>
+        <p:grpSpPr>
+          <a:xfrm>
+            <a:off x="129866" y="265800"/>
+            <a:ext cx="8834508" cy="6487359"/>
+            <a:chOff x="1653864" y="299356"/>
+            <a:chExt cx="10859564" cy="7633190"/>
+          </a:xfrm>
+        </p:grpSpPr>
+        <p:grpSp>
+          <p:nvGrpSpPr>
+            <p:cNvPr id="56" name="组合 55"/>
+            <p:cNvGrpSpPr/>
+            <p:nvPr/>
+          </p:nvGrpSpPr>
+          <p:grpSpPr>
+            <a:xfrm>
+              <a:off x="1653864" y="299356"/>
+              <a:ext cx="1316500" cy="883947"/>
+              <a:chOff x="7436079" y="1279752"/>
+              <a:chExt cx="6401934" cy="4298496"/>
+            </a:xfrm>
+          </p:grpSpPr>
+          <p:sp>
+            <p:nvSpPr>
+              <p:cNvPr id="64" name="菱形 63"/>
+              <p:cNvSpPr/>
+              <p:nvPr/>
+            </p:nvSpPr>
+            <p:spPr>
+              <a:xfrm>
+                <a:off x="7436079" y="2107068"/>
+                <a:ext cx="2643870" cy="2643870"/>
+              </a:xfrm>
+              <a:prstGeom prst="diamond">
+                <a:avLst/>
+              </a:prstGeom>
+              <a:noFill/>
+              <a:ln w="28575">
+                <a:solidFill>
+                  <a:schemeClr val="accent1">
+                    <a:lumMod val="60000"/>
+                    <a:lumOff val="40000"/>
+                  </a:schemeClr>
+                </a:solidFill>
+              </a:ln>
+            </p:spPr>
+            <p:style>
+              <a:lnRef idx="2">
+                <a:schemeClr val="accent1">
+                  <a:shade val="50000"/>
+                </a:schemeClr>
+              </a:lnRef>
+              <a:fillRef idx="1">
+                <a:schemeClr val="accent1"/>
+              </a:fillRef>
+              <a:effectRef idx="0">
+                <a:schemeClr val="accent1"/>
+              </a:effectRef>
+              <a:fontRef idx="minor">
+                <a:schemeClr val="lt1"/>
+              </a:fontRef>
+            </p:style>
+            <p:txBody>
+              <a:bodyPr rtlCol="0" anchor="ctr"/>
+              <a:lstStyle/>
+              <a:p>
+                <a:pPr algn="ctr"/>
+                <a:endParaRPr lang="zh-CN" altLang="en-US"/>
+              </a:p>
+            </p:txBody>
+          </p:sp>
+          <p:sp>
+            <p:nvSpPr>
+              <p:cNvPr id="65" name="菱形 64"/>
+              <p:cNvSpPr/>
+              <p:nvPr/>
+            </p:nvSpPr>
+            <p:spPr>
+              <a:xfrm>
+                <a:off x="9539517" y="1279752"/>
+                <a:ext cx="4298496" cy="4298496"/>
+              </a:xfrm>
+              <a:prstGeom prst="diamond">
+                <a:avLst/>
+              </a:prstGeom>
+              <a:noFill/>
+              <a:ln w="28575">
+                <a:solidFill>
+                  <a:srgbClr val="A72020"/>
+                </a:solidFill>
+              </a:ln>
+            </p:spPr>
+            <p:style>
+              <a:lnRef idx="2">
+                <a:schemeClr val="accent1">
+                  <a:shade val="50000"/>
+                </a:schemeClr>
+              </a:lnRef>
+              <a:fillRef idx="1">
+                <a:schemeClr val="accent1"/>
+              </a:fillRef>
+              <a:effectRef idx="0">
+                <a:schemeClr val="accent1"/>
+              </a:effectRef>
+              <a:fontRef idx="minor">
+                <a:schemeClr val="lt1"/>
+              </a:fontRef>
+            </p:style>
+            <p:txBody>
+              <a:bodyPr rtlCol="0" anchor="ctr"/>
+              <a:lstStyle/>
+              <a:p>
+                <a:pPr algn="ctr"/>
+                <a:endParaRPr lang="zh-CN" altLang="en-US"/>
+              </a:p>
+            </p:txBody>
+          </p:sp>
+        </p:grpSp>
+        <p:sp>
+          <p:nvSpPr>
+            <p:cNvPr id="57" name="文本框 56"/>
+            <p:cNvSpPr txBox="1"/>
+            <p:nvPr/>
+          </p:nvSpPr>
+          <p:spPr>
+            <a:xfrm>
+              <a:off x="2166981" y="398787"/>
+              <a:ext cx="722816" cy="688061"/>
+            </a:xfrm>
+            <a:prstGeom prst="rect">
+              <a:avLst/>
+            </a:prstGeom>
+            <a:noFill/>
+          </p:spPr>
+          <p:txBody>
+            <a:bodyPr wrap="square" rtlCol="0">
+              <a:spAutoFit/>
+              <a:scene3d>
+                <a:camera prst="orthographicFront"/>
+                <a:lightRig rig="threePt" dir="t"/>
+              </a:scene3d>
+              <a:sp3d contourW="12700"/>
+            </a:bodyPr>
+            <a:lstStyle/>
+            <a:p>
+              <a:pPr algn="ctr"/>
+              <a:r>
+                <a:rPr lang="en-US" altLang="zh-CN" sz="3200" dirty="0">
+                  <a:solidFill>
+                    <a:schemeClr val="accent1"/>
+                  </a:solidFill>
+                  <a:latin typeface="Agency FB" panose="020B0503020202020204" pitchFamily="34" charset="0"/>
+                </a:rPr>
+                <a:t>06</a:t>
+              </a:r>
+              <a:endParaRPr lang="zh-CN" altLang="en-US" sz="3200" dirty="0">
+                <a:solidFill>
+                  <a:schemeClr val="accent1"/>
+                </a:solidFill>
+                <a:latin typeface="Agency FB" panose="020B0503020202020204" pitchFamily="34" charset="0"/>
+              </a:endParaRPr>
+            </a:p>
+          </p:txBody>
+        </p:sp>
+        <p:grpSp>
+          <p:nvGrpSpPr>
+            <p:cNvPr id="59" name="组合 58"/>
+            <p:cNvGrpSpPr/>
+            <p:nvPr/>
+          </p:nvGrpSpPr>
+          <p:grpSpPr>
+            <a:xfrm>
+              <a:off x="11572872" y="7291431"/>
+              <a:ext cx="940556" cy="641115"/>
+              <a:chOff x="11395287" y="7365982"/>
+              <a:chExt cx="1208633" cy="823842"/>
+            </a:xfrm>
+          </p:grpSpPr>
+          <p:sp>
+            <p:nvSpPr>
+              <p:cNvPr id="60" name="菱形 59"/>
+              <p:cNvSpPr/>
+              <p:nvPr/>
+            </p:nvSpPr>
+            <p:spPr>
+              <a:xfrm>
+                <a:off x="11780079" y="7365982"/>
+                <a:ext cx="823841" cy="823842"/>
+              </a:xfrm>
+              <a:prstGeom prst="diamond">
+                <a:avLst/>
+              </a:prstGeom>
+              <a:noFill/>
+              <a:ln w="28575">
+                <a:solidFill>
+                  <a:schemeClr val="accent1">
+                    <a:lumMod val="60000"/>
+                    <a:lumOff val="40000"/>
+                  </a:schemeClr>
+                </a:solidFill>
+              </a:ln>
+            </p:spPr>
+            <p:style>
+              <a:lnRef idx="2">
+                <a:schemeClr val="accent1">
+                  <a:shade val="50000"/>
+                </a:schemeClr>
+              </a:lnRef>
+              <a:fillRef idx="1">
+                <a:schemeClr val="accent1"/>
+              </a:fillRef>
+              <a:effectRef idx="0">
+                <a:schemeClr val="accent1"/>
+              </a:effectRef>
+              <a:fontRef idx="minor">
+                <a:schemeClr val="lt1"/>
+              </a:fontRef>
+            </p:style>
+            <p:txBody>
+              <a:bodyPr rtlCol="0" anchor="ctr"/>
+              <a:lstStyle/>
+              <a:p>
+                <a:pPr algn="ctr"/>
+                <a:endParaRPr lang="zh-CN" altLang="en-US"/>
+              </a:p>
+            </p:txBody>
+          </p:sp>
+          <p:sp>
+            <p:nvSpPr>
+              <p:cNvPr id="61" name="菱形 60"/>
+              <p:cNvSpPr/>
+              <p:nvPr/>
+            </p:nvSpPr>
+            <p:spPr>
+              <a:xfrm>
+                <a:off x="11395287" y="7489187"/>
+                <a:ext cx="577426" cy="577425"/>
+              </a:xfrm>
+              <a:prstGeom prst="diamond">
+                <a:avLst/>
+              </a:prstGeom>
+              <a:noFill/>
+              <a:ln w="28575">
+                <a:solidFill>
+                  <a:schemeClr val="accent1">
+                    <a:lumMod val="60000"/>
+                    <a:lumOff val="40000"/>
+                  </a:schemeClr>
+                </a:solidFill>
+              </a:ln>
+            </p:spPr>
+            <p:style>
+              <a:lnRef idx="2">
+                <a:schemeClr val="accent1">
+                  <a:shade val="50000"/>
+                </a:schemeClr>
+              </a:lnRef>
+              <a:fillRef idx="1">
+                <a:schemeClr val="accent1"/>
+              </a:fillRef>
+              <a:effectRef idx="0">
+                <a:schemeClr val="accent1"/>
+              </a:effectRef>
+              <a:fontRef idx="minor">
+                <a:schemeClr val="lt1"/>
+              </a:fontRef>
+            </p:style>
+            <p:txBody>
+              <a:bodyPr rtlCol="0" anchor="ctr"/>
+              <a:lstStyle/>
+              <a:p>
+                <a:pPr algn="ctr"/>
+                <a:endParaRPr lang="zh-CN" altLang="en-US"/>
+              </a:p>
+            </p:txBody>
+          </p:sp>
+        </p:grpSp>
+      </p:grpSp>
+      <p:pic>
+        <p:nvPicPr>
+          <p:cNvPr id="5" name="图片 4">
+            <a:extLst>
+              <a:ext uri="{FF2B5EF4-FFF2-40B4-BE49-F238E27FC236}">
+                <a16:creationId xmlns:a16="http://schemas.microsoft.com/office/drawing/2014/main" id="{95548823-5A40-2D30-1861-33C9EDE2CFF2}"/>
+              </a:ext>
+            </a:extLst>
+          </p:cNvPr>
+          <p:cNvPicPr>
+            <a:picLocks noChangeAspect="1"/>
+          </p:cNvPicPr>
+          <p:nvPr/>
+        </p:nvPicPr>
+        <p:blipFill>
+          <a:blip r:embed="rId4"/>
+          <a:stretch>
+            <a:fillRect/>
+          </a:stretch>
+        </p:blipFill>
+        <p:spPr>
+          <a:xfrm>
+            <a:off x="654341" y="1334546"/>
+            <a:ext cx="7835317" cy="2511066"/>
+          </a:xfrm>
+          <a:prstGeom prst="rect">
+            <a:avLst/>
+          </a:prstGeom>
+        </p:spPr>
+      </p:pic>
+      <p:sp>
+        <p:nvSpPr>
+          <p:cNvPr id="6" name="菱形 5">
+            <a:extLst>
+              <a:ext uri="{FF2B5EF4-FFF2-40B4-BE49-F238E27FC236}">
+                <a16:creationId xmlns:a16="http://schemas.microsoft.com/office/drawing/2014/main" id="{A8CFD110-AA67-2B1F-A7B1-73756DC4CC28}"/>
+              </a:ext>
+            </a:extLst>
+          </p:cNvPr>
+          <p:cNvSpPr/>
+          <p:nvPr/>
+        </p:nvSpPr>
+        <p:spPr>
+          <a:xfrm>
+            <a:off x="654341" y="3964276"/>
+            <a:ext cx="360000" cy="360000"/>
+          </a:xfrm>
+          <a:prstGeom prst="diamond">
+            <a:avLst/>
+          </a:prstGeom>
+          <a:ln>
+            <a:noFill/>
+          </a:ln>
+        </p:spPr>
+        <p:style>
+          <a:lnRef idx="2">
+            <a:schemeClr val="accent1">
+              <a:shade val="50000"/>
+            </a:schemeClr>
+          </a:lnRef>
+          <a:fillRef idx="1">
+            <a:schemeClr val="accent1"/>
+          </a:fillRef>
+          <a:effectRef idx="0">
+            <a:schemeClr val="accent1"/>
+          </a:effectRef>
+          <a:fontRef idx="minor">
+            <a:schemeClr val="lt1"/>
+          </a:fontRef>
+        </p:style>
+        <p:txBody>
+          <a:bodyPr rot="0" spcFirstLastPara="0" vert="horz" wrap="square" lIns="91440" tIns="45720" rIns="91440" bIns="45720" numCol="1" spcCol="0" rtlCol="0" fromWordArt="0" anchor="ctr" anchorCtr="0" forceAA="0" compatLnSpc="1">
+            <a:prstTxWarp prst="textNoShape">
+              <a:avLst/>
+            </a:prstTxWarp>
+            <a:noAutofit/>
+          </a:bodyPr>
+          <a:lstStyle>
+            <a:defPPr>
+              <a:defRPr lang="en-US"/>
+            </a:defPPr>
+            <a:lvl1pPr marL="0" algn="l" defTabSz="457200" rtl="0" eaLnBrk="1" latinLnBrk="0" hangingPunct="1">
+              <a:defRPr sz="1800" kern="1200">
+                <a:solidFill>
+                  <a:schemeClr val="lt1"/>
+                </a:solidFill>
+                <a:latin typeface="+mn-lt"/>
+                <a:ea typeface="+mn-ea"/>
+                <a:cs typeface="+mn-cs"/>
+              </a:defRPr>
+            </a:lvl1pPr>
+            <a:lvl2pPr marL="457200" algn="l" defTabSz="457200" rtl="0" eaLnBrk="1" latinLnBrk="0" hangingPunct="1">
+              <a:defRPr sz="1800" kern="1200">
+                <a:solidFill>
+                  <a:schemeClr val="lt1"/>
+                </a:solidFill>
+                <a:latin typeface="+mn-lt"/>
+                <a:ea typeface="+mn-ea"/>
+                <a:cs typeface="+mn-cs"/>
+              </a:defRPr>
+            </a:lvl2pPr>
+            <a:lvl3pPr marL="914400" algn="l" defTabSz="457200" rtl="0" eaLnBrk="1" latinLnBrk="0" hangingPunct="1">
+              <a:defRPr sz="1800" kern="1200">
+                <a:solidFill>
+                  <a:schemeClr val="lt1"/>
+                </a:solidFill>
+                <a:latin typeface="+mn-lt"/>
+                <a:ea typeface="+mn-ea"/>
+                <a:cs typeface="+mn-cs"/>
+              </a:defRPr>
+            </a:lvl3pPr>
+            <a:lvl4pPr marL="1371600" algn="l" defTabSz="457200" rtl="0" eaLnBrk="1" latinLnBrk="0" hangingPunct="1">
+              <a:defRPr sz="1800" kern="1200">
+                <a:solidFill>
+                  <a:schemeClr val="lt1"/>
+                </a:solidFill>
+                <a:latin typeface="+mn-lt"/>
+                <a:ea typeface="+mn-ea"/>
+                <a:cs typeface="+mn-cs"/>
+              </a:defRPr>
+            </a:lvl4pPr>
+            <a:lvl5pPr marL="1828800" algn="l" defTabSz="457200" rtl="0" eaLnBrk="1" latinLnBrk="0" hangingPunct="1">
+              <a:defRPr sz="1800" kern="1200">
+                <a:solidFill>
+                  <a:schemeClr val="lt1"/>
+                </a:solidFill>
+                <a:latin typeface="+mn-lt"/>
+                <a:ea typeface="+mn-ea"/>
+                <a:cs typeface="+mn-cs"/>
+              </a:defRPr>
+            </a:lvl5pPr>
+            <a:lvl6pPr marL="2286000" algn="l" defTabSz="457200" rtl="0" eaLnBrk="1" latinLnBrk="0" hangingPunct="1">
+              <a:defRPr sz="1800" kern="1200">
+                <a:solidFill>
+                  <a:schemeClr val="lt1"/>
+                </a:solidFill>
+                <a:latin typeface="+mn-lt"/>
+                <a:ea typeface="+mn-ea"/>
+                <a:cs typeface="+mn-cs"/>
+              </a:defRPr>
+            </a:lvl6pPr>
+            <a:lvl7pPr marL="2743200" algn="l" defTabSz="457200" rtl="0" eaLnBrk="1" latinLnBrk="0" hangingPunct="1">
+              <a:defRPr sz="1800" kern="1200">
+                <a:solidFill>
+                  <a:schemeClr val="lt1"/>
+                </a:solidFill>
+                <a:latin typeface="+mn-lt"/>
+                <a:ea typeface="+mn-ea"/>
+                <a:cs typeface="+mn-cs"/>
+              </a:defRPr>
+            </a:lvl7pPr>
+            <a:lvl8pPr marL="3200400" algn="l" defTabSz="457200" rtl="0" eaLnBrk="1" latinLnBrk="0" hangingPunct="1">
+              <a:defRPr sz="1800" kern="1200">
+                <a:solidFill>
+                  <a:schemeClr val="lt1"/>
+                </a:solidFill>
+                <a:latin typeface="+mn-lt"/>
+                <a:ea typeface="+mn-ea"/>
+                <a:cs typeface="+mn-cs"/>
+              </a:defRPr>
+            </a:lvl8pPr>
+            <a:lvl9pPr marL="3657600" algn="l" defTabSz="457200" rtl="0" eaLnBrk="1" latinLnBrk="0" hangingPunct="1">
+              <a:defRPr sz="1800" kern="1200">
+                <a:solidFill>
+                  <a:schemeClr val="lt1"/>
+                </a:solidFill>
+                <a:latin typeface="+mn-lt"/>
+                <a:ea typeface="+mn-ea"/>
+                <a:cs typeface="+mn-cs"/>
+              </a:defRPr>
+            </a:lvl9pPr>
+          </a:lstStyle>
+          <a:p>
+            <a:pPr algn="ctr"/>
+            <a:endParaRPr lang="zh-CN" altLang="en-US" dirty="0"/>
+          </a:p>
+        </p:txBody>
+      </p:sp>
+      <p:grpSp>
+        <p:nvGrpSpPr>
+          <p:cNvPr id="10" name="组合 9">
+            <a:extLst>
+              <a:ext uri="{FF2B5EF4-FFF2-40B4-BE49-F238E27FC236}">
+                <a16:creationId xmlns:a16="http://schemas.microsoft.com/office/drawing/2014/main" id="{7A43E00C-74F7-081B-FA44-00660D48E62E}"/>
+              </a:ext>
+            </a:extLst>
+          </p:cNvPr>
+          <p:cNvGrpSpPr/>
+          <p:nvPr/>
+        </p:nvGrpSpPr>
+        <p:grpSpPr>
+          <a:xfrm>
+            <a:off x="1018554" y="3927098"/>
+            <a:ext cx="7508858" cy="815368"/>
+            <a:chOff x="1541719" y="2318349"/>
+            <a:chExt cx="2133781" cy="815368"/>
+          </a:xfrm>
+        </p:grpSpPr>
+        <p:sp>
+          <p:nvSpPr>
+            <p:cNvPr id="11" name="文本框 10">
+              <a:extLst>
+                <a:ext uri="{FF2B5EF4-FFF2-40B4-BE49-F238E27FC236}">
+                  <a16:creationId xmlns:a16="http://schemas.microsoft.com/office/drawing/2014/main" id="{91CAA45A-27FD-A75C-A85C-5B4898C7AC55}"/>
+                </a:ext>
+              </a:extLst>
+            </p:cNvPr>
+            <p:cNvSpPr txBox="1"/>
+            <p:nvPr/>
+          </p:nvSpPr>
+          <p:spPr>
+            <a:xfrm>
+              <a:off x="1541719" y="2318349"/>
+              <a:ext cx="2133781" cy="400110"/>
+            </a:xfrm>
+            <a:prstGeom prst="rect">
+              <a:avLst/>
+            </a:prstGeom>
+            <a:noFill/>
+          </p:spPr>
+          <p:txBody>
+            <a:bodyPr wrap="square" rtlCol="0">
+              <a:spAutoFit/>
+              <a:scene3d>
+                <a:camera prst="orthographicFront"/>
+                <a:lightRig rig="threePt" dir="t"/>
+              </a:scene3d>
+              <a:sp3d contourW="12700"/>
+            </a:bodyPr>
+            <a:lstStyle/>
+            <a:p>
+              <a:r>
+                <a:rPr lang="en-US" altLang="zh-CN" sz="2000" b="1" dirty="0">
+                  <a:solidFill>
+                    <a:schemeClr val="tx1">
+                      <a:lumMod val="75000"/>
+                      <a:lumOff val="25000"/>
+                    </a:schemeClr>
+                  </a:solidFill>
+                  <a:latin typeface="Century Gothic" panose="020B0502020202020204" pitchFamily="34" charset="0"/>
+                </a:rPr>
+                <a:t>Preserved activity</a:t>
+              </a:r>
+            </a:p>
+          </p:txBody>
+        </p:sp>
+        <p:sp>
+          <p:nvSpPr>
+            <p:cNvPr id="12" name="文本框 11">
+              <a:extLst>
+                <a:ext uri="{FF2B5EF4-FFF2-40B4-BE49-F238E27FC236}">
+                  <a16:creationId xmlns:a16="http://schemas.microsoft.com/office/drawing/2014/main" id="{A7D386D4-D9D8-8185-B8F3-7AF0963F43B1}"/>
+                </a:ext>
+              </a:extLst>
+            </p:cNvPr>
+            <p:cNvSpPr txBox="1"/>
+            <p:nvPr/>
+          </p:nvSpPr>
+          <p:spPr>
+            <a:xfrm>
+              <a:off x="1541719" y="2715526"/>
+              <a:ext cx="2133781" cy="418191"/>
+            </a:xfrm>
+            <a:prstGeom prst="rect">
+              <a:avLst/>
+            </a:prstGeom>
+            <a:noFill/>
+          </p:spPr>
+          <p:txBody>
+            <a:bodyPr wrap="square" rtlCol="0">
+              <a:spAutoFit/>
+              <a:scene3d>
+                <a:camera prst="orthographicFront"/>
+                <a:lightRig rig="threePt" dir="t"/>
+              </a:scene3d>
+              <a:sp3d contourW="12700"/>
+            </a:bodyPr>
+            <a:lstStyle/>
+            <a:p>
+              <a:pPr lvl="1">
+                <a:lnSpc>
+                  <a:spcPct val="150000"/>
+                </a:lnSpc>
+              </a:pPr>
+              <a:r>
+                <a:rPr lang="en-US" altLang="zh-CN" sz="1600" dirty="0">
+                  <a:latin typeface="+mn-ea"/>
+                </a:rPr>
+                <a:t>Activity across different identity ratio</a:t>
+              </a:r>
+            </a:p>
+          </p:txBody>
+        </p:sp>
+      </p:grpSp>
+      <p:sp>
+        <p:nvSpPr>
+          <p:cNvPr id="13" name="文本框 12">
+            <a:extLst>
+              <a:ext uri="{FF2B5EF4-FFF2-40B4-BE49-F238E27FC236}">
+                <a16:creationId xmlns:a16="http://schemas.microsoft.com/office/drawing/2014/main" id="{F57D6DDB-5FB7-C57C-364B-3F4B63D13204}"/>
+              </a:ext>
+            </a:extLst>
+          </p:cNvPr>
+          <p:cNvSpPr txBox="1"/>
+          <p:nvPr/>
+        </p:nvSpPr>
+        <p:spPr>
+          <a:xfrm>
+            <a:off x="0" y="6458418"/>
+            <a:ext cx="7068539" cy="307777"/>
+          </a:xfrm>
+          <a:prstGeom prst="rect">
+            <a:avLst/>
+          </a:prstGeom>
+          <a:noFill/>
+        </p:spPr>
+        <p:txBody>
+          <a:bodyPr wrap="square" rtlCol="0">
+            <a:spAutoFit/>
+          </a:bodyPr>
+          <a:lstStyle/>
+          <a:p>
+            <a:r>
+              <a:rPr lang="en-US" altLang="zh-CN" sz="1400" dirty="0" err="1"/>
+              <a:t>A.Madani</a:t>
+            </a:r>
+            <a:r>
+              <a:rPr lang="en-US" altLang="zh-CN" sz="1400" dirty="0"/>
+              <a:t> et al., </a:t>
+            </a:r>
+            <a:r>
+              <a:rPr lang="nl-NL" altLang="zh-CN" sz="1400" i="1" dirty="0"/>
+              <a:t>Nat Biotechnol </a:t>
+            </a:r>
+            <a:r>
+              <a:rPr lang="nl-NL" altLang="zh-CN" sz="1400" dirty="0"/>
+              <a:t>(2023). https://doi.org/10.1038/s41587-022-01618-2</a:t>
+            </a:r>
+            <a:endParaRPr lang="zh-CN" altLang="en-US" sz="1400" dirty="0"/>
+          </a:p>
+        </p:txBody>
+      </p:sp>
+    </p:spTree>
+    <p:extLst>
+      <p:ext uri="{BB962C8B-B14F-4D97-AF65-F5344CB8AC3E}">
+        <p14:creationId xmlns:p14="http://schemas.microsoft.com/office/powerpoint/2010/main" val="1204017367"/>
+      </p:ext>
+    </p:extLst>
+  </p:cSld>
+  <p:clrMapOvr>
+    <a:masterClrMapping/>
+  </p:clrMapOvr>
+</p:sld>
+</file>
+
+<file path=ppt/slides/slide19.xml><?xml version="1.0" encoding="utf-8"?>
+<p:sld xmlns:a="http://schemas.openxmlformats.org/drawingml/2006/main" xmlns:r="http://schemas.openxmlformats.org/officeDocument/2006/relationships" xmlns:p="http://schemas.openxmlformats.org/presentationml/2006/main">
+  <p:cSld>
+    <p:spTree>
+      <p:nvGrpSpPr>
+        <p:cNvPr id="1" name=""/>
+        <p:cNvGrpSpPr/>
+        <p:nvPr/>
+      </p:nvGrpSpPr>
+      <p:grpSpPr>
+        <a:xfrm>
+          <a:off x="0" y="0"/>
+          <a:ext cx="0" cy="0"/>
+          <a:chOff x="0" y="0"/>
+          <a:chExt cx="0" cy="0"/>
+        </a:xfrm>
+      </p:grpSpPr>
+      <p:sp>
+        <p:nvSpPr>
+          <p:cNvPr id="2" name="灯片编号占位符 1"/>
+          <p:cNvSpPr>
+            <a:spLocks noGrp="1"/>
+          </p:cNvSpPr>
+          <p:nvPr>
+            <p:ph type="sldNum" sz="quarter" idx="4294967295"/>
+          </p:nvPr>
+        </p:nvSpPr>
+        <p:spPr>
+          <a:xfrm>
+            <a:off x="6801374" y="6308973"/>
+            <a:ext cx="2057400" cy="365125"/>
+          </a:xfrm>
+        </p:spPr>
+        <p:txBody>
+          <a:bodyPr/>
+          <a:lstStyle/>
+          <a:p>
+            <a:fld id="{2EC5D418-970F-4C7F-9452-AEC5956F87CE}" type="slidenum">
+              <a:rPr lang="zh-CN" altLang="en-US" smtClean="0"/>
+              <a:pPr/>
+              <a:t>19</a:t>
+            </a:fld>
+            <a:endParaRPr lang="zh-CN" altLang="en-US" dirty="0"/>
+          </a:p>
+        </p:txBody>
+      </p:sp>
+      <p:pic>
+        <p:nvPicPr>
+          <p:cNvPr id="30" name="图片 29">
+            <a:extLst>
+              <a:ext uri="{FF2B5EF4-FFF2-40B4-BE49-F238E27FC236}">
+                <a16:creationId xmlns:a16="http://schemas.microsoft.com/office/drawing/2014/main" id="{0DE557CF-93C1-4CD2-BEDB-F6ED9B73877B}"/>
+              </a:ext>
+            </a:extLst>
+          </p:cNvPr>
+          <p:cNvPicPr>
+            <a:picLocks noChangeAspect="1"/>
+          </p:cNvPicPr>
+          <p:nvPr/>
+        </p:nvPicPr>
+        <p:blipFill>
+          <a:blip r:embed="rId3" cstate="print">
+            <a:extLst>
+              <a:ext uri="{28A0092B-C50C-407E-A947-70E740481C1C}">
+                <a14:useLocalDpi xmlns:a14="http://schemas.microsoft.com/office/drawing/2010/main" val="0"/>
+              </a:ext>
+            </a:extLst>
+          </a:blip>
+          <a:stretch>
+            <a:fillRect/>
+          </a:stretch>
+        </p:blipFill>
+        <p:spPr>
+          <a:xfrm>
+            <a:off x="7604209" y="6241384"/>
+            <a:ext cx="521560" cy="521560"/>
+          </a:xfrm>
+          <a:prstGeom prst="rect">
+            <a:avLst/>
+          </a:prstGeom>
+        </p:spPr>
+      </p:pic>
+      <p:sp>
+        <p:nvSpPr>
+          <p:cNvPr id="25" name="文本框 24">
+            <a:extLst>
+              <a:ext uri="{FF2B5EF4-FFF2-40B4-BE49-F238E27FC236}">
+                <a16:creationId xmlns:a16="http://schemas.microsoft.com/office/drawing/2014/main" id="{4096B1CC-1349-4E99-9A39-A7B4A3646208}"/>
+              </a:ext>
+            </a:extLst>
+          </p:cNvPr>
+          <p:cNvSpPr txBox="1"/>
+          <p:nvPr/>
+        </p:nvSpPr>
+        <p:spPr>
+          <a:xfrm>
+            <a:off x="1302265" y="409723"/>
+            <a:ext cx="7294436" cy="523220"/>
+          </a:xfrm>
+          <a:prstGeom prst="rect">
+            <a:avLst/>
+          </a:prstGeom>
+          <a:noFill/>
+        </p:spPr>
+        <p:txBody>
+          <a:bodyPr wrap="square" rtlCol="0">
+            <a:spAutoFit/>
+            <a:scene3d>
+              <a:camera prst="orthographicFront"/>
+              <a:lightRig rig="threePt" dir="t"/>
+            </a:scene3d>
+            <a:sp3d contourW="12700"/>
+          </a:bodyPr>
+          <a:lstStyle/>
+          <a:p>
+            <a:r>
+              <a:rPr lang="en-US" altLang="zh-CN" sz="2800" b="1" dirty="0">
+                <a:solidFill>
+                  <a:schemeClr val="tx1">
+                    <a:lumMod val="75000"/>
+                    <a:lumOff val="25000"/>
+                  </a:schemeClr>
+                </a:solidFill>
+                <a:latin typeface="Century Gothic" panose="020B0502020202020204" pitchFamily="34" charset="0"/>
+              </a:rPr>
+              <a:t>PROGEN: Designing Proteins</a:t>
+            </a:r>
+            <a:endParaRPr lang="zh-CN" altLang="en-US" sz="2800" b="1" dirty="0">
+              <a:solidFill>
+                <a:schemeClr val="tx1">
+                  <a:lumMod val="75000"/>
+                  <a:lumOff val="25000"/>
+                </a:schemeClr>
+              </a:solidFill>
+              <a:latin typeface="Century Gothic" panose="020B0502020202020204" pitchFamily="34" charset="0"/>
+            </a:endParaRPr>
+          </a:p>
+        </p:txBody>
+      </p:sp>
+      <p:grpSp>
+        <p:nvGrpSpPr>
+          <p:cNvPr id="55" name="组合 54"/>
+          <p:cNvGrpSpPr/>
+          <p:nvPr/>
+        </p:nvGrpSpPr>
+        <p:grpSpPr>
+          <a:xfrm>
+            <a:off x="129866" y="265800"/>
+            <a:ext cx="8834508" cy="6487359"/>
+            <a:chOff x="1653864" y="299356"/>
+            <a:chExt cx="10859564" cy="7633190"/>
+          </a:xfrm>
+        </p:grpSpPr>
+        <p:grpSp>
+          <p:nvGrpSpPr>
+            <p:cNvPr id="56" name="组合 55"/>
+            <p:cNvGrpSpPr/>
+            <p:nvPr/>
+          </p:nvGrpSpPr>
+          <p:grpSpPr>
+            <a:xfrm>
+              <a:off x="1653864" y="299356"/>
+              <a:ext cx="1316500" cy="883947"/>
+              <a:chOff x="7436079" y="1279752"/>
+              <a:chExt cx="6401934" cy="4298496"/>
+            </a:xfrm>
+          </p:grpSpPr>
+          <p:sp>
+            <p:nvSpPr>
+              <p:cNvPr id="64" name="菱形 63"/>
+              <p:cNvSpPr/>
+              <p:nvPr/>
+            </p:nvSpPr>
+            <p:spPr>
+              <a:xfrm>
+                <a:off x="7436079" y="2107068"/>
+                <a:ext cx="2643870" cy="2643870"/>
+              </a:xfrm>
+              <a:prstGeom prst="diamond">
+                <a:avLst/>
+              </a:prstGeom>
+              <a:noFill/>
+              <a:ln w="28575">
+                <a:solidFill>
+                  <a:schemeClr val="accent1">
+                    <a:lumMod val="60000"/>
+                    <a:lumOff val="40000"/>
+                  </a:schemeClr>
+                </a:solidFill>
+              </a:ln>
+            </p:spPr>
+            <p:style>
+              <a:lnRef idx="2">
+                <a:schemeClr val="accent1">
+                  <a:shade val="50000"/>
+                </a:schemeClr>
+              </a:lnRef>
+              <a:fillRef idx="1">
+                <a:schemeClr val="accent1"/>
+              </a:fillRef>
+              <a:effectRef idx="0">
+                <a:schemeClr val="accent1"/>
+              </a:effectRef>
+              <a:fontRef idx="minor">
+                <a:schemeClr val="lt1"/>
+              </a:fontRef>
+            </p:style>
+            <p:txBody>
+              <a:bodyPr rtlCol="0" anchor="ctr"/>
+              <a:lstStyle/>
+              <a:p>
+                <a:pPr algn="ctr"/>
+                <a:endParaRPr lang="zh-CN" altLang="en-US"/>
+              </a:p>
+            </p:txBody>
+          </p:sp>
+          <p:sp>
+            <p:nvSpPr>
+              <p:cNvPr id="65" name="菱形 64"/>
+              <p:cNvSpPr/>
+              <p:nvPr/>
+            </p:nvSpPr>
+            <p:spPr>
+              <a:xfrm>
+                <a:off x="9539517" y="1279752"/>
+                <a:ext cx="4298496" cy="4298496"/>
+              </a:xfrm>
+              <a:prstGeom prst="diamond">
+                <a:avLst/>
+              </a:prstGeom>
+              <a:noFill/>
+              <a:ln w="28575">
+                <a:solidFill>
+                  <a:srgbClr val="A72020"/>
+                </a:solidFill>
+              </a:ln>
+            </p:spPr>
+            <p:style>
+              <a:lnRef idx="2">
+                <a:schemeClr val="accent1">
+                  <a:shade val="50000"/>
+                </a:schemeClr>
+              </a:lnRef>
+              <a:fillRef idx="1">
+                <a:schemeClr val="accent1"/>
+              </a:fillRef>
+              <a:effectRef idx="0">
+                <a:schemeClr val="accent1"/>
+              </a:effectRef>
+              <a:fontRef idx="minor">
+                <a:schemeClr val="lt1"/>
+              </a:fontRef>
+            </p:style>
+            <p:txBody>
+              <a:bodyPr rtlCol="0" anchor="ctr"/>
+              <a:lstStyle/>
+              <a:p>
+                <a:pPr algn="ctr"/>
+                <a:endParaRPr lang="zh-CN" altLang="en-US"/>
+              </a:p>
+            </p:txBody>
+          </p:sp>
+        </p:grpSp>
+        <p:sp>
+          <p:nvSpPr>
+            <p:cNvPr id="57" name="文本框 56"/>
+            <p:cNvSpPr txBox="1"/>
+            <p:nvPr/>
+          </p:nvSpPr>
+          <p:spPr>
+            <a:xfrm>
+              <a:off x="2166981" y="398787"/>
+              <a:ext cx="722816" cy="688061"/>
+            </a:xfrm>
+            <a:prstGeom prst="rect">
+              <a:avLst/>
+            </a:prstGeom>
+            <a:noFill/>
+          </p:spPr>
+          <p:txBody>
+            <a:bodyPr wrap="square" rtlCol="0">
+              <a:spAutoFit/>
+              <a:scene3d>
+                <a:camera prst="orthographicFront"/>
+                <a:lightRig rig="threePt" dir="t"/>
+              </a:scene3d>
+              <a:sp3d contourW="12700"/>
+            </a:bodyPr>
+            <a:lstStyle/>
+            <a:p>
+              <a:pPr algn="ctr"/>
+              <a:r>
+                <a:rPr lang="en-US" altLang="zh-CN" sz="3200" dirty="0">
+                  <a:solidFill>
+                    <a:schemeClr val="accent1"/>
+                  </a:solidFill>
+                  <a:latin typeface="Agency FB" panose="020B0503020202020204" pitchFamily="34" charset="0"/>
+                </a:rPr>
+                <a:t>06</a:t>
+              </a:r>
+              <a:endParaRPr lang="zh-CN" altLang="en-US" sz="3200" dirty="0">
+                <a:solidFill>
+                  <a:schemeClr val="accent1"/>
+                </a:solidFill>
+                <a:latin typeface="Agency FB" panose="020B0503020202020204" pitchFamily="34" charset="0"/>
+              </a:endParaRPr>
+            </a:p>
+          </p:txBody>
+        </p:sp>
+        <p:grpSp>
+          <p:nvGrpSpPr>
+            <p:cNvPr id="59" name="组合 58"/>
+            <p:cNvGrpSpPr/>
+            <p:nvPr/>
+          </p:nvGrpSpPr>
+          <p:grpSpPr>
+            <a:xfrm>
+              <a:off x="11572872" y="7291431"/>
+              <a:ext cx="940556" cy="641115"/>
+              <a:chOff x="11395287" y="7365982"/>
+              <a:chExt cx="1208633" cy="823842"/>
+            </a:xfrm>
+          </p:grpSpPr>
+          <p:sp>
+            <p:nvSpPr>
+              <p:cNvPr id="60" name="菱形 59"/>
+              <p:cNvSpPr/>
+              <p:nvPr/>
+            </p:nvSpPr>
+            <p:spPr>
+              <a:xfrm>
+                <a:off x="11780079" y="7365982"/>
+                <a:ext cx="823841" cy="823842"/>
+              </a:xfrm>
+              <a:prstGeom prst="diamond">
+                <a:avLst/>
+              </a:prstGeom>
+              <a:noFill/>
+              <a:ln w="28575">
+                <a:solidFill>
+                  <a:schemeClr val="accent1">
+                    <a:lumMod val="60000"/>
+                    <a:lumOff val="40000"/>
+                  </a:schemeClr>
+                </a:solidFill>
+              </a:ln>
+            </p:spPr>
+            <p:style>
+              <a:lnRef idx="2">
+                <a:schemeClr val="accent1">
+                  <a:shade val="50000"/>
+                </a:schemeClr>
+              </a:lnRef>
+              <a:fillRef idx="1">
+                <a:schemeClr val="accent1"/>
+              </a:fillRef>
+              <a:effectRef idx="0">
+                <a:schemeClr val="accent1"/>
+              </a:effectRef>
+              <a:fontRef idx="minor">
+                <a:schemeClr val="lt1"/>
+              </a:fontRef>
+            </p:style>
+            <p:txBody>
+              <a:bodyPr rtlCol="0" anchor="ctr"/>
+              <a:lstStyle/>
+              <a:p>
+                <a:pPr algn="ctr"/>
+                <a:endParaRPr lang="zh-CN" altLang="en-US"/>
+              </a:p>
+            </p:txBody>
+          </p:sp>
+          <p:sp>
+            <p:nvSpPr>
+              <p:cNvPr id="61" name="菱形 60"/>
+              <p:cNvSpPr/>
+              <p:nvPr/>
+            </p:nvSpPr>
+            <p:spPr>
+              <a:xfrm>
+                <a:off x="11395287" y="7489187"/>
+                <a:ext cx="577426" cy="577425"/>
+              </a:xfrm>
+              <a:prstGeom prst="diamond">
+                <a:avLst/>
+              </a:prstGeom>
+              <a:noFill/>
+              <a:ln w="28575">
+                <a:solidFill>
+                  <a:schemeClr val="accent1">
+                    <a:lumMod val="60000"/>
+                    <a:lumOff val="40000"/>
+                  </a:schemeClr>
+                </a:solidFill>
+              </a:ln>
+            </p:spPr>
+            <p:style>
+              <a:lnRef idx="2">
+                <a:schemeClr val="accent1">
+                  <a:shade val="50000"/>
+                </a:schemeClr>
+              </a:lnRef>
+              <a:fillRef idx="1">
+                <a:schemeClr val="accent1"/>
+              </a:fillRef>
+              <a:effectRef idx="0">
+                <a:schemeClr val="accent1"/>
+              </a:effectRef>
+              <a:fontRef idx="minor">
+                <a:schemeClr val="lt1"/>
+              </a:fontRef>
+            </p:style>
+            <p:txBody>
+              <a:bodyPr rtlCol="0" anchor="ctr"/>
+              <a:lstStyle/>
+              <a:p>
+                <a:pPr algn="ctr"/>
+                <a:endParaRPr lang="zh-CN" altLang="en-US"/>
+              </a:p>
+            </p:txBody>
+          </p:sp>
+        </p:grpSp>
+      </p:grpSp>
+      <p:pic>
+        <p:nvPicPr>
+          <p:cNvPr id="4098" name="Picture 2" descr="Fig. 4">
+            <a:extLst>
+              <a:ext uri="{FF2B5EF4-FFF2-40B4-BE49-F238E27FC236}">
+                <a16:creationId xmlns:a16="http://schemas.microsoft.com/office/drawing/2014/main" id="{AFC10FF8-5FCC-0EAF-1077-8682B3A41675}"/>
+              </a:ext>
+            </a:extLst>
+          </p:cNvPr>
+          <p:cNvPicPr>
+            <a:picLocks noChangeAspect="1" noChangeArrowheads="1"/>
+          </p:cNvPicPr>
+          <p:nvPr/>
+        </p:nvPicPr>
+        <p:blipFill rotWithShape="1">
+          <a:blip r:embed="rId4" cstate="print">
+            <a:extLst>
+              <a:ext uri="{28A0092B-C50C-407E-A947-70E740481C1C}">
+                <a14:useLocalDpi xmlns:a14="http://schemas.microsoft.com/office/drawing/2010/main" val="0"/>
+              </a:ext>
+            </a:extLst>
+          </a:blip>
+          <a:srcRect r="26347"/>
+          <a:stretch/>
+        </p:blipFill>
+        <p:spPr bwMode="auto">
+          <a:xfrm>
+            <a:off x="1391424" y="1135548"/>
+            <a:ext cx="6473565" cy="4586903"/>
+          </a:xfrm>
+          <a:prstGeom prst="rect">
+            <a:avLst/>
+          </a:prstGeom>
+          <a:noFill/>
+          <a:extLst>
+            <a:ext uri="{909E8E84-426E-40DD-AFC4-6F175D3DCCD1}">
+              <a14:hiddenFill xmlns:a14="http://schemas.microsoft.com/office/drawing/2010/main">
+                <a:solidFill>
+                  <a:srgbClr val="FFFFFF"/>
+                </a:solidFill>
+              </a14:hiddenFill>
+            </a:ext>
+          </a:extLst>
+        </p:spPr>
+      </p:pic>
+      <p:sp>
+        <p:nvSpPr>
+          <p:cNvPr id="4" name="文本框 3">
+            <a:extLst>
+              <a:ext uri="{FF2B5EF4-FFF2-40B4-BE49-F238E27FC236}">
+                <a16:creationId xmlns:a16="http://schemas.microsoft.com/office/drawing/2014/main" id="{115B6FAF-0DC4-4292-11AC-879CB1ABC2AE}"/>
+              </a:ext>
+            </a:extLst>
+          </p:cNvPr>
+          <p:cNvSpPr txBox="1"/>
+          <p:nvPr/>
+        </p:nvSpPr>
+        <p:spPr>
+          <a:xfrm>
+            <a:off x="1480657" y="5707934"/>
+            <a:ext cx="4572000" cy="307777"/>
+          </a:xfrm>
+          <a:prstGeom prst="rect">
+            <a:avLst/>
+          </a:prstGeom>
+          <a:noFill/>
+        </p:spPr>
+        <p:txBody>
+          <a:bodyPr wrap="square">
+            <a:spAutoFit/>
+          </a:bodyPr>
+          <a:lstStyle/>
+          <a:p>
+            <a:pPr algn="ctr"/>
+            <a:r>
+              <a:rPr lang="en-US" altLang="zh-CN" sz="1400" dirty="0">
+                <a:latin typeface="+mn-ea"/>
+              </a:rPr>
+              <a:t>Residue distribution</a:t>
+            </a:r>
+            <a:endParaRPr lang="zh-CN" altLang="en-US" sz="1400" dirty="0"/>
+          </a:p>
+        </p:txBody>
+      </p:sp>
+      <p:sp>
+        <p:nvSpPr>
+          <p:cNvPr id="6" name="文本框 5">
+            <a:extLst>
+              <a:ext uri="{FF2B5EF4-FFF2-40B4-BE49-F238E27FC236}">
+                <a16:creationId xmlns:a16="http://schemas.microsoft.com/office/drawing/2014/main" id="{2AD60602-7212-361D-DC90-9BC4C5D1E5C9}"/>
+              </a:ext>
+            </a:extLst>
+          </p:cNvPr>
+          <p:cNvSpPr txBox="1"/>
+          <p:nvPr/>
+        </p:nvSpPr>
+        <p:spPr>
+          <a:xfrm>
+            <a:off x="5623054" y="5707934"/>
+            <a:ext cx="2502715" cy="307777"/>
+          </a:xfrm>
+          <a:prstGeom prst="rect">
+            <a:avLst/>
+          </a:prstGeom>
+          <a:noFill/>
+        </p:spPr>
+        <p:txBody>
+          <a:bodyPr wrap="square">
+            <a:spAutoFit/>
+          </a:bodyPr>
+          <a:lstStyle/>
+          <a:p>
+            <a:pPr algn="ctr"/>
+            <a:r>
+              <a:rPr lang="en-US" altLang="zh-CN" sz="1400" dirty="0">
+                <a:latin typeface="+mn-ea"/>
+              </a:rPr>
+              <a:t>Structure</a:t>
+            </a:r>
+            <a:endParaRPr lang="zh-CN" altLang="en-US" sz="1400" dirty="0"/>
+          </a:p>
+        </p:txBody>
+      </p:sp>
+      <p:sp>
+        <p:nvSpPr>
+          <p:cNvPr id="7" name="文本框 6">
+            <a:extLst>
+              <a:ext uri="{FF2B5EF4-FFF2-40B4-BE49-F238E27FC236}">
+                <a16:creationId xmlns:a16="http://schemas.microsoft.com/office/drawing/2014/main" id="{36E17803-F33C-CC35-1528-D5709F7B97B1}"/>
+              </a:ext>
+            </a:extLst>
+          </p:cNvPr>
+          <p:cNvSpPr txBox="1"/>
+          <p:nvPr/>
+        </p:nvSpPr>
+        <p:spPr>
+          <a:xfrm>
+            <a:off x="0" y="6460030"/>
+            <a:ext cx="7068539" cy="307777"/>
+          </a:xfrm>
+          <a:prstGeom prst="rect">
+            <a:avLst/>
+          </a:prstGeom>
+          <a:noFill/>
+        </p:spPr>
+        <p:txBody>
+          <a:bodyPr wrap="square" rtlCol="0">
+            <a:spAutoFit/>
+          </a:bodyPr>
+          <a:lstStyle/>
+          <a:p>
+            <a:r>
+              <a:rPr lang="en-US" altLang="zh-CN" sz="1400" dirty="0" err="1"/>
+              <a:t>A.Madani</a:t>
+            </a:r>
+            <a:r>
+              <a:rPr lang="en-US" altLang="zh-CN" sz="1400" dirty="0"/>
+              <a:t> et al., </a:t>
+            </a:r>
+            <a:r>
+              <a:rPr lang="nl-NL" altLang="zh-CN" sz="1400" i="1" dirty="0"/>
+              <a:t>Nat Biotechnol </a:t>
+            </a:r>
+            <a:r>
+              <a:rPr lang="nl-NL" altLang="zh-CN" sz="1400" dirty="0"/>
+              <a:t>(2023). https://doi.org/10.1038/s41587-022-01618-2</a:t>
+            </a:r>
+            <a:endParaRPr lang="zh-CN" altLang="en-US" sz="1400" dirty="0"/>
+          </a:p>
+        </p:txBody>
+      </p:sp>
+    </p:spTree>
+    <p:extLst>
+      <p:ext uri="{BB962C8B-B14F-4D97-AF65-F5344CB8AC3E}">
+        <p14:creationId xmlns:p14="http://schemas.microsoft.com/office/powerpoint/2010/main" val="3707251154"/>
       </p:ext>
     </p:extLst>
   </p:cSld>
@@ -11063,6 +15193,2054 @@
     <p:extLst>
       <p:ext uri="{BB962C8B-B14F-4D97-AF65-F5344CB8AC3E}">
         <p14:creationId xmlns:p14="http://schemas.microsoft.com/office/powerpoint/2010/main" val="1071682635"/>
+      </p:ext>
+    </p:extLst>
+  </p:cSld>
+  <p:clrMapOvr>
+    <a:masterClrMapping/>
+  </p:clrMapOvr>
+</p:sld>
+</file>
+
+<file path=ppt/slides/slide20.xml><?xml version="1.0" encoding="utf-8"?>
+<p:sld xmlns:a="http://schemas.openxmlformats.org/drawingml/2006/main" xmlns:r="http://schemas.openxmlformats.org/officeDocument/2006/relationships" xmlns:p="http://schemas.openxmlformats.org/presentationml/2006/main">
+  <p:cSld>
+    <p:spTree>
+      <p:nvGrpSpPr>
+        <p:cNvPr id="1" name=""/>
+        <p:cNvGrpSpPr/>
+        <p:nvPr/>
+      </p:nvGrpSpPr>
+      <p:grpSpPr>
+        <a:xfrm>
+          <a:off x="0" y="0"/>
+          <a:ext cx="0" cy="0"/>
+          <a:chOff x="0" y="0"/>
+          <a:chExt cx="0" cy="0"/>
+        </a:xfrm>
+      </p:grpSpPr>
+      <p:grpSp>
+        <p:nvGrpSpPr>
+          <p:cNvPr id="55" name="组合 54"/>
+          <p:cNvGrpSpPr/>
+          <p:nvPr/>
+        </p:nvGrpSpPr>
+        <p:grpSpPr>
+          <a:xfrm>
+            <a:off x="129866" y="265800"/>
+            <a:ext cx="8834508" cy="6487359"/>
+            <a:chOff x="1653864" y="299356"/>
+            <a:chExt cx="10859564" cy="7633190"/>
+          </a:xfrm>
+        </p:grpSpPr>
+        <p:grpSp>
+          <p:nvGrpSpPr>
+            <p:cNvPr id="56" name="组合 55"/>
+            <p:cNvGrpSpPr/>
+            <p:nvPr/>
+          </p:nvGrpSpPr>
+          <p:grpSpPr>
+            <a:xfrm>
+              <a:off x="1653864" y="299356"/>
+              <a:ext cx="1316500" cy="883947"/>
+              <a:chOff x="7436079" y="1279752"/>
+              <a:chExt cx="6401934" cy="4298496"/>
+            </a:xfrm>
+          </p:grpSpPr>
+          <p:sp>
+            <p:nvSpPr>
+              <p:cNvPr id="64" name="菱形 63"/>
+              <p:cNvSpPr/>
+              <p:nvPr/>
+            </p:nvSpPr>
+            <p:spPr>
+              <a:xfrm>
+                <a:off x="7436079" y="2107068"/>
+                <a:ext cx="2643870" cy="2643870"/>
+              </a:xfrm>
+              <a:prstGeom prst="diamond">
+                <a:avLst/>
+              </a:prstGeom>
+              <a:noFill/>
+              <a:ln w="28575">
+                <a:solidFill>
+                  <a:schemeClr val="accent1">
+                    <a:lumMod val="60000"/>
+                    <a:lumOff val="40000"/>
+                  </a:schemeClr>
+                </a:solidFill>
+              </a:ln>
+            </p:spPr>
+            <p:style>
+              <a:lnRef idx="2">
+                <a:schemeClr val="accent1">
+                  <a:shade val="50000"/>
+                </a:schemeClr>
+              </a:lnRef>
+              <a:fillRef idx="1">
+                <a:schemeClr val="accent1"/>
+              </a:fillRef>
+              <a:effectRef idx="0">
+                <a:schemeClr val="accent1"/>
+              </a:effectRef>
+              <a:fontRef idx="minor">
+                <a:schemeClr val="lt1"/>
+              </a:fontRef>
+            </p:style>
+            <p:txBody>
+              <a:bodyPr rtlCol="0" anchor="ctr"/>
+              <a:lstStyle/>
+              <a:p>
+                <a:pPr algn="ctr"/>
+                <a:endParaRPr lang="zh-CN" altLang="en-US"/>
+              </a:p>
+            </p:txBody>
+          </p:sp>
+          <p:sp>
+            <p:nvSpPr>
+              <p:cNvPr id="65" name="菱形 64"/>
+              <p:cNvSpPr/>
+              <p:nvPr/>
+            </p:nvSpPr>
+            <p:spPr>
+              <a:xfrm>
+                <a:off x="9539517" y="1279752"/>
+                <a:ext cx="4298496" cy="4298496"/>
+              </a:xfrm>
+              <a:prstGeom prst="diamond">
+                <a:avLst/>
+              </a:prstGeom>
+              <a:noFill/>
+              <a:ln w="28575">
+                <a:solidFill>
+                  <a:srgbClr val="A72020"/>
+                </a:solidFill>
+              </a:ln>
+            </p:spPr>
+            <p:style>
+              <a:lnRef idx="2">
+                <a:schemeClr val="accent1">
+                  <a:shade val="50000"/>
+                </a:schemeClr>
+              </a:lnRef>
+              <a:fillRef idx="1">
+                <a:schemeClr val="accent1"/>
+              </a:fillRef>
+              <a:effectRef idx="0">
+                <a:schemeClr val="accent1"/>
+              </a:effectRef>
+              <a:fontRef idx="minor">
+                <a:schemeClr val="lt1"/>
+              </a:fontRef>
+            </p:style>
+            <p:txBody>
+              <a:bodyPr rtlCol="0" anchor="ctr"/>
+              <a:lstStyle/>
+              <a:p>
+                <a:pPr algn="ctr"/>
+                <a:endParaRPr lang="zh-CN" altLang="en-US"/>
+              </a:p>
+            </p:txBody>
+          </p:sp>
+        </p:grpSp>
+        <p:sp>
+          <p:nvSpPr>
+            <p:cNvPr id="57" name="文本框 56"/>
+            <p:cNvSpPr txBox="1"/>
+            <p:nvPr/>
+          </p:nvSpPr>
+          <p:spPr>
+            <a:xfrm>
+              <a:off x="2166981" y="398787"/>
+              <a:ext cx="722816" cy="688061"/>
+            </a:xfrm>
+            <a:prstGeom prst="rect">
+              <a:avLst/>
+            </a:prstGeom>
+            <a:noFill/>
+          </p:spPr>
+          <p:txBody>
+            <a:bodyPr wrap="square" rtlCol="0">
+              <a:spAutoFit/>
+              <a:scene3d>
+                <a:camera prst="orthographicFront"/>
+                <a:lightRig rig="threePt" dir="t"/>
+              </a:scene3d>
+              <a:sp3d contourW="12700"/>
+            </a:bodyPr>
+            <a:lstStyle/>
+            <a:p>
+              <a:pPr algn="ctr"/>
+              <a:r>
+                <a:rPr lang="en-US" altLang="zh-CN" sz="3200" dirty="0">
+                  <a:solidFill>
+                    <a:schemeClr val="accent1"/>
+                  </a:solidFill>
+                  <a:latin typeface="Agency FB" panose="020B0503020202020204" pitchFamily="34" charset="0"/>
+                </a:rPr>
+                <a:t>07</a:t>
+              </a:r>
+              <a:endParaRPr lang="zh-CN" altLang="en-US" sz="3200" dirty="0">
+                <a:solidFill>
+                  <a:schemeClr val="accent1"/>
+                </a:solidFill>
+                <a:latin typeface="Agency FB" panose="020B0503020202020204" pitchFamily="34" charset="0"/>
+              </a:endParaRPr>
+            </a:p>
+          </p:txBody>
+        </p:sp>
+        <p:grpSp>
+          <p:nvGrpSpPr>
+            <p:cNvPr id="59" name="组合 58"/>
+            <p:cNvGrpSpPr/>
+            <p:nvPr/>
+          </p:nvGrpSpPr>
+          <p:grpSpPr>
+            <a:xfrm>
+              <a:off x="11572872" y="7291431"/>
+              <a:ext cx="940556" cy="641115"/>
+              <a:chOff x="11395287" y="7365982"/>
+              <a:chExt cx="1208633" cy="823842"/>
+            </a:xfrm>
+          </p:grpSpPr>
+          <p:sp>
+            <p:nvSpPr>
+              <p:cNvPr id="60" name="菱形 59"/>
+              <p:cNvSpPr/>
+              <p:nvPr/>
+            </p:nvSpPr>
+            <p:spPr>
+              <a:xfrm>
+                <a:off x="11780079" y="7365982"/>
+                <a:ext cx="823841" cy="823842"/>
+              </a:xfrm>
+              <a:prstGeom prst="diamond">
+                <a:avLst/>
+              </a:prstGeom>
+              <a:noFill/>
+              <a:ln w="28575">
+                <a:solidFill>
+                  <a:schemeClr val="accent1">
+                    <a:lumMod val="60000"/>
+                    <a:lumOff val="40000"/>
+                  </a:schemeClr>
+                </a:solidFill>
+              </a:ln>
+            </p:spPr>
+            <p:style>
+              <a:lnRef idx="2">
+                <a:schemeClr val="accent1">
+                  <a:shade val="50000"/>
+                </a:schemeClr>
+              </a:lnRef>
+              <a:fillRef idx="1">
+                <a:schemeClr val="accent1"/>
+              </a:fillRef>
+              <a:effectRef idx="0">
+                <a:schemeClr val="accent1"/>
+              </a:effectRef>
+              <a:fontRef idx="minor">
+                <a:schemeClr val="lt1"/>
+              </a:fontRef>
+            </p:style>
+            <p:txBody>
+              <a:bodyPr rtlCol="0" anchor="ctr"/>
+              <a:lstStyle/>
+              <a:p>
+                <a:pPr algn="ctr"/>
+                <a:endParaRPr lang="zh-CN" altLang="en-US"/>
+              </a:p>
+            </p:txBody>
+          </p:sp>
+          <p:sp>
+            <p:nvSpPr>
+              <p:cNvPr id="61" name="菱形 60"/>
+              <p:cNvSpPr/>
+              <p:nvPr/>
+            </p:nvSpPr>
+            <p:spPr>
+              <a:xfrm>
+                <a:off x="11395287" y="7489187"/>
+                <a:ext cx="577426" cy="577425"/>
+              </a:xfrm>
+              <a:prstGeom prst="diamond">
+                <a:avLst/>
+              </a:prstGeom>
+              <a:noFill/>
+              <a:ln w="28575">
+                <a:solidFill>
+                  <a:schemeClr val="accent1">
+                    <a:lumMod val="60000"/>
+                    <a:lumOff val="40000"/>
+                  </a:schemeClr>
+                </a:solidFill>
+              </a:ln>
+            </p:spPr>
+            <p:style>
+              <a:lnRef idx="2">
+                <a:schemeClr val="accent1">
+                  <a:shade val="50000"/>
+                </a:schemeClr>
+              </a:lnRef>
+              <a:fillRef idx="1">
+                <a:schemeClr val="accent1"/>
+              </a:fillRef>
+              <a:effectRef idx="0">
+                <a:schemeClr val="accent1"/>
+              </a:effectRef>
+              <a:fontRef idx="minor">
+                <a:schemeClr val="lt1"/>
+              </a:fontRef>
+            </p:style>
+            <p:txBody>
+              <a:bodyPr rtlCol="0" anchor="ctr"/>
+              <a:lstStyle/>
+              <a:p>
+                <a:pPr algn="ctr"/>
+                <a:endParaRPr lang="zh-CN" altLang="en-US"/>
+              </a:p>
+            </p:txBody>
+          </p:sp>
+        </p:grpSp>
+      </p:grpSp>
+      <p:sp>
+        <p:nvSpPr>
+          <p:cNvPr id="2" name="灯片编号占位符 1"/>
+          <p:cNvSpPr>
+            <a:spLocks noGrp="1"/>
+          </p:cNvSpPr>
+          <p:nvPr>
+            <p:ph type="sldNum" sz="quarter" idx="4294967295"/>
+          </p:nvPr>
+        </p:nvSpPr>
+        <p:spPr>
+          <a:xfrm>
+            <a:off x="6801374" y="6308973"/>
+            <a:ext cx="2057400" cy="365125"/>
+          </a:xfrm>
+        </p:spPr>
+        <p:txBody>
+          <a:bodyPr/>
+          <a:lstStyle/>
+          <a:p>
+            <a:fld id="{2EC5D418-970F-4C7F-9452-AEC5956F87CE}" type="slidenum">
+              <a:rPr lang="zh-CN" altLang="en-US" smtClean="0"/>
+              <a:pPr/>
+              <a:t>20</a:t>
+            </a:fld>
+            <a:endParaRPr lang="zh-CN" altLang="en-US" dirty="0"/>
+          </a:p>
+        </p:txBody>
+      </p:sp>
+      <p:pic>
+        <p:nvPicPr>
+          <p:cNvPr id="30" name="图片 29">
+            <a:extLst>
+              <a:ext uri="{FF2B5EF4-FFF2-40B4-BE49-F238E27FC236}">
+                <a16:creationId xmlns:a16="http://schemas.microsoft.com/office/drawing/2014/main" id="{0DE557CF-93C1-4CD2-BEDB-F6ED9B73877B}"/>
+              </a:ext>
+            </a:extLst>
+          </p:cNvPr>
+          <p:cNvPicPr>
+            <a:picLocks noChangeAspect="1"/>
+          </p:cNvPicPr>
+          <p:nvPr/>
+        </p:nvPicPr>
+        <p:blipFill>
+          <a:blip r:embed="rId3" cstate="print">
+            <a:extLst>
+              <a:ext uri="{28A0092B-C50C-407E-A947-70E740481C1C}">
+                <a14:useLocalDpi xmlns:a14="http://schemas.microsoft.com/office/drawing/2010/main" val="0"/>
+              </a:ext>
+            </a:extLst>
+          </a:blip>
+          <a:stretch>
+            <a:fillRect/>
+          </a:stretch>
+        </p:blipFill>
+        <p:spPr>
+          <a:xfrm>
+            <a:off x="7604209" y="6241384"/>
+            <a:ext cx="521560" cy="521560"/>
+          </a:xfrm>
+          <a:prstGeom prst="rect">
+            <a:avLst/>
+          </a:prstGeom>
+        </p:spPr>
+      </p:pic>
+      <p:sp>
+        <p:nvSpPr>
+          <p:cNvPr id="25" name="文本框 24">
+            <a:extLst>
+              <a:ext uri="{FF2B5EF4-FFF2-40B4-BE49-F238E27FC236}">
+                <a16:creationId xmlns:a16="http://schemas.microsoft.com/office/drawing/2014/main" id="{4096B1CC-1349-4E99-9A39-A7B4A3646208}"/>
+              </a:ext>
+            </a:extLst>
+          </p:cNvPr>
+          <p:cNvSpPr txBox="1"/>
+          <p:nvPr/>
+        </p:nvSpPr>
+        <p:spPr>
+          <a:xfrm>
+            <a:off x="1302264" y="409723"/>
+            <a:ext cx="7262503" cy="523220"/>
+          </a:xfrm>
+          <a:prstGeom prst="rect">
+            <a:avLst/>
+          </a:prstGeom>
+          <a:noFill/>
+        </p:spPr>
+        <p:txBody>
+          <a:bodyPr wrap="square" rtlCol="0">
+            <a:spAutoFit/>
+            <a:scene3d>
+              <a:camera prst="orthographicFront"/>
+              <a:lightRig rig="threePt" dir="t"/>
+            </a:scene3d>
+            <a:sp3d contourW="12700"/>
+          </a:bodyPr>
+          <a:lstStyle/>
+          <a:p>
+            <a:r>
+              <a:rPr lang="en-US" altLang="zh-CN" sz="2800" b="1" dirty="0">
+                <a:solidFill>
+                  <a:schemeClr val="tx1">
+                    <a:lumMod val="75000"/>
+                    <a:lumOff val="25000"/>
+                  </a:schemeClr>
+                </a:solidFill>
+                <a:latin typeface="Century Gothic" panose="020B0502020202020204" pitchFamily="34" charset="0"/>
+              </a:rPr>
+              <a:t>Conclusion and Future</a:t>
+            </a:r>
+            <a:endParaRPr lang="zh-CN" altLang="en-US" sz="2800" b="1" dirty="0">
+              <a:solidFill>
+                <a:schemeClr val="tx1">
+                  <a:lumMod val="75000"/>
+                  <a:lumOff val="25000"/>
+                </a:schemeClr>
+              </a:solidFill>
+              <a:latin typeface="Century Gothic" panose="020B0502020202020204" pitchFamily="34" charset="0"/>
+            </a:endParaRPr>
+          </a:p>
+        </p:txBody>
+      </p:sp>
+      <p:sp>
+        <p:nvSpPr>
+          <p:cNvPr id="7" name="菱形 6">
+            <a:extLst>
+              <a:ext uri="{FF2B5EF4-FFF2-40B4-BE49-F238E27FC236}">
+                <a16:creationId xmlns:a16="http://schemas.microsoft.com/office/drawing/2014/main" id="{B62E66AD-11A0-AF17-583A-BC37264C4C8E}"/>
+              </a:ext>
+            </a:extLst>
+          </p:cNvPr>
+          <p:cNvSpPr/>
+          <p:nvPr/>
+        </p:nvSpPr>
+        <p:spPr>
+          <a:xfrm>
+            <a:off x="453358" y="1242561"/>
+            <a:ext cx="360000" cy="360000"/>
+          </a:xfrm>
+          <a:prstGeom prst="diamond">
+            <a:avLst/>
+          </a:prstGeom>
+          <a:ln>
+            <a:noFill/>
+          </a:ln>
+        </p:spPr>
+        <p:style>
+          <a:lnRef idx="2">
+            <a:schemeClr val="accent1">
+              <a:shade val="50000"/>
+            </a:schemeClr>
+          </a:lnRef>
+          <a:fillRef idx="1">
+            <a:schemeClr val="accent1"/>
+          </a:fillRef>
+          <a:effectRef idx="0">
+            <a:schemeClr val="accent1"/>
+          </a:effectRef>
+          <a:fontRef idx="minor">
+            <a:schemeClr val="lt1"/>
+          </a:fontRef>
+        </p:style>
+        <p:txBody>
+          <a:bodyPr rot="0" spcFirstLastPara="0" vert="horz" wrap="square" lIns="91440" tIns="45720" rIns="91440" bIns="45720" numCol="1" spcCol="0" rtlCol="0" fromWordArt="0" anchor="ctr" anchorCtr="0" forceAA="0" compatLnSpc="1">
+            <a:prstTxWarp prst="textNoShape">
+              <a:avLst/>
+            </a:prstTxWarp>
+            <a:noAutofit/>
+          </a:bodyPr>
+          <a:lstStyle>
+            <a:defPPr>
+              <a:defRPr lang="en-US"/>
+            </a:defPPr>
+            <a:lvl1pPr marL="0" algn="l" defTabSz="457200" rtl="0" eaLnBrk="1" latinLnBrk="0" hangingPunct="1">
+              <a:defRPr sz="1800" kern="1200">
+                <a:solidFill>
+                  <a:schemeClr val="lt1"/>
+                </a:solidFill>
+                <a:latin typeface="+mn-lt"/>
+                <a:ea typeface="+mn-ea"/>
+                <a:cs typeface="+mn-cs"/>
+              </a:defRPr>
+            </a:lvl1pPr>
+            <a:lvl2pPr marL="457200" algn="l" defTabSz="457200" rtl="0" eaLnBrk="1" latinLnBrk="0" hangingPunct="1">
+              <a:defRPr sz="1800" kern="1200">
+                <a:solidFill>
+                  <a:schemeClr val="lt1"/>
+                </a:solidFill>
+                <a:latin typeface="+mn-lt"/>
+                <a:ea typeface="+mn-ea"/>
+                <a:cs typeface="+mn-cs"/>
+              </a:defRPr>
+            </a:lvl2pPr>
+            <a:lvl3pPr marL="914400" algn="l" defTabSz="457200" rtl="0" eaLnBrk="1" latinLnBrk="0" hangingPunct="1">
+              <a:defRPr sz="1800" kern="1200">
+                <a:solidFill>
+                  <a:schemeClr val="lt1"/>
+                </a:solidFill>
+                <a:latin typeface="+mn-lt"/>
+                <a:ea typeface="+mn-ea"/>
+                <a:cs typeface="+mn-cs"/>
+              </a:defRPr>
+            </a:lvl3pPr>
+            <a:lvl4pPr marL="1371600" algn="l" defTabSz="457200" rtl="0" eaLnBrk="1" latinLnBrk="0" hangingPunct="1">
+              <a:defRPr sz="1800" kern="1200">
+                <a:solidFill>
+                  <a:schemeClr val="lt1"/>
+                </a:solidFill>
+                <a:latin typeface="+mn-lt"/>
+                <a:ea typeface="+mn-ea"/>
+                <a:cs typeface="+mn-cs"/>
+              </a:defRPr>
+            </a:lvl4pPr>
+            <a:lvl5pPr marL="1828800" algn="l" defTabSz="457200" rtl="0" eaLnBrk="1" latinLnBrk="0" hangingPunct="1">
+              <a:defRPr sz="1800" kern="1200">
+                <a:solidFill>
+                  <a:schemeClr val="lt1"/>
+                </a:solidFill>
+                <a:latin typeface="+mn-lt"/>
+                <a:ea typeface="+mn-ea"/>
+                <a:cs typeface="+mn-cs"/>
+              </a:defRPr>
+            </a:lvl5pPr>
+            <a:lvl6pPr marL="2286000" algn="l" defTabSz="457200" rtl="0" eaLnBrk="1" latinLnBrk="0" hangingPunct="1">
+              <a:defRPr sz="1800" kern="1200">
+                <a:solidFill>
+                  <a:schemeClr val="lt1"/>
+                </a:solidFill>
+                <a:latin typeface="+mn-lt"/>
+                <a:ea typeface="+mn-ea"/>
+                <a:cs typeface="+mn-cs"/>
+              </a:defRPr>
+            </a:lvl6pPr>
+            <a:lvl7pPr marL="2743200" algn="l" defTabSz="457200" rtl="0" eaLnBrk="1" latinLnBrk="0" hangingPunct="1">
+              <a:defRPr sz="1800" kern="1200">
+                <a:solidFill>
+                  <a:schemeClr val="lt1"/>
+                </a:solidFill>
+                <a:latin typeface="+mn-lt"/>
+                <a:ea typeface="+mn-ea"/>
+                <a:cs typeface="+mn-cs"/>
+              </a:defRPr>
+            </a:lvl7pPr>
+            <a:lvl8pPr marL="3200400" algn="l" defTabSz="457200" rtl="0" eaLnBrk="1" latinLnBrk="0" hangingPunct="1">
+              <a:defRPr sz="1800" kern="1200">
+                <a:solidFill>
+                  <a:schemeClr val="lt1"/>
+                </a:solidFill>
+                <a:latin typeface="+mn-lt"/>
+                <a:ea typeface="+mn-ea"/>
+                <a:cs typeface="+mn-cs"/>
+              </a:defRPr>
+            </a:lvl8pPr>
+            <a:lvl9pPr marL="3657600" algn="l" defTabSz="457200" rtl="0" eaLnBrk="1" latinLnBrk="0" hangingPunct="1">
+              <a:defRPr sz="1800" kern="1200">
+                <a:solidFill>
+                  <a:schemeClr val="lt1"/>
+                </a:solidFill>
+                <a:latin typeface="+mn-lt"/>
+                <a:ea typeface="+mn-ea"/>
+                <a:cs typeface="+mn-cs"/>
+              </a:defRPr>
+            </a:lvl9pPr>
+          </a:lstStyle>
+          <a:p>
+            <a:pPr algn="ctr"/>
+            <a:endParaRPr lang="zh-CN" altLang="en-US" dirty="0"/>
+          </a:p>
+        </p:txBody>
+      </p:sp>
+      <p:grpSp>
+        <p:nvGrpSpPr>
+          <p:cNvPr id="8" name="组合 7">
+            <a:extLst>
+              <a:ext uri="{FF2B5EF4-FFF2-40B4-BE49-F238E27FC236}">
+                <a16:creationId xmlns:a16="http://schemas.microsoft.com/office/drawing/2014/main" id="{5472470B-0774-C667-4427-B157323C3E51}"/>
+              </a:ext>
+            </a:extLst>
+          </p:cNvPr>
+          <p:cNvGrpSpPr/>
+          <p:nvPr/>
+        </p:nvGrpSpPr>
+        <p:grpSpPr>
+          <a:xfrm>
+            <a:off x="817571" y="1205383"/>
+            <a:ext cx="7508858" cy="1184700"/>
+            <a:chOff x="1541719" y="2318349"/>
+            <a:chExt cx="2133781" cy="1184700"/>
+          </a:xfrm>
+        </p:grpSpPr>
+        <p:sp>
+          <p:nvSpPr>
+            <p:cNvPr id="9" name="文本框 8">
+              <a:extLst>
+                <a:ext uri="{FF2B5EF4-FFF2-40B4-BE49-F238E27FC236}">
+                  <a16:creationId xmlns:a16="http://schemas.microsoft.com/office/drawing/2014/main" id="{EDE83FAC-EB44-6427-BE3C-426C2F8EC592}"/>
+                </a:ext>
+              </a:extLst>
+            </p:cNvPr>
+            <p:cNvSpPr txBox="1"/>
+            <p:nvPr/>
+          </p:nvSpPr>
+          <p:spPr>
+            <a:xfrm>
+              <a:off x="1541719" y="2318349"/>
+              <a:ext cx="2133781" cy="400110"/>
+            </a:xfrm>
+            <a:prstGeom prst="rect">
+              <a:avLst/>
+            </a:prstGeom>
+            <a:noFill/>
+          </p:spPr>
+          <p:txBody>
+            <a:bodyPr wrap="square" rtlCol="0">
+              <a:spAutoFit/>
+              <a:scene3d>
+                <a:camera prst="orthographicFront"/>
+                <a:lightRig rig="threePt" dir="t"/>
+              </a:scene3d>
+              <a:sp3d contourW="12700"/>
+            </a:bodyPr>
+            <a:lstStyle/>
+            <a:p>
+              <a:r>
+                <a:rPr lang="en-US" altLang="zh-CN" sz="2000" b="1" dirty="0">
+                  <a:solidFill>
+                    <a:schemeClr val="tx1">
+                      <a:lumMod val="75000"/>
+                      <a:lumOff val="25000"/>
+                    </a:schemeClr>
+                  </a:solidFill>
+                  <a:latin typeface="Century Gothic" panose="020B0502020202020204" pitchFamily="34" charset="0"/>
+                </a:rPr>
+                <a:t>New era</a:t>
+              </a:r>
+            </a:p>
+          </p:txBody>
+        </p:sp>
+        <p:sp>
+          <p:nvSpPr>
+            <p:cNvPr id="10" name="文本框 9">
+              <a:extLst>
+                <a:ext uri="{FF2B5EF4-FFF2-40B4-BE49-F238E27FC236}">
+                  <a16:creationId xmlns:a16="http://schemas.microsoft.com/office/drawing/2014/main" id="{38A2D493-0E3E-699C-7D09-612FDDF88F3E}"/>
+                </a:ext>
+              </a:extLst>
+            </p:cNvPr>
+            <p:cNvSpPr txBox="1"/>
+            <p:nvPr/>
+          </p:nvSpPr>
+          <p:spPr>
+            <a:xfrm>
+              <a:off x="1541719" y="2715526"/>
+              <a:ext cx="2133781" cy="787523"/>
+            </a:xfrm>
+            <a:prstGeom prst="rect">
+              <a:avLst/>
+            </a:prstGeom>
+            <a:noFill/>
+          </p:spPr>
+          <p:txBody>
+            <a:bodyPr wrap="square" rtlCol="0">
+              <a:spAutoFit/>
+              <a:scene3d>
+                <a:camera prst="orthographicFront"/>
+                <a:lightRig rig="threePt" dir="t"/>
+              </a:scene3d>
+              <a:sp3d contourW="12700"/>
+            </a:bodyPr>
+            <a:lstStyle/>
+            <a:p>
+              <a:pPr lvl="1">
+                <a:lnSpc>
+                  <a:spcPct val="150000"/>
+                </a:lnSpc>
+              </a:pPr>
+              <a:r>
+                <a:rPr lang="en-US" altLang="zh-CN" sz="1600" dirty="0">
+                  <a:latin typeface="+mn-ea"/>
+                </a:rPr>
+                <a:t>LLM accelerates scientific research and our daily lives.</a:t>
+              </a:r>
+            </a:p>
+            <a:p>
+              <a:pPr lvl="1">
+                <a:lnSpc>
+                  <a:spcPct val="150000"/>
+                </a:lnSpc>
+              </a:pPr>
+              <a:r>
+                <a:rPr lang="en-US" altLang="zh-CN" sz="1600" b="1" dirty="0">
+                  <a:latin typeface="+mn-ea"/>
+                </a:rPr>
+                <a:t>Who is responsible for the contents?</a:t>
+              </a:r>
+            </a:p>
+          </p:txBody>
+        </p:sp>
+      </p:grpSp>
+      <p:sp>
+        <p:nvSpPr>
+          <p:cNvPr id="15" name="菱形 2">
+            <a:extLst>
+              <a:ext uri="{FF2B5EF4-FFF2-40B4-BE49-F238E27FC236}">
+                <a16:creationId xmlns:a16="http://schemas.microsoft.com/office/drawing/2014/main" id="{5C757CD3-5719-6A0C-43DF-A6548A861B34}"/>
+              </a:ext>
+            </a:extLst>
+          </p:cNvPr>
+          <p:cNvSpPr/>
+          <p:nvPr/>
+        </p:nvSpPr>
+        <p:spPr>
+          <a:xfrm>
+            <a:off x="481758" y="2870114"/>
+            <a:ext cx="360000" cy="360000"/>
+          </a:xfrm>
+          <a:prstGeom prst="diamond">
+            <a:avLst/>
+          </a:prstGeom>
+          <a:ln>
+            <a:noFill/>
+          </a:ln>
+        </p:spPr>
+        <p:style>
+          <a:lnRef idx="2">
+            <a:schemeClr val="accent1">
+              <a:shade val="50000"/>
+            </a:schemeClr>
+          </a:lnRef>
+          <a:fillRef idx="1">
+            <a:schemeClr val="accent1"/>
+          </a:fillRef>
+          <a:effectRef idx="0">
+            <a:schemeClr val="accent1"/>
+          </a:effectRef>
+          <a:fontRef idx="minor">
+            <a:schemeClr val="lt1"/>
+          </a:fontRef>
+        </p:style>
+        <p:txBody>
+          <a:bodyPr rot="0" spcFirstLastPara="0" vert="horz" wrap="square" lIns="91440" tIns="45720" rIns="91440" bIns="45720" numCol="1" spcCol="0" rtlCol="0" fromWordArt="0" anchor="ctr" anchorCtr="0" forceAA="0" compatLnSpc="1">
+            <a:prstTxWarp prst="textNoShape">
+              <a:avLst/>
+            </a:prstTxWarp>
+            <a:noAutofit/>
+          </a:bodyPr>
+          <a:lstStyle>
+            <a:defPPr>
+              <a:defRPr lang="en-US"/>
+            </a:defPPr>
+            <a:lvl1pPr marL="0" algn="l" defTabSz="457200" rtl="0" eaLnBrk="1" latinLnBrk="0" hangingPunct="1">
+              <a:defRPr sz="1800" kern="1200">
+                <a:solidFill>
+                  <a:schemeClr val="lt1"/>
+                </a:solidFill>
+                <a:latin typeface="+mn-lt"/>
+                <a:ea typeface="+mn-ea"/>
+                <a:cs typeface="+mn-cs"/>
+              </a:defRPr>
+            </a:lvl1pPr>
+            <a:lvl2pPr marL="457200" algn="l" defTabSz="457200" rtl="0" eaLnBrk="1" latinLnBrk="0" hangingPunct="1">
+              <a:defRPr sz="1800" kern="1200">
+                <a:solidFill>
+                  <a:schemeClr val="lt1"/>
+                </a:solidFill>
+                <a:latin typeface="+mn-lt"/>
+                <a:ea typeface="+mn-ea"/>
+                <a:cs typeface="+mn-cs"/>
+              </a:defRPr>
+            </a:lvl2pPr>
+            <a:lvl3pPr marL="914400" algn="l" defTabSz="457200" rtl="0" eaLnBrk="1" latinLnBrk="0" hangingPunct="1">
+              <a:defRPr sz="1800" kern="1200">
+                <a:solidFill>
+                  <a:schemeClr val="lt1"/>
+                </a:solidFill>
+                <a:latin typeface="+mn-lt"/>
+                <a:ea typeface="+mn-ea"/>
+                <a:cs typeface="+mn-cs"/>
+              </a:defRPr>
+            </a:lvl3pPr>
+            <a:lvl4pPr marL="1371600" algn="l" defTabSz="457200" rtl="0" eaLnBrk="1" latinLnBrk="0" hangingPunct="1">
+              <a:defRPr sz="1800" kern="1200">
+                <a:solidFill>
+                  <a:schemeClr val="lt1"/>
+                </a:solidFill>
+                <a:latin typeface="+mn-lt"/>
+                <a:ea typeface="+mn-ea"/>
+                <a:cs typeface="+mn-cs"/>
+              </a:defRPr>
+            </a:lvl4pPr>
+            <a:lvl5pPr marL="1828800" algn="l" defTabSz="457200" rtl="0" eaLnBrk="1" latinLnBrk="0" hangingPunct="1">
+              <a:defRPr sz="1800" kern="1200">
+                <a:solidFill>
+                  <a:schemeClr val="lt1"/>
+                </a:solidFill>
+                <a:latin typeface="+mn-lt"/>
+                <a:ea typeface="+mn-ea"/>
+                <a:cs typeface="+mn-cs"/>
+              </a:defRPr>
+            </a:lvl5pPr>
+            <a:lvl6pPr marL="2286000" algn="l" defTabSz="457200" rtl="0" eaLnBrk="1" latinLnBrk="0" hangingPunct="1">
+              <a:defRPr sz="1800" kern="1200">
+                <a:solidFill>
+                  <a:schemeClr val="lt1"/>
+                </a:solidFill>
+                <a:latin typeface="+mn-lt"/>
+                <a:ea typeface="+mn-ea"/>
+                <a:cs typeface="+mn-cs"/>
+              </a:defRPr>
+            </a:lvl6pPr>
+            <a:lvl7pPr marL="2743200" algn="l" defTabSz="457200" rtl="0" eaLnBrk="1" latinLnBrk="0" hangingPunct="1">
+              <a:defRPr sz="1800" kern="1200">
+                <a:solidFill>
+                  <a:schemeClr val="lt1"/>
+                </a:solidFill>
+                <a:latin typeface="+mn-lt"/>
+                <a:ea typeface="+mn-ea"/>
+                <a:cs typeface="+mn-cs"/>
+              </a:defRPr>
+            </a:lvl7pPr>
+            <a:lvl8pPr marL="3200400" algn="l" defTabSz="457200" rtl="0" eaLnBrk="1" latinLnBrk="0" hangingPunct="1">
+              <a:defRPr sz="1800" kern="1200">
+                <a:solidFill>
+                  <a:schemeClr val="lt1"/>
+                </a:solidFill>
+                <a:latin typeface="+mn-lt"/>
+                <a:ea typeface="+mn-ea"/>
+                <a:cs typeface="+mn-cs"/>
+              </a:defRPr>
+            </a:lvl8pPr>
+            <a:lvl9pPr marL="3657600" algn="l" defTabSz="457200" rtl="0" eaLnBrk="1" latinLnBrk="0" hangingPunct="1">
+              <a:defRPr sz="1800" kern="1200">
+                <a:solidFill>
+                  <a:schemeClr val="lt1"/>
+                </a:solidFill>
+                <a:latin typeface="+mn-lt"/>
+                <a:ea typeface="+mn-ea"/>
+                <a:cs typeface="+mn-cs"/>
+              </a:defRPr>
+            </a:lvl9pPr>
+          </a:lstStyle>
+          <a:p>
+            <a:pPr algn="ctr"/>
+            <a:endParaRPr lang="zh-CN" altLang="en-US" dirty="0"/>
+          </a:p>
+        </p:txBody>
+      </p:sp>
+      <p:grpSp>
+        <p:nvGrpSpPr>
+          <p:cNvPr id="16" name="组合 3">
+            <a:extLst>
+              <a:ext uri="{FF2B5EF4-FFF2-40B4-BE49-F238E27FC236}">
+                <a16:creationId xmlns:a16="http://schemas.microsoft.com/office/drawing/2014/main" id="{164C8F0E-223D-CE86-9792-21A9C90264A9}"/>
+              </a:ext>
+            </a:extLst>
+          </p:cNvPr>
+          <p:cNvGrpSpPr/>
+          <p:nvPr/>
+        </p:nvGrpSpPr>
+        <p:grpSpPr>
+          <a:xfrm>
+            <a:off x="845971" y="2832936"/>
+            <a:ext cx="7508858" cy="3031360"/>
+            <a:chOff x="1541719" y="2318349"/>
+            <a:chExt cx="2133781" cy="3031360"/>
+          </a:xfrm>
+        </p:grpSpPr>
+        <p:sp>
+          <p:nvSpPr>
+            <p:cNvPr id="17" name="文本框 4">
+              <a:extLst>
+                <a:ext uri="{FF2B5EF4-FFF2-40B4-BE49-F238E27FC236}">
+                  <a16:creationId xmlns:a16="http://schemas.microsoft.com/office/drawing/2014/main" id="{87E96136-DC2A-3824-36CC-7D5E30D0F024}"/>
+                </a:ext>
+              </a:extLst>
+            </p:cNvPr>
+            <p:cNvSpPr txBox="1"/>
+            <p:nvPr/>
+          </p:nvSpPr>
+          <p:spPr>
+            <a:xfrm>
+              <a:off x="1541719" y="2318349"/>
+              <a:ext cx="2133781" cy="400110"/>
+            </a:xfrm>
+            <a:prstGeom prst="rect">
+              <a:avLst/>
+            </a:prstGeom>
+            <a:noFill/>
+          </p:spPr>
+          <p:txBody>
+            <a:bodyPr wrap="square" rtlCol="0">
+              <a:spAutoFit/>
+              <a:scene3d>
+                <a:camera prst="orthographicFront"/>
+                <a:lightRig rig="threePt" dir="t"/>
+              </a:scene3d>
+              <a:sp3d contourW="12700"/>
+            </a:bodyPr>
+            <a:lstStyle/>
+            <a:p>
+              <a:r>
+                <a:rPr lang="en-US" altLang="zh-CN" sz="2000" b="1" dirty="0">
+                  <a:solidFill>
+                    <a:schemeClr val="tx1">
+                      <a:lumMod val="75000"/>
+                      <a:lumOff val="25000"/>
+                    </a:schemeClr>
+                  </a:solidFill>
+                  <a:latin typeface="Century Gothic" panose="020B0502020202020204" pitchFamily="34" charset="0"/>
+                </a:rPr>
+                <a:t>Extension on other “Natural Language?”</a:t>
+              </a:r>
+            </a:p>
+          </p:txBody>
+        </p:sp>
+        <p:sp>
+          <p:nvSpPr>
+            <p:cNvPr id="18" name="文本框 5">
+              <a:extLst>
+                <a:ext uri="{FF2B5EF4-FFF2-40B4-BE49-F238E27FC236}">
+                  <a16:creationId xmlns:a16="http://schemas.microsoft.com/office/drawing/2014/main" id="{47DB3F81-FAB3-CA06-08B6-318E371D79A8}"/>
+                </a:ext>
+              </a:extLst>
+            </p:cNvPr>
+            <p:cNvSpPr txBox="1"/>
+            <p:nvPr/>
+          </p:nvSpPr>
+          <p:spPr>
+            <a:xfrm>
+              <a:off x="1541719" y="2715526"/>
+              <a:ext cx="2133781" cy="2634183"/>
+            </a:xfrm>
+            <a:prstGeom prst="rect">
+              <a:avLst/>
+            </a:prstGeom>
+            <a:noFill/>
+          </p:spPr>
+          <p:txBody>
+            <a:bodyPr wrap="square" rtlCol="0">
+              <a:spAutoFit/>
+              <a:scene3d>
+                <a:camera prst="orthographicFront"/>
+                <a:lightRig rig="threePt" dir="t"/>
+              </a:scene3d>
+              <a:sp3d contourW="12700"/>
+            </a:bodyPr>
+            <a:lstStyle/>
+            <a:p>
+              <a:pPr lvl="1">
+                <a:lnSpc>
+                  <a:spcPct val="150000"/>
+                </a:lnSpc>
+              </a:pPr>
+              <a:r>
+                <a:rPr lang="en-US" altLang="zh-CN" sz="1600" dirty="0">
+                  <a:latin typeface="微软雅黑" panose="020B0503020204020204" pitchFamily="34" charset="-122"/>
+                  <a:ea typeface="微软雅黑" panose="020B0503020204020204" pitchFamily="34" charset="-122"/>
+                </a:rPr>
+                <a:t>Protein Sequence (20 tokens is much less than natural language)</a:t>
+              </a:r>
+            </a:p>
+            <a:p>
+              <a:pPr lvl="1">
+                <a:lnSpc>
+                  <a:spcPct val="150000"/>
+                </a:lnSpc>
+              </a:pPr>
+              <a:r>
+                <a:rPr lang="en-US" altLang="zh-CN" sz="1600" dirty="0">
+                  <a:latin typeface="微软雅黑" panose="020B0503020204020204" pitchFamily="34" charset="-122"/>
+                  <a:ea typeface="微软雅黑" panose="020B0503020204020204" pitchFamily="34" charset="-122"/>
+                </a:rPr>
+                <a:t>Gene code</a:t>
+              </a:r>
+            </a:p>
+            <a:p>
+              <a:pPr lvl="1">
+                <a:lnSpc>
+                  <a:spcPct val="150000"/>
+                </a:lnSpc>
+              </a:pPr>
+              <a:r>
+                <a:rPr lang="en-US" altLang="zh-CN" sz="1600" dirty="0">
+                  <a:latin typeface="微软雅黑" panose="020B0503020204020204" pitchFamily="34" charset="-122"/>
+                  <a:ea typeface="微软雅黑" panose="020B0503020204020204" pitchFamily="34" charset="-122"/>
+                </a:rPr>
+                <a:t>SMILES (no certain grammar/evolution pressure)</a:t>
+              </a:r>
+            </a:p>
+            <a:p>
+              <a:pPr lvl="1">
+                <a:lnSpc>
+                  <a:spcPct val="150000"/>
+                </a:lnSpc>
+              </a:pPr>
+              <a:r>
+                <a:rPr lang="en-US" altLang="zh-CN" sz="1600" dirty="0">
+                  <a:latin typeface="微软雅黑" panose="020B0503020204020204" pitchFamily="34" charset="-122"/>
+                  <a:ea typeface="微软雅黑" panose="020B0503020204020204" pitchFamily="34" charset="-122"/>
+                </a:rPr>
+                <a:t>Organic reactions</a:t>
+              </a:r>
+            </a:p>
+            <a:p>
+              <a:pPr lvl="1">
+                <a:lnSpc>
+                  <a:spcPct val="150000"/>
+                </a:lnSpc>
+              </a:pPr>
+              <a:r>
+                <a:rPr lang="en-US" altLang="zh-CN" sz="1600" dirty="0">
+                  <a:latin typeface="微软雅黑" panose="020B0503020204020204" pitchFamily="34" charset="-122"/>
+                  <a:ea typeface="微软雅黑" panose="020B0503020204020204" pitchFamily="34" charset="-122"/>
+                </a:rPr>
+                <a:t>Polymer chain?</a:t>
+              </a:r>
+            </a:p>
+            <a:p>
+              <a:pPr lvl="1">
+                <a:lnSpc>
+                  <a:spcPct val="150000"/>
+                </a:lnSpc>
+              </a:pPr>
+              <a:r>
+                <a:rPr lang="en-US" altLang="zh-CN" sz="1600" dirty="0">
+                  <a:latin typeface="微软雅黑" panose="020B0503020204020204" pitchFamily="34" charset="-122"/>
+                  <a:ea typeface="微软雅黑" panose="020B0503020204020204" pitchFamily="34" charset="-122"/>
+                </a:rPr>
+                <a:t>Lattice?</a:t>
+              </a:r>
+            </a:p>
+            <a:p>
+              <a:pPr lvl="1">
+                <a:lnSpc>
+                  <a:spcPct val="150000"/>
+                </a:lnSpc>
+              </a:pPr>
+              <a:r>
+                <a:rPr lang="en-US" altLang="zh-CN" sz="1600" dirty="0">
+                  <a:latin typeface="微软雅黑" panose="020B0503020204020204" pitchFamily="34" charset="-122"/>
+                  <a:ea typeface="微软雅黑" panose="020B0503020204020204" pitchFamily="34" charset="-122"/>
+                </a:rPr>
+                <a:t>…</a:t>
+              </a:r>
+            </a:p>
+          </p:txBody>
+        </p:sp>
+      </p:grpSp>
+    </p:spTree>
+    <p:extLst>
+      <p:ext uri="{BB962C8B-B14F-4D97-AF65-F5344CB8AC3E}">
+        <p14:creationId xmlns:p14="http://schemas.microsoft.com/office/powerpoint/2010/main" val="1614246395"/>
+      </p:ext>
+    </p:extLst>
+  </p:cSld>
+  <p:clrMapOvr>
+    <a:masterClrMapping/>
+  </p:clrMapOvr>
+</p:sld>
+</file>
+
+<file path=ppt/slides/slide21.xml><?xml version="1.0" encoding="utf-8"?>
+<p:sld xmlns:a="http://schemas.openxmlformats.org/drawingml/2006/main" xmlns:r="http://schemas.openxmlformats.org/officeDocument/2006/relationships" xmlns:p="http://schemas.openxmlformats.org/presentationml/2006/main">
+  <p:cSld>
+    <p:spTree>
+      <p:nvGrpSpPr>
+        <p:cNvPr id="1" name=""/>
+        <p:cNvGrpSpPr/>
+        <p:nvPr/>
+      </p:nvGrpSpPr>
+      <p:grpSpPr>
+        <a:xfrm>
+          <a:off x="0" y="0"/>
+          <a:ext cx="0" cy="0"/>
+          <a:chOff x="0" y="0"/>
+          <a:chExt cx="0" cy="0"/>
+        </a:xfrm>
+      </p:grpSpPr>
+      <p:grpSp>
+        <p:nvGrpSpPr>
+          <p:cNvPr id="55" name="组合 54"/>
+          <p:cNvGrpSpPr/>
+          <p:nvPr/>
+        </p:nvGrpSpPr>
+        <p:grpSpPr>
+          <a:xfrm>
+            <a:off x="129866" y="265800"/>
+            <a:ext cx="8834508" cy="6487359"/>
+            <a:chOff x="1653864" y="299356"/>
+            <a:chExt cx="10859564" cy="7633190"/>
+          </a:xfrm>
+        </p:grpSpPr>
+        <p:grpSp>
+          <p:nvGrpSpPr>
+            <p:cNvPr id="56" name="组合 55"/>
+            <p:cNvGrpSpPr/>
+            <p:nvPr/>
+          </p:nvGrpSpPr>
+          <p:grpSpPr>
+            <a:xfrm>
+              <a:off x="1653864" y="299356"/>
+              <a:ext cx="1316500" cy="883947"/>
+              <a:chOff x="7436079" y="1279752"/>
+              <a:chExt cx="6401934" cy="4298496"/>
+            </a:xfrm>
+          </p:grpSpPr>
+          <p:sp>
+            <p:nvSpPr>
+              <p:cNvPr id="64" name="菱形 63"/>
+              <p:cNvSpPr/>
+              <p:nvPr/>
+            </p:nvSpPr>
+            <p:spPr>
+              <a:xfrm>
+                <a:off x="7436079" y="2107068"/>
+                <a:ext cx="2643870" cy="2643870"/>
+              </a:xfrm>
+              <a:prstGeom prst="diamond">
+                <a:avLst/>
+              </a:prstGeom>
+              <a:noFill/>
+              <a:ln w="28575">
+                <a:solidFill>
+                  <a:schemeClr val="accent1">
+                    <a:lumMod val="60000"/>
+                    <a:lumOff val="40000"/>
+                  </a:schemeClr>
+                </a:solidFill>
+              </a:ln>
+            </p:spPr>
+            <p:style>
+              <a:lnRef idx="2">
+                <a:schemeClr val="accent1">
+                  <a:shade val="50000"/>
+                </a:schemeClr>
+              </a:lnRef>
+              <a:fillRef idx="1">
+                <a:schemeClr val="accent1"/>
+              </a:fillRef>
+              <a:effectRef idx="0">
+                <a:schemeClr val="accent1"/>
+              </a:effectRef>
+              <a:fontRef idx="minor">
+                <a:schemeClr val="lt1"/>
+              </a:fontRef>
+            </p:style>
+            <p:txBody>
+              <a:bodyPr rtlCol="0" anchor="ctr"/>
+              <a:lstStyle/>
+              <a:p>
+                <a:pPr algn="ctr"/>
+                <a:endParaRPr lang="zh-CN" altLang="en-US"/>
+              </a:p>
+            </p:txBody>
+          </p:sp>
+          <p:sp>
+            <p:nvSpPr>
+              <p:cNvPr id="65" name="菱形 64"/>
+              <p:cNvSpPr/>
+              <p:nvPr/>
+            </p:nvSpPr>
+            <p:spPr>
+              <a:xfrm>
+                <a:off x="9539517" y="1279752"/>
+                <a:ext cx="4298496" cy="4298496"/>
+              </a:xfrm>
+              <a:prstGeom prst="diamond">
+                <a:avLst/>
+              </a:prstGeom>
+              <a:noFill/>
+              <a:ln w="28575">
+                <a:solidFill>
+                  <a:srgbClr val="A72020"/>
+                </a:solidFill>
+              </a:ln>
+            </p:spPr>
+            <p:style>
+              <a:lnRef idx="2">
+                <a:schemeClr val="accent1">
+                  <a:shade val="50000"/>
+                </a:schemeClr>
+              </a:lnRef>
+              <a:fillRef idx="1">
+                <a:schemeClr val="accent1"/>
+              </a:fillRef>
+              <a:effectRef idx="0">
+                <a:schemeClr val="accent1"/>
+              </a:effectRef>
+              <a:fontRef idx="minor">
+                <a:schemeClr val="lt1"/>
+              </a:fontRef>
+            </p:style>
+            <p:txBody>
+              <a:bodyPr rtlCol="0" anchor="ctr"/>
+              <a:lstStyle/>
+              <a:p>
+                <a:pPr algn="ctr"/>
+                <a:endParaRPr lang="zh-CN" altLang="en-US"/>
+              </a:p>
+            </p:txBody>
+          </p:sp>
+        </p:grpSp>
+        <p:sp>
+          <p:nvSpPr>
+            <p:cNvPr id="57" name="文本框 56"/>
+            <p:cNvSpPr txBox="1"/>
+            <p:nvPr/>
+          </p:nvSpPr>
+          <p:spPr>
+            <a:xfrm>
+              <a:off x="2166981" y="398787"/>
+              <a:ext cx="722816" cy="688061"/>
+            </a:xfrm>
+            <a:prstGeom prst="rect">
+              <a:avLst/>
+            </a:prstGeom>
+            <a:noFill/>
+          </p:spPr>
+          <p:txBody>
+            <a:bodyPr wrap="square" rtlCol="0">
+              <a:spAutoFit/>
+              <a:scene3d>
+                <a:camera prst="orthographicFront"/>
+                <a:lightRig rig="threePt" dir="t"/>
+              </a:scene3d>
+              <a:sp3d contourW="12700"/>
+            </a:bodyPr>
+            <a:lstStyle/>
+            <a:p>
+              <a:pPr algn="ctr"/>
+              <a:r>
+                <a:rPr lang="en-US" altLang="zh-CN" sz="3200" dirty="0">
+                  <a:solidFill>
+                    <a:schemeClr val="accent1"/>
+                  </a:solidFill>
+                  <a:latin typeface="Agency FB" panose="020B0503020202020204" pitchFamily="34" charset="0"/>
+                </a:rPr>
+                <a:t>07</a:t>
+              </a:r>
+              <a:endParaRPr lang="zh-CN" altLang="en-US" sz="3200" dirty="0">
+                <a:solidFill>
+                  <a:schemeClr val="accent1"/>
+                </a:solidFill>
+                <a:latin typeface="Agency FB" panose="020B0503020202020204" pitchFamily="34" charset="0"/>
+              </a:endParaRPr>
+            </a:p>
+          </p:txBody>
+        </p:sp>
+        <p:grpSp>
+          <p:nvGrpSpPr>
+            <p:cNvPr id="59" name="组合 58"/>
+            <p:cNvGrpSpPr/>
+            <p:nvPr/>
+          </p:nvGrpSpPr>
+          <p:grpSpPr>
+            <a:xfrm>
+              <a:off x="11572872" y="7291431"/>
+              <a:ext cx="940556" cy="641115"/>
+              <a:chOff x="11395287" y="7365982"/>
+              <a:chExt cx="1208633" cy="823842"/>
+            </a:xfrm>
+          </p:grpSpPr>
+          <p:sp>
+            <p:nvSpPr>
+              <p:cNvPr id="60" name="菱形 59"/>
+              <p:cNvSpPr/>
+              <p:nvPr/>
+            </p:nvSpPr>
+            <p:spPr>
+              <a:xfrm>
+                <a:off x="11780079" y="7365982"/>
+                <a:ext cx="823841" cy="823842"/>
+              </a:xfrm>
+              <a:prstGeom prst="diamond">
+                <a:avLst/>
+              </a:prstGeom>
+              <a:noFill/>
+              <a:ln w="28575">
+                <a:solidFill>
+                  <a:schemeClr val="accent1">
+                    <a:lumMod val="60000"/>
+                    <a:lumOff val="40000"/>
+                  </a:schemeClr>
+                </a:solidFill>
+              </a:ln>
+            </p:spPr>
+            <p:style>
+              <a:lnRef idx="2">
+                <a:schemeClr val="accent1">
+                  <a:shade val="50000"/>
+                </a:schemeClr>
+              </a:lnRef>
+              <a:fillRef idx="1">
+                <a:schemeClr val="accent1"/>
+              </a:fillRef>
+              <a:effectRef idx="0">
+                <a:schemeClr val="accent1"/>
+              </a:effectRef>
+              <a:fontRef idx="minor">
+                <a:schemeClr val="lt1"/>
+              </a:fontRef>
+            </p:style>
+            <p:txBody>
+              <a:bodyPr rtlCol="0" anchor="ctr"/>
+              <a:lstStyle/>
+              <a:p>
+                <a:pPr algn="ctr"/>
+                <a:endParaRPr lang="zh-CN" altLang="en-US"/>
+              </a:p>
+            </p:txBody>
+          </p:sp>
+          <p:sp>
+            <p:nvSpPr>
+              <p:cNvPr id="61" name="菱形 60"/>
+              <p:cNvSpPr/>
+              <p:nvPr/>
+            </p:nvSpPr>
+            <p:spPr>
+              <a:xfrm>
+                <a:off x="11395287" y="7489187"/>
+                <a:ext cx="577426" cy="577425"/>
+              </a:xfrm>
+              <a:prstGeom prst="diamond">
+                <a:avLst/>
+              </a:prstGeom>
+              <a:noFill/>
+              <a:ln w="28575">
+                <a:solidFill>
+                  <a:schemeClr val="accent1">
+                    <a:lumMod val="60000"/>
+                    <a:lumOff val="40000"/>
+                  </a:schemeClr>
+                </a:solidFill>
+              </a:ln>
+            </p:spPr>
+            <p:style>
+              <a:lnRef idx="2">
+                <a:schemeClr val="accent1">
+                  <a:shade val="50000"/>
+                </a:schemeClr>
+              </a:lnRef>
+              <a:fillRef idx="1">
+                <a:schemeClr val="accent1"/>
+              </a:fillRef>
+              <a:effectRef idx="0">
+                <a:schemeClr val="accent1"/>
+              </a:effectRef>
+              <a:fontRef idx="minor">
+                <a:schemeClr val="lt1"/>
+              </a:fontRef>
+            </p:style>
+            <p:txBody>
+              <a:bodyPr rtlCol="0" anchor="ctr"/>
+              <a:lstStyle/>
+              <a:p>
+                <a:pPr algn="ctr"/>
+                <a:endParaRPr lang="zh-CN" altLang="en-US"/>
+              </a:p>
+            </p:txBody>
+          </p:sp>
+        </p:grpSp>
+      </p:grpSp>
+      <p:sp>
+        <p:nvSpPr>
+          <p:cNvPr id="2" name="灯片编号占位符 1"/>
+          <p:cNvSpPr>
+            <a:spLocks noGrp="1"/>
+          </p:cNvSpPr>
+          <p:nvPr>
+            <p:ph type="sldNum" sz="quarter" idx="4294967295"/>
+          </p:nvPr>
+        </p:nvSpPr>
+        <p:spPr>
+          <a:xfrm>
+            <a:off x="6801374" y="6308973"/>
+            <a:ext cx="2057400" cy="365125"/>
+          </a:xfrm>
+        </p:spPr>
+        <p:txBody>
+          <a:bodyPr/>
+          <a:lstStyle/>
+          <a:p>
+            <a:fld id="{2EC5D418-970F-4C7F-9452-AEC5956F87CE}" type="slidenum">
+              <a:rPr lang="zh-CN" altLang="en-US" smtClean="0"/>
+              <a:pPr/>
+              <a:t>21</a:t>
+            </a:fld>
+            <a:endParaRPr lang="zh-CN" altLang="en-US" dirty="0"/>
+          </a:p>
+        </p:txBody>
+      </p:sp>
+      <p:pic>
+        <p:nvPicPr>
+          <p:cNvPr id="30" name="图片 29">
+            <a:extLst>
+              <a:ext uri="{FF2B5EF4-FFF2-40B4-BE49-F238E27FC236}">
+                <a16:creationId xmlns:a16="http://schemas.microsoft.com/office/drawing/2014/main" id="{0DE557CF-93C1-4CD2-BEDB-F6ED9B73877B}"/>
+              </a:ext>
+            </a:extLst>
+          </p:cNvPr>
+          <p:cNvPicPr>
+            <a:picLocks noChangeAspect="1"/>
+          </p:cNvPicPr>
+          <p:nvPr/>
+        </p:nvPicPr>
+        <p:blipFill>
+          <a:blip r:embed="rId3" cstate="print">
+            <a:extLst>
+              <a:ext uri="{28A0092B-C50C-407E-A947-70E740481C1C}">
+                <a14:useLocalDpi xmlns:a14="http://schemas.microsoft.com/office/drawing/2010/main" val="0"/>
+              </a:ext>
+            </a:extLst>
+          </a:blip>
+          <a:stretch>
+            <a:fillRect/>
+          </a:stretch>
+        </p:blipFill>
+        <p:spPr>
+          <a:xfrm>
+            <a:off x="7604209" y="6241384"/>
+            <a:ext cx="521560" cy="521560"/>
+          </a:xfrm>
+          <a:prstGeom prst="rect">
+            <a:avLst/>
+          </a:prstGeom>
+        </p:spPr>
+      </p:pic>
+      <p:sp>
+        <p:nvSpPr>
+          <p:cNvPr id="25" name="文本框 24">
+            <a:extLst>
+              <a:ext uri="{FF2B5EF4-FFF2-40B4-BE49-F238E27FC236}">
+                <a16:creationId xmlns:a16="http://schemas.microsoft.com/office/drawing/2014/main" id="{4096B1CC-1349-4E99-9A39-A7B4A3646208}"/>
+              </a:ext>
+            </a:extLst>
+          </p:cNvPr>
+          <p:cNvSpPr txBox="1"/>
+          <p:nvPr/>
+        </p:nvSpPr>
+        <p:spPr>
+          <a:xfrm>
+            <a:off x="1302264" y="409723"/>
+            <a:ext cx="7262503" cy="523220"/>
+          </a:xfrm>
+          <a:prstGeom prst="rect">
+            <a:avLst/>
+          </a:prstGeom>
+          <a:noFill/>
+        </p:spPr>
+        <p:txBody>
+          <a:bodyPr wrap="square" rtlCol="0">
+            <a:spAutoFit/>
+            <a:scene3d>
+              <a:camera prst="orthographicFront"/>
+              <a:lightRig rig="threePt" dir="t"/>
+            </a:scene3d>
+            <a:sp3d contourW="12700"/>
+          </a:bodyPr>
+          <a:lstStyle/>
+          <a:p>
+            <a:r>
+              <a:rPr lang="en-US" altLang="zh-CN" sz="2800" b="1" dirty="0">
+                <a:solidFill>
+                  <a:schemeClr val="tx1">
+                    <a:lumMod val="75000"/>
+                    <a:lumOff val="25000"/>
+                  </a:schemeClr>
+                </a:solidFill>
+                <a:latin typeface="Century Gothic" panose="020B0502020202020204" pitchFamily="34" charset="0"/>
+              </a:rPr>
+              <a:t>Conclusion and Future</a:t>
+            </a:r>
+            <a:endParaRPr lang="zh-CN" altLang="en-US" sz="2800" b="1" dirty="0">
+              <a:solidFill>
+                <a:schemeClr val="tx1">
+                  <a:lumMod val="75000"/>
+                  <a:lumOff val="25000"/>
+                </a:schemeClr>
+              </a:solidFill>
+              <a:latin typeface="Century Gothic" panose="020B0502020202020204" pitchFamily="34" charset="0"/>
+            </a:endParaRPr>
+          </a:p>
+        </p:txBody>
+      </p:sp>
+      <p:pic>
+        <p:nvPicPr>
+          <p:cNvPr id="3" name="Picture 22">
+            <a:extLst>
+              <a:ext uri="{FF2B5EF4-FFF2-40B4-BE49-F238E27FC236}">
+                <a16:creationId xmlns:a16="http://schemas.microsoft.com/office/drawing/2014/main" id="{68AD3265-041E-5D84-C2FB-4EF2C42F2A4B}"/>
+              </a:ext>
+            </a:extLst>
+          </p:cNvPr>
+          <p:cNvPicPr>
+            <a:picLocks noChangeAspect="1"/>
+          </p:cNvPicPr>
+          <p:nvPr/>
+        </p:nvPicPr>
+        <p:blipFill>
+          <a:blip r:embed="rId4"/>
+          <a:stretch>
+            <a:fillRect/>
+          </a:stretch>
+        </p:blipFill>
+        <p:spPr>
+          <a:xfrm>
+            <a:off x="547299" y="1123485"/>
+            <a:ext cx="8194652" cy="4959920"/>
+          </a:xfrm>
+          <a:prstGeom prst="rect">
+            <a:avLst/>
+          </a:prstGeom>
+        </p:spPr>
+      </p:pic>
+    </p:spTree>
+    <p:extLst>
+      <p:ext uri="{BB962C8B-B14F-4D97-AF65-F5344CB8AC3E}">
+        <p14:creationId xmlns:p14="http://schemas.microsoft.com/office/powerpoint/2010/main" val="3901516208"/>
+      </p:ext>
+    </p:extLst>
+  </p:cSld>
+  <p:clrMapOvr>
+    <a:masterClrMapping/>
+  </p:clrMapOvr>
+</p:sld>
+</file>
+
+<file path=ppt/slides/slide22.xml><?xml version="1.0" encoding="utf-8"?>
+<p:sld xmlns:a="http://schemas.openxmlformats.org/drawingml/2006/main" xmlns:r="http://schemas.openxmlformats.org/officeDocument/2006/relationships" xmlns:p="http://schemas.openxmlformats.org/presentationml/2006/main">
+  <p:cSld>
+    <p:spTree>
+      <p:nvGrpSpPr>
+        <p:cNvPr id="1" name=""/>
+        <p:cNvGrpSpPr/>
+        <p:nvPr/>
+      </p:nvGrpSpPr>
+      <p:grpSpPr>
+        <a:xfrm>
+          <a:off x="0" y="0"/>
+          <a:ext cx="0" cy="0"/>
+          <a:chOff x="0" y="0"/>
+          <a:chExt cx="0" cy="0"/>
+        </a:xfrm>
+      </p:grpSpPr>
+      <p:grpSp>
+        <p:nvGrpSpPr>
+          <p:cNvPr id="55" name="组合 54"/>
+          <p:cNvGrpSpPr/>
+          <p:nvPr/>
+        </p:nvGrpSpPr>
+        <p:grpSpPr>
+          <a:xfrm>
+            <a:off x="129866" y="265800"/>
+            <a:ext cx="8834508" cy="6487359"/>
+            <a:chOff x="1653864" y="299356"/>
+            <a:chExt cx="10859564" cy="7633190"/>
+          </a:xfrm>
+        </p:grpSpPr>
+        <p:grpSp>
+          <p:nvGrpSpPr>
+            <p:cNvPr id="56" name="组合 55"/>
+            <p:cNvGrpSpPr/>
+            <p:nvPr/>
+          </p:nvGrpSpPr>
+          <p:grpSpPr>
+            <a:xfrm>
+              <a:off x="1653864" y="299356"/>
+              <a:ext cx="1316500" cy="883947"/>
+              <a:chOff x="7436079" y="1279752"/>
+              <a:chExt cx="6401934" cy="4298496"/>
+            </a:xfrm>
+          </p:grpSpPr>
+          <p:sp>
+            <p:nvSpPr>
+              <p:cNvPr id="64" name="菱形 63"/>
+              <p:cNvSpPr/>
+              <p:nvPr/>
+            </p:nvSpPr>
+            <p:spPr>
+              <a:xfrm>
+                <a:off x="7436079" y="2107068"/>
+                <a:ext cx="2643870" cy="2643870"/>
+              </a:xfrm>
+              <a:prstGeom prst="diamond">
+                <a:avLst/>
+              </a:prstGeom>
+              <a:noFill/>
+              <a:ln w="28575">
+                <a:solidFill>
+                  <a:schemeClr val="accent1">
+                    <a:lumMod val="60000"/>
+                    <a:lumOff val="40000"/>
+                  </a:schemeClr>
+                </a:solidFill>
+              </a:ln>
+            </p:spPr>
+            <p:style>
+              <a:lnRef idx="2">
+                <a:schemeClr val="accent1">
+                  <a:shade val="50000"/>
+                </a:schemeClr>
+              </a:lnRef>
+              <a:fillRef idx="1">
+                <a:schemeClr val="accent1"/>
+              </a:fillRef>
+              <a:effectRef idx="0">
+                <a:schemeClr val="accent1"/>
+              </a:effectRef>
+              <a:fontRef idx="minor">
+                <a:schemeClr val="lt1"/>
+              </a:fontRef>
+            </p:style>
+            <p:txBody>
+              <a:bodyPr rtlCol="0" anchor="ctr"/>
+              <a:lstStyle/>
+              <a:p>
+                <a:pPr algn="ctr"/>
+                <a:endParaRPr lang="zh-CN" altLang="en-US" b="1"/>
+              </a:p>
+            </p:txBody>
+          </p:sp>
+          <p:sp>
+            <p:nvSpPr>
+              <p:cNvPr id="65" name="菱形 64"/>
+              <p:cNvSpPr/>
+              <p:nvPr/>
+            </p:nvSpPr>
+            <p:spPr>
+              <a:xfrm>
+                <a:off x="9539517" y="1279752"/>
+                <a:ext cx="4298496" cy="4298496"/>
+              </a:xfrm>
+              <a:prstGeom prst="diamond">
+                <a:avLst/>
+              </a:prstGeom>
+              <a:noFill/>
+              <a:ln w="28575">
+                <a:solidFill>
+                  <a:srgbClr val="A72020"/>
+                </a:solidFill>
+              </a:ln>
+            </p:spPr>
+            <p:style>
+              <a:lnRef idx="2">
+                <a:schemeClr val="accent1">
+                  <a:shade val="50000"/>
+                </a:schemeClr>
+              </a:lnRef>
+              <a:fillRef idx="1">
+                <a:schemeClr val="accent1"/>
+              </a:fillRef>
+              <a:effectRef idx="0">
+                <a:schemeClr val="accent1"/>
+              </a:effectRef>
+              <a:fontRef idx="minor">
+                <a:schemeClr val="lt1"/>
+              </a:fontRef>
+            </p:style>
+            <p:txBody>
+              <a:bodyPr rtlCol="0" anchor="ctr"/>
+              <a:lstStyle/>
+              <a:p>
+                <a:pPr algn="ctr"/>
+                <a:endParaRPr lang="zh-CN" altLang="en-US" b="1"/>
+              </a:p>
+            </p:txBody>
+          </p:sp>
+        </p:grpSp>
+        <p:sp>
+          <p:nvSpPr>
+            <p:cNvPr id="57" name="文本框 56"/>
+            <p:cNvSpPr txBox="1"/>
+            <p:nvPr/>
+          </p:nvSpPr>
+          <p:spPr>
+            <a:xfrm>
+              <a:off x="2166981" y="398787"/>
+              <a:ext cx="722816" cy="688061"/>
+            </a:xfrm>
+            <a:prstGeom prst="rect">
+              <a:avLst/>
+            </a:prstGeom>
+            <a:noFill/>
+          </p:spPr>
+          <p:txBody>
+            <a:bodyPr wrap="square" rtlCol="0">
+              <a:spAutoFit/>
+              <a:scene3d>
+                <a:camera prst="orthographicFront"/>
+                <a:lightRig rig="threePt" dir="t"/>
+              </a:scene3d>
+              <a:sp3d contourW="12700"/>
+            </a:bodyPr>
+            <a:lstStyle/>
+            <a:p>
+              <a:pPr algn="ctr"/>
+              <a:r>
+                <a:rPr lang="en-US" altLang="zh-CN" sz="3200" dirty="0">
+                  <a:solidFill>
+                    <a:schemeClr val="accent1"/>
+                  </a:solidFill>
+                  <a:latin typeface="Agency FB" panose="020B0503020202020204" pitchFamily="34" charset="0"/>
+                </a:rPr>
+                <a:t>07</a:t>
+              </a:r>
+              <a:endParaRPr lang="zh-CN" altLang="en-US" sz="3200" dirty="0">
+                <a:solidFill>
+                  <a:schemeClr val="accent1"/>
+                </a:solidFill>
+                <a:latin typeface="Agency FB" panose="020B0503020202020204" pitchFamily="34" charset="0"/>
+              </a:endParaRPr>
+            </a:p>
+          </p:txBody>
+        </p:sp>
+        <p:grpSp>
+          <p:nvGrpSpPr>
+            <p:cNvPr id="59" name="组合 58"/>
+            <p:cNvGrpSpPr/>
+            <p:nvPr/>
+          </p:nvGrpSpPr>
+          <p:grpSpPr>
+            <a:xfrm>
+              <a:off x="11572872" y="7291431"/>
+              <a:ext cx="940556" cy="641115"/>
+              <a:chOff x="11395287" y="7365982"/>
+              <a:chExt cx="1208633" cy="823842"/>
+            </a:xfrm>
+          </p:grpSpPr>
+          <p:sp>
+            <p:nvSpPr>
+              <p:cNvPr id="60" name="菱形 59"/>
+              <p:cNvSpPr/>
+              <p:nvPr/>
+            </p:nvSpPr>
+            <p:spPr>
+              <a:xfrm>
+                <a:off x="11780079" y="7365982"/>
+                <a:ext cx="823841" cy="823842"/>
+              </a:xfrm>
+              <a:prstGeom prst="diamond">
+                <a:avLst/>
+              </a:prstGeom>
+              <a:noFill/>
+              <a:ln w="28575">
+                <a:solidFill>
+                  <a:schemeClr val="accent1">
+                    <a:lumMod val="60000"/>
+                    <a:lumOff val="40000"/>
+                  </a:schemeClr>
+                </a:solidFill>
+              </a:ln>
+            </p:spPr>
+            <p:style>
+              <a:lnRef idx="2">
+                <a:schemeClr val="accent1">
+                  <a:shade val="50000"/>
+                </a:schemeClr>
+              </a:lnRef>
+              <a:fillRef idx="1">
+                <a:schemeClr val="accent1"/>
+              </a:fillRef>
+              <a:effectRef idx="0">
+                <a:schemeClr val="accent1"/>
+              </a:effectRef>
+              <a:fontRef idx="minor">
+                <a:schemeClr val="lt1"/>
+              </a:fontRef>
+            </p:style>
+            <p:txBody>
+              <a:bodyPr rtlCol="0" anchor="ctr"/>
+              <a:lstStyle/>
+              <a:p>
+                <a:pPr algn="ctr"/>
+                <a:endParaRPr lang="zh-CN" altLang="en-US" b="1"/>
+              </a:p>
+            </p:txBody>
+          </p:sp>
+          <p:sp>
+            <p:nvSpPr>
+              <p:cNvPr id="61" name="菱形 60"/>
+              <p:cNvSpPr/>
+              <p:nvPr/>
+            </p:nvSpPr>
+            <p:spPr>
+              <a:xfrm>
+                <a:off x="11395287" y="7489187"/>
+                <a:ext cx="577426" cy="577425"/>
+              </a:xfrm>
+              <a:prstGeom prst="diamond">
+                <a:avLst/>
+              </a:prstGeom>
+              <a:noFill/>
+              <a:ln w="28575">
+                <a:solidFill>
+                  <a:schemeClr val="accent1">
+                    <a:lumMod val="60000"/>
+                    <a:lumOff val="40000"/>
+                  </a:schemeClr>
+                </a:solidFill>
+              </a:ln>
+            </p:spPr>
+            <p:style>
+              <a:lnRef idx="2">
+                <a:schemeClr val="accent1">
+                  <a:shade val="50000"/>
+                </a:schemeClr>
+              </a:lnRef>
+              <a:fillRef idx="1">
+                <a:schemeClr val="accent1"/>
+              </a:fillRef>
+              <a:effectRef idx="0">
+                <a:schemeClr val="accent1"/>
+              </a:effectRef>
+              <a:fontRef idx="minor">
+                <a:schemeClr val="lt1"/>
+              </a:fontRef>
+            </p:style>
+            <p:txBody>
+              <a:bodyPr rtlCol="0" anchor="ctr"/>
+              <a:lstStyle/>
+              <a:p>
+                <a:pPr algn="ctr"/>
+                <a:endParaRPr lang="zh-CN" altLang="en-US" b="1"/>
+              </a:p>
+            </p:txBody>
+          </p:sp>
+        </p:grpSp>
+      </p:grpSp>
+      <p:sp>
+        <p:nvSpPr>
+          <p:cNvPr id="2" name="灯片编号占位符 1"/>
+          <p:cNvSpPr>
+            <a:spLocks noGrp="1"/>
+          </p:cNvSpPr>
+          <p:nvPr>
+            <p:ph type="sldNum" sz="quarter" idx="4294967295"/>
+          </p:nvPr>
+        </p:nvSpPr>
+        <p:spPr>
+          <a:xfrm>
+            <a:off x="6853067" y="6281380"/>
+            <a:ext cx="2057400" cy="365125"/>
+          </a:xfrm>
+        </p:spPr>
+        <p:txBody>
+          <a:bodyPr/>
+          <a:lstStyle/>
+          <a:p>
+            <a:fld id="{2EC5D418-970F-4C7F-9452-AEC5956F87CE}" type="slidenum">
+              <a:rPr lang="zh-CN" altLang="en-US" smtClean="0"/>
+              <a:pPr/>
+              <a:t>22</a:t>
+            </a:fld>
+            <a:endParaRPr lang="zh-CN" altLang="en-US" dirty="0"/>
+          </a:p>
+        </p:txBody>
+      </p:sp>
+      <p:pic>
+        <p:nvPicPr>
+          <p:cNvPr id="30" name="图片 29">
+            <a:extLst>
+              <a:ext uri="{FF2B5EF4-FFF2-40B4-BE49-F238E27FC236}">
+                <a16:creationId xmlns:a16="http://schemas.microsoft.com/office/drawing/2014/main" id="{0DE557CF-93C1-4CD2-BEDB-F6ED9B73877B}"/>
+              </a:ext>
+            </a:extLst>
+          </p:cNvPr>
+          <p:cNvPicPr>
+            <a:picLocks noChangeAspect="1"/>
+          </p:cNvPicPr>
+          <p:nvPr/>
+        </p:nvPicPr>
+        <p:blipFill>
+          <a:blip r:embed="rId3" cstate="print">
+            <a:extLst>
+              <a:ext uri="{28A0092B-C50C-407E-A947-70E740481C1C}">
+                <a14:useLocalDpi xmlns:a14="http://schemas.microsoft.com/office/drawing/2010/main" val="0"/>
+              </a:ext>
+            </a:extLst>
+          </a:blip>
+          <a:stretch>
+            <a:fillRect/>
+          </a:stretch>
+        </p:blipFill>
+        <p:spPr>
+          <a:xfrm>
+            <a:off x="7604209" y="6241384"/>
+            <a:ext cx="521560" cy="521560"/>
+          </a:xfrm>
+          <a:prstGeom prst="rect">
+            <a:avLst/>
+          </a:prstGeom>
+        </p:spPr>
+      </p:pic>
+      <p:sp>
+        <p:nvSpPr>
+          <p:cNvPr id="25" name="文本框 24">
+            <a:extLst>
+              <a:ext uri="{FF2B5EF4-FFF2-40B4-BE49-F238E27FC236}">
+                <a16:creationId xmlns:a16="http://schemas.microsoft.com/office/drawing/2014/main" id="{4096B1CC-1349-4E99-9A39-A7B4A3646208}"/>
+              </a:ext>
+            </a:extLst>
+          </p:cNvPr>
+          <p:cNvSpPr txBox="1"/>
+          <p:nvPr/>
+        </p:nvSpPr>
+        <p:spPr>
+          <a:xfrm>
+            <a:off x="1302265" y="409723"/>
+            <a:ext cx="4198105" cy="523220"/>
+          </a:xfrm>
+          <a:prstGeom prst="rect">
+            <a:avLst/>
+          </a:prstGeom>
+          <a:noFill/>
+        </p:spPr>
+        <p:txBody>
+          <a:bodyPr wrap="square" rtlCol="0">
+            <a:spAutoFit/>
+            <a:scene3d>
+              <a:camera prst="orthographicFront"/>
+              <a:lightRig rig="threePt" dir="t"/>
+            </a:scene3d>
+            <a:sp3d contourW="12700"/>
+          </a:bodyPr>
+          <a:lstStyle/>
+          <a:p>
+            <a:r>
+              <a:rPr lang="en-US" altLang="zh-CN" sz="2800" b="1" dirty="0">
+                <a:solidFill>
+                  <a:schemeClr val="tx1">
+                    <a:lumMod val="75000"/>
+                    <a:lumOff val="25000"/>
+                  </a:schemeClr>
+                </a:solidFill>
+                <a:latin typeface="Century Gothic" panose="020B0502020202020204" pitchFamily="34" charset="0"/>
+              </a:rPr>
+              <a:t>Acknowledgement</a:t>
+            </a:r>
+            <a:endParaRPr lang="zh-CN" altLang="en-US" sz="2800" b="1" dirty="0">
+              <a:solidFill>
+                <a:schemeClr val="tx1">
+                  <a:lumMod val="75000"/>
+                  <a:lumOff val="25000"/>
+                </a:schemeClr>
+              </a:solidFill>
+              <a:latin typeface="Century Gothic" panose="020B0502020202020204" pitchFamily="34" charset="0"/>
+            </a:endParaRPr>
+          </a:p>
+        </p:txBody>
+      </p:sp>
+      <p:sp>
+        <p:nvSpPr>
+          <p:cNvPr id="3" name="文本框 2">
+            <a:extLst>
+              <a:ext uri="{FF2B5EF4-FFF2-40B4-BE49-F238E27FC236}">
+                <a16:creationId xmlns:a16="http://schemas.microsoft.com/office/drawing/2014/main" id="{D457BF33-7386-9D69-E4CA-AE94901E833F}"/>
+              </a:ext>
+            </a:extLst>
+          </p:cNvPr>
+          <p:cNvSpPr txBox="1"/>
+          <p:nvPr/>
+        </p:nvSpPr>
+        <p:spPr>
+          <a:xfrm>
+            <a:off x="1037730" y="1837696"/>
+            <a:ext cx="7068539" cy="1200329"/>
+          </a:xfrm>
+          <a:prstGeom prst="rect">
+            <a:avLst/>
+          </a:prstGeom>
+          <a:noFill/>
+        </p:spPr>
+        <p:txBody>
+          <a:bodyPr wrap="square" rtlCol="0">
+            <a:spAutoFit/>
+          </a:bodyPr>
+          <a:lstStyle/>
+          <a:p>
+            <a:pPr algn="ctr"/>
+            <a:r>
+              <a:rPr lang="en-US" altLang="zh-CN" dirty="0"/>
+              <a:t>Thanks Prof. Liu for instructions and hosting the seminar.</a:t>
+            </a:r>
+          </a:p>
+          <a:p>
+            <a:pPr algn="ctr"/>
+            <a:r>
+              <a:rPr lang="en-US" altLang="zh-CN" dirty="0"/>
+              <a:t>Thanks for the questions and listening.</a:t>
+            </a:r>
+          </a:p>
+          <a:p>
+            <a:pPr algn="ctr"/>
+            <a:r>
+              <a:rPr lang="en-US" altLang="zh-CN" dirty="0"/>
+              <a:t>We would like to specially thank GPT-4 for cooperation.</a:t>
+            </a:r>
+          </a:p>
+          <a:p>
+            <a:pPr algn="ctr"/>
+            <a:endParaRPr lang="zh-CN" altLang="en-US" dirty="0"/>
+          </a:p>
+        </p:txBody>
+      </p:sp>
+      <p:pic>
+        <p:nvPicPr>
+          <p:cNvPr id="5" name="Picture 6">
+            <a:extLst>
+              <a:ext uri="{FF2B5EF4-FFF2-40B4-BE49-F238E27FC236}">
+                <a16:creationId xmlns:a16="http://schemas.microsoft.com/office/drawing/2014/main" id="{CA2DA353-3A0C-0631-DF80-475AA97C2A3A}"/>
+              </a:ext>
+            </a:extLst>
+          </p:cNvPr>
+          <p:cNvPicPr>
+            <a:picLocks noChangeAspect="1"/>
+          </p:cNvPicPr>
+          <p:nvPr/>
+        </p:nvPicPr>
+        <p:blipFill>
+          <a:blip r:embed="rId4"/>
+          <a:stretch>
+            <a:fillRect/>
+          </a:stretch>
+        </p:blipFill>
+        <p:spPr>
+          <a:xfrm>
+            <a:off x="289616" y="3682300"/>
+            <a:ext cx="8564768" cy="1709927"/>
+          </a:xfrm>
+          <a:prstGeom prst="rect">
+            <a:avLst/>
+          </a:prstGeom>
+        </p:spPr>
+      </p:pic>
+    </p:spTree>
+    <p:extLst>
+      <p:ext uri="{BB962C8B-B14F-4D97-AF65-F5344CB8AC3E}">
+        <p14:creationId xmlns:p14="http://schemas.microsoft.com/office/powerpoint/2010/main" val="1776902710"/>
       </p:ext>
     </p:extLst>
   </p:cSld>
@@ -12685,7 +18863,7 @@
         </p:nvSpPr>
         <p:spPr>
           <a:xfrm>
-            <a:off x="1029755" y="4818842"/>
+            <a:off x="987812" y="4826779"/>
             <a:ext cx="2906769" cy="307777"/>
           </a:xfrm>
           <a:prstGeom prst="rect">
